--- a/Lecture_16.pptx
+++ b/Lecture_16.pptx
@@ -14,21 +14,25 @@
     <p:sldId id="276" r:id="rId8"/>
     <p:sldId id="262" r:id="rId9"/>
     <p:sldId id="263" r:id="rId10"/>
-    <p:sldId id="265" r:id="rId11"/>
-    <p:sldId id="266" r:id="rId12"/>
-    <p:sldId id="267" r:id="rId13"/>
-    <p:sldId id="268" r:id="rId14"/>
-    <p:sldId id="277" r:id="rId15"/>
-    <p:sldId id="278" r:id="rId16"/>
-    <p:sldId id="279" r:id="rId17"/>
-    <p:sldId id="280" r:id="rId18"/>
-    <p:sldId id="281" r:id="rId19"/>
+    <p:sldId id="266" r:id="rId11"/>
+    <p:sldId id="267" r:id="rId12"/>
+    <p:sldId id="268" r:id="rId13"/>
+    <p:sldId id="277" r:id="rId14"/>
+    <p:sldId id="278" r:id="rId15"/>
+    <p:sldId id="279" r:id="rId16"/>
+    <p:sldId id="280" r:id="rId17"/>
+    <p:sldId id="281" r:id="rId18"/>
+    <p:sldId id="286" r:id="rId19"/>
     <p:sldId id="271" r:id="rId20"/>
     <p:sldId id="272" r:id="rId21"/>
     <p:sldId id="273" r:id="rId22"/>
     <p:sldId id="274" r:id="rId23"/>
     <p:sldId id="275" r:id="rId24"/>
     <p:sldId id="270" r:id="rId25"/>
+    <p:sldId id="283" r:id="rId26"/>
+    <p:sldId id="285" r:id="rId27"/>
+    <p:sldId id="282" r:id="rId28"/>
+    <p:sldId id="284" r:id="rId29"/>
   </p:sldIdLst>
   <p:sldSz cx="12192000" cy="6858000"/>
   <p:notesSz cx="6858000" cy="9144000"/>
@@ -3477,218 +3481,6 @@
           <a:p>
             <a:r>
               <a:rPr lang="en-US" dirty="0"/>
-              <a:t>Preprocessing for ICA:</a:t>
-            </a:r>
-          </a:p>
-        </p:txBody>
-      </p:sp>
-      <mc:AlternateContent xmlns:mc="http://schemas.openxmlformats.org/markup-compatibility/2006" xmlns:a14="http://schemas.microsoft.com/office/drawing/2010/main">
-        <mc:Choice Requires="a14">
-          <p:sp>
-            <p:nvSpPr>
-              <p:cNvPr id="3" name="Content Placeholder 2">
-                <a:extLst>
-                  <a:ext uri="{FF2B5EF4-FFF2-40B4-BE49-F238E27FC236}">
-                    <a16:creationId xmlns:a16="http://schemas.microsoft.com/office/drawing/2014/main" id="{CEC70E31-34AB-2F43-811E-0A215FEECB52}"/>
-                  </a:ext>
-                </a:extLst>
-              </p:cNvPr>
-              <p:cNvSpPr>
-                <a:spLocks noGrp="1"/>
-              </p:cNvSpPr>
-              <p:nvPr>
-                <p:ph idx="1"/>
-              </p:nvPr>
-            </p:nvSpPr>
-            <p:spPr>
-              <a:xfrm>
-                <a:off x="0" y="995842"/>
-                <a:ext cx="12192000" cy="5862157"/>
-              </a:xfrm>
-            </p:spPr>
-            <p:txBody>
-              <a:bodyPr/>
-              <a:lstStyle/>
-              <a:p>
-                <a:r>
-                  <a:rPr lang="en-US" dirty="0"/>
-                  <a:t>To simplify the ICA algorithm, following preprocessing steps are usually taken:</a:t>
-                </a:r>
-              </a:p>
-              <a:p>
-                <a:r>
-                  <a:rPr lang="en-US" dirty="0"/>
-                  <a:t>Centering: subtract the mean, </a:t>
-                </a:r>
-                <a14:m>
-                  <m:oMath xmlns:m="http://schemas.openxmlformats.org/officeDocument/2006/math">
-                    <m:r>
-                      <a:rPr lang="en-US" b="0" i="1" smtClean="0">
-                        <a:latin typeface="Cambria Math" panose="02040503050406030204" pitchFamily="18" charset="0"/>
-                      </a:rPr>
-                      <m:t>𝐸</m:t>
-                    </m:r>
-                    <m:d>
-                      <m:dPr>
-                        <m:begChr m:val="["/>
-                        <m:endChr m:val="]"/>
-                        <m:ctrlPr>
-                          <a:rPr lang="en-US" b="0" i="1" smtClean="0">
-                            <a:latin typeface="Cambria Math" panose="02040503050406030204" pitchFamily="18" charset="0"/>
-                          </a:rPr>
-                        </m:ctrlPr>
-                      </m:dPr>
-                      <m:e>
-                        <m:r>
-                          <a:rPr lang="en-US" b="0" i="1" smtClean="0">
-                            <a:latin typeface="Cambria Math" panose="02040503050406030204" pitchFamily="18" charset="0"/>
-                          </a:rPr>
-                          <m:t>𝑥</m:t>
-                        </m:r>
-                      </m:e>
-                    </m:d>
-                  </m:oMath>
-                </a14:m>
-                <a:r>
-                  <a:rPr lang="en-US" dirty="0"/>
-                  <a:t> from the observed variable </a:t>
-                </a:r>
-                <a14:m>
-                  <m:oMath xmlns:m="http://schemas.openxmlformats.org/officeDocument/2006/math">
-                    <m:r>
-                      <a:rPr lang="en-US" b="0" i="1" smtClean="0">
-                        <a:latin typeface="Cambria Math" panose="02040503050406030204" pitchFamily="18" charset="0"/>
-                      </a:rPr>
-                      <m:t>𝑥</m:t>
-                    </m:r>
-                  </m:oMath>
-                </a14:m>
-                <a:endParaRPr lang="en-US" dirty="0"/>
-              </a:p>
-              <a:p>
-                <a:r>
-                  <a:rPr lang="en-US" dirty="0"/>
-                  <a:t>Whitening (PCA + additional step):</a:t>
-                </a:r>
-              </a:p>
-              <a:p>
-                <a:r>
-                  <a:rPr lang="en-US" dirty="0"/>
-                  <a:t>PCA reminder:  </a:t>
-                </a:r>
-              </a:p>
-            </p:txBody>
-          </p:sp>
-        </mc:Choice>
-        <mc:Fallback xmlns="">
-          <p:sp>
-            <p:nvSpPr>
-              <p:cNvPr id="3" name="Content Placeholder 2">
-                <a:extLst>
-                  <a:ext uri="{FF2B5EF4-FFF2-40B4-BE49-F238E27FC236}">
-                    <a16:creationId xmlns:a16="http://schemas.microsoft.com/office/drawing/2014/main" id="{CEC70E31-34AB-2F43-811E-0A215FEECB52}"/>
-                  </a:ext>
-                </a:extLst>
-              </p:cNvPr>
-              <p:cNvSpPr>
-                <a:spLocks noGrp="1" noRot="1" noChangeAspect="1" noMove="1" noResize="1" noEditPoints="1" noAdjustHandles="1" noChangeArrowheads="1" noChangeShapeType="1" noTextEdit="1"/>
-              </p:cNvSpPr>
-              <p:nvPr>
-                <p:ph idx="1"/>
-              </p:nvPr>
-            </p:nvSpPr>
-            <p:spPr>
-              <a:xfrm>
-                <a:off x="0" y="995842"/>
-                <a:ext cx="12192000" cy="5862157"/>
-              </a:xfrm>
-              <a:blipFill>
-                <a:blip r:embed="rId2"/>
-                <a:stretch>
-                  <a:fillRect l="-833" t="-1512"/>
-                </a:stretch>
-              </a:blipFill>
-            </p:spPr>
-            <p:txBody>
-              <a:bodyPr/>
-              <a:lstStyle/>
-              <a:p>
-                <a:r>
-                  <a:rPr lang="en-US">
-                    <a:noFill/>
-                  </a:rPr>
-                  <a:t> </a:t>
-                </a:r>
-              </a:p>
-            </p:txBody>
-          </p:sp>
-        </mc:Fallback>
-      </mc:AlternateContent>
-    </p:spTree>
-    <p:extLst>
-      <p:ext uri="{BB962C8B-B14F-4D97-AF65-F5344CB8AC3E}">
-        <p14:creationId xmlns:p14="http://schemas.microsoft.com/office/powerpoint/2010/main" val="3684370067"/>
-      </p:ext>
-    </p:extLst>
-  </p:cSld>
-  <p:clrMapOvr>
-    <a:masterClrMapping/>
-  </p:clrMapOvr>
-  <p:timing>
-    <p:tnLst>
-      <p:par>
-        <p:cTn id="1" dur="indefinite" restart="never" nodeType="tmRoot"/>
-      </p:par>
-    </p:tnLst>
-  </p:timing>
-</p:sld>
-</file>
-
-<file path=ppt/slides/slide11.xml><?xml version="1.0" encoding="utf-8"?>
-<p:sld xmlns:a="http://schemas.openxmlformats.org/drawingml/2006/main" xmlns:r="http://schemas.openxmlformats.org/officeDocument/2006/relationships" xmlns:p="http://schemas.openxmlformats.org/presentationml/2006/main">
-  <p:cSld>
-    <p:spTree>
-      <p:nvGrpSpPr>
-        <p:cNvPr id="1" name=""/>
-        <p:cNvGrpSpPr/>
-        <p:nvPr/>
-      </p:nvGrpSpPr>
-      <p:grpSpPr>
-        <a:xfrm>
-          <a:off x="0" y="0"/>
-          <a:ext cx="0" cy="0"/>
-          <a:chOff x="0" y="0"/>
-          <a:chExt cx="0" cy="0"/>
-        </a:xfrm>
-      </p:grpSpPr>
-      <p:sp>
-        <p:nvSpPr>
-          <p:cNvPr id="2" name="Title 1">
-            <a:extLst>
-              <a:ext uri="{FF2B5EF4-FFF2-40B4-BE49-F238E27FC236}">
-                <a16:creationId xmlns:a16="http://schemas.microsoft.com/office/drawing/2014/main" id="{08832DF7-5CE2-D641-AB14-53D26CA1DCA9}"/>
-              </a:ext>
-            </a:extLst>
-          </p:cNvPr>
-          <p:cNvSpPr>
-            <a:spLocks noGrp="1"/>
-          </p:cNvSpPr>
-          <p:nvPr>
-            <p:ph type="title"/>
-          </p:nvPr>
-        </p:nvSpPr>
-        <p:spPr>
-          <a:xfrm>
-            <a:off x="0" y="0"/>
-            <a:ext cx="10515600" cy="995842"/>
-          </a:xfrm>
-        </p:spPr>
-        <p:txBody>
-          <a:bodyPr/>
-          <a:lstStyle/>
-          <a:p>
-            <a:r>
-              <a:rPr lang="en-US" dirty="0"/>
               <a:t>ICA algorithm (</a:t>
             </a:r>
             <a:r>
@@ -4928,7 +4720,7 @@
 </p:sld>
 </file>
 
-<file path=ppt/slides/slide12.xml><?xml version="1.0" encoding="utf-8"?>
+<file path=ppt/slides/slide11.xml><?xml version="1.0" encoding="utf-8"?>
 <p:sld xmlns:a="http://schemas.openxmlformats.org/drawingml/2006/main" xmlns:r="http://schemas.openxmlformats.org/officeDocument/2006/relationships" xmlns:p="http://schemas.openxmlformats.org/presentationml/2006/main">
   <p:cSld>
     <p:spTree>
@@ -6844,7 +6636,7 @@
 </p:sld>
 </file>
 
-<file path=ppt/slides/slide13.xml><?xml version="1.0" encoding="utf-8"?>
+<file path=ppt/slides/slide12.xml><?xml version="1.0" encoding="utf-8"?>
 <p:sld xmlns:a="http://schemas.openxmlformats.org/drawingml/2006/main" xmlns:r="http://schemas.openxmlformats.org/officeDocument/2006/relationships" xmlns:p="http://schemas.openxmlformats.org/presentationml/2006/main">
   <p:cSld>
     <p:spTree>
@@ -6954,7 +6746,7 @@
 </p:sld>
 </file>
 
-<file path=ppt/slides/slide14.xml><?xml version="1.0" encoding="utf-8"?>
+<file path=ppt/slides/slide13.xml><?xml version="1.0" encoding="utf-8"?>
 <p:sld xmlns:a="http://schemas.openxmlformats.org/drawingml/2006/main" xmlns:r="http://schemas.openxmlformats.org/officeDocument/2006/relationships" xmlns:p="http://schemas.openxmlformats.org/presentationml/2006/main">
   <p:cSld>
     <p:spTree>
@@ -7064,7 +6856,7 @@
 </p:sld>
 </file>
 
-<file path=ppt/slides/slide15.xml><?xml version="1.0" encoding="utf-8"?>
+<file path=ppt/slides/slide14.xml><?xml version="1.0" encoding="utf-8"?>
 <p:sld xmlns:a="http://schemas.openxmlformats.org/drawingml/2006/main" xmlns:r="http://schemas.openxmlformats.org/officeDocument/2006/relationships" xmlns:p="http://schemas.openxmlformats.org/presentationml/2006/main">
   <p:cSld>
     <p:spTree>
@@ -7174,7 +6966,7 @@
 </p:sld>
 </file>
 
-<file path=ppt/slides/slide16.xml><?xml version="1.0" encoding="utf-8"?>
+<file path=ppt/slides/slide15.xml><?xml version="1.0" encoding="utf-8"?>
 <p:sld xmlns:a="http://schemas.openxmlformats.org/drawingml/2006/main" xmlns:r="http://schemas.openxmlformats.org/officeDocument/2006/relationships" xmlns:p="http://schemas.openxmlformats.org/presentationml/2006/main">
   <p:cSld>
     <p:spTree>
@@ -7284,7 +7076,7 @@
 </p:sld>
 </file>
 
-<file path=ppt/slides/slide17.xml><?xml version="1.0" encoding="utf-8"?>
+<file path=ppt/slides/slide16.xml><?xml version="1.0" encoding="utf-8"?>
 <p:sld xmlns:a="http://schemas.openxmlformats.org/drawingml/2006/main" xmlns:r="http://schemas.openxmlformats.org/officeDocument/2006/relationships" xmlns:p="http://schemas.openxmlformats.org/presentationml/2006/main">
   <p:cSld>
     <p:spTree>
@@ -7394,7 +7186,7 @@
 </p:sld>
 </file>
 
-<file path=ppt/slides/slide18.xml><?xml version="1.0" encoding="utf-8"?>
+<file path=ppt/slides/slide17.xml><?xml version="1.0" encoding="utf-8"?>
 <p:sld xmlns:a="http://schemas.openxmlformats.org/drawingml/2006/main" xmlns:r="http://schemas.openxmlformats.org/officeDocument/2006/relationships" xmlns:p="http://schemas.openxmlformats.org/presentationml/2006/main">
   <p:cSld>
     <p:spTree>
@@ -7488,6 +7280,434 @@
     <p:extLst>
       <p:ext uri="{BB962C8B-B14F-4D97-AF65-F5344CB8AC3E}">
         <p14:creationId xmlns:p14="http://schemas.microsoft.com/office/powerpoint/2010/main" val="1834960721"/>
+      </p:ext>
+    </p:extLst>
+  </p:cSld>
+  <p:clrMapOvr>
+    <a:masterClrMapping/>
+  </p:clrMapOvr>
+  <p:timing>
+    <p:tnLst>
+      <p:par>
+        <p:cTn id="1" dur="indefinite" restart="never" nodeType="tmRoot"/>
+      </p:par>
+    </p:tnLst>
+  </p:timing>
+</p:sld>
+</file>
+
+<file path=ppt/slides/slide18.xml><?xml version="1.0" encoding="utf-8"?>
+<p:sld xmlns:a="http://schemas.openxmlformats.org/drawingml/2006/main" xmlns:r="http://schemas.openxmlformats.org/officeDocument/2006/relationships" xmlns:p="http://schemas.openxmlformats.org/presentationml/2006/main">
+  <p:cSld>
+    <p:spTree>
+      <p:nvGrpSpPr>
+        <p:cNvPr id="1" name=""/>
+        <p:cNvGrpSpPr/>
+        <p:nvPr/>
+      </p:nvGrpSpPr>
+      <p:grpSpPr>
+        <a:xfrm>
+          <a:off x="0" y="0"/>
+          <a:ext cx="0" cy="0"/>
+          <a:chOff x="0" y="0"/>
+          <a:chExt cx="0" cy="0"/>
+        </a:xfrm>
+      </p:grpSpPr>
+      <p:sp>
+        <p:nvSpPr>
+          <p:cNvPr id="2" name="Title 1">
+            <a:extLst>
+              <a:ext uri="{FF2B5EF4-FFF2-40B4-BE49-F238E27FC236}">
+                <a16:creationId xmlns:a16="http://schemas.microsoft.com/office/drawing/2014/main" id="{08832DF7-5CE2-D641-AB14-53D26CA1DCA9}"/>
+              </a:ext>
+            </a:extLst>
+          </p:cNvPr>
+          <p:cNvSpPr>
+            <a:spLocks noGrp="1"/>
+          </p:cNvSpPr>
+          <p:nvPr>
+            <p:ph type="title"/>
+          </p:nvPr>
+        </p:nvSpPr>
+        <p:spPr>
+          <a:xfrm>
+            <a:off x="0" y="0"/>
+            <a:ext cx="10515600" cy="659706"/>
+          </a:xfrm>
+        </p:spPr>
+        <p:txBody>
+          <a:bodyPr>
+            <a:normAutofit fontScale="90000"/>
+          </a:bodyPr>
+          <a:lstStyle/>
+          <a:p>
+            <a:r>
+              <a:rPr lang="en-US" dirty="0"/>
+              <a:t>Preprocessing for ICA:</a:t>
+            </a:r>
+          </a:p>
+        </p:txBody>
+      </p:sp>
+      <mc:AlternateContent xmlns:mc="http://schemas.openxmlformats.org/markup-compatibility/2006" xmlns:a14="http://schemas.microsoft.com/office/drawing/2010/main">
+        <mc:Choice Requires="a14">
+          <p:sp>
+            <p:nvSpPr>
+              <p:cNvPr id="3" name="Content Placeholder 2">
+                <a:extLst>
+                  <a:ext uri="{FF2B5EF4-FFF2-40B4-BE49-F238E27FC236}">
+                    <a16:creationId xmlns:a16="http://schemas.microsoft.com/office/drawing/2014/main" id="{CEC70E31-34AB-2F43-811E-0A215FEECB52}"/>
+                  </a:ext>
+                </a:extLst>
+              </p:cNvPr>
+              <p:cNvSpPr>
+                <a:spLocks noGrp="1"/>
+              </p:cNvSpPr>
+              <p:nvPr>
+                <p:ph idx="1"/>
+              </p:nvPr>
+            </p:nvSpPr>
+            <p:spPr>
+              <a:xfrm>
+                <a:off x="0" y="817418"/>
+                <a:ext cx="12192000" cy="2522099"/>
+              </a:xfrm>
+            </p:spPr>
+            <p:txBody>
+              <a:bodyPr>
+                <a:normAutofit fontScale="92500" lnSpcReduction="10000"/>
+              </a:bodyPr>
+              <a:lstStyle/>
+              <a:p>
+                <a:r>
+                  <a:rPr lang="en-US" dirty="0"/>
+                  <a:t>To simplify the ICA algorithm, following preprocessing steps are usually taken:</a:t>
+                </a:r>
+              </a:p>
+              <a:p>
+                <a:r>
+                  <a:rPr lang="en-US" dirty="0"/>
+                  <a:t>Centering: subtract the mean, </a:t>
+                </a:r>
+                <a14:m>
+                  <m:oMath xmlns:m="http://schemas.openxmlformats.org/officeDocument/2006/math">
+                    <m:r>
+                      <a:rPr lang="en-US" b="0" i="1" smtClean="0">
+                        <a:latin typeface="Cambria Math" panose="02040503050406030204" pitchFamily="18" charset="0"/>
+                      </a:rPr>
+                      <m:t>𝐸</m:t>
+                    </m:r>
+                    <m:d>
+                      <m:dPr>
+                        <m:begChr m:val="["/>
+                        <m:endChr m:val="]"/>
+                        <m:ctrlPr>
+                          <a:rPr lang="en-US" b="0" i="1" smtClean="0">
+                            <a:latin typeface="Cambria Math" panose="02040503050406030204" pitchFamily="18" charset="0"/>
+                          </a:rPr>
+                        </m:ctrlPr>
+                      </m:dPr>
+                      <m:e>
+                        <m:r>
+                          <a:rPr lang="en-US" b="0" i="1" smtClean="0">
+                            <a:latin typeface="Cambria Math" panose="02040503050406030204" pitchFamily="18" charset="0"/>
+                          </a:rPr>
+                          <m:t>𝑥</m:t>
+                        </m:r>
+                      </m:e>
+                    </m:d>
+                  </m:oMath>
+                </a14:m>
+                <a:r>
+                  <a:rPr lang="en-US" dirty="0"/>
+                  <a:t> from the observed variable </a:t>
+                </a:r>
+                <a14:m>
+                  <m:oMath xmlns:m="http://schemas.openxmlformats.org/officeDocument/2006/math">
+                    <m:r>
+                      <a:rPr lang="en-US" b="0" i="1" smtClean="0">
+                        <a:latin typeface="Cambria Math" panose="02040503050406030204" pitchFamily="18" charset="0"/>
+                      </a:rPr>
+                      <m:t>𝑥</m:t>
+                    </m:r>
+                  </m:oMath>
+                </a14:m>
+                <a:endParaRPr lang="en-US" dirty="0"/>
+              </a:p>
+              <a:p>
+                <a:r>
+                  <a:rPr lang="en-US" dirty="0"/>
+                  <a:t>Whitening (PCA + additional step):</a:t>
+                </a:r>
+              </a:p>
+              <a:p>
+                <a:r>
+                  <a:rPr lang="en-US" dirty="0"/>
+                  <a:t>PCA reminder:  </a:t>
+                </a:r>
+                <a:r>
+                  <a:rPr lang="en-US" dirty="0" smtClean="0"/>
+                  <a:t>reduces dimensionality of dataset and allows for an additional “whitening” step to equalize variance across all PCA dimensions </a:t>
+                </a:r>
+              </a:p>
+              <a:p>
+                <a:pPr lvl="1"/>
+                <a:r>
+                  <a:rPr lang="en-US" dirty="0" smtClean="0"/>
+                  <a:t>This is necessary for ICA to work properly</a:t>
+                </a:r>
+                <a:endParaRPr lang="en-US" dirty="0"/>
+              </a:p>
+            </p:txBody>
+          </p:sp>
+        </mc:Choice>
+        <mc:Fallback xmlns="">
+          <p:sp>
+            <p:nvSpPr>
+              <p:cNvPr id="3" name="Content Placeholder 2">
+                <a:extLst>
+                  <a:ext uri="{FF2B5EF4-FFF2-40B4-BE49-F238E27FC236}">
+                    <a16:creationId xmlns:a16="http://schemas.microsoft.com/office/drawing/2014/main" id="{CEC70E31-34AB-2F43-811E-0A215FEECB52}"/>
+                  </a:ext>
+                </a:extLst>
+              </p:cNvPr>
+              <p:cNvSpPr>
+                <a:spLocks noGrp="1" noRot="1" noChangeAspect="1" noMove="1" noResize="1" noEditPoints="1" noAdjustHandles="1" noChangeArrowheads="1" noChangeShapeType="1" noTextEdit="1"/>
+              </p:cNvSpPr>
+              <p:nvPr>
+                <p:ph idx="1"/>
+              </p:nvPr>
+            </p:nvSpPr>
+            <p:spPr>
+              <a:xfrm>
+                <a:off x="0" y="817418"/>
+                <a:ext cx="12192000" cy="2522099"/>
+              </a:xfrm>
+              <a:blipFill>
+                <a:blip r:embed="rId2"/>
+                <a:stretch>
+                  <a:fillRect l="-750" t="-4831"/>
+                </a:stretch>
+              </a:blipFill>
+            </p:spPr>
+            <p:txBody>
+              <a:bodyPr/>
+              <a:lstStyle/>
+              <a:p>
+                <a:r>
+                  <a:rPr lang="en-CA">
+                    <a:noFill/>
+                  </a:rPr>
+                  <a:t> </a:t>
+                </a:r>
+              </a:p>
+            </p:txBody>
+          </p:sp>
+        </mc:Fallback>
+      </mc:AlternateContent>
+      <p:pic>
+        <p:nvPicPr>
+          <p:cNvPr id="4" name="Picture 3"/>
+          <p:cNvPicPr>
+            <a:picLocks noChangeAspect="1"/>
+          </p:cNvPicPr>
+          <p:nvPr/>
+        </p:nvPicPr>
+        <p:blipFill>
+          <a:blip r:embed="rId3"/>
+          <a:stretch>
+            <a:fillRect/>
+          </a:stretch>
+        </p:blipFill>
+        <p:spPr>
+          <a:xfrm>
+            <a:off x="119358" y="3749379"/>
+            <a:ext cx="3534120" cy="2765246"/>
+          </a:xfrm>
+          <a:prstGeom prst="rect">
+            <a:avLst/>
+          </a:prstGeom>
+        </p:spPr>
+      </p:pic>
+      <p:sp>
+        <p:nvSpPr>
+          <p:cNvPr id="5" name="TextBox 4"/>
+          <p:cNvSpPr txBox="1"/>
+          <p:nvPr/>
+        </p:nvSpPr>
+        <p:spPr>
+          <a:xfrm>
+            <a:off x="1090687" y="3541629"/>
+            <a:ext cx="1591461" cy="323165"/>
+          </a:xfrm>
+          <a:prstGeom prst="rect">
+            <a:avLst/>
+          </a:prstGeom>
+          <a:noFill/>
+        </p:spPr>
+        <p:txBody>
+          <a:bodyPr wrap="none" rtlCol="0">
+            <a:spAutoFit/>
+          </a:bodyPr>
+          <a:lstStyle/>
+          <a:p>
+            <a:r>
+              <a:rPr lang="en-CA" sz="1500" dirty="0" smtClean="0"/>
+              <a:t>Covariance matrix</a:t>
+            </a:r>
+            <a:endParaRPr lang="en-CA" sz="1500" dirty="0"/>
+          </a:p>
+        </p:txBody>
+      </p:sp>
+      <p:pic>
+        <p:nvPicPr>
+          <p:cNvPr id="6" name="Picture 5"/>
+          <p:cNvPicPr>
+            <a:picLocks noChangeAspect="1"/>
+          </p:cNvPicPr>
+          <p:nvPr/>
+        </p:nvPicPr>
+        <p:blipFill>
+          <a:blip r:embed="rId4"/>
+          <a:stretch>
+            <a:fillRect/>
+          </a:stretch>
+        </p:blipFill>
+        <p:spPr>
+          <a:xfrm>
+            <a:off x="3931047" y="3547266"/>
+            <a:ext cx="3820122" cy="3161886"/>
+          </a:xfrm>
+          <a:prstGeom prst="rect">
+            <a:avLst/>
+          </a:prstGeom>
+        </p:spPr>
+      </p:pic>
+      <p:pic>
+        <p:nvPicPr>
+          <p:cNvPr id="7" name="Picture 6"/>
+          <p:cNvPicPr>
+            <a:picLocks noChangeAspect="1"/>
+          </p:cNvPicPr>
+          <p:nvPr/>
+        </p:nvPicPr>
+        <p:blipFill>
+          <a:blip r:embed="rId5"/>
+          <a:stretch>
+            <a:fillRect/>
+          </a:stretch>
+        </p:blipFill>
+        <p:spPr>
+          <a:xfrm>
+            <a:off x="8070035" y="3547266"/>
+            <a:ext cx="3803099" cy="3126993"/>
+          </a:xfrm>
+          <a:prstGeom prst="rect">
+            <a:avLst/>
+          </a:prstGeom>
+        </p:spPr>
+      </p:pic>
+      <p:cxnSp>
+        <p:nvCxnSpPr>
+          <p:cNvPr id="8" name="Straight Arrow Connector 7"/>
+          <p:cNvCxnSpPr/>
+          <p:nvPr/>
+        </p:nvCxnSpPr>
+        <p:spPr>
+          <a:xfrm>
+            <a:off x="3535262" y="3547266"/>
+            <a:ext cx="791570" cy="0"/>
+          </a:xfrm>
+          <a:prstGeom prst="straightConnector1">
+            <a:avLst/>
+          </a:prstGeom>
+          <a:ln w="38100">
+            <a:solidFill>
+              <a:schemeClr val="tx1"/>
+            </a:solidFill>
+            <a:tailEnd type="triangle"/>
+          </a:ln>
+        </p:spPr>
+        <p:style>
+          <a:lnRef idx="1">
+            <a:schemeClr val="accent1"/>
+          </a:lnRef>
+          <a:fillRef idx="0">
+            <a:schemeClr val="accent1"/>
+          </a:fillRef>
+          <a:effectRef idx="0">
+            <a:schemeClr val="accent1"/>
+          </a:effectRef>
+          <a:fontRef idx="minor">
+            <a:schemeClr val="tx1"/>
+          </a:fontRef>
+        </p:style>
+      </p:cxnSp>
+      <p:cxnSp>
+        <p:nvCxnSpPr>
+          <p:cNvPr id="9" name="Straight Arrow Connector 8"/>
+          <p:cNvCxnSpPr/>
+          <p:nvPr/>
+        </p:nvCxnSpPr>
+        <p:spPr>
+          <a:xfrm>
+            <a:off x="7545915" y="3561623"/>
+            <a:ext cx="791570" cy="0"/>
+          </a:xfrm>
+          <a:prstGeom prst="straightConnector1">
+            <a:avLst/>
+          </a:prstGeom>
+          <a:ln w="38100">
+            <a:solidFill>
+              <a:schemeClr val="tx1"/>
+            </a:solidFill>
+            <a:tailEnd type="triangle"/>
+          </a:ln>
+        </p:spPr>
+        <p:style>
+          <a:lnRef idx="1">
+            <a:schemeClr val="accent1"/>
+          </a:lnRef>
+          <a:fillRef idx="0">
+            <a:schemeClr val="accent1"/>
+          </a:fillRef>
+          <a:effectRef idx="0">
+            <a:schemeClr val="accent1"/>
+          </a:effectRef>
+          <a:fontRef idx="minor">
+            <a:schemeClr val="tx1"/>
+          </a:fontRef>
+        </p:style>
+      </p:cxnSp>
+      <p:sp>
+        <p:nvSpPr>
+          <p:cNvPr id="10" name="TextBox 9"/>
+          <p:cNvSpPr txBox="1"/>
+          <p:nvPr/>
+        </p:nvSpPr>
+        <p:spPr>
+          <a:xfrm>
+            <a:off x="2479964" y="2812473"/>
+            <a:ext cx="184731" cy="369332"/>
+          </a:xfrm>
+          <a:prstGeom prst="rect">
+            <a:avLst/>
+          </a:prstGeom>
+          <a:noFill/>
+        </p:spPr>
+        <p:txBody>
+          <a:bodyPr wrap="none" rtlCol="0">
+            <a:spAutoFit/>
+          </a:bodyPr>
+          <a:lstStyle/>
+          <a:p>
+            <a:endParaRPr lang="en-CA" dirty="0"/>
+          </a:p>
+        </p:txBody>
+      </p:sp>
+    </p:spTree>
+    <p:extLst>
+      <p:ext uri="{BB962C8B-B14F-4D97-AF65-F5344CB8AC3E}">
+        <p14:creationId xmlns:p14="http://schemas.microsoft.com/office/powerpoint/2010/main" val="2686684181"/>
       </p:ext>
     </p:extLst>
   </p:cSld>
@@ -8435,27 +8655,725 @@
             <p:ph type="title"/>
           </p:nvPr>
         </p:nvSpPr>
+        <p:spPr>
+          <a:xfrm>
+            <a:off x="0" y="32616"/>
+            <a:ext cx="7647709" cy="1616075"/>
+          </a:xfrm>
+        </p:spPr>
+        <p:txBody>
+          <a:bodyPr>
+            <a:normAutofit fontScale="90000"/>
+          </a:bodyPr>
+          <a:lstStyle/>
+          <a:p>
+            <a:r>
+              <a:rPr lang="en-US" dirty="0"/>
+              <a:t>Application: separating muscular activity from neuronal activity in EEG recordings</a:t>
+            </a:r>
+          </a:p>
+        </p:txBody>
+      </p:sp>
+      <p:pic>
+        <p:nvPicPr>
+          <p:cNvPr id="4" name="Picture 3"/>
+          <p:cNvPicPr>
+            <a:picLocks noChangeAspect="1"/>
+          </p:cNvPicPr>
+          <p:nvPr/>
+        </p:nvPicPr>
+        <p:blipFill>
+          <a:blip r:embed="rId2"/>
+          <a:stretch>
+            <a:fillRect/>
+          </a:stretch>
+        </p:blipFill>
+        <p:spPr>
+          <a:xfrm>
+            <a:off x="13855" y="1773380"/>
+            <a:ext cx="12156982" cy="5043055"/>
+          </a:xfrm>
+          <a:prstGeom prst="rect">
+            <a:avLst/>
+          </a:prstGeom>
+        </p:spPr>
+      </p:pic>
+      <p:pic>
+        <p:nvPicPr>
+          <p:cNvPr id="1026" name="Picture 2" descr="Image may contain: one or more people, hat and closeup"/>
+          <p:cNvPicPr>
+            <a:picLocks noChangeAspect="1" noChangeArrowheads="1"/>
+          </p:cNvPicPr>
+          <p:nvPr/>
+        </p:nvPicPr>
+        <p:blipFill>
+          <a:blip r:embed="rId3">
+            <a:extLst>
+              <a:ext uri="{28A0092B-C50C-407E-A947-70E740481C1C}">
+                <a14:useLocalDpi xmlns:a14="http://schemas.microsoft.com/office/drawing/2010/main" val="0"/>
+              </a:ext>
+            </a:extLst>
+          </a:blip>
+          <a:srcRect/>
+          <a:stretch>
+            <a:fillRect/>
+          </a:stretch>
+        </p:blipFill>
+        <p:spPr bwMode="auto">
+          <a:xfrm>
+            <a:off x="10501745" y="32616"/>
+            <a:ext cx="1669092" cy="1669092"/>
+          </a:xfrm>
+          <a:prstGeom prst="rect">
+            <a:avLst/>
+          </a:prstGeom>
+          <a:noFill/>
+          <a:extLst>
+            <a:ext uri="{909E8E84-426E-40DD-AFC4-6F175D3DCCD1}">
+              <a14:hiddenFill xmlns:a14="http://schemas.microsoft.com/office/drawing/2010/main">
+                <a:solidFill>
+                  <a:srgbClr val="FFFFFF"/>
+                </a:solidFill>
+              </a14:hiddenFill>
+            </a:ext>
+          </a:extLst>
+        </p:spPr>
+      </p:pic>
+      <p:cxnSp>
+        <p:nvCxnSpPr>
+          <p:cNvPr id="6" name="Straight Arrow Connector 5"/>
+          <p:cNvCxnSpPr/>
+          <p:nvPr/>
+        </p:nvCxnSpPr>
+        <p:spPr>
+          <a:xfrm flipH="1">
+            <a:off x="8783783" y="180109"/>
+            <a:ext cx="2604653" cy="1593271"/>
+          </a:xfrm>
+          <a:prstGeom prst="straightConnector1">
+            <a:avLst/>
+          </a:prstGeom>
+          <a:ln>
+            <a:solidFill>
+              <a:srgbClr val="FFC000"/>
+            </a:solidFill>
+            <a:tailEnd type="triangle"/>
+          </a:ln>
+        </p:spPr>
+        <p:style>
+          <a:lnRef idx="1">
+            <a:schemeClr val="accent1"/>
+          </a:lnRef>
+          <a:fillRef idx="0">
+            <a:schemeClr val="accent1"/>
+          </a:fillRef>
+          <a:effectRef idx="0">
+            <a:schemeClr val="accent1"/>
+          </a:effectRef>
+          <a:fontRef idx="minor">
+            <a:schemeClr val="tx1"/>
+          </a:fontRef>
+        </p:style>
+      </p:cxnSp>
+      <p:sp>
+        <p:nvSpPr>
+          <p:cNvPr id="8" name="TextBox 7"/>
+          <p:cNvSpPr txBox="1"/>
+          <p:nvPr/>
+        </p:nvSpPr>
+        <p:spPr>
+          <a:xfrm>
+            <a:off x="7647709" y="290945"/>
+            <a:ext cx="2424546" cy="923330"/>
+          </a:xfrm>
+          <a:prstGeom prst="rect">
+            <a:avLst/>
+          </a:prstGeom>
+          <a:noFill/>
+        </p:spPr>
+        <p:txBody>
+          <a:bodyPr wrap="square" rtlCol="0">
+            <a:spAutoFit/>
+          </a:bodyPr>
+          <a:lstStyle/>
+          <a:p>
+            <a:r>
+              <a:rPr lang="en-CA" dirty="0" smtClean="0"/>
+              <a:t>Each electrode has a time series (EEG cap is a grid of sensors)</a:t>
+            </a:r>
+            <a:endParaRPr lang="en-CA" dirty="0"/>
+          </a:p>
+        </p:txBody>
+      </p:sp>
+    </p:spTree>
+    <p:extLst>
+      <p:ext uri="{BB962C8B-B14F-4D97-AF65-F5344CB8AC3E}">
+        <p14:creationId xmlns:p14="http://schemas.microsoft.com/office/powerpoint/2010/main" val="523943868"/>
+      </p:ext>
+    </p:extLst>
+  </p:cSld>
+  <p:clrMapOvr>
+    <a:masterClrMapping/>
+  </p:clrMapOvr>
+  <p:timing>
+    <p:tnLst>
+      <p:par>
+        <p:cTn id="1" dur="indefinite" restart="never" nodeType="tmRoot"/>
+      </p:par>
+    </p:tnLst>
+  </p:timing>
+</p:sld>
+</file>
+
+<file path=ppt/slides/slide25.xml><?xml version="1.0" encoding="utf-8"?>
+<p:sld xmlns:a="http://schemas.openxmlformats.org/drawingml/2006/main" xmlns:r="http://schemas.openxmlformats.org/officeDocument/2006/relationships" xmlns:p="http://schemas.openxmlformats.org/presentationml/2006/main">
+  <p:cSld>
+    <p:spTree>
+      <p:nvGrpSpPr>
+        <p:cNvPr id="1" name=""/>
+        <p:cNvGrpSpPr/>
+        <p:nvPr/>
+      </p:nvGrpSpPr>
+      <p:grpSpPr>
+        <a:xfrm>
+          <a:off x="0" y="0"/>
+          <a:ext cx="0" cy="0"/>
+          <a:chOff x="0" y="0"/>
+          <a:chExt cx="0" cy="0"/>
+        </a:xfrm>
+      </p:grpSpPr>
+      <p:sp>
+        <p:nvSpPr>
+          <p:cNvPr id="2" name="Title 1"/>
+          <p:cNvSpPr>
+            <a:spLocks noGrp="1"/>
+          </p:cNvSpPr>
+          <p:nvPr>
+            <p:ph type="title"/>
+          </p:nvPr>
+        </p:nvSpPr>
+        <p:spPr>
+          <a:xfrm>
+            <a:off x="838200" y="198868"/>
+            <a:ext cx="10515600" cy="1325563"/>
+          </a:xfrm>
+        </p:spPr>
+        <p:txBody>
+          <a:bodyPr/>
+          <a:lstStyle/>
+          <a:p>
+            <a:r>
+              <a:rPr lang="en-CA" dirty="0" smtClean="0"/>
+              <a:t>EEG measures summed neuronal activity controlled by independent modulators</a:t>
+            </a:r>
+            <a:endParaRPr lang="en-CA" dirty="0"/>
+          </a:p>
+        </p:txBody>
+      </p:sp>
+      <p:pic>
+        <p:nvPicPr>
+          <p:cNvPr id="2050" name="Picture 2" descr="https://www.frontiersin.org/files/Articles/560/fnhum-03-061/image_m/fnhum-03-061-g001.jpg"/>
+          <p:cNvPicPr>
+            <a:picLocks noChangeAspect="1" noChangeArrowheads="1"/>
+          </p:cNvPicPr>
+          <p:nvPr/>
+        </p:nvPicPr>
+        <p:blipFill>
+          <a:blip r:embed="rId2">
+            <a:extLst>
+              <a:ext uri="{28A0092B-C50C-407E-A947-70E740481C1C}">
+                <a14:useLocalDpi xmlns:a14="http://schemas.microsoft.com/office/drawing/2010/main" val="0"/>
+              </a:ext>
+            </a:extLst>
+          </a:blip>
+          <a:srcRect/>
+          <a:stretch>
+            <a:fillRect/>
+          </a:stretch>
+        </p:blipFill>
+        <p:spPr bwMode="auto">
+          <a:xfrm>
+            <a:off x="1219883" y="1524431"/>
+            <a:ext cx="6830185" cy="4776353"/>
+          </a:xfrm>
+          <a:prstGeom prst="rect">
+            <a:avLst/>
+          </a:prstGeom>
+          <a:noFill/>
+          <a:extLst>
+            <a:ext uri="{909E8E84-426E-40DD-AFC4-6F175D3DCCD1}">
+              <a14:hiddenFill xmlns:a14="http://schemas.microsoft.com/office/drawing/2010/main">
+                <a:solidFill>
+                  <a:srgbClr val="FFFFFF"/>
+                </a:solidFill>
+              </a14:hiddenFill>
+            </a:ext>
+          </a:extLst>
+        </p:spPr>
+      </p:pic>
+      <p:sp>
+        <p:nvSpPr>
+          <p:cNvPr id="4" name="TextBox 3"/>
+          <p:cNvSpPr txBox="1"/>
+          <p:nvPr/>
+        </p:nvSpPr>
+        <p:spPr>
+          <a:xfrm>
+            <a:off x="0" y="6499491"/>
+            <a:ext cx="7467600" cy="369332"/>
+          </a:xfrm>
+          <a:prstGeom prst="rect">
+            <a:avLst/>
+          </a:prstGeom>
+          <a:noFill/>
+        </p:spPr>
+        <p:txBody>
+          <a:bodyPr wrap="square" rtlCol="0">
+            <a:spAutoFit/>
+          </a:bodyPr>
+          <a:lstStyle/>
+          <a:p>
+            <a:r>
+              <a:rPr lang="en-CA" dirty="0">
+                <a:hlinkClick r:id="rId3"/>
+              </a:rPr>
+              <a:t>https://www.frontiersin.org/articles/10.3389/neuro.09.061.2009/full</a:t>
+            </a:r>
+            <a:endParaRPr lang="en-CA" dirty="0"/>
+          </a:p>
+        </p:txBody>
+      </p:sp>
+      <p:pic>
+        <p:nvPicPr>
+          <p:cNvPr id="2052" name="Picture 4" descr="Image result for freesurfer thalamus"/>
+          <p:cNvPicPr>
+            <a:picLocks noChangeAspect="1" noChangeArrowheads="1"/>
+          </p:cNvPicPr>
+          <p:nvPr/>
+        </p:nvPicPr>
+        <p:blipFill>
+          <a:blip r:embed="rId4">
+            <a:extLst>
+              <a:ext uri="{28A0092B-C50C-407E-A947-70E740481C1C}">
+                <a14:useLocalDpi xmlns:a14="http://schemas.microsoft.com/office/drawing/2010/main" val="0"/>
+              </a:ext>
+            </a:extLst>
+          </a:blip>
+          <a:srcRect/>
+          <a:stretch>
+            <a:fillRect/>
+          </a:stretch>
+        </p:blipFill>
+        <p:spPr bwMode="auto">
+          <a:xfrm>
+            <a:off x="8541278" y="2466109"/>
+            <a:ext cx="3539885" cy="3015150"/>
+          </a:xfrm>
+          <a:prstGeom prst="rect">
+            <a:avLst/>
+          </a:prstGeom>
+          <a:noFill/>
+          <a:extLst>
+            <a:ext uri="{909E8E84-426E-40DD-AFC4-6F175D3DCCD1}">
+              <a14:hiddenFill xmlns:a14="http://schemas.microsoft.com/office/drawing/2010/main">
+                <a:solidFill>
+                  <a:srgbClr val="FFFFFF"/>
+                </a:solidFill>
+              </a14:hiddenFill>
+            </a:ext>
+          </a:extLst>
+        </p:spPr>
+      </p:pic>
+    </p:spTree>
+    <p:extLst>
+      <p:ext uri="{BB962C8B-B14F-4D97-AF65-F5344CB8AC3E}">
+        <p14:creationId xmlns:p14="http://schemas.microsoft.com/office/powerpoint/2010/main" val="2636470296"/>
+      </p:ext>
+    </p:extLst>
+  </p:cSld>
+  <p:clrMapOvr>
+    <a:masterClrMapping/>
+  </p:clrMapOvr>
+  <p:timing>
+    <p:tnLst>
+      <p:par>
+        <p:cTn id="1" dur="indefinite" restart="never" nodeType="tmRoot"/>
+      </p:par>
+    </p:tnLst>
+  </p:timing>
+</p:sld>
+</file>
+
+<file path=ppt/slides/slide26.xml><?xml version="1.0" encoding="utf-8"?>
+<p:sld xmlns:a="http://schemas.openxmlformats.org/drawingml/2006/main" xmlns:r="http://schemas.openxmlformats.org/officeDocument/2006/relationships" xmlns:p="http://schemas.openxmlformats.org/presentationml/2006/main">
+  <p:cSld>
+    <p:spTree>
+      <p:nvGrpSpPr>
+        <p:cNvPr id="1" name=""/>
+        <p:cNvGrpSpPr/>
+        <p:nvPr/>
+      </p:nvGrpSpPr>
+      <p:grpSpPr>
+        <a:xfrm>
+          <a:off x="0" y="0"/>
+          <a:ext cx="0" cy="0"/>
+          <a:chOff x="0" y="0"/>
+          <a:chExt cx="0" cy="0"/>
+        </a:xfrm>
+      </p:grpSpPr>
+      <p:sp>
+        <p:nvSpPr>
+          <p:cNvPr id="2" name="Title 1"/>
+          <p:cNvSpPr>
+            <a:spLocks noGrp="1"/>
+          </p:cNvSpPr>
+          <p:nvPr>
+            <p:ph type="title"/>
+          </p:nvPr>
+        </p:nvSpPr>
+        <p:spPr>
+          <a:xfrm>
+            <a:off x="0" y="1"/>
+            <a:ext cx="10515600" cy="1122218"/>
+          </a:xfrm>
+        </p:spPr>
+        <p:txBody>
+          <a:bodyPr/>
+          <a:lstStyle/>
+          <a:p>
+            <a:r>
+              <a:rPr lang="en-CA" dirty="0" smtClean="0"/>
+              <a:t>Isolating noise (</a:t>
+            </a:r>
+            <a:r>
+              <a:rPr lang="en-CA" dirty="0" err="1" smtClean="0"/>
+              <a:t>eyeblinks</a:t>
+            </a:r>
+            <a:r>
+              <a:rPr lang="en-CA" dirty="0" smtClean="0"/>
+              <a:t>, muscular artifacts)</a:t>
+            </a:r>
+            <a:endParaRPr lang="en-CA" dirty="0"/>
+          </a:p>
+        </p:txBody>
+      </p:sp>
+      <p:pic>
+        <p:nvPicPr>
+          <p:cNvPr id="5" name="Picture 4"/>
+          <p:cNvPicPr>
+            <a:picLocks noChangeAspect="1"/>
+          </p:cNvPicPr>
+          <p:nvPr/>
+        </p:nvPicPr>
+        <p:blipFill>
+          <a:blip r:embed="rId2"/>
+          <a:stretch>
+            <a:fillRect/>
+          </a:stretch>
+        </p:blipFill>
+        <p:spPr>
+          <a:xfrm>
+            <a:off x="0" y="863327"/>
+            <a:ext cx="10183091" cy="5994673"/>
+          </a:xfrm>
+          <a:prstGeom prst="rect">
+            <a:avLst/>
+          </a:prstGeom>
+        </p:spPr>
+      </p:pic>
+      <p:pic>
+        <p:nvPicPr>
+          <p:cNvPr id="6" name="Picture 5"/>
+          <p:cNvPicPr>
+            <a:picLocks noChangeAspect="1"/>
+          </p:cNvPicPr>
+          <p:nvPr/>
+        </p:nvPicPr>
+        <p:blipFill>
+          <a:blip r:embed="rId3"/>
+          <a:stretch>
+            <a:fillRect/>
+          </a:stretch>
+        </p:blipFill>
+        <p:spPr>
+          <a:xfrm>
+            <a:off x="10393043" y="613945"/>
+            <a:ext cx="1670369" cy="5994673"/>
+          </a:xfrm>
+          <a:prstGeom prst="rect">
+            <a:avLst/>
+          </a:prstGeom>
+        </p:spPr>
+      </p:pic>
+      <p:sp>
+        <p:nvSpPr>
+          <p:cNvPr id="7" name="TextBox 6"/>
+          <p:cNvSpPr txBox="1"/>
+          <p:nvPr/>
+        </p:nvSpPr>
+        <p:spPr>
+          <a:xfrm>
+            <a:off x="10393043" y="37007"/>
+            <a:ext cx="1676400" cy="369332"/>
+          </a:xfrm>
+          <a:prstGeom prst="rect">
+            <a:avLst/>
+          </a:prstGeom>
+          <a:noFill/>
+        </p:spPr>
+        <p:txBody>
+          <a:bodyPr wrap="square" rtlCol="0">
+            <a:spAutoFit/>
+          </a:bodyPr>
+          <a:lstStyle/>
+          <a:p>
+            <a:r>
+              <a:rPr lang="en-CA" dirty="0" smtClean="0"/>
+              <a:t>Weight maps</a:t>
+            </a:r>
+            <a:endParaRPr lang="en-CA" dirty="0"/>
+          </a:p>
+        </p:txBody>
+      </p:sp>
+    </p:spTree>
+    <p:extLst>
+      <p:ext uri="{BB962C8B-B14F-4D97-AF65-F5344CB8AC3E}">
+        <p14:creationId xmlns:p14="http://schemas.microsoft.com/office/powerpoint/2010/main" val="634903960"/>
+      </p:ext>
+    </p:extLst>
+  </p:cSld>
+  <p:clrMapOvr>
+    <a:masterClrMapping/>
+  </p:clrMapOvr>
+  <p:timing>
+    <p:tnLst>
+      <p:par>
+        <p:cTn id="1" dur="indefinite" restart="never" nodeType="tmRoot"/>
+      </p:par>
+    </p:tnLst>
+  </p:timing>
+</p:sld>
+</file>
+
+<file path=ppt/slides/slide27.xml><?xml version="1.0" encoding="utf-8"?>
+<p:sld xmlns:a="http://schemas.openxmlformats.org/drawingml/2006/main" xmlns:r="http://schemas.openxmlformats.org/officeDocument/2006/relationships" xmlns:p="http://schemas.openxmlformats.org/presentationml/2006/main">
+  <p:cSld>
+    <p:spTree>
+      <p:nvGrpSpPr>
+        <p:cNvPr id="1" name=""/>
+        <p:cNvGrpSpPr/>
+        <p:nvPr/>
+      </p:nvGrpSpPr>
+      <p:grpSpPr>
+        <a:xfrm>
+          <a:off x="0" y="0"/>
+          <a:ext cx="0" cy="0"/>
+          <a:chOff x="0" y="0"/>
+          <a:chExt cx="0" cy="0"/>
+        </a:xfrm>
+      </p:grpSpPr>
+      <p:sp>
+        <p:nvSpPr>
+          <p:cNvPr id="2" name="Title 1"/>
+          <p:cNvSpPr>
+            <a:spLocks noGrp="1"/>
+          </p:cNvSpPr>
+          <p:nvPr>
+            <p:ph type="title"/>
+          </p:nvPr>
+        </p:nvSpPr>
+        <p:spPr>
+          <a:xfrm>
+            <a:off x="0" y="0"/>
+            <a:ext cx="10515600" cy="755145"/>
+          </a:xfrm>
+        </p:spPr>
+        <p:txBody>
+          <a:bodyPr/>
+          <a:lstStyle/>
+          <a:p>
+            <a:r>
+              <a:rPr lang="en-CA" dirty="0" smtClean="0"/>
+              <a:t>Raw vs ICA-denoised signal</a:t>
+            </a:r>
+            <a:endParaRPr lang="en-CA" dirty="0"/>
+          </a:p>
+        </p:txBody>
+      </p:sp>
+      <p:pic>
+        <p:nvPicPr>
+          <p:cNvPr id="5" name="Picture 4"/>
+          <p:cNvPicPr>
+            <a:picLocks noChangeAspect="1"/>
+          </p:cNvPicPr>
+          <p:nvPr/>
+        </p:nvPicPr>
+        <p:blipFill>
+          <a:blip r:embed="rId2"/>
+          <a:stretch>
+            <a:fillRect/>
+          </a:stretch>
+        </p:blipFill>
+        <p:spPr>
+          <a:xfrm>
+            <a:off x="464994" y="1804554"/>
+            <a:ext cx="8629650" cy="4914900"/>
+          </a:xfrm>
+          <a:prstGeom prst="rect">
+            <a:avLst/>
+          </a:prstGeom>
+        </p:spPr>
+      </p:pic>
+      <p:pic>
+        <p:nvPicPr>
+          <p:cNvPr id="6" name="Picture 5"/>
+          <p:cNvPicPr>
+            <a:picLocks noChangeAspect="1"/>
+          </p:cNvPicPr>
+          <p:nvPr/>
+        </p:nvPicPr>
+        <p:blipFill>
+          <a:blip r:embed="rId3"/>
+          <a:stretch>
+            <a:fillRect/>
+          </a:stretch>
+        </p:blipFill>
+        <p:spPr>
+          <a:xfrm>
+            <a:off x="9601200" y="3984697"/>
+            <a:ext cx="2514991" cy="2310678"/>
+          </a:xfrm>
+          <a:prstGeom prst="rect">
+            <a:avLst/>
+          </a:prstGeom>
+        </p:spPr>
+      </p:pic>
+      <p:cxnSp>
+        <p:nvCxnSpPr>
+          <p:cNvPr id="8" name="Straight Arrow Connector 7"/>
+          <p:cNvCxnSpPr/>
+          <p:nvPr/>
+        </p:nvCxnSpPr>
+        <p:spPr>
+          <a:xfrm flipH="1" flipV="1">
+            <a:off x="8659091" y="5140036"/>
+            <a:ext cx="2199604" cy="471055"/>
+          </a:xfrm>
+          <a:prstGeom prst="straightConnector1">
+            <a:avLst/>
+          </a:prstGeom>
+          <a:ln>
+            <a:tailEnd type="triangle"/>
+          </a:ln>
+        </p:spPr>
+        <p:style>
+          <a:lnRef idx="1">
+            <a:schemeClr val="accent1"/>
+          </a:lnRef>
+          <a:fillRef idx="0">
+            <a:schemeClr val="accent1"/>
+          </a:fillRef>
+          <a:effectRef idx="0">
+            <a:schemeClr val="accent1"/>
+          </a:effectRef>
+          <a:fontRef idx="minor">
+            <a:schemeClr val="tx1"/>
+          </a:fontRef>
+        </p:style>
+      </p:cxnSp>
+      <p:sp>
+        <p:nvSpPr>
+          <p:cNvPr id="10" name="TextBox 9"/>
+          <p:cNvSpPr txBox="1"/>
+          <p:nvPr/>
+        </p:nvSpPr>
+        <p:spPr>
+          <a:xfrm>
+            <a:off x="9393382" y="6110709"/>
+            <a:ext cx="2521527" cy="369332"/>
+          </a:xfrm>
+          <a:prstGeom prst="rect">
+            <a:avLst/>
+          </a:prstGeom>
+          <a:noFill/>
+        </p:spPr>
+        <p:txBody>
+          <a:bodyPr wrap="square" rtlCol="0">
+            <a:spAutoFit/>
+          </a:bodyPr>
+          <a:lstStyle/>
+          <a:p>
+            <a:r>
+              <a:rPr lang="en-CA" dirty="0" smtClean="0"/>
+              <a:t>Component weight map</a:t>
+            </a:r>
+            <a:endParaRPr lang="en-CA" dirty="0"/>
+          </a:p>
+        </p:txBody>
+      </p:sp>
+    </p:spTree>
+    <p:extLst>
+      <p:ext uri="{BB962C8B-B14F-4D97-AF65-F5344CB8AC3E}">
+        <p14:creationId xmlns:p14="http://schemas.microsoft.com/office/powerpoint/2010/main" val="2948806534"/>
+      </p:ext>
+    </p:extLst>
+  </p:cSld>
+  <p:clrMapOvr>
+    <a:masterClrMapping/>
+  </p:clrMapOvr>
+  <p:timing>
+    <p:tnLst>
+      <p:par>
+        <p:cTn id="1" dur="indefinite" restart="never" nodeType="tmRoot"/>
+      </p:par>
+    </p:tnLst>
+  </p:timing>
+</p:sld>
+</file>
+
+<file path=ppt/slides/slide28.xml><?xml version="1.0" encoding="utf-8"?>
+<p:sld xmlns:a="http://schemas.openxmlformats.org/drawingml/2006/main" xmlns:r="http://schemas.openxmlformats.org/officeDocument/2006/relationships" xmlns:p="http://schemas.openxmlformats.org/presentationml/2006/main">
+  <p:cSld>
+    <p:spTree>
+      <p:nvGrpSpPr>
+        <p:cNvPr id="1" name=""/>
+        <p:cNvGrpSpPr/>
+        <p:nvPr/>
+      </p:nvGrpSpPr>
+      <p:grpSpPr>
+        <a:xfrm>
+          <a:off x="0" y="0"/>
+          <a:ext cx="0" cy="0"/>
+          <a:chOff x="0" y="0"/>
+          <a:chExt cx="0" cy="0"/>
+        </a:xfrm>
+      </p:grpSpPr>
+      <p:sp>
+        <p:nvSpPr>
+          <p:cNvPr id="2" name="Title 1"/>
+          <p:cNvSpPr>
+            <a:spLocks noGrp="1"/>
+          </p:cNvSpPr>
+          <p:nvPr>
+            <p:ph type="title"/>
+          </p:nvPr>
+        </p:nvSpPr>
         <p:spPr/>
         <p:txBody>
           <a:bodyPr/>
           <a:lstStyle/>
           <a:p>
             <a:r>
-              <a:rPr lang="en-US" dirty="0"/>
-              <a:t>Application: separating muscular activity from neuronal activity in EEG recordings</a:t>
-            </a:r>
+              <a:rPr lang="en-CA" dirty="0" smtClean="0"/>
+              <a:t>Summary</a:t>
+            </a:r>
+            <a:endParaRPr lang="en-CA" dirty="0"/>
           </a:p>
         </p:txBody>
       </p:sp>
       <p:sp>
         <p:nvSpPr>
-          <p:cNvPr id="3" name="Content Placeholder 2">
-            <a:extLst>
-              <a:ext uri="{FF2B5EF4-FFF2-40B4-BE49-F238E27FC236}">
-                <a16:creationId xmlns:a16="http://schemas.microsoft.com/office/drawing/2014/main" id="{3C73C8E1-A1D5-D143-B306-E8DF4C0C7637}"/>
-              </a:ext>
-            </a:extLst>
-          </p:cNvPr>
+          <p:cNvPr id="3" name="Content Placeholder 2"/>
           <p:cNvSpPr>
             <a:spLocks noGrp="1"/>
           </p:cNvSpPr>
@@ -8468,14 +9386,14 @@
           <a:bodyPr/>
           <a:lstStyle/>
           <a:p>
-            <a:endParaRPr lang="en-US" dirty="0"/>
+            <a:endParaRPr lang="en-CA"/>
           </a:p>
         </p:txBody>
       </p:sp>
     </p:spTree>
     <p:extLst>
       <p:ext uri="{BB962C8B-B14F-4D97-AF65-F5344CB8AC3E}">
-        <p14:creationId xmlns:p14="http://schemas.microsoft.com/office/powerpoint/2010/main" val="523943868"/>
+        <p14:creationId xmlns:p14="http://schemas.microsoft.com/office/powerpoint/2010/main" val="2604634481"/>
       </p:ext>
     </p:extLst>
   </p:cSld>
@@ -9512,7 +10430,11 @@
           <a:p>
             <a:r>
               <a:rPr lang="en-US" dirty="0"/>
-              <a:t>Measures of Independence: Mutual information</a:t>
+              <a:t>Measures of Independence: </a:t>
+            </a:r>
+            <a:r>
+              <a:rPr lang="en-US" b="1" dirty="0"/>
+              <a:t>Mutual information</a:t>
             </a:r>
           </a:p>
         </p:txBody>
@@ -9828,21 +10750,25 @@
           <a:p>
             <a:r>
               <a:rPr lang="en-US" dirty="0"/>
-              <a:t>Measures of independence: non-</a:t>
-            </a:r>
-            <a:r>
-              <a:rPr lang="en-US" dirty="0" err="1"/>
+              <a:t>Measures of independence: </a:t>
+            </a:r>
+            <a:r>
+              <a:rPr lang="en-US" b="1" dirty="0"/>
+              <a:t>non-</a:t>
+            </a:r>
+            <a:r>
+              <a:rPr lang="en-US" b="1" dirty="0" err="1"/>
               <a:t>Gaussianity</a:t>
             </a:r>
             <a:r>
-              <a:rPr lang="en-US" dirty="0"/>
+              <a:rPr lang="en-US" b="1" dirty="0"/>
               <a:t> </a:t>
             </a:r>
           </a:p>
         </p:txBody>
       </p:sp>
-      <mc:AlternateContent xmlns:mc="http://schemas.openxmlformats.org/markup-compatibility/2006" xmlns:a14="http://schemas.microsoft.com/office/drawing/2010/main">
-        <mc:Choice Requires="a14">
+      <mc:AlternateContent xmlns:mc="http://schemas.openxmlformats.org/markup-compatibility/2006">
+        <mc:Choice xmlns:a14="http://schemas.microsoft.com/office/drawing/2010/main" Requires="a14">
           <p:sp>
             <p:nvSpPr>
               <p:cNvPr id="3" name="Content Placeholder 2">
@@ -9922,28 +10848,12 @@
               </a:p>
               <a:p>
                 <a:r>
+                  <a:rPr lang="en-US" dirty="0" smtClean="0"/>
+                  <a:t>Therefore</a:t>
+                </a:r>
+                <a:r>
                   <a:rPr lang="en-US" dirty="0"/>
-                  <a:t>Example:</a:t>
-                </a:r>
-              </a:p>
-              <a:p>
-                <a:pPr lvl="1"/>
-                <a:r>
-                  <a:rPr lang="en-US" dirty="0"/>
-                  <a:t>Toss 1 dice multiple times, record result each time =&gt; uniform distribution</a:t>
-                </a:r>
-              </a:p>
-              <a:p>
-                <a:pPr lvl="1"/>
-                <a:r>
-                  <a:rPr lang="en-US" dirty="0"/>
-                  <a:t>Toss multiple dice multiple times, record summed result each time =&gt; gaussian distribution</a:t>
-                </a:r>
-              </a:p>
-              <a:p>
-                <a:r>
-                  <a:rPr lang="en-US" dirty="0"/>
-                  <a:t>Therefore, given a mixture of independent random variables, we can recover the independent random variables by finding the matrix </a:t>
+                  <a:t>, given a mixture of independent random variables, we can recover the independent random variables by finding the matrix </a:t>
                 </a:r>
                 <a14:m>
                   <m:oMath xmlns:m="http://schemas.openxmlformats.org/officeDocument/2006/math">
@@ -10011,12 +10921,9 @@
                   </m:oMath>
                 </a14:m>
                 <a:r>
-                  <a:rPr lang="en-US" dirty="0"/>
+                  <a:rPr lang="en-US" dirty="0" smtClean="0"/>
                   <a:t>:</a:t>
                 </a:r>
-                <a:br>
-                  <a:rPr lang="en-US" dirty="0"/>
-                </a:br>
                 <a:r>
                   <a:rPr lang="en-US" dirty="0"/>
                   <a:t/>
@@ -10181,16 +11088,35 @@
                   <a:rPr lang="en-US" b="1" dirty="0"/>
                   <a:t> </a:t>
                 </a:r>
+                <a:endParaRPr lang="en-US" dirty="0"/>
+              </a:p>
+              <a:p>
+                <a:r>
+                  <a:rPr lang="en-US" dirty="0" smtClean="0"/>
+                  <a:t>Example of central limit theorem:</a:t>
+                </a:r>
+                <a:endParaRPr lang="en-US" dirty="0"/>
+              </a:p>
+              <a:p>
+                <a:pPr lvl="1"/>
                 <a:r>
                   <a:rPr lang="en-US" dirty="0"/>
-                  <a:t/>
-                </a:r>
-                <a:br>
+                  <a:t>Toss 1 dice multiple times, record result each time =&gt; uniform distribution</a:t>
+                </a:r>
+              </a:p>
+              <a:p>
+                <a:pPr lvl="1"/>
+                <a:r>
                   <a:rPr lang="en-US" dirty="0"/>
-                </a:br>
+                  <a:t>Toss multiple dice multiple times, record summed result each time =&gt; </a:t>
+                </a:r>
+                <a:r>
+                  <a:rPr lang="en-US" dirty="0" err="1"/>
+                  <a:t>gaussian</a:t>
+                </a:r>
                 <a:r>
                   <a:rPr lang="en-US" dirty="0"/>
-                  <a:t>	</a:t>
+                  <a:t> distribution</a:t>
                 </a:r>
               </a:p>
               <a:p>
@@ -10202,7 +11128,7 @@
             </p:txBody>
           </p:sp>
         </mc:Choice>
-        <mc:Fallback xmlns="">
+        <mc:Fallback>
           <p:sp>
             <p:nvSpPr>
               <p:cNvPr id="3" name="Content Placeholder 2">
@@ -10227,7 +11153,7 @@
               <a:blipFill>
                 <a:blip r:embed="rId2"/>
                 <a:stretch>
-                  <a:fillRect l="-833" t="-1985" r="-208"/>
+                  <a:fillRect l="-900" t="-1912" r="-200"/>
                 </a:stretch>
               </a:blipFill>
             </p:spPr>
@@ -10236,7 +11162,7 @@
               <a:lstStyle/>
               <a:p>
                 <a:r>
-                  <a:rPr lang="en-US">
+                  <a:rPr lang="en-CA">
                     <a:noFill/>
                   </a:rPr>
                   <a:t> </a:t>
@@ -10293,7 +11219,12 @@
             <p:ph type="title"/>
           </p:nvPr>
         </p:nvSpPr>
-        <p:spPr/>
+        <p:spPr>
+          <a:xfrm>
+            <a:off x="0" y="0"/>
+            <a:ext cx="10515600" cy="810076"/>
+          </a:xfrm>
+        </p:spPr>
         <p:txBody>
           <a:bodyPr/>
           <a:lstStyle/>
@@ -10306,47 +11237,6 @@
           </a:p>
         </p:txBody>
       </p:sp>
-      <p:pic>
-        <p:nvPicPr>
-          <p:cNvPr id="8198" name="Picture 6" descr="https://www.muelaner.com/wp-content/uploads/2013/07/central-limit-theorem.png"/>
-          <p:cNvPicPr>
-            <a:picLocks noChangeAspect="1" noChangeArrowheads="1"/>
-          </p:cNvPicPr>
-          <p:nvPr/>
-        </p:nvPicPr>
-        <p:blipFill>
-          <a:blip r:embed="rId2">
-            <a:extLst>
-              <a:ext uri="{28A0092B-C50C-407E-A947-70E740481C1C}">
-                <a14:useLocalDpi xmlns:a14="http://schemas.microsoft.com/office/drawing/2010/main" val="0"/>
-              </a:ext>
-            </a:extLst>
-          </a:blip>
-          <a:srcRect/>
-          <a:stretch>
-            <a:fillRect/>
-          </a:stretch>
-        </p:blipFill>
-        <p:spPr bwMode="auto">
-          <a:xfrm>
-            <a:off x="1094221" y="1690688"/>
-            <a:ext cx="9091445" cy="4544291"/>
-          </a:xfrm>
-          <a:prstGeom prst="rect">
-            <a:avLst/>
-          </a:prstGeom>
-          <a:noFill/>
-          <a:extLst>
-            <a:ext uri="{909E8E84-426E-40DD-AFC4-6F175D3DCCD1}">
-              <a14:hiddenFill xmlns:a14="http://schemas.microsoft.com/office/drawing/2010/main">
-                <a:solidFill>
-                  <a:srgbClr val="FFFFFF"/>
-                </a:solidFill>
-              </a14:hiddenFill>
-            </a:ext>
-          </a:extLst>
-        </p:spPr>
-      </p:pic>
       <p:sp>
         <p:nvSpPr>
           <p:cNvPr id="4" name="TextBox 3"/>
@@ -10371,7 +11261,7 @@
           <a:p>
             <a:r>
               <a:rPr lang="en-CA" dirty="0">
-                <a:hlinkClick r:id="rId3"/>
+                <a:hlinkClick r:id="rId2"/>
               </a:rPr>
               <a:t>https://www.muelaner.com/uncertainty-of-measurement/attachment/central-limit-theorem/</a:t>
             </a:r>
@@ -10379,6 +11269,150 @@
           </a:p>
         </p:txBody>
       </p:sp>
+      <p:pic>
+        <p:nvPicPr>
+          <p:cNvPr id="3" name="Picture 2"/>
+          <p:cNvPicPr>
+            <a:picLocks noChangeAspect="1"/>
+          </p:cNvPicPr>
+          <p:nvPr/>
+        </p:nvPicPr>
+        <p:blipFill>
+          <a:blip r:embed="rId3"/>
+          <a:stretch>
+            <a:fillRect/>
+          </a:stretch>
+        </p:blipFill>
+        <p:spPr>
+          <a:xfrm>
+            <a:off x="594880" y="829834"/>
+            <a:ext cx="4924425" cy="1724025"/>
+          </a:xfrm>
+          <a:prstGeom prst="rect">
+            <a:avLst/>
+          </a:prstGeom>
+        </p:spPr>
+      </p:pic>
+      <p:pic>
+        <p:nvPicPr>
+          <p:cNvPr id="5" name="Picture 4"/>
+          <p:cNvPicPr>
+            <a:picLocks noChangeAspect="1"/>
+          </p:cNvPicPr>
+          <p:nvPr/>
+        </p:nvPicPr>
+        <p:blipFill>
+          <a:blip r:embed="rId4"/>
+          <a:stretch>
+            <a:fillRect/>
+          </a:stretch>
+        </p:blipFill>
+        <p:spPr>
+          <a:xfrm>
+            <a:off x="32905" y="2715639"/>
+            <a:ext cx="5505450" cy="1514475"/>
+          </a:xfrm>
+          <a:prstGeom prst="rect">
+            <a:avLst/>
+          </a:prstGeom>
+        </p:spPr>
+      </p:pic>
+      <p:pic>
+        <p:nvPicPr>
+          <p:cNvPr id="6" name="Picture 5"/>
+          <p:cNvPicPr>
+            <a:picLocks noChangeAspect="1"/>
+          </p:cNvPicPr>
+          <p:nvPr/>
+        </p:nvPicPr>
+        <p:blipFill>
+          <a:blip r:embed="rId5"/>
+          <a:stretch>
+            <a:fillRect/>
+          </a:stretch>
+        </p:blipFill>
+        <p:spPr>
+          <a:xfrm>
+            <a:off x="32905" y="4554528"/>
+            <a:ext cx="5524500" cy="1609725"/>
+          </a:xfrm>
+          <a:prstGeom prst="rect">
+            <a:avLst/>
+          </a:prstGeom>
+        </p:spPr>
+      </p:pic>
+      <p:pic>
+        <p:nvPicPr>
+          <p:cNvPr id="7" name="Picture 6"/>
+          <p:cNvPicPr>
+            <a:picLocks noChangeAspect="1"/>
+          </p:cNvPicPr>
+          <p:nvPr/>
+        </p:nvPicPr>
+        <p:blipFill>
+          <a:blip r:embed="rId6"/>
+          <a:stretch>
+            <a:fillRect/>
+          </a:stretch>
+        </p:blipFill>
+        <p:spPr>
+          <a:xfrm>
+            <a:off x="6192986" y="910285"/>
+            <a:ext cx="5076825" cy="1514475"/>
+          </a:xfrm>
+          <a:prstGeom prst="rect">
+            <a:avLst/>
+          </a:prstGeom>
+        </p:spPr>
+      </p:pic>
+      <p:pic>
+        <p:nvPicPr>
+          <p:cNvPr id="8" name="Picture 7"/>
+          <p:cNvPicPr>
+            <a:picLocks noChangeAspect="1"/>
+          </p:cNvPicPr>
+          <p:nvPr/>
+        </p:nvPicPr>
+        <p:blipFill>
+          <a:blip r:embed="rId7"/>
+          <a:stretch>
+            <a:fillRect/>
+          </a:stretch>
+        </p:blipFill>
+        <p:spPr>
+          <a:xfrm>
+            <a:off x="6107261" y="2755875"/>
+            <a:ext cx="5162550" cy="1543050"/>
+          </a:xfrm>
+          <a:prstGeom prst="rect">
+            <a:avLst/>
+          </a:prstGeom>
+        </p:spPr>
+      </p:pic>
+      <p:pic>
+        <p:nvPicPr>
+          <p:cNvPr id="9" name="Picture 8"/>
+          <p:cNvPicPr>
+            <a:picLocks noChangeAspect="1"/>
+          </p:cNvPicPr>
+          <p:nvPr/>
+        </p:nvPicPr>
+        <p:blipFill>
+          <a:blip r:embed="rId8"/>
+          <a:stretch>
+            <a:fillRect/>
+          </a:stretch>
+        </p:blipFill>
+        <p:spPr>
+          <a:xfrm>
+            <a:off x="6040586" y="4526663"/>
+            <a:ext cx="5295900" cy="1800225"/>
+          </a:xfrm>
+          <a:prstGeom prst="rect">
+            <a:avLst/>
+          </a:prstGeom>
+        </p:spPr>
+      </p:pic>
     </p:spTree>
     <p:extLst>
       <p:ext uri="{BB962C8B-B14F-4D97-AF65-F5344CB8AC3E}">

--- a/Lecture_16.pptx
+++ b/Lecture_16.pptx
@@ -8,31 +8,32 @@
     <p:sldId id="256" r:id="rId2"/>
     <p:sldId id="257" r:id="rId3"/>
     <p:sldId id="258" r:id="rId4"/>
-    <p:sldId id="259" r:id="rId5"/>
-    <p:sldId id="260" r:id="rId6"/>
-    <p:sldId id="261" r:id="rId7"/>
-    <p:sldId id="276" r:id="rId8"/>
-    <p:sldId id="262" r:id="rId9"/>
-    <p:sldId id="263" r:id="rId10"/>
-    <p:sldId id="266" r:id="rId11"/>
-    <p:sldId id="267" r:id="rId12"/>
-    <p:sldId id="268" r:id="rId13"/>
-    <p:sldId id="277" r:id="rId14"/>
-    <p:sldId id="278" r:id="rId15"/>
-    <p:sldId id="279" r:id="rId16"/>
-    <p:sldId id="280" r:id="rId17"/>
-    <p:sldId id="281" r:id="rId18"/>
-    <p:sldId id="286" r:id="rId19"/>
-    <p:sldId id="271" r:id="rId20"/>
-    <p:sldId id="272" r:id="rId21"/>
-    <p:sldId id="273" r:id="rId22"/>
-    <p:sldId id="274" r:id="rId23"/>
-    <p:sldId id="275" r:id="rId24"/>
-    <p:sldId id="270" r:id="rId25"/>
-    <p:sldId id="283" r:id="rId26"/>
-    <p:sldId id="285" r:id="rId27"/>
-    <p:sldId id="282" r:id="rId28"/>
-    <p:sldId id="284" r:id="rId29"/>
+    <p:sldId id="287" r:id="rId5"/>
+    <p:sldId id="259" r:id="rId6"/>
+    <p:sldId id="260" r:id="rId7"/>
+    <p:sldId id="261" r:id="rId8"/>
+    <p:sldId id="276" r:id="rId9"/>
+    <p:sldId id="262" r:id="rId10"/>
+    <p:sldId id="263" r:id="rId11"/>
+    <p:sldId id="266" r:id="rId12"/>
+    <p:sldId id="267" r:id="rId13"/>
+    <p:sldId id="268" r:id="rId14"/>
+    <p:sldId id="277" r:id="rId15"/>
+    <p:sldId id="278" r:id="rId16"/>
+    <p:sldId id="279" r:id="rId17"/>
+    <p:sldId id="280" r:id="rId18"/>
+    <p:sldId id="281" r:id="rId19"/>
+    <p:sldId id="286" r:id="rId20"/>
+    <p:sldId id="271" r:id="rId21"/>
+    <p:sldId id="272" r:id="rId22"/>
+    <p:sldId id="273" r:id="rId23"/>
+    <p:sldId id="274" r:id="rId24"/>
+    <p:sldId id="275" r:id="rId25"/>
+    <p:sldId id="270" r:id="rId26"/>
+    <p:sldId id="283" r:id="rId27"/>
+    <p:sldId id="285" r:id="rId28"/>
+    <p:sldId id="282" r:id="rId29"/>
+    <p:sldId id="284" r:id="rId30"/>
   </p:sldIdLst>
   <p:sldSz cx="12192000" cy="6858000"/>
   <p:notesSz cx="6858000" cy="9144000"/>
@@ -3481,21 +3482,21 @@
           <a:p>
             <a:r>
               <a:rPr lang="en-US" dirty="0"/>
-              <a:t>ICA algorithm (</a:t>
+              <a:t>Quantifying non-</a:t>
             </a:r>
             <a:r>
               <a:rPr lang="en-US" dirty="0" err="1"/>
-              <a:t>fastICA</a:t>
+              <a:t>Gaussianity</a:t>
             </a:r>
             <a:r>
               <a:rPr lang="en-US" dirty="0"/>
-              <a:t>)</a:t>
+              <a:t>: Negentropy</a:t>
             </a:r>
           </a:p>
         </p:txBody>
       </p:sp>
-      <mc:AlternateContent xmlns:mc="http://schemas.openxmlformats.org/markup-compatibility/2006" xmlns:a14="http://schemas.microsoft.com/office/drawing/2010/main">
-        <mc:Choice Requires="a14">
+      <mc:AlternateContent xmlns:mc="http://schemas.openxmlformats.org/markup-compatibility/2006">
+        <mc:Choice xmlns:a14="http://schemas.microsoft.com/office/drawing/2010/main" Requires="a14">
           <p:sp>
             <p:nvSpPr>
               <p:cNvPr id="3" name="Content Placeholder 2">
@@ -3514,26 +3515,107 @@
             </p:nvSpPr>
             <p:spPr>
               <a:xfrm>
-                <a:off x="0" y="818708"/>
-                <a:ext cx="12192000" cy="6039292"/>
+                <a:off x="0" y="732721"/>
+                <a:ext cx="12192000" cy="6125279"/>
               </a:xfrm>
             </p:spPr>
             <p:txBody>
-              <a:bodyPr/>
+              <a:bodyPr>
+                <a:normAutofit lnSpcReduction="10000"/>
+              </a:bodyPr>
               <a:lstStyle/>
               <a:p>
                 <a:r>
-                  <a:rPr lang="en-US" dirty="0"/>
-                  <a:t>We want to maximize function </a:t>
+                  <a:rPr lang="en-US" dirty="0" smtClean="0"/>
+                  <a:t>The entropy of a continuous random variable </a:t>
                 </a:r>
                 <a14:m>
                   <m:oMath xmlns:m="http://schemas.openxmlformats.org/officeDocument/2006/math">
+                    <m:r>
+                      <a:rPr lang="en-US" b="0" i="1" smtClean="0">
+                        <a:latin typeface="Cambria Math" panose="02040503050406030204" pitchFamily="18" charset="0"/>
+                      </a:rPr>
+                      <m:t>𝑦</m:t>
+                    </m:r>
+                  </m:oMath>
+                </a14:m>
+                <a:r>
+                  <a:rPr lang="en-US" dirty="0"/>
+                  <a:t> with density function </a:t>
+                </a:r>
+                <a14:m>
+                  <m:oMath xmlns:m="http://schemas.openxmlformats.org/officeDocument/2006/math">
+                    <m:r>
+                      <a:rPr lang="en-US" b="0" i="1" smtClean="0">
+                        <a:latin typeface="Cambria Math" panose="02040503050406030204" pitchFamily="18" charset="0"/>
+                      </a:rPr>
+                      <m:t>𝑝</m:t>
+                    </m:r>
+                    <m:d>
+                      <m:dPr>
+                        <m:ctrlPr>
+                          <a:rPr lang="en-US" b="0" i="1" smtClean="0">
+                            <a:latin typeface="Cambria Math" panose="02040503050406030204" pitchFamily="18" charset="0"/>
+                          </a:rPr>
+                        </m:ctrlPr>
+                      </m:dPr>
+                      <m:e>
+                        <m:r>
+                          <a:rPr lang="en-US" b="0" i="1" smtClean="0">
+                            <a:latin typeface="Cambria Math" panose="02040503050406030204" pitchFamily="18" charset="0"/>
+                          </a:rPr>
+                          <m:t>𝑦</m:t>
+                        </m:r>
+                      </m:e>
+                    </m:d>
+                  </m:oMath>
+                </a14:m>
+                <a:r>
+                  <a:rPr lang="en-US" dirty="0"/>
+                  <a:t>:</a:t>
+                </a:r>
+                <a:br>
+                  <a:rPr lang="en-US" dirty="0"/>
+                </a:br>
+                <a:r>
+                  <a:rPr lang="en-US" dirty="0"/>
+                  <a:t>	</a:t>
+                </a:r>
+                <a14:m>
+                  <m:oMath xmlns:m="http://schemas.openxmlformats.org/officeDocument/2006/math">
+                    <m:r>
+                      <a:rPr lang="en-US" b="0" i="1" smtClean="0">
+                        <a:latin typeface="Cambria Math" panose="02040503050406030204" pitchFamily="18" charset="0"/>
+                      </a:rPr>
+                      <m:t>𝐻</m:t>
+                    </m:r>
+                    <m:d>
+                      <m:dPr>
+                        <m:ctrlPr>
+                          <a:rPr lang="en-US" b="0" i="1" smtClean="0">
+                            <a:latin typeface="Cambria Math" panose="02040503050406030204" pitchFamily="18" charset="0"/>
+                          </a:rPr>
+                        </m:ctrlPr>
+                      </m:dPr>
+                      <m:e>
+                        <m:r>
+                          <a:rPr lang="en-US" b="0" i="1" smtClean="0">
+                            <a:latin typeface="Cambria Math" panose="02040503050406030204" pitchFamily="18" charset="0"/>
+                          </a:rPr>
+                          <m:t>𝑦</m:t>
+                        </m:r>
+                      </m:e>
+                    </m:d>
+                    <m:r>
+                      <a:rPr lang="en-US" b="0" i="1" smtClean="0">
+                        <a:latin typeface="Cambria Math" panose="02040503050406030204" pitchFamily="18" charset="0"/>
+                      </a:rPr>
+                      <m:t>=−</m:t>
+                    </m:r>
                     <m:nary>
                       <m:naryPr>
-                        <m:chr m:val="∑"/>
-                        <m:supHide m:val="on"/>
                         <m:ctrlPr>
-                          <a:rPr lang="en-US" i="1" smtClean="0">
+                          <a:rPr lang="en-US" b="0" i="1" smtClean="0">
                             <a:latin typeface="Cambria Math" panose="02040503050406030204" pitchFamily="18" charset="0"/>
                           </a:rPr>
                         </m:ctrlPr>
@@ -3541,20 +3623,115 @@
                       <m:sub>
                         <m:r>
                           <m:rPr>
-                            <m:brk m:alnAt="7"/>
+                            <m:brk m:alnAt="23"/>
                           </m:rPr>
                           <a:rPr lang="en-US" b="0" i="1" smtClean="0">
                             <a:latin typeface="Cambria Math" panose="02040503050406030204" pitchFamily="18" charset="0"/>
                           </a:rPr>
-                          <m:t>𝑖</m:t>
+                          <m:t>−</m:t>
+                        </m:r>
+                        <m:r>
+                          <a:rPr lang="en-US" b="0" i="1" smtClean="0">
+                            <a:latin typeface="Cambria Math" panose="02040503050406030204" pitchFamily="18" charset="0"/>
+                            <a:ea typeface="Cambria Math" panose="02040503050406030204" pitchFamily="18" charset="0"/>
+                          </a:rPr>
+                          <m:t>∞</m:t>
                         </m:r>
                       </m:sub>
-                      <m:sup/>
+                      <m:sup>
+                        <m:r>
+                          <a:rPr lang="en-US" b="0" i="1" smtClean="0">
+                            <a:latin typeface="Cambria Math" panose="02040503050406030204" pitchFamily="18" charset="0"/>
+                            <a:ea typeface="Cambria Math" panose="02040503050406030204" pitchFamily="18" charset="0"/>
+                          </a:rPr>
+                          <m:t>∞</m:t>
+                        </m:r>
+                      </m:sup>
                       <m:e>
                         <m:r>
                           <a:rPr lang="en-US" b="0" i="1" smtClean="0">
                             <a:latin typeface="Cambria Math" panose="02040503050406030204" pitchFamily="18" charset="0"/>
                           </a:rPr>
+                          <m:t>𝑝</m:t>
+                        </m:r>
+                        <m:d>
+                          <m:dPr>
+                            <m:ctrlPr>
+                              <a:rPr lang="en-US" b="0" i="1" smtClean="0">
+                                <a:latin typeface="Cambria Math" panose="02040503050406030204" pitchFamily="18" charset="0"/>
+                              </a:rPr>
+                            </m:ctrlPr>
+                          </m:dPr>
+                          <m:e>
+                            <m:r>
+                              <a:rPr lang="en-US" b="0" i="1" smtClean="0">
+                                <a:latin typeface="Cambria Math" panose="02040503050406030204" pitchFamily="18" charset="0"/>
+                              </a:rPr>
+                              <m:t>𝑦</m:t>
+                            </m:r>
+                          </m:e>
+                        </m:d>
+                        <m:func>
+                          <m:funcPr>
+                            <m:ctrlPr>
+                              <a:rPr lang="en-US" b="0" i="1" smtClean="0">
+                                <a:latin typeface="Cambria Math" panose="02040503050406030204" pitchFamily="18" charset="0"/>
+                              </a:rPr>
+                            </m:ctrlPr>
+                          </m:funcPr>
+                          <m:fName>
+                            <m:r>
+                              <m:rPr>
+                                <m:sty m:val="p"/>
+                              </m:rPr>
+                              <a:rPr lang="en-US" b="0" i="0" smtClean="0">
+                                <a:latin typeface="Cambria Math" panose="02040503050406030204" pitchFamily="18" charset="0"/>
+                              </a:rPr>
+                              <m:t>log</m:t>
+                            </m:r>
+                          </m:fName>
+                          <m:e>
+                            <m:r>
+                              <a:rPr lang="en-US" b="0" i="1" smtClean="0">
+                                <a:latin typeface="Cambria Math" panose="02040503050406030204" pitchFamily="18" charset="0"/>
+                              </a:rPr>
+                              <m:t>𝑝</m:t>
+                            </m:r>
+                            <m:d>
+                              <m:dPr>
+                                <m:ctrlPr>
+                                  <a:rPr lang="en-US" b="0" i="1" smtClean="0">
+                                    <a:latin typeface="Cambria Math" panose="02040503050406030204" pitchFamily="18" charset="0"/>
+                                  </a:rPr>
+                                </m:ctrlPr>
+                              </m:dPr>
+                              <m:e>
+                                <m:r>
+                                  <a:rPr lang="en-US" b="0" i="1" smtClean="0">
+                                    <a:latin typeface="Cambria Math" panose="02040503050406030204" pitchFamily="18" charset="0"/>
+                                  </a:rPr>
+                                  <m:t>𝑦</m:t>
+                                </m:r>
+                              </m:e>
+                            </m:d>
+                          </m:e>
+                        </m:func>
+                        <m:r>
+                          <a:rPr lang="en-US" b="0" i="1" smtClean="0">
+                            <a:latin typeface="Cambria Math" panose="02040503050406030204" pitchFamily="18" charset="0"/>
+                          </a:rPr>
+                          <m:t>𝑑𝑦</m:t>
+                        </m:r>
+                        <m:r>
+                          <a:rPr lang="en-US" b="0" i="1" smtClean="0">
+                            <a:latin typeface="Cambria Math" panose="02040503050406030204" pitchFamily="18" charset="0"/>
+                          </a:rPr>
+                          <m:t>=−</m:t>
+                        </m:r>
+                        <m:r>
+                          <a:rPr lang="en-US" b="0" i="1" smtClean="0">
+                            <a:latin typeface="Cambria Math" panose="02040503050406030204" pitchFamily="18" charset="0"/>
+                          </a:rPr>
                           <m:t>𝐸</m:t>
                         </m:r>
                         <m:r>
@@ -3567,7 +3744,7 @@
                           <a:rPr lang="en-US" b="0" i="1" smtClean="0">
                             <a:latin typeface="Cambria Math" panose="02040503050406030204" pitchFamily="18" charset="0"/>
                           </a:rPr>
-                          <m:t>𝐺</m:t>
+                          <m:t>𝑙𝑜𝑔</m:t>
                         </m:r>
                         <m:sSub>
                           <m:sSubPr>
@@ -3582,8 +3759,159 @@
                               <a:rPr lang="en-US" b="0" i="1" smtClean="0">
                                 <a:latin typeface="Cambria Math" panose="02040503050406030204" pitchFamily="18" charset="0"/>
                               </a:rPr>
-                              <m:t>(</m:t>
+                              <m:t>𝑝</m:t>
                             </m:r>
+                          </m:e>
+                          <m:sub>
+                            <m:r>
+                              <a:rPr lang="en-US" b="0" i="1" smtClean="0">
+                                <a:latin typeface="Cambria Math" panose="02040503050406030204" pitchFamily="18" charset="0"/>
+                              </a:rPr>
+                              <m:t>𝑖</m:t>
+                            </m:r>
+                          </m:sub>
+                        </m:sSub>
+                        <m:r>
+                          <a:rPr lang="en-US" b="0" i="1" smtClean="0">
+                            <a:latin typeface="Cambria Math" panose="02040503050406030204" pitchFamily="18" charset="0"/>
+                          </a:rPr>
+                          <m:t>(</m:t>
+                        </m:r>
+                        <m:r>
+                          <a:rPr lang="en-US" b="0" i="1" smtClean="0">
+                            <a:latin typeface="Cambria Math" panose="02040503050406030204" pitchFamily="18" charset="0"/>
+                          </a:rPr>
+                          <m:t>𝑦</m:t>
+                        </m:r>
+                        <m:r>
+                          <a:rPr lang="en-US" b="0" i="1" smtClean="0">
+                            <a:latin typeface="Cambria Math" panose="02040503050406030204" pitchFamily="18" charset="0"/>
+                          </a:rPr>
+                          <m:t>)]</m:t>
+                        </m:r>
+                      </m:e>
+                    </m:nary>
+                  </m:oMath>
+                </a14:m>
+                <a:endParaRPr lang="en-US" dirty="0"/>
+              </a:p>
+              <a:p>
+                <a:r>
+                  <a:rPr lang="en-US" dirty="0"/>
+                  <a:t>Gaussian distribution has maximum entropy among all distributions over the real axis </a:t>
+                </a:r>
+                <a14:m>
+                  <m:oMath xmlns:m="http://schemas.openxmlformats.org/officeDocument/2006/math">
+                    <m:d>
+                      <m:dPr>
+                        <m:ctrlPr>
+                          <a:rPr lang="en-US" b="0" i="1" smtClean="0">
+                            <a:latin typeface="Cambria Math" panose="02040503050406030204" pitchFamily="18" charset="0"/>
+                          </a:rPr>
+                        </m:ctrlPr>
+                      </m:dPr>
+                      <m:e>
+                        <m:r>
+                          <a:rPr lang="en-US" b="0" i="1" smtClean="0">
+                            <a:latin typeface="Cambria Math" panose="02040503050406030204" pitchFamily="18" charset="0"/>
+                          </a:rPr>
+                          <m:t>−</m:t>
+                        </m:r>
+                        <m:r>
+                          <a:rPr lang="en-US" b="0" i="1" smtClean="0">
+                            <a:latin typeface="Cambria Math" panose="02040503050406030204" pitchFamily="18" charset="0"/>
+                            <a:ea typeface="Cambria Math" panose="02040503050406030204" pitchFamily="18" charset="0"/>
+                          </a:rPr>
+                          <m:t>∞,∞</m:t>
+                        </m:r>
+                      </m:e>
+                    </m:d>
+                  </m:oMath>
+                </a14:m>
+                <a:endParaRPr lang="en-US" dirty="0" smtClean="0"/>
+              </a:p>
+              <a:p>
+                <a:pPr lvl="1"/>
+                <a:r>
+                  <a:rPr lang="en-US" dirty="0"/>
+                  <a:t>U</a:t>
+                </a:r>
+                <a:r>
+                  <a:rPr lang="en-US" dirty="0" smtClean="0"/>
+                  <a:t>niform </a:t>
+                </a:r>
+                <a:r>
+                  <a:rPr lang="en-US" dirty="0"/>
+                  <a:t>distribution has maximum entropy among all distributions over a finite range</a:t>
+                </a:r>
+              </a:p>
+              <a:p>
+                <a:r>
+                  <a:rPr lang="en-US" dirty="0"/>
+                  <a:t>Based on this, the differential entropy or negentropy is defined:</a:t>
+                </a:r>
+                <a:br>
+                  <a:rPr lang="en-US" dirty="0"/>
+                </a:br>
+                <a:r>
+                  <a:rPr lang="en-US" dirty="0"/>
+                  <a:t>	</a:t>
+                </a:r>
+                <a14:m>
+                  <m:oMath xmlns:m="http://schemas.openxmlformats.org/officeDocument/2006/math">
+                    <m:r>
+                      <a:rPr lang="en-US" b="0" i="1" smtClean="0">
+                        <a:latin typeface="Cambria Math" panose="02040503050406030204" pitchFamily="18" charset="0"/>
+                      </a:rPr>
+                      <m:t>𝐽</m:t>
+                    </m:r>
+                    <m:d>
+                      <m:dPr>
+                        <m:ctrlPr>
+                          <a:rPr lang="en-US" b="0" i="1" smtClean="0">
+                            <a:latin typeface="Cambria Math" panose="02040503050406030204" pitchFamily="18" charset="0"/>
+                          </a:rPr>
+                        </m:ctrlPr>
+                      </m:dPr>
+                      <m:e>
+                        <m:r>
+                          <a:rPr lang="en-US" b="0" i="1" smtClean="0">
+                            <a:latin typeface="Cambria Math" panose="02040503050406030204" pitchFamily="18" charset="0"/>
+                          </a:rPr>
+                          <m:t>𝑦</m:t>
+                        </m:r>
+                      </m:e>
+                    </m:d>
+                    <m:r>
+                      <a:rPr lang="en-US" b="0" i="1" smtClean="0">
+                        <a:latin typeface="Cambria Math" panose="02040503050406030204" pitchFamily="18" charset="0"/>
+                      </a:rPr>
+                      <m:t>=</m:t>
+                    </m:r>
+                    <m:r>
+                      <a:rPr lang="en-US" b="0" i="1" smtClean="0">
+                        <a:latin typeface="Cambria Math" panose="02040503050406030204" pitchFamily="18" charset="0"/>
+                      </a:rPr>
+                      <m:t>𝐻</m:t>
+                    </m:r>
+                    <m:d>
+                      <m:dPr>
+                        <m:ctrlPr>
+                          <a:rPr lang="en-US" b="0" i="1" smtClean="0">
+                            <a:latin typeface="Cambria Math" panose="02040503050406030204" pitchFamily="18" charset="0"/>
+                          </a:rPr>
+                        </m:ctrlPr>
+                      </m:dPr>
+                      <m:e>
+                        <m:sSub>
+                          <m:sSubPr>
+                            <m:ctrlPr>
+                              <a:rPr lang="en-US" b="0" i="1" smtClean="0">
+                                <a:latin typeface="Cambria Math" panose="02040503050406030204" pitchFamily="18" charset="0"/>
+                              </a:rPr>
+                            </m:ctrlPr>
+                          </m:sSubPr>
+                          <m:e>
                             <m:r>
                               <a:rPr lang="en-US" b="0" i="1" smtClean="0">
                                 <a:latin typeface="Cambria Math" panose="02040503050406030204" pitchFamily="18" charset="0"/>
@@ -3596,130 +3924,82 @@
                               <a:rPr lang="en-US" b="0" i="1" smtClean="0">
                                 <a:latin typeface="Cambria Math" panose="02040503050406030204" pitchFamily="18" charset="0"/>
                               </a:rPr>
-                              <m:t>𝑖</m:t>
+                              <m:t>𝐺</m:t>
                             </m:r>
                           </m:sub>
                         </m:sSub>
-                        <m:r>
-                          <a:rPr lang="en-US" b="0" i="1" smtClean="0">
-                            <a:latin typeface="Cambria Math" panose="02040503050406030204" pitchFamily="18" charset="0"/>
-                          </a:rPr>
-                          <m:t>)]</m:t>
-                        </m:r>
                       </m:e>
-                    </m:nary>
+                    </m:d>
                     <m:r>
                       <a:rPr lang="en-US" b="0" i="1" smtClean="0">
                         <a:latin typeface="Cambria Math" panose="02040503050406030204" pitchFamily="18" charset="0"/>
                       </a:rPr>
-                      <m:t>= </m:t>
-                    </m:r>
-                    <m:nary>
-                      <m:naryPr>
-                        <m:chr m:val="∑"/>
-                        <m:supHide m:val="on"/>
+                      <m:t>−</m:t>
+                    </m:r>
+                    <m:r>
+                      <a:rPr lang="en-US" b="0" i="1" smtClean="0">
+                        <a:latin typeface="Cambria Math" panose="02040503050406030204" pitchFamily="18" charset="0"/>
+                      </a:rPr>
+                      <m:t>𝐻</m:t>
+                    </m:r>
+                    <m:d>
+                      <m:dPr>
                         <m:ctrlPr>
                           <a:rPr lang="en-US" b="0" i="1" smtClean="0">
                             <a:latin typeface="Cambria Math" panose="02040503050406030204" pitchFamily="18" charset="0"/>
                           </a:rPr>
                         </m:ctrlPr>
-                      </m:naryPr>
-                      <m:sub>
-                        <m:r>
-                          <m:rPr>
-                            <m:brk m:alnAt="7"/>
-                          </m:rPr>
-                          <a:rPr lang="en-US" b="0" i="1" smtClean="0">
-                            <a:latin typeface="Cambria Math" panose="02040503050406030204" pitchFamily="18" charset="0"/>
-                          </a:rPr>
-                          <m:t>𝑖</m:t>
-                        </m:r>
-                      </m:sub>
-                      <m:sup/>
+                      </m:dPr>
                       <m:e>
                         <m:r>
                           <a:rPr lang="en-US" b="0" i="1" smtClean="0">
                             <a:latin typeface="Cambria Math" panose="02040503050406030204" pitchFamily="18" charset="0"/>
                           </a:rPr>
-                          <m:t>𝐸</m:t>
-                        </m:r>
-                        <m:r>
-                          <a:rPr lang="en-US" b="0" i="1" smtClean="0">
-                            <a:latin typeface="Cambria Math" panose="02040503050406030204" pitchFamily="18" charset="0"/>
-                          </a:rPr>
-                          <m:t>[</m:t>
-                        </m:r>
-                        <m:r>
-                          <a:rPr lang="en-US" b="0" i="1" smtClean="0">
-                            <a:latin typeface="Cambria Math" panose="02040503050406030204" pitchFamily="18" charset="0"/>
-                          </a:rPr>
-                          <m:t>𝐺</m:t>
-                        </m:r>
-                        <m:r>
-                          <a:rPr lang="en-US" b="0" i="1" smtClean="0">
-                            <a:latin typeface="Cambria Math" panose="02040503050406030204" pitchFamily="18" charset="0"/>
-                          </a:rPr>
-                          <m:t>(</m:t>
-                        </m:r>
-                        <m:sSubSup>
-                          <m:sSubSupPr>
-                            <m:ctrlPr>
-                              <a:rPr lang="en-US" b="0" i="1" smtClean="0">
-                                <a:latin typeface="Cambria Math" panose="02040503050406030204" pitchFamily="18" charset="0"/>
-                              </a:rPr>
-                            </m:ctrlPr>
-                          </m:sSubSupPr>
-                          <m:e>
-                            <m:r>
-                              <a:rPr lang="en-US" b="1" i="1" smtClean="0">
-                                <a:latin typeface="Cambria Math" panose="02040503050406030204" pitchFamily="18" charset="0"/>
-                              </a:rPr>
-                              <m:t>𝒘</m:t>
-                            </m:r>
-                          </m:e>
-                          <m:sub>
-                            <m:r>
-                              <a:rPr lang="en-US" b="0" i="1" smtClean="0">
-                                <a:latin typeface="Cambria Math" panose="02040503050406030204" pitchFamily="18" charset="0"/>
-                              </a:rPr>
-                              <m:t>𝑖</m:t>
-                            </m:r>
-                          </m:sub>
-                          <m:sup>
-                            <m:r>
-                              <a:rPr lang="en-US" b="0" i="1" smtClean="0">
-                                <a:latin typeface="Cambria Math" panose="02040503050406030204" pitchFamily="18" charset="0"/>
-                              </a:rPr>
-                              <m:t>𝑇</m:t>
-                            </m:r>
-                          </m:sup>
-                        </m:sSubSup>
-                        <m:r>
-                          <a:rPr lang="en-US" b="1" i="1" smtClean="0">
-                            <a:latin typeface="Cambria Math" panose="02040503050406030204" pitchFamily="18" charset="0"/>
-                          </a:rPr>
-                          <m:t>𝒙</m:t>
-                        </m:r>
-                        <m:r>
-                          <a:rPr lang="en-US" b="0" i="1" smtClean="0">
-                            <a:latin typeface="Cambria Math" panose="02040503050406030204" pitchFamily="18" charset="0"/>
-                          </a:rPr>
-                          <m:t>)]</m:t>
+                          <m:t>𝑦</m:t>
                         </m:r>
                       </m:e>
-                    </m:nary>
+                    </m:d>
+                    <m:r>
+                      <a:rPr lang="en-US" b="0" i="1" smtClean="0">
+                        <a:latin typeface="Cambria Math" panose="02040503050406030204" pitchFamily="18" charset="0"/>
+                      </a:rPr>
+                      <m:t>,  </m:t>
+                    </m:r>
+                    <m:r>
+                      <a:rPr lang="en-US" b="0" i="1" smtClean="0">
+                        <a:latin typeface="Cambria Math" panose="02040503050406030204" pitchFamily="18" charset="0"/>
+                      </a:rPr>
+                      <m:t>𝐽</m:t>
+                    </m:r>
+                    <m:d>
+                      <m:dPr>
+                        <m:ctrlPr>
+                          <a:rPr lang="en-US" b="0" i="1" smtClean="0">
+                            <a:latin typeface="Cambria Math" panose="02040503050406030204" pitchFamily="18" charset="0"/>
+                          </a:rPr>
+                        </m:ctrlPr>
+                      </m:dPr>
+                      <m:e>
+                        <m:r>
+                          <a:rPr lang="en-US" b="0" i="1" smtClean="0">
+                            <a:latin typeface="Cambria Math" panose="02040503050406030204" pitchFamily="18" charset="0"/>
+                          </a:rPr>
+                          <m:t>𝑦</m:t>
+                        </m:r>
+                      </m:e>
+                    </m:d>
+                    <m:r>
+                      <a:rPr lang="en-US" b="0" i="1" smtClean="0">
+                        <a:latin typeface="Cambria Math" panose="02040503050406030204" pitchFamily="18" charset="0"/>
+                        <a:ea typeface="Cambria Math" panose="02040503050406030204" pitchFamily="18" charset="0"/>
+                      </a:rPr>
+                      <m:t>≥0</m:t>
+                    </m:r>
                   </m:oMath>
                 </a14:m>
                 <a:r>
                   <a:rPr lang="en-US" dirty="0"/>
-                  <a:t> </a:t>
-                </a:r>
-                <a:br>
-                  <a:rPr lang="en-US" dirty="0"/>
-                </a:br>
-                <a:r>
-                  <a:rPr lang="en-US" dirty="0"/>
-                  <a:t>	 where </a:t>
+                  <a:t> where </a:t>
                 </a:r>
                 <a14:m>
                   <m:oMath xmlns:m="http://schemas.openxmlformats.org/officeDocument/2006/math">
@@ -3744,193 +4024,32 @@
                           <a:rPr lang="en-US" b="0" i="1" smtClean="0">
                             <a:latin typeface="Cambria Math" panose="02040503050406030204" pitchFamily="18" charset="0"/>
                           </a:rPr>
-                          <m:t>𝑖</m:t>
+                          <m:t>𝐺</m:t>
                         </m:r>
                       </m:sub>
                     </m:sSub>
-                    <m:r>
-                      <a:rPr lang="en-US" b="0" i="1" smtClean="0">
-                        <a:latin typeface="Cambria Math" panose="02040503050406030204" pitchFamily="18" charset="0"/>
-                      </a:rPr>
-                      <m:t>=</m:t>
-                    </m:r>
                   </m:oMath>
                 </a14:m>
                 <a:r>
-                  <a:rPr lang="en-US" b="0" dirty="0"/>
-                  <a:t> </a:t>
+                  <a:rPr lang="en-US" dirty="0"/>
+                  <a:t>is a Gaussian variable with same 	variance as </a:t>
                 </a:r>
                 <a14:m>
                   <m:oMath xmlns:m="http://schemas.openxmlformats.org/officeDocument/2006/math">
-                    <m:sSubSup>
-                      <m:sSubSupPr>
-                        <m:ctrlPr>
-                          <a:rPr lang="en-US" b="0" i="1" smtClean="0">
-                            <a:latin typeface="Cambria Math" panose="02040503050406030204" pitchFamily="18" charset="0"/>
-                          </a:rPr>
-                        </m:ctrlPr>
-                      </m:sSubSupPr>
-                      <m:e>
-                        <m:r>
-                          <a:rPr lang="en-US" b="1" i="1" smtClean="0">
-                            <a:latin typeface="Cambria Math" panose="02040503050406030204" pitchFamily="18" charset="0"/>
-                          </a:rPr>
-                          <m:t>𝒘</m:t>
-                        </m:r>
-                      </m:e>
-                      <m:sub>
-                        <m:r>
-                          <a:rPr lang="en-US" b="0" i="1" smtClean="0">
-                            <a:latin typeface="Cambria Math" panose="02040503050406030204" pitchFamily="18" charset="0"/>
-                          </a:rPr>
-                          <m:t>𝑖</m:t>
-                        </m:r>
-                      </m:sub>
-                      <m:sup>
-                        <m:r>
-                          <a:rPr lang="en-US" b="0" i="1" smtClean="0">
-                            <a:latin typeface="Cambria Math" panose="02040503050406030204" pitchFamily="18" charset="0"/>
-                          </a:rPr>
-                          <m:t>𝑇</m:t>
-                        </m:r>
-                      </m:sup>
-                    </m:sSubSup>
-                    <m:r>
-                      <a:rPr lang="en-US" b="1" i="1" smtClean="0">
-                        <a:latin typeface="Cambria Math" panose="02040503050406030204" pitchFamily="18" charset="0"/>
-                      </a:rPr>
-                      <m:t>𝒙</m:t>
+                    <m:r>
+                      <a:rPr lang="en-US" b="0" i="1" smtClean="0">
+                        <a:latin typeface="Cambria Math" panose="02040503050406030204" pitchFamily="18" charset="0"/>
+                      </a:rPr>
+                      <m:t>𝑦</m:t>
                     </m:r>
                   </m:oMath>
                 </a14:m>
-                <a:r>
-                  <a:rPr lang="en-US" dirty="0"/>
-                  <a:t> is a component of </a:t>
-                </a:r>
-                <a14:m>
-                  <m:oMath xmlns:m="http://schemas.openxmlformats.org/officeDocument/2006/math">
-                    <m:r>
-                      <a:rPr lang="en-US" b="1" i="1" smtClean="0">
-                        <a:latin typeface="Cambria Math" panose="02040503050406030204" pitchFamily="18" charset="0"/>
-                      </a:rPr>
-                      <m:t>𝒚</m:t>
-                    </m:r>
-                    <m:r>
-                      <a:rPr lang="en-US" b="0" i="1" smtClean="0">
-                        <a:latin typeface="Cambria Math" panose="02040503050406030204" pitchFamily="18" charset="0"/>
-                      </a:rPr>
-                      <m:t>=</m:t>
-                    </m:r>
-                    <m:r>
-                      <a:rPr lang="en-US" b="1" i="1" smtClean="0">
-                        <a:latin typeface="Cambria Math" panose="02040503050406030204" pitchFamily="18" charset="0"/>
-                      </a:rPr>
-                      <m:t>𝑾𝒙</m:t>
-                    </m:r>
-                  </m:oMath>
-                </a14:m>
-                <a:r>
-                  <a:rPr lang="en-US" b="1" dirty="0"/>
-                  <a:t> </a:t>
-                </a:r>
-                <a:br>
-                  <a:rPr lang="en-US" b="1" dirty="0"/>
-                </a:br>
-                <a:r>
-                  <a:rPr lang="en-US" b="1" dirty="0"/>
-                  <a:t>	</a:t>
-                </a:r>
-                <a:r>
-                  <a:rPr lang="en-US" dirty="0"/>
-                  <a:t>and </a:t>
-                </a:r>
-                <a14:m>
-                  <m:oMath xmlns:m="http://schemas.openxmlformats.org/officeDocument/2006/math">
-                    <m:sSubSup>
-                      <m:sSubSupPr>
-                        <m:ctrlPr>
-                          <a:rPr lang="en-US" b="0" i="1" smtClean="0">
-                            <a:latin typeface="Cambria Math" panose="02040503050406030204" pitchFamily="18" charset="0"/>
-                          </a:rPr>
-                        </m:ctrlPr>
-                      </m:sSubSupPr>
-                      <m:e>
-                        <m:r>
-                          <a:rPr lang="en-US" b="1" i="1" smtClean="0">
-                            <a:latin typeface="Cambria Math" panose="02040503050406030204" pitchFamily="18" charset="0"/>
-                          </a:rPr>
-                          <m:t>𝒘</m:t>
-                        </m:r>
-                      </m:e>
-                      <m:sub>
-                        <m:r>
-                          <a:rPr lang="en-US" b="0" i="1" smtClean="0">
-                            <a:latin typeface="Cambria Math" panose="02040503050406030204" pitchFamily="18" charset="0"/>
-                          </a:rPr>
-                          <m:t>𝑖</m:t>
-                        </m:r>
-                      </m:sub>
-                      <m:sup>
-                        <m:r>
-                          <a:rPr lang="en-US" b="0" i="1" smtClean="0">
-                            <a:latin typeface="Cambria Math" panose="02040503050406030204" pitchFamily="18" charset="0"/>
-                          </a:rPr>
-                          <m:t>𝑇</m:t>
-                        </m:r>
-                      </m:sup>
-                    </m:sSubSup>
-                  </m:oMath>
-                </a14:m>
-                <a:r>
-                  <a:rPr lang="en-US" b="1" dirty="0"/>
-                  <a:t> </a:t>
-                </a:r>
-                <a:r>
-                  <a:rPr lang="en-US" dirty="0"/>
-                  <a:t>is the </a:t>
-                </a:r>
-                <a:r>
-                  <a:rPr lang="en-US" dirty="0" err="1"/>
-                  <a:t>ith</a:t>
-                </a:r>
-                <a:r>
-                  <a:rPr lang="en-US" dirty="0"/>
-                  <a:t> row vector in matrix </a:t>
-                </a:r>
-                <a14:m>
-                  <m:oMath xmlns:m="http://schemas.openxmlformats.org/officeDocument/2006/math">
-                    <m:r>
-                      <a:rPr lang="en-US" b="1" i="1" smtClean="0">
-                        <a:latin typeface="Cambria Math" panose="02040503050406030204" pitchFamily="18" charset="0"/>
-                      </a:rPr>
-                      <m:t>𝑾</m:t>
-                    </m:r>
-                  </m:oMath>
-                </a14:m>
-                <a:endParaRPr lang="en-US" b="1" dirty="0"/>
+                <a:endParaRPr lang="en-US" dirty="0"/>
               </a:p>
               <a:p>
                 <a:r>
                   <a:rPr lang="en-US" dirty="0"/>
-                  <a:t>We set up the optimization problem for a particular component</a:t>
-                </a:r>
-                <a:r>
-                  <a:rPr lang="en-US" b="1" dirty="0"/>
-                  <a:t> </a:t>
-                </a:r>
-                <a14:m>
-                  <m:oMath xmlns:m="http://schemas.openxmlformats.org/officeDocument/2006/math">
-                    <m:r>
-                      <a:rPr lang="en-US" b="1" i="1" smtClean="0">
-                        <a:latin typeface="Cambria Math" panose="02040503050406030204" pitchFamily="18" charset="0"/>
-                      </a:rPr>
-                      <m:t>𝒘</m:t>
-                    </m:r>
-                  </m:oMath>
-                </a14:m>
-                <a:r>
-                  <a:rPr lang="en-US" dirty="0"/>
-                  <a:t>:</a:t>
+                  <a:t>Negentropy can be approximated using:</a:t>
                 </a:r>
                 <a:br>
                   <a:rPr lang="en-US" dirty="0"/>
@@ -3945,7 +4064,7 @@
                       <a:rPr lang="en-US" b="0" i="1" smtClean="0">
                         <a:latin typeface="Cambria Math" panose="02040503050406030204" pitchFamily="18" charset="0"/>
                       </a:rPr>
-                      <m:t>𝑂</m:t>
+                      <m:t>𝐽</m:t>
                     </m:r>
                     <m:d>
                       <m:dPr>
@@ -3957,21 +4076,648 @@
                       </m:dPr>
                       <m:e>
                         <m:r>
-                          <a:rPr lang="en-US" b="1" i="1" smtClean="0">
-                            <a:latin typeface="Cambria Math" panose="02040503050406030204" pitchFamily="18" charset="0"/>
-                          </a:rPr>
-                          <m:t>𝒘</m:t>
+                          <a:rPr lang="en-US" b="0" i="1" smtClean="0">
+                            <a:latin typeface="Cambria Math" panose="02040503050406030204" pitchFamily="18" charset="0"/>
+                          </a:rPr>
+                          <m:t>𝑦</m:t>
                         </m:r>
                       </m:e>
                     </m:d>
                     <m:r>
                       <a:rPr lang="en-US" b="0" i="1" smtClean="0">
                         <a:latin typeface="Cambria Math" panose="02040503050406030204" pitchFamily="18" charset="0"/>
+                        <a:ea typeface="Cambria Math" panose="02040503050406030204" pitchFamily="18" charset="0"/>
+                      </a:rPr>
+                      <m:t>≈</m:t>
+                    </m:r>
+                    <m:nary>
+                      <m:naryPr>
+                        <m:chr m:val="∑"/>
+                        <m:limLoc m:val="subSup"/>
+                        <m:ctrlPr>
+                          <a:rPr lang="en-US" b="0" i="1" smtClean="0">
+                            <a:latin typeface="Cambria Math" panose="02040503050406030204" pitchFamily="18" charset="0"/>
+                            <a:ea typeface="Cambria Math" panose="02040503050406030204" pitchFamily="18" charset="0"/>
+                          </a:rPr>
+                        </m:ctrlPr>
+                      </m:naryPr>
+                      <m:sub>
+                        <m:r>
+                          <m:rPr>
+                            <m:brk m:alnAt="25"/>
+                          </m:rPr>
+                          <a:rPr lang="en-US" b="0" i="1" smtClean="0">
+                            <a:latin typeface="Cambria Math" panose="02040503050406030204" pitchFamily="18" charset="0"/>
+                            <a:ea typeface="Cambria Math" panose="02040503050406030204" pitchFamily="18" charset="0"/>
+                          </a:rPr>
+                          <m:t>𝑖</m:t>
+                        </m:r>
+                        <m:r>
+                          <a:rPr lang="en-US" b="0" i="1" smtClean="0">
+                            <a:latin typeface="Cambria Math" panose="02040503050406030204" pitchFamily="18" charset="0"/>
+                            <a:ea typeface="Cambria Math" panose="02040503050406030204" pitchFamily="18" charset="0"/>
+                          </a:rPr>
+                          <m:t>=1</m:t>
+                        </m:r>
+                      </m:sub>
+                      <m:sup>
+                        <m:r>
+                          <a:rPr lang="en-US" b="0" i="1" smtClean="0">
+                            <a:latin typeface="Cambria Math" panose="02040503050406030204" pitchFamily="18" charset="0"/>
+                            <a:ea typeface="Cambria Math" panose="02040503050406030204" pitchFamily="18" charset="0"/>
+                          </a:rPr>
+                          <m:t>𝑝</m:t>
+                        </m:r>
+                      </m:sup>
+                      <m:e>
+                        <m:sSub>
+                          <m:sSubPr>
+                            <m:ctrlPr>
+                              <a:rPr lang="en-US" b="0" i="1" smtClean="0">
+                                <a:latin typeface="Cambria Math" panose="02040503050406030204" pitchFamily="18" charset="0"/>
+                                <a:ea typeface="Cambria Math" panose="02040503050406030204" pitchFamily="18" charset="0"/>
+                              </a:rPr>
+                            </m:ctrlPr>
+                          </m:sSubPr>
+                          <m:e>
+                            <m:r>
+                              <a:rPr lang="en-US" b="0" i="1" smtClean="0">
+                                <a:latin typeface="Cambria Math" panose="02040503050406030204" pitchFamily="18" charset="0"/>
+                                <a:ea typeface="Cambria Math" panose="02040503050406030204" pitchFamily="18" charset="0"/>
+                              </a:rPr>
+                              <m:t>𝑘</m:t>
+                            </m:r>
+                          </m:e>
+                          <m:sub>
+                            <m:r>
+                              <a:rPr lang="en-US" b="0" i="1" smtClean="0">
+                                <a:latin typeface="Cambria Math" panose="02040503050406030204" pitchFamily="18" charset="0"/>
+                                <a:ea typeface="Cambria Math" panose="02040503050406030204" pitchFamily="18" charset="0"/>
+                              </a:rPr>
+                              <m:t>𝑖</m:t>
+                            </m:r>
+                          </m:sub>
+                        </m:sSub>
+                        <m:sSup>
+                          <m:sSupPr>
+                            <m:ctrlPr>
+                              <a:rPr lang="en-US" b="0" i="1" smtClean="0">
+                                <a:latin typeface="Cambria Math" panose="02040503050406030204" pitchFamily="18" charset="0"/>
+                                <a:ea typeface="Cambria Math" panose="02040503050406030204" pitchFamily="18" charset="0"/>
+                              </a:rPr>
+                            </m:ctrlPr>
+                          </m:sSupPr>
+                          <m:e>
+                            <m:r>
+                              <a:rPr lang="en-US" b="0" i="1" smtClean="0">
+                                <a:latin typeface="Cambria Math" panose="02040503050406030204" pitchFamily="18" charset="0"/>
+                                <a:ea typeface="Cambria Math" panose="02040503050406030204" pitchFamily="18" charset="0"/>
+                              </a:rPr>
+                              <m:t>(</m:t>
+                            </m:r>
+                            <m:r>
+                              <a:rPr lang="en-US" b="0" i="1" smtClean="0">
+                                <a:latin typeface="Cambria Math" panose="02040503050406030204" pitchFamily="18" charset="0"/>
+                                <a:ea typeface="Cambria Math" panose="02040503050406030204" pitchFamily="18" charset="0"/>
+                              </a:rPr>
+                              <m:t>𝐸</m:t>
+                            </m:r>
+                            <m:d>
+                              <m:dPr>
+                                <m:begChr m:val="["/>
+                                <m:endChr m:val="]"/>
+                                <m:ctrlPr>
+                                  <a:rPr lang="en-US" b="0" i="1" smtClean="0">
+                                    <a:latin typeface="Cambria Math" panose="02040503050406030204" pitchFamily="18" charset="0"/>
+                                    <a:ea typeface="Cambria Math" panose="02040503050406030204" pitchFamily="18" charset="0"/>
+                                  </a:rPr>
+                                </m:ctrlPr>
+                              </m:dPr>
+                              <m:e>
+                                <m:sSub>
+                                  <m:sSubPr>
+                                    <m:ctrlPr>
+                                      <a:rPr lang="en-US" b="0" i="1" smtClean="0">
+                                        <a:latin typeface="Cambria Math" panose="02040503050406030204" pitchFamily="18" charset="0"/>
+                                        <a:ea typeface="Cambria Math" panose="02040503050406030204" pitchFamily="18" charset="0"/>
+                                      </a:rPr>
+                                    </m:ctrlPr>
+                                  </m:sSubPr>
+                                  <m:e>
+                                    <m:r>
+                                      <a:rPr lang="en-US" b="0" i="1" smtClean="0">
+                                        <a:latin typeface="Cambria Math" panose="02040503050406030204" pitchFamily="18" charset="0"/>
+                                        <a:ea typeface="Cambria Math" panose="02040503050406030204" pitchFamily="18" charset="0"/>
+                                      </a:rPr>
+                                      <m:t>𝐺</m:t>
+                                    </m:r>
+                                  </m:e>
+                                  <m:sub>
+                                    <m:r>
+                                      <a:rPr lang="en-US" b="0" i="1" smtClean="0">
+                                        <a:latin typeface="Cambria Math" panose="02040503050406030204" pitchFamily="18" charset="0"/>
+                                        <a:ea typeface="Cambria Math" panose="02040503050406030204" pitchFamily="18" charset="0"/>
+                                      </a:rPr>
+                                      <m:t>𝑖</m:t>
+                                    </m:r>
+                                  </m:sub>
+                                </m:sSub>
+                                <m:d>
+                                  <m:dPr>
+                                    <m:ctrlPr>
+                                      <a:rPr lang="en-US" b="0" i="1" smtClean="0">
+                                        <a:latin typeface="Cambria Math" panose="02040503050406030204" pitchFamily="18" charset="0"/>
+                                        <a:ea typeface="Cambria Math" panose="02040503050406030204" pitchFamily="18" charset="0"/>
+                                      </a:rPr>
+                                    </m:ctrlPr>
+                                  </m:dPr>
+                                  <m:e>
+                                    <m:r>
+                                      <a:rPr lang="en-US" b="0" i="1" smtClean="0">
+                                        <a:latin typeface="Cambria Math" panose="02040503050406030204" pitchFamily="18" charset="0"/>
+                                        <a:ea typeface="Cambria Math" panose="02040503050406030204" pitchFamily="18" charset="0"/>
+                                      </a:rPr>
+                                      <m:t>𝑦</m:t>
+                                    </m:r>
+                                  </m:e>
+                                </m:d>
+                              </m:e>
+                            </m:d>
+                            <m:r>
+                              <a:rPr lang="en-US" b="0" i="1" smtClean="0">
+                                <a:latin typeface="Cambria Math" panose="02040503050406030204" pitchFamily="18" charset="0"/>
+                                <a:ea typeface="Cambria Math" panose="02040503050406030204" pitchFamily="18" charset="0"/>
+                              </a:rPr>
+                              <m:t>−</m:t>
+                            </m:r>
+                            <m:r>
+                              <a:rPr lang="en-US" b="0" i="1" smtClean="0">
+                                <a:latin typeface="Cambria Math" panose="02040503050406030204" pitchFamily="18" charset="0"/>
+                                <a:ea typeface="Cambria Math" panose="02040503050406030204" pitchFamily="18" charset="0"/>
+                              </a:rPr>
+                              <m:t>𝐸</m:t>
+                            </m:r>
+                            <m:r>
+                              <a:rPr lang="en-US" b="0" i="1" smtClean="0">
+                                <a:latin typeface="Cambria Math" panose="02040503050406030204" pitchFamily="18" charset="0"/>
+                                <a:ea typeface="Cambria Math" panose="02040503050406030204" pitchFamily="18" charset="0"/>
+                              </a:rPr>
+                              <m:t>[</m:t>
+                            </m:r>
+                            <m:sSub>
+                              <m:sSubPr>
+                                <m:ctrlPr>
+                                  <a:rPr lang="en-US" b="0" i="1" smtClean="0">
+                                    <a:latin typeface="Cambria Math" panose="02040503050406030204" pitchFamily="18" charset="0"/>
+                                    <a:ea typeface="Cambria Math" panose="02040503050406030204" pitchFamily="18" charset="0"/>
+                                  </a:rPr>
+                                </m:ctrlPr>
+                              </m:sSubPr>
+                              <m:e>
+                                <m:r>
+                                  <a:rPr lang="en-US" b="0" i="1" smtClean="0">
+                                    <a:latin typeface="Cambria Math" panose="02040503050406030204" pitchFamily="18" charset="0"/>
+                                    <a:ea typeface="Cambria Math" panose="02040503050406030204" pitchFamily="18" charset="0"/>
+                                  </a:rPr>
+                                  <m:t>𝐺</m:t>
+                                </m:r>
+                              </m:e>
+                              <m:sub>
+                                <m:r>
+                                  <a:rPr lang="en-US" b="0" i="1" smtClean="0">
+                                    <a:latin typeface="Cambria Math" panose="02040503050406030204" pitchFamily="18" charset="0"/>
+                                    <a:ea typeface="Cambria Math" panose="02040503050406030204" pitchFamily="18" charset="0"/>
+                                  </a:rPr>
+                                  <m:t>𝑖</m:t>
+                                </m:r>
+                              </m:sub>
+                            </m:sSub>
+                            <m:r>
+                              <a:rPr lang="en-US" b="0" i="1" smtClean="0">
+                                <a:latin typeface="Cambria Math" panose="02040503050406030204" pitchFamily="18" charset="0"/>
+                                <a:ea typeface="Cambria Math" panose="02040503050406030204" pitchFamily="18" charset="0"/>
+                              </a:rPr>
+                              <m:t>(</m:t>
+                            </m:r>
+                            <m:r>
+                              <a:rPr lang="en-US" b="0" i="1" smtClean="0">
+                                <a:latin typeface="Cambria Math" panose="02040503050406030204" pitchFamily="18" charset="0"/>
+                                <a:ea typeface="Cambria Math" panose="02040503050406030204" pitchFamily="18" charset="0"/>
+                              </a:rPr>
+                              <m:t>𝑔</m:t>
+                            </m:r>
+                            <m:r>
+                              <a:rPr lang="en-US" b="0" i="1" smtClean="0">
+                                <a:latin typeface="Cambria Math" panose="02040503050406030204" pitchFamily="18" charset="0"/>
+                                <a:ea typeface="Cambria Math" panose="02040503050406030204" pitchFamily="18" charset="0"/>
+                              </a:rPr>
+                              <m:t>)])</m:t>
+                            </m:r>
+                          </m:e>
+                          <m:sup>
+                            <m:r>
+                              <a:rPr lang="en-US" b="0" i="1" smtClean="0">
+                                <a:latin typeface="Cambria Math" panose="02040503050406030204" pitchFamily="18" charset="0"/>
+                                <a:ea typeface="Cambria Math" panose="02040503050406030204" pitchFamily="18" charset="0"/>
+                              </a:rPr>
+                              <m:t>2</m:t>
+                            </m:r>
+                          </m:sup>
+                        </m:sSup>
+                      </m:e>
+                    </m:nary>
+                  </m:oMath>
+                </a14:m>
+                <a:r>
+                  <a:rPr lang="en-US" dirty="0"/>
+                  <a:t>, </a:t>
+                </a:r>
+                <a:r>
+                  <a:rPr lang="en-US" sz="2000" dirty="0"/>
+                  <a:t>where </a:t>
+                </a:r>
+                <a14:m>
+                  <m:oMath xmlns:m="http://schemas.openxmlformats.org/officeDocument/2006/math">
+                    <m:sSub>
+                      <m:sSubPr>
+                        <m:ctrlPr>
+                          <a:rPr lang="en-US" sz="2000" b="0" i="1" smtClean="0">
+                            <a:latin typeface="Cambria Math" panose="02040503050406030204" pitchFamily="18" charset="0"/>
+                            <a:ea typeface="Cambria Math" panose="02040503050406030204" pitchFamily="18" charset="0"/>
+                          </a:rPr>
+                        </m:ctrlPr>
+                      </m:sSubPr>
+                      <m:e>
+                        <m:r>
+                          <a:rPr lang="en-US" sz="2000" b="0" i="1" smtClean="0">
+                            <a:latin typeface="Cambria Math" panose="02040503050406030204" pitchFamily="18" charset="0"/>
+                            <a:ea typeface="Cambria Math" panose="02040503050406030204" pitchFamily="18" charset="0"/>
+                          </a:rPr>
+                          <m:t>𝑘</m:t>
+                        </m:r>
+                      </m:e>
+                      <m:sub>
+                        <m:r>
+                          <a:rPr lang="en-US" sz="2000" b="0" i="1" smtClean="0">
+                            <a:latin typeface="Cambria Math" panose="02040503050406030204" pitchFamily="18" charset="0"/>
+                            <a:ea typeface="Cambria Math" panose="02040503050406030204" pitchFamily="18" charset="0"/>
+                          </a:rPr>
+                          <m:t>𝑖</m:t>
+                        </m:r>
+                      </m:sub>
+                    </m:sSub>
+                  </m:oMath>
+                </a14:m>
+                <a:r>
+                  <a:rPr lang="en-US" sz="2000" dirty="0"/>
+                  <a:t> are some positive constants, </a:t>
+                </a:r>
+                <a14:m>
+                  <m:oMath xmlns:m="http://schemas.openxmlformats.org/officeDocument/2006/math">
+                    <m:r>
+                      <a:rPr lang="en-US" sz="2000" b="0" i="1" smtClean="0">
+                        <a:latin typeface="Cambria Math" panose="02040503050406030204" pitchFamily="18" charset="0"/>
+                      </a:rPr>
+                      <m:t>𝑦</m:t>
+                    </m:r>
+                  </m:oMath>
+                </a14:m>
+                <a:r>
+                  <a:rPr lang="en-US" sz="2000" dirty="0"/>
+                  <a:t> assumed 	to have zero mean, unit variance, </a:t>
+                </a:r>
+                <a14:m>
+                  <m:oMath xmlns:m="http://schemas.openxmlformats.org/officeDocument/2006/math">
+                    <m:r>
+                      <a:rPr lang="en-US" sz="2000" b="0" i="1" smtClean="0">
+                        <a:latin typeface="Cambria Math" panose="02040503050406030204" pitchFamily="18" charset="0"/>
+                        <a:ea typeface="Cambria Math" panose="02040503050406030204" pitchFamily="18" charset="0"/>
+                      </a:rPr>
+                      <m:t>𝑔</m:t>
+                    </m:r>
+                  </m:oMath>
+                </a14:m>
+                <a:r>
+                  <a:rPr lang="en-US" sz="2000" dirty="0"/>
+                  <a:t> is a Gaussian variable with zero mean, unit variance, and </a:t>
+                </a:r>
+                <a14:m>
+                  <m:oMath xmlns:m="http://schemas.openxmlformats.org/officeDocument/2006/math">
+                    <m:sSub>
+                      <m:sSubPr>
+                        <m:ctrlPr>
+                          <a:rPr lang="en-US" sz="2000" b="0" i="1" smtClean="0">
+                            <a:latin typeface="Cambria Math" panose="02040503050406030204" pitchFamily="18" charset="0"/>
+                            <a:ea typeface="Cambria Math" panose="02040503050406030204" pitchFamily="18" charset="0"/>
+                          </a:rPr>
+                        </m:ctrlPr>
+                      </m:sSubPr>
+                      <m:e>
+                        <m:r>
+                          <a:rPr lang="en-US" sz="2000" b="0" i="1" smtClean="0">
+                            <a:latin typeface="Cambria Math" panose="02040503050406030204" pitchFamily="18" charset="0"/>
+                            <a:ea typeface="Cambria Math" panose="02040503050406030204" pitchFamily="18" charset="0"/>
+                          </a:rPr>
+                          <m:t>𝐺</m:t>
+                        </m:r>
+                      </m:e>
+                      <m:sub>
+                        <m:r>
+                          <a:rPr lang="en-US" sz="2000" b="0" i="1" smtClean="0">
+                            <a:latin typeface="Cambria Math" panose="02040503050406030204" pitchFamily="18" charset="0"/>
+                            <a:ea typeface="Cambria Math" panose="02040503050406030204" pitchFamily="18" charset="0"/>
+                          </a:rPr>
+                          <m:t>𝑖</m:t>
+                        </m:r>
+                      </m:sub>
+                    </m:sSub>
+                  </m:oMath>
+                </a14:m>
+                <a:r>
+                  <a:rPr lang="en-US" sz="2000" dirty="0"/>
+                  <a:t> are some 	non-quadratic </a:t>
+                </a:r>
+                <a:r>
+                  <a:rPr lang="en-US" sz="2000" dirty="0" smtClean="0"/>
+                  <a:t>functions such as:</a:t>
+                </a:r>
+                <a:br>
+                  <a:rPr lang="en-US" sz="2000" dirty="0" smtClean="0"/>
+                </a:br>
+                <a:r>
+                  <a:rPr lang="en-US" sz="2000" dirty="0" smtClean="0"/>
+                  <a:t>			</a:t>
+                </a:r>
+                <a14:m>
+                  <m:oMath xmlns:m="http://schemas.openxmlformats.org/officeDocument/2006/math">
+                    <m:sSub>
+                      <m:sSubPr>
+                        <m:ctrlPr>
+                          <a:rPr lang="en-US" i="1" smtClean="0">
+                            <a:latin typeface="Cambria Math" panose="02040503050406030204" pitchFamily="18" charset="0"/>
+                          </a:rPr>
+                        </m:ctrlPr>
+                      </m:sSubPr>
+                      <m:e>
+                        <m:r>
+                          <a:rPr lang="en-CA" b="0" i="1" smtClean="0">
+                            <a:latin typeface="Cambria Math" panose="02040503050406030204" pitchFamily="18" charset="0"/>
+                          </a:rPr>
+                          <m:t>𝐺</m:t>
+                        </m:r>
+                      </m:e>
+                      <m:sub>
+                        <m:r>
+                          <a:rPr lang="en-CA" b="0" i="1" smtClean="0">
+                            <a:latin typeface="Cambria Math" panose="02040503050406030204" pitchFamily="18" charset="0"/>
+                          </a:rPr>
+                          <m:t>1</m:t>
+                        </m:r>
+                      </m:sub>
+                    </m:sSub>
+                    <m:d>
+                      <m:dPr>
+                        <m:ctrlPr>
+                          <a:rPr lang="en-CA" b="0" i="1" smtClean="0">
+                            <a:latin typeface="Cambria Math" panose="02040503050406030204" pitchFamily="18" charset="0"/>
+                          </a:rPr>
+                        </m:ctrlPr>
+                      </m:dPr>
+                      <m:e>
+                        <m:r>
+                          <a:rPr lang="en-CA" b="0" i="1" smtClean="0">
+                            <a:latin typeface="Cambria Math" panose="02040503050406030204" pitchFamily="18" charset="0"/>
+                          </a:rPr>
+                          <m:t>𝑦</m:t>
+                        </m:r>
+                      </m:e>
+                    </m:d>
+                    <m:r>
+                      <a:rPr lang="en-CA" b="0" i="1" smtClean="0">
+                        <a:latin typeface="Cambria Math" panose="02040503050406030204" pitchFamily="18" charset="0"/>
                       </a:rPr>
                       <m:t>=</m:t>
                     </m:r>
-                    <m:r>
-                      <a:rPr lang="en-US" b="0" i="1" smtClean="0">
+                    <m:f>
+                      <m:fPr>
+                        <m:ctrlPr>
+                          <a:rPr lang="en-CA" b="0" i="1" smtClean="0">
+                            <a:latin typeface="Cambria Math" panose="02040503050406030204" pitchFamily="18" charset="0"/>
+                          </a:rPr>
+                        </m:ctrlPr>
+                      </m:fPr>
+                      <m:num>
+                        <m:r>
+                          <a:rPr lang="en-CA" b="0" i="1" smtClean="0">
+                            <a:latin typeface="Cambria Math" panose="02040503050406030204" pitchFamily="18" charset="0"/>
+                          </a:rPr>
+                          <m:t>1</m:t>
+                        </m:r>
+                      </m:num>
+                      <m:den>
+                        <m:r>
+                          <a:rPr lang="en-CA" b="0" i="1" smtClean="0">
+                            <a:latin typeface="Cambria Math" panose="02040503050406030204" pitchFamily="18" charset="0"/>
+                          </a:rPr>
+                          <m:t>𝑎</m:t>
+                        </m:r>
+                      </m:den>
+                    </m:f>
+                    <m:func>
+                      <m:funcPr>
+                        <m:ctrlPr>
+                          <a:rPr lang="en-CA" b="0" i="1" smtClean="0">
+                            <a:latin typeface="Cambria Math" panose="02040503050406030204" pitchFamily="18" charset="0"/>
+                          </a:rPr>
+                        </m:ctrlPr>
+                      </m:funcPr>
+                      <m:fName>
+                        <m:r>
+                          <m:rPr>
+                            <m:sty m:val="p"/>
+                          </m:rPr>
+                          <a:rPr lang="en-CA" b="0" i="0" smtClean="0">
+                            <a:latin typeface="Cambria Math" panose="02040503050406030204" pitchFamily="18" charset="0"/>
+                          </a:rPr>
+                          <m:t>log</m:t>
+                        </m:r>
+                      </m:fName>
+                      <m:e>
+                        <m:r>
+                          <m:rPr>
+                            <m:sty m:val="p"/>
+                          </m:rPr>
+                          <a:rPr lang="en-CA" b="0" i="0" smtClean="0">
+                            <a:latin typeface="Cambria Math" panose="02040503050406030204" pitchFamily="18" charset="0"/>
+                          </a:rPr>
+                          <m:t>cosh</m:t>
+                        </m:r>
+                        <m:r>
+                          <a:rPr lang="en-CA" b="0" i="1" smtClean="0">
+                            <a:latin typeface="Cambria Math" panose="02040503050406030204" pitchFamily="18" charset="0"/>
+                          </a:rPr>
+                          <m:t>⁡(</m:t>
+                        </m:r>
+                        <m:r>
+                          <a:rPr lang="en-CA" b="0" i="1" smtClean="0">
+                            <a:latin typeface="Cambria Math" panose="02040503050406030204" pitchFamily="18" charset="0"/>
+                          </a:rPr>
+                          <m:t>𝑎</m:t>
+                        </m:r>
+                        <m:r>
+                          <a:rPr lang="en-CA" b="0" i="1" smtClean="0">
+                            <a:latin typeface="Cambria Math" panose="02040503050406030204" pitchFamily="18" charset="0"/>
+                          </a:rPr>
+                          <m:t>𝑦</m:t>
+                        </m:r>
+                        <m:r>
+                          <a:rPr lang="en-CA" b="0" i="1" smtClean="0">
+                            <a:latin typeface="Cambria Math" panose="02040503050406030204" pitchFamily="18" charset="0"/>
+                          </a:rPr>
+                          <m:t>)</m:t>
+                        </m:r>
+                      </m:e>
+                    </m:func>
+                  </m:oMath>
+                </a14:m>
+                <a:r>
+                  <a:rPr lang="en-US" dirty="0" smtClean="0"/>
+                  <a:t> , </a:t>
+                </a:r>
+                <a14:m>
+                  <m:oMath xmlns:m="http://schemas.openxmlformats.org/officeDocument/2006/math">
+                    <m:sSub>
+                      <m:sSubPr>
+                        <m:ctrlPr>
+                          <a:rPr lang="en-US" i="1" smtClean="0">
+                            <a:latin typeface="Cambria Math" panose="02040503050406030204" pitchFamily="18" charset="0"/>
+                          </a:rPr>
+                        </m:ctrlPr>
+                      </m:sSubPr>
+                      <m:e>
+                        <m:r>
+                          <a:rPr lang="en-CA" b="0" i="1" smtClean="0">
+                            <a:latin typeface="Cambria Math" panose="02040503050406030204" pitchFamily="18" charset="0"/>
+                          </a:rPr>
+                          <m:t>𝐺</m:t>
+                        </m:r>
+                      </m:e>
+                      <m:sub>
+                        <m:r>
+                          <a:rPr lang="en-CA" b="0" i="1" smtClean="0">
+                            <a:latin typeface="Cambria Math" panose="02040503050406030204" pitchFamily="18" charset="0"/>
+                          </a:rPr>
+                          <m:t>2</m:t>
+                        </m:r>
+                      </m:sub>
+                    </m:sSub>
+                    <m:d>
+                      <m:dPr>
+                        <m:ctrlPr>
+                          <a:rPr lang="en-CA" b="0" i="1" smtClean="0">
+                            <a:latin typeface="Cambria Math" panose="02040503050406030204" pitchFamily="18" charset="0"/>
+                          </a:rPr>
+                        </m:ctrlPr>
+                      </m:dPr>
+                      <m:e>
+                        <m:r>
+                          <a:rPr lang="en-CA" b="0" i="1" smtClean="0">
+                            <a:latin typeface="Cambria Math" panose="02040503050406030204" pitchFamily="18" charset="0"/>
+                          </a:rPr>
+                          <m:t>𝑦</m:t>
+                        </m:r>
+                      </m:e>
+                    </m:d>
+                    <m:r>
+                      <a:rPr lang="en-CA" b="0" i="1" smtClean="0">
+                        <a:latin typeface="Cambria Math" panose="02040503050406030204" pitchFamily="18" charset="0"/>
+                      </a:rPr>
+                      <m:t>=−</m:t>
+                    </m:r>
+                    <m:r>
+                      <m:rPr>
+                        <m:sty m:val="p"/>
+                      </m:rPr>
+                      <a:rPr lang="en-CA" b="0" i="0" smtClean="0">
+                        <a:latin typeface="Cambria Math" panose="02040503050406030204" pitchFamily="18" charset="0"/>
+                      </a:rPr>
+                      <m:t>exp</m:t>
+                    </m:r>
+                    <m:r>
+                      <a:rPr lang="en-CA" b="0" i="1" smtClean="0">
+                        <a:latin typeface="Cambria Math" panose="02040503050406030204" pitchFamily="18" charset="0"/>
+                      </a:rPr>
+                      <m:t>⁡(</m:t>
+                    </m:r>
+                    <m:f>
+                      <m:fPr>
+                        <m:ctrlPr>
+                          <a:rPr lang="en-CA" b="0" i="1" smtClean="0">
+                            <a:latin typeface="Cambria Math" panose="02040503050406030204" pitchFamily="18" charset="0"/>
+                          </a:rPr>
+                        </m:ctrlPr>
+                      </m:fPr>
+                      <m:num>
+                        <m:sSup>
+                          <m:sSupPr>
+                            <m:ctrlPr>
+                              <a:rPr lang="en-CA" b="0" i="1" smtClean="0">
+                                <a:latin typeface="Cambria Math" panose="02040503050406030204" pitchFamily="18" charset="0"/>
+                              </a:rPr>
+                            </m:ctrlPr>
+                          </m:sSupPr>
+                          <m:e>
+                            <m:r>
+                              <a:rPr lang="en-CA" b="0" i="1" smtClean="0">
+                                <a:latin typeface="Cambria Math" panose="02040503050406030204" pitchFamily="18" charset="0"/>
+                              </a:rPr>
+                              <m:t>−</m:t>
+                            </m:r>
+                            <m:r>
+                              <a:rPr lang="en-CA" b="0" i="1" smtClean="0">
+                                <a:latin typeface="Cambria Math" panose="02040503050406030204" pitchFamily="18" charset="0"/>
+                              </a:rPr>
+                              <m:t>𝑦</m:t>
+                            </m:r>
+                          </m:e>
+                          <m:sup>
+                            <m:r>
+                              <a:rPr lang="en-CA" b="0" i="1" smtClean="0">
+                                <a:latin typeface="Cambria Math" panose="02040503050406030204" pitchFamily="18" charset="0"/>
+                              </a:rPr>
+                              <m:t>2</m:t>
+                            </m:r>
+                          </m:sup>
+                        </m:sSup>
+                      </m:num>
+                      <m:den>
+                        <m:r>
+                          <a:rPr lang="en-CA" b="0" i="1" smtClean="0">
+                            <a:latin typeface="Cambria Math" panose="02040503050406030204" pitchFamily="18" charset="0"/>
+                          </a:rPr>
+                          <m:t>2</m:t>
+                        </m:r>
+                      </m:den>
+                    </m:f>
+                    <m:r>
+                      <a:rPr lang="en-CA" b="0" i="1" smtClean="0">
+                        <a:latin typeface="Cambria Math" panose="02040503050406030204" pitchFamily="18" charset="0"/>
+                      </a:rPr>
+                      <m:t>)</m:t>
+                    </m:r>
+                  </m:oMath>
+                </a14:m>
+                <a:endParaRPr lang="en-US" dirty="0" smtClean="0"/>
+              </a:p>
+              <a:p>
+                <a:r>
+                  <a:rPr lang="en-US" dirty="0" smtClean="0"/>
+                  <a:t>We want to maximize </a:t>
+                </a:r>
+                <a14:m>
+                  <m:oMath xmlns:m="http://schemas.openxmlformats.org/officeDocument/2006/math">
+                    <m:r>
+                      <a:rPr lang="en-CA" b="0" i="1" smtClean="0">
                         <a:latin typeface="Cambria Math" panose="02040503050406030204" pitchFamily="18" charset="0"/>
                       </a:rPr>
                       <m:t>𝐸</m:t>
@@ -3981,14 +4727,14 @@
                         <m:begChr m:val="["/>
                         <m:endChr m:val="]"/>
                         <m:ctrlPr>
-                          <a:rPr lang="en-US" b="0" i="1" smtClean="0">
+                          <a:rPr lang="en-CA" b="0" i="1" smtClean="0">
                             <a:latin typeface="Cambria Math" panose="02040503050406030204" pitchFamily="18" charset="0"/>
                           </a:rPr>
                         </m:ctrlPr>
                       </m:dPr>
                       <m:e>
                         <m:r>
-                          <a:rPr lang="en-US" b="0" i="1" smtClean="0">
+                          <a:rPr lang="en-CA" b="0" i="1" smtClean="0">
                             <a:latin typeface="Cambria Math" panose="02040503050406030204" pitchFamily="18" charset="0"/>
                           </a:rPr>
                           <m:t>𝐺</m:t>
@@ -3996,667 +4742,68 @@
                         <m:d>
                           <m:dPr>
                             <m:ctrlPr>
-                              <a:rPr lang="en-US" b="0" i="1" smtClean="0">
+                              <a:rPr lang="en-CA" b="0" i="1" smtClean="0">
                                 <a:latin typeface="Cambria Math" panose="02040503050406030204" pitchFamily="18" charset="0"/>
                               </a:rPr>
                             </m:ctrlPr>
                           </m:dPr>
                           <m:e>
-                            <m:sSup>
-                              <m:sSupPr>
-                                <m:ctrlPr>
-                                  <a:rPr lang="en-US" b="0" i="1" smtClean="0">
-                                    <a:latin typeface="Cambria Math" panose="02040503050406030204" pitchFamily="18" charset="0"/>
-                                  </a:rPr>
-                                </m:ctrlPr>
-                              </m:sSupPr>
-                              <m:e>
-                                <m:r>
-                                  <a:rPr lang="en-US" b="1" i="1" smtClean="0">
-                                    <a:latin typeface="Cambria Math" panose="02040503050406030204" pitchFamily="18" charset="0"/>
-                                  </a:rPr>
-                                  <m:t>𝒘</m:t>
-                                </m:r>
-                              </m:e>
-                              <m:sup>
-                                <m:r>
-                                  <a:rPr lang="en-US" b="0" i="1" smtClean="0">
-                                    <a:latin typeface="Cambria Math" panose="02040503050406030204" pitchFamily="18" charset="0"/>
-                                  </a:rPr>
-                                  <m:t>𝑇</m:t>
-                                </m:r>
-                              </m:sup>
-                            </m:sSup>
                             <m:r>
-                              <a:rPr lang="en-US" b="1" i="1" smtClean="0">
-                                <a:latin typeface="Cambria Math" panose="02040503050406030204" pitchFamily="18" charset="0"/>
-                              </a:rPr>
-                              <m:t>𝒙</m:t>
+                              <a:rPr lang="en-CA" b="0" i="1" smtClean="0">
+                                <a:latin typeface="Cambria Math" panose="02040503050406030204" pitchFamily="18" charset="0"/>
+                              </a:rPr>
+                              <m:t>𝑦</m:t>
                             </m:r>
                           </m:e>
                         </m:d>
                       </m:e>
                     </m:d>
-                    <m:r>
-                      <a:rPr lang="en-US" b="0" i="1" smtClean="0">
-                        <a:latin typeface="Cambria Math" panose="02040503050406030204" pitchFamily="18" charset="0"/>
-                      </a:rPr>
-                      <m:t>−</m:t>
-                    </m:r>
-                    <m:f>
-                      <m:fPr>
-                        <m:ctrlPr>
-                          <a:rPr lang="en-US" b="0" i="1" smtClean="0">
-                            <a:latin typeface="Cambria Math" panose="02040503050406030204" pitchFamily="18" charset="0"/>
-                          </a:rPr>
-                        </m:ctrlPr>
-                      </m:fPr>
-                      <m:num>
-                        <m:r>
-                          <a:rPr lang="en-US" b="0" i="1" smtClean="0">
-                            <a:latin typeface="Cambria Math" panose="02040503050406030204" pitchFamily="18" charset="0"/>
-                          </a:rPr>
-                          <m:t>𝛽</m:t>
-                        </m:r>
-                        <m:d>
-                          <m:dPr>
-                            <m:ctrlPr>
-                              <a:rPr lang="en-US" b="0" i="1" smtClean="0">
-                                <a:latin typeface="Cambria Math" panose="02040503050406030204" pitchFamily="18" charset="0"/>
-                              </a:rPr>
-                            </m:ctrlPr>
-                          </m:dPr>
-                          <m:e>
-                            <m:sSup>
-                              <m:sSupPr>
-                                <m:ctrlPr>
-                                  <a:rPr lang="en-US" b="0" i="1" smtClean="0">
-                                    <a:latin typeface="Cambria Math" panose="02040503050406030204" pitchFamily="18" charset="0"/>
-                                  </a:rPr>
-                                </m:ctrlPr>
-                              </m:sSupPr>
-                              <m:e>
-                                <m:r>
-                                  <a:rPr lang="en-US" b="1" i="1" smtClean="0">
-                                    <a:latin typeface="Cambria Math" panose="02040503050406030204" pitchFamily="18" charset="0"/>
-                                  </a:rPr>
-                                  <m:t>𝒘</m:t>
-                                </m:r>
-                              </m:e>
-                              <m:sup>
-                                <m:r>
-                                  <a:rPr lang="en-US" b="0" i="1" smtClean="0">
-                                    <a:latin typeface="Cambria Math" panose="02040503050406030204" pitchFamily="18" charset="0"/>
-                                  </a:rPr>
-                                  <m:t>𝑇</m:t>
-                                </m:r>
-                              </m:sup>
-                            </m:sSup>
-                            <m:r>
-                              <a:rPr lang="en-US" b="1" i="1" smtClean="0">
-                                <a:latin typeface="Cambria Math" panose="02040503050406030204" pitchFamily="18" charset="0"/>
-                              </a:rPr>
-                              <m:t>𝒘</m:t>
-                            </m:r>
-                            <m:r>
-                              <a:rPr lang="en-US" b="0" i="1" smtClean="0">
-                                <a:latin typeface="Cambria Math" panose="02040503050406030204" pitchFamily="18" charset="0"/>
-                              </a:rPr>
-                              <m:t>−1</m:t>
-                            </m:r>
-                          </m:e>
-                        </m:d>
-                      </m:num>
-                      <m:den>
-                        <m:r>
-                          <a:rPr lang="en-US" b="0" i="1" smtClean="0">
-                            <a:latin typeface="Cambria Math" panose="02040503050406030204" pitchFamily="18" charset="0"/>
-                          </a:rPr>
-                          <m:t>2</m:t>
-                        </m:r>
-                      </m:den>
-                    </m:f>
                   </m:oMath>
                 </a14:m>
                 <a:r>
-                  <a:rPr lang="en-US" dirty="0"/>
-                  <a:t> </a:t>
-                </a:r>
-                <a:br>
-                  <a:rPr lang="en-US" dirty="0"/>
-                </a:br>
-                <a:r>
-                  <a:rPr lang="en-US" dirty="0"/>
-                  <a:t>	where </a:t>
+                  <a:rPr lang="en-US" dirty="0" smtClean="0"/>
+                  <a:t> in order to maximize </a:t>
                 </a:r>
                 <a14:m>
                   <m:oMath xmlns:m="http://schemas.openxmlformats.org/officeDocument/2006/math">
-                    <m:f>
-                      <m:fPr>
-                        <m:ctrlPr>
-                          <a:rPr lang="en-US" b="0" i="1" smtClean="0">
-                            <a:latin typeface="Cambria Math" panose="02040503050406030204" pitchFamily="18" charset="0"/>
-                          </a:rPr>
-                        </m:ctrlPr>
-                      </m:fPr>
-                      <m:num>
-                        <m:r>
-                          <a:rPr lang="en-US" b="0" i="1" smtClean="0">
-                            <a:latin typeface="Cambria Math" panose="02040503050406030204" pitchFamily="18" charset="0"/>
-                          </a:rPr>
-                          <m:t>𝛽</m:t>
-                        </m:r>
-                        <m:d>
-                          <m:dPr>
-                            <m:ctrlPr>
-                              <a:rPr lang="en-US" b="0" i="1" smtClean="0">
-                                <a:latin typeface="Cambria Math" panose="02040503050406030204" pitchFamily="18" charset="0"/>
-                              </a:rPr>
-                            </m:ctrlPr>
-                          </m:dPr>
-                          <m:e>
-                            <m:sSup>
-                              <m:sSupPr>
-                                <m:ctrlPr>
-                                  <a:rPr lang="en-US" b="0" i="1" smtClean="0">
-                                    <a:latin typeface="Cambria Math" panose="02040503050406030204" pitchFamily="18" charset="0"/>
-                                  </a:rPr>
-                                </m:ctrlPr>
-                              </m:sSupPr>
-                              <m:e>
-                                <m:r>
-                                  <a:rPr lang="en-US" b="1" i="1" smtClean="0">
-                                    <a:latin typeface="Cambria Math" panose="02040503050406030204" pitchFamily="18" charset="0"/>
-                                  </a:rPr>
-                                  <m:t>𝒘</m:t>
-                                </m:r>
-                              </m:e>
-                              <m:sup>
-                                <m:r>
-                                  <a:rPr lang="en-US" b="0" i="1" smtClean="0">
-                                    <a:latin typeface="Cambria Math" panose="02040503050406030204" pitchFamily="18" charset="0"/>
-                                  </a:rPr>
-                                  <m:t>𝑇</m:t>
-                                </m:r>
-                              </m:sup>
-                            </m:sSup>
-                            <m:r>
-                              <a:rPr lang="en-US" b="1" i="1" smtClean="0">
-                                <a:latin typeface="Cambria Math" panose="02040503050406030204" pitchFamily="18" charset="0"/>
-                              </a:rPr>
-                              <m:t>𝒘</m:t>
-                            </m:r>
-                            <m:r>
-                              <a:rPr lang="en-US" b="0" i="1" smtClean="0">
-                                <a:latin typeface="Cambria Math" panose="02040503050406030204" pitchFamily="18" charset="0"/>
-                              </a:rPr>
-                              <m:t>−1</m:t>
-                            </m:r>
-                          </m:e>
-                        </m:d>
-                      </m:num>
-                      <m:den>
-                        <m:r>
-                          <a:rPr lang="en-US" b="0" i="1" smtClean="0">
-                            <a:latin typeface="Cambria Math" panose="02040503050406030204" pitchFamily="18" charset="0"/>
-                          </a:rPr>
-                          <m:t>2</m:t>
-                        </m:r>
-                      </m:den>
-                    </m:f>
-                  </m:oMath>
-                </a14:m>
-                <a:r>
-                  <a:rPr lang="en-US" dirty="0"/>
-                  <a:t>  represents the fact that rows and columns of matrix </a:t>
-                </a:r>
-                <a14:m>
-                  <m:oMath xmlns:m="http://schemas.openxmlformats.org/officeDocument/2006/math">
-                    <m:r>
-                      <a:rPr lang="en-US" b="1" i="1" smtClean="0">
-                        <a:latin typeface="Cambria Math" panose="02040503050406030204" pitchFamily="18" charset="0"/>
-                      </a:rPr>
-                      <m:t>𝑾</m:t>
-                    </m:r>
-                  </m:oMath>
-                </a14:m>
-                <a:r>
-                  <a:rPr lang="en-US" dirty="0"/>
-                  <a:t> are 	normalized, </a:t>
-                </a:r>
-                <a:r>
-                  <a:rPr lang="en-US" dirty="0" err="1"/>
-                  <a:t>ie</a:t>
-                </a:r>
-                <a:r>
-                  <a:rPr lang="en-US" dirty="0"/>
-                  <a:t>, </a:t>
-                </a:r>
-                <a14:m>
-                  <m:oMath xmlns:m="http://schemas.openxmlformats.org/officeDocument/2006/math">
-                    <m:sSup>
-                      <m:sSupPr>
-                        <m:ctrlPr>
-                          <a:rPr lang="en-US" b="0" i="1" smtClean="0">
-                            <a:latin typeface="Cambria Math" panose="02040503050406030204" pitchFamily="18" charset="0"/>
-                          </a:rPr>
-                        </m:ctrlPr>
-                      </m:sSupPr>
-                      <m:e>
-                        <m:r>
-                          <a:rPr lang="en-US" b="1" i="1" smtClean="0">
-                            <a:latin typeface="Cambria Math" panose="02040503050406030204" pitchFamily="18" charset="0"/>
-                          </a:rPr>
-                          <m:t>𝒘</m:t>
-                        </m:r>
-                      </m:e>
-                      <m:sup>
-                        <m:r>
-                          <a:rPr lang="en-US" b="0" i="1" smtClean="0">
-                            <a:latin typeface="Cambria Math" panose="02040503050406030204" pitchFamily="18" charset="0"/>
-                          </a:rPr>
-                          <m:t>𝑇</m:t>
-                        </m:r>
-                      </m:sup>
-                    </m:sSup>
-                    <m:r>
-                      <a:rPr lang="en-US" b="1" i="1" smtClean="0">
-                        <a:latin typeface="Cambria Math" panose="02040503050406030204" pitchFamily="18" charset="0"/>
-                      </a:rPr>
-                      <m:t>𝒘</m:t>
-                    </m:r>
-                    <m:r>
-                      <a:rPr lang="en-US" b="0" i="1" smtClean="0">
-                        <a:latin typeface="Cambria Math" panose="02040503050406030204" pitchFamily="18" charset="0"/>
-                      </a:rPr>
-                      <m:t>=1</m:t>
+                    <m:r>
+                      <a:rPr lang="en-CA" b="0" i="1" smtClean="0">
+                        <a:latin typeface="Cambria Math" panose="02040503050406030204" pitchFamily="18" charset="0"/>
+                      </a:rPr>
+                      <m:t>𝐽</m:t>
+                    </m:r>
+                    <m:r>
+                      <a:rPr lang="en-CA" b="0" i="1" smtClean="0">
+                        <a:latin typeface="Cambria Math" panose="02040503050406030204" pitchFamily="18" charset="0"/>
+                      </a:rPr>
+                      <m:t>(</m:t>
+                    </m:r>
+                    <m:r>
+                      <a:rPr lang="en-CA" b="0" i="1" smtClean="0">
+                        <a:latin typeface="Cambria Math" panose="02040503050406030204" pitchFamily="18" charset="0"/>
+                      </a:rPr>
+                      <m:t>𝑦</m:t>
+                    </m:r>
+                    <m:r>
+                      <a:rPr lang="en-CA" b="0" i="1" smtClean="0">
+                        <a:latin typeface="Cambria Math" panose="02040503050406030204" pitchFamily="18" charset="0"/>
+                      </a:rPr>
+                      <m:t>)</m:t>
                     </m:r>
                   </m:oMath>
                 </a14:m>
                 <a:endParaRPr lang="en-US" dirty="0"/>
               </a:p>
               <a:p>
-                <a:r>
-                  <a:rPr lang="en-US" dirty="0"/>
-                  <a:t>Set the derivative of </a:t>
-                </a:r>
-                <a14:m>
-                  <m:oMath xmlns:m="http://schemas.openxmlformats.org/officeDocument/2006/math">
-                    <m:r>
-                      <a:rPr lang="en-US" b="0" i="1" smtClean="0">
-                        <a:latin typeface="Cambria Math" panose="02040503050406030204" pitchFamily="18" charset="0"/>
-                      </a:rPr>
-                      <m:t>𝑂</m:t>
-                    </m:r>
-                    <m:d>
-                      <m:dPr>
-                        <m:ctrlPr>
-                          <a:rPr lang="en-US" b="0" i="1" smtClean="0">
-                            <a:latin typeface="Cambria Math" panose="02040503050406030204" pitchFamily="18" charset="0"/>
-                          </a:rPr>
-                        </m:ctrlPr>
-                      </m:dPr>
-                      <m:e>
-                        <m:r>
-                          <a:rPr lang="en-US" b="1" i="1" smtClean="0">
-                            <a:latin typeface="Cambria Math" panose="02040503050406030204" pitchFamily="18" charset="0"/>
-                          </a:rPr>
-                          <m:t>𝒘</m:t>
-                        </m:r>
-                      </m:e>
-                    </m:d>
-                  </m:oMath>
-                </a14:m>
-                <a:r>
-                  <a:rPr lang="en-US" dirty="0"/>
-                  <a:t> to zero with respect to </a:t>
-                </a:r>
-                <a14:m>
-                  <m:oMath xmlns:m="http://schemas.openxmlformats.org/officeDocument/2006/math">
-                    <m:r>
-                      <a:rPr lang="en-US" b="1" i="1" smtClean="0">
-                        <a:latin typeface="Cambria Math" panose="02040503050406030204" pitchFamily="18" charset="0"/>
-                      </a:rPr>
-                      <m:t>𝒘</m:t>
-                    </m:r>
-                  </m:oMath>
-                </a14:m>
-                <a:r>
-                  <a:rPr lang="en-US" dirty="0"/>
-                  <a:t>:</a:t>
-                </a:r>
-                <a:br>
-                  <a:rPr lang="en-US" dirty="0"/>
-                </a:br>
-                <a:r>
-                  <a:rPr lang="en-US" dirty="0"/>
-                  <a:t>	</a:t>
-                </a:r>
-                <a14:m>
-                  <m:oMath xmlns:m="http://schemas.openxmlformats.org/officeDocument/2006/math">
-                    <m:r>
-                      <a:rPr lang="en-US" b="0" i="1" smtClean="0">
-                        <a:latin typeface="Cambria Math" panose="02040503050406030204" pitchFamily="18" charset="0"/>
-                      </a:rPr>
-                      <m:t>𝐹</m:t>
-                    </m:r>
-                    <m:d>
-                      <m:dPr>
-                        <m:ctrlPr>
-                          <a:rPr lang="en-US" b="0" i="1" smtClean="0">
-                            <a:latin typeface="Cambria Math" panose="02040503050406030204" pitchFamily="18" charset="0"/>
-                          </a:rPr>
-                        </m:ctrlPr>
-                      </m:dPr>
-                      <m:e>
-                        <m:r>
-                          <a:rPr lang="en-US" b="1" i="1" smtClean="0">
-                            <a:latin typeface="Cambria Math" panose="02040503050406030204" pitchFamily="18" charset="0"/>
-                          </a:rPr>
-                          <m:t>𝒘</m:t>
-                        </m:r>
-                      </m:e>
-                    </m:d>
-                    <m:r>
-                      <a:rPr lang="en-US" b="0" i="1" smtClean="0">
-                        <a:latin typeface="Cambria Math" panose="02040503050406030204" pitchFamily="18" charset="0"/>
-                      </a:rPr>
-                      <m:t>≜</m:t>
-                    </m:r>
-                    <m:f>
-                      <m:fPr>
-                        <m:ctrlPr>
-                          <a:rPr lang="en-US" b="0" i="1" smtClean="0">
-                            <a:latin typeface="Cambria Math" panose="02040503050406030204" pitchFamily="18" charset="0"/>
-                          </a:rPr>
-                        </m:ctrlPr>
-                      </m:fPr>
-                      <m:num>
-                        <m:r>
-                          <a:rPr lang="en-US" b="0" i="1" smtClean="0">
-                            <a:latin typeface="Cambria Math" panose="02040503050406030204" pitchFamily="18" charset="0"/>
-                            <a:ea typeface="Cambria Math" panose="02040503050406030204" pitchFamily="18" charset="0"/>
-                          </a:rPr>
-                          <m:t>𝜕</m:t>
-                        </m:r>
-                        <m:r>
-                          <a:rPr lang="en-US" b="0" i="1" smtClean="0">
-                            <a:latin typeface="Cambria Math" panose="02040503050406030204" pitchFamily="18" charset="0"/>
-                            <a:ea typeface="Cambria Math" panose="02040503050406030204" pitchFamily="18" charset="0"/>
-                          </a:rPr>
-                          <m:t>𝑂</m:t>
-                        </m:r>
-                        <m:d>
-                          <m:dPr>
-                            <m:ctrlPr>
-                              <a:rPr lang="en-US" b="1" i="1" smtClean="0">
-                                <a:latin typeface="Cambria Math" panose="02040503050406030204" pitchFamily="18" charset="0"/>
-                                <a:ea typeface="Cambria Math" panose="02040503050406030204" pitchFamily="18" charset="0"/>
-                              </a:rPr>
-                            </m:ctrlPr>
-                          </m:dPr>
-                          <m:e>
-                            <m:r>
-                              <a:rPr lang="en-US" b="1" i="1" smtClean="0">
-                                <a:latin typeface="Cambria Math" panose="02040503050406030204" pitchFamily="18" charset="0"/>
-                                <a:ea typeface="Cambria Math" panose="02040503050406030204" pitchFamily="18" charset="0"/>
-                              </a:rPr>
-                              <m:t>𝒘</m:t>
-                            </m:r>
-                          </m:e>
-                        </m:d>
-                      </m:num>
-                      <m:den>
-                        <m:r>
-                          <a:rPr lang="en-US" b="0" i="1" smtClean="0">
-                            <a:latin typeface="Cambria Math" panose="02040503050406030204" pitchFamily="18" charset="0"/>
-                            <a:ea typeface="Cambria Math" panose="02040503050406030204" pitchFamily="18" charset="0"/>
-                          </a:rPr>
-                          <m:t>𝜕</m:t>
-                        </m:r>
-                        <m:r>
-                          <a:rPr lang="en-US" b="1" i="1" smtClean="0">
-                            <a:latin typeface="Cambria Math" panose="02040503050406030204" pitchFamily="18" charset="0"/>
-                            <a:ea typeface="Cambria Math" panose="02040503050406030204" pitchFamily="18" charset="0"/>
-                          </a:rPr>
-                          <m:t>𝒘</m:t>
-                        </m:r>
-                      </m:den>
-                    </m:f>
-                    <m:r>
-                      <a:rPr lang="en-US" b="0" i="1" smtClean="0">
-                        <a:latin typeface="Cambria Math" panose="02040503050406030204" pitchFamily="18" charset="0"/>
-                      </a:rPr>
-                      <m:t>=</m:t>
-                    </m:r>
-                    <m:r>
-                      <a:rPr lang="en-US" b="0" i="1" smtClean="0">
-                        <a:latin typeface="Cambria Math" panose="02040503050406030204" pitchFamily="18" charset="0"/>
-                      </a:rPr>
-                      <m:t>𝐸</m:t>
-                    </m:r>
-                    <m:d>
-                      <m:dPr>
-                        <m:begChr m:val="["/>
-                        <m:endChr m:val="]"/>
-                        <m:ctrlPr>
-                          <a:rPr lang="en-US" b="0" i="1" smtClean="0">
-                            <a:latin typeface="Cambria Math" panose="02040503050406030204" pitchFamily="18" charset="0"/>
-                          </a:rPr>
-                        </m:ctrlPr>
-                      </m:dPr>
-                      <m:e>
-                        <m:r>
-                          <a:rPr lang="en-US" b="1" i="1" smtClean="0">
-                            <a:latin typeface="Cambria Math" panose="02040503050406030204" pitchFamily="18" charset="0"/>
-                          </a:rPr>
-                          <m:t>𝒙</m:t>
-                        </m:r>
-                        <m:r>
-                          <a:rPr lang="en-US" b="0" i="1" smtClean="0">
-                            <a:latin typeface="Cambria Math" panose="02040503050406030204" pitchFamily="18" charset="0"/>
-                          </a:rPr>
-                          <m:t>𝑔</m:t>
-                        </m:r>
-                        <m:d>
-                          <m:dPr>
-                            <m:ctrlPr>
-                              <a:rPr lang="en-US" b="0" i="1" smtClean="0">
-                                <a:latin typeface="Cambria Math" panose="02040503050406030204" pitchFamily="18" charset="0"/>
-                              </a:rPr>
-                            </m:ctrlPr>
-                          </m:dPr>
-                          <m:e>
-                            <m:sSup>
-                              <m:sSupPr>
-                                <m:ctrlPr>
-                                  <a:rPr lang="en-US" b="0" i="1" smtClean="0">
-                                    <a:latin typeface="Cambria Math" panose="02040503050406030204" pitchFamily="18" charset="0"/>
-                                  </a:rPr>
-                                </m:ctrlPr>
-                              </m:sSupPr>
-                              <m:e>
-                                <m:r>
-                                  <a:rPr lang="en-US" b="1" i="1" smtClean="0">
-                                    <a:latin typeface="Cambria Math" panose="02040503050406030204" pitchFamily="18" charset="0"/>
-                                  </a:rPr>
-                                  <m:t>𝒘</m:t>
-                                </m:r>
-                              </m:e>
-                              <m:sup>
-                                <m:r>
-                                  <a:rPr lang="en-US" b="0" i="1" smtClean="0">
-                                    <a:latin typeface="Cambria Math" panose="02040503050406030204" pitchFamily="18" charset="0"/>
-                                  </a:rPr>
-                                  <m:t>𝑇</m:t>
-                                </m:r>
-                              </m:sup>
-                            </m:sSup>
-                            <m:r>
-                              <a:rPr lang="en-US" b="1" i="1" smtClean="0">
-                                <a:latin typeface="Cambria Math" panose="02040503050406030204" pitchFamily="18" charset="0"/>
-                              </a:rPr>
-                              <m:t>𝒙</m:t>
-                            </m:r>
-                          </m:e>
-                        </m:d>
-                      </m:e>
-                    </m:d>
-                    <m:r>
-                      <a:rPr lang="en-US" b="0" i="1" smtClean="0">
-                        <a:latin typeface="Cambria Math" panose="02040503050406030204" pitchFamily="18" charset="0"/>
-                      </a:rPr>
-                      <m:t>−</m:t>
-                    </m:r>
-                    <m:r>
-                      <a:rPr lang="en-US" b="0" i="1" smtClean="0">
-                        <a:latin typeface="Cambria Math" panose="02040503050406030204" pitchFamily="18" charset="0"/>
-                      </a:rPr>
-                      <m:t>𝛽</m:t>
-                    </m:r>
-                    <m:r>
-                      <a:rPr lang="en-US" b="1" i="1" smtClean="0">
-                        <a:latin typeface="Cambria Math" panose="02040503050406030204" pitchFamily="18" charset="0"/>
-                      </a:rPr>
-                      <m:t>𝒘</m:t>
-                    </m:r>
-                    <m:r>
-                      <a:rPr lang="en-US" b="0" i="1" smtClean="0">
-                        <a:latin typeface="Cambria Math" panose="02040503050406030204" pitchFamily="18" charset="0"/>
-                      </a:rPr>
-                      <m:t>=0</m:t>
-                    </m:r>
-                  </m:oMath>
-                </a14:m>
-                <a:r>
-                  <a:rPr lang="en-US" dirty="0"/>
-                  <a:t>, </a:t>
-                </a:r>
-                <a:br>
-                  <a:rPr lang="en-US" dirty="0"/>
-                </a:br>
-                <a:r>
-                  <a:rPr lang="en-US" dirty="0"/>
-                  <a:t>	where </a:t>
-                </a:r>
-                <a14:m>
-                  <m:oMath xmlns:m="http://schemas.openxmlformats.org/officeDocument/2006/math">
-                    <m:r>
-                      <a:rPr lang="en-US" b="0" i="1" smtClean="0">
-                        <a:latin typeface="Cambria Math" panose="02040503050406030204" pitchFamily="18" charset="0"/>
-                      </a:rPr>
-                      <m:t>𝑔</m:t>
-                    </m:r>
-                    <m:d>
-                      <m:dPr>
-                        <m:ctrlPr>
-                          <a:rPr lang="en-US" b="0" i="1" smtClean="0">
-                            <a:latin typeface="Cambria Math" panose="02040503050406030204" pitchFamily="18" charset="0"/>
-                          </a:rPr>
-                        </m:ctrlPr>
-                      </m:dPr>
-                      <m:e>
-                        <m:r>
-                          <a:rPr lang="en-US" b="0" i="1" smtClean="0">
-                            <a:latin typeface="Cambria Math" panose="02040503050406030204" pitchFamily="18" charset="0"/>
-                          </a:rPr>
-                          <m:t>𝑧</m:t>
-                        </m:r>
-                      </m:e>
-                    </m:d>
-                    <m:r>
-                      <a:rPr lang="en-US" b="0" i="1" smtClean="0">
-                        <a:latin typeface="Cambria Math" panose="02040503050406030204" pitchFamily="18" charset="0"/>
-                      </a:rPr>
-                      <m:t>=</m:t>
-                    </m:r>
-                    <m:f>
-                      <m:fPr>
-                        <m:ctrlPr>
-                          <a:rPr lang="en-US" b="0" i="1" smtClean="0">
-                            <a:latin typeface="Cambria Math" panose="02040503050406030204" pitchFamily="18" charset="0"/>
-                          </a:rPr>
-                        </m:ctrlPr>
-                      </m:fPr>
-                      <m:num>
-                        <m:r>
-                          <a:rPr lang="en-US" b="0" i="1" smtClean="0">
-                            <a:latin typeface="Cambria Math" panose="02040503050406030204" pitchFamily="18" charset="0"/>
-                          </a:rPr>
-                          <m:t>𝑑𝐺</m:t>
-                        </m:r>
-                        <m:d>
-                          <m:dPr>
-                            <m:ctrlPr>
-                              <a:rPr lang="en-US" b="0" i="1" smtClean="0">
-                                <a:latin typeface="Cambria Math" panose="02040503050406030204" pitchFamily="18" charset="0"/>
-                              </a:rPr>
-                            </m:ctrlPr>
-                          </m:dPr>
-                          <m:e>
-                            <m:r>
-                              <a:rPr lang="en-US" b="0" i="1" smtClean="0">
-                                <a:latin typeface="Cambria Math" panose="02040503050406030204" pitchFamily="18" charset="0"/>
-                              </a:rPr>
-                              <m:t>𝑧</m:t>
-                            </m:r>
-                          </m:e>
-                        </m:d>
-                      </m:num>
-                      <m:den>
-                        <m:r>
-                          <a:rPr lang="en-US" b="0" i="1" smtClean="0">
-                            <a:latin typeface="Cambria Math" panose="02040503050406030204" pitchFamily="18" charset="0"/>
-                          </a:rPr>
-                          <m:t>𝑑𝑧</m:t>
-                        </m:r>
-                      </m:den>
-                    </m:f>
-                  </m:oMath>
-                </a14:m>
-                <a:r>
-                  <a:rPr lang="en-US" dirty="0"/>
-                  <a:t> is the derivative of </a:t>
-                </a:r>
-                <a14:m>
-                  <m:oMath xmlns:m="http://schemas.openxmlformats.org/officeDocument/2006/math">
-                    <m:r>
-                      <a:rPr lang="en-US" b="0" i="1" smtClean="0">
-                        <a:latin typeface="Cambria Math" panose="02040503050406030204" pitchFamily="18" charset="0"/>
-                      </a:rPr>
-                      <m:t>𝐺</m:t>
-                    </m:r>
-                    <m:d>
-                      <m:dPr>
-                        <m:ctrlPr>
-                          <a:rPr lang="en-US" b="0" i="1" smtClean="0">
-                            <a:latin typeface="Cambria Math" panose="02040503050406030204" pitchFamily="18" charset="0"/>
-                          </a:rPr>
-                        </m:ctrlPr>
-                      </m:dPr>
-                      <m:e>
-                        <m:r>
-                          <a:rPr lang="en-US" b="0" i="1" smtClean="0">
-                            <a:latin typeface="Cambria Math" panose="02040503050406030204" pitchFamily="18" charset="0"/>
-                          </a:rPr>
-                          <m:t>𝑧</m:t>
-                        </m:r>
-                      </m:e>
-                    </m:d>
-                  </m:oMath>
-                </a14:m>
                 <a:endParaRPr lang="en-US" dirty="0"/>
               </a:p>
               <a:p>
-                <a:r>
-                  <a:rPr lang="en-US" dirty="0"/>
-                  <a:t>This equation can be solved using the Newton-Raphson method:</a:t>
-                </a:r>
+                <a:endParaRPr lang="en-US" dirty="0"/>
               </a:p>
             </p:txBody>
           </p:sp>
         </mc:Choice>
-        <mc:Fallback xmlns="">
+        <mc:Fallback>
           <p:sp>
             <p:nvSpPr>
               <p:cNvPr id="3" name="Content Placeholder 2">
@@ -4675,13 +4822,13 @@
             </p:nvSpPr>
             <p:spPr>
               <a:xfrm>
-                <a:off x="0" y="818708"/>
-                <a:ext cx="12192000" cy="6039292"/>
+                <a:off x="0" y="732721"/>
+                <a:ext cx="12192000" cy="6125279"/>
               </a:xfrm>
               <a:blipFill>
                 <a:blip r:embed="rId2"/>
                 <a:stretch>
-                  <a:fillRect l="-833" t="-11321" r="-312"/>
+                  <a:fillRect l="-900" t="-2189" r="-800"/>
                 </a:stretch>
               </a:blipFill>
             </p:spPr>
@@ -4690,7 +4837,7 @@
               <a:lstStyle/>
               <a:p>
                 <a:r>
-                  <a:rPr lang="en-US">
+                  <a:rPr lang="en-CA">
                     <a:noFill/>
                   </a:rPr>
                   <a:t> </a:t>
@@ -4703,7 +4850,7 @@
     </p:spTree>
     <p:extLst>
       <p:ext uri="{BB962C8B-B14F-4D97-AF65-F5344CB8AC3E}">
-        <p14:creationId xmlns:p14="http://schemas.microsoft.com/office/powerpoint/2010/main" val="2366636254"/>
+        <p14:creationId xmlns:p14="http://schemas.microsoft.com/office/powerpoint/2010/main" val="238993692"/>
       </p:ext>
     </p:extLst>
   </p:cSld>
@@ -4756,7 +4903,7 @@
         <p:spPr>
           <a:xfrm>
             <a:off x="0" y="0"/>
-            <a:ext cx="12192000" cy="995842"/>
+            <a:ext cx="10515600" cy="995842"/>
           </a:xfrm>
         </p:spPr>
         <p:txBody>
@@ -4765,7 +4912,15 @@
           <a:p>
             <a:r>
               <a:rPr lang="en-US" dirty="0"/>
-              <a:t>Newton-Raphson method:</a:t>
+              <a:t>ICA algorithm (</a:t>
+            </a:r>
+            <a:r>
+              <a:rPr lang="en-US" dirty="0" err="1"/>
+              <a:t>fastICA</a:t>
+            </a:r>
+            <a:r>
+              <a:rPr lang="en-US" dirty="0"/>
+              <a:t>)</a:t>
             </a:r>
           </a:p>
         </p:txBody>
@@ -4796,6 +4951,1286 @@
             </p:spPr>
             <p:txBody>
               <a:bodyPr/>
+              <a:lstStyle/>
+              <a:p>
+                <a:r>
+                  <a:rPr lang="en-US" dirty="0"/>
+                  <a:t>We want to maximize function </a:t>
+                </a:r>
+                <a14:m>
+                  <m:oMath xmlns:m="http://schemas.openxmlformats.org/officeDocument/2006/math">
+                    <m:nary>
+                      <m:naryPr>
+                        <m:chr m:val="∑"/>
+                        <m:supHide m:val="on"/>
+                        <m:ctrlPr>
+                          <a:rPr lang="en-US" i="1" smtClean="0">
+                            <a:latin typeface="Cambria Math" panose="02040503050406030204" pitchFamily="18" charset="0"/>
+                          </a:rPr>
+                        </m:ctrlPr>
+                      </m:naryPr>
+                      <m:sub>
+                        <m:r>
+                          <m:rPr>
+                            <m:brk m:alnAt="7"/>
+                          </m:rPr>
+                          <a:rPr lang="en-US" b="0" i="1" smtClean="0">
+                            <a:latin typeface="Cambria Math" panose="02040503050406030204" pitchFamily="18" charset="0"/>
+                          </a:rPr>
+                          <m:t>𝑖</m:t>
+                        </m:r>
+                      </m:sub>
+                      <m:sup/>
+                      <m:e>
+                        <m:r>
+                          <a:rPr lang="en-US" b="0" i="1" smtClean="0">
+                            <a:latin typeface="Cambria Math" panose="02040503050406030204" pitchFamily="18" charset="0"/>
+                          </a:rPr>
+                          <m:t>𝐸</m:t>
+                        </m:r>
+                        <m:r>
+                          <a:rPr lang="en-US" b="0" i="1" smtClean="0">
+                            <a:latin typeface="Cambria Math" panose="02040503050406030204" pitchFamily="18" charset="0"/>
+                          </a:rPr>
+                          <m:t>[</m:t>
+                        </m:r>
+                        <m:r>
+                          <a:rPr lang="en-US" b="0" i="1" smtClean="0">
+                            <a:latin typeface="Cambria Math" panose="02040503050406030204" pitchFamily="18" charset="0"/>
+                          </a:rPr>
+                          <m:t>𝐺</m:t>
+                        </m:r>
+                        <m:sSub>
+                          <m:sSubPr>
+                            <m:ctrlPr>
+                              <a:rPr lang="en-US" b="0" i="1" smtClean="0">
+                                <a:latin typeface="Cambria Math" panose="02040503050406030204" pitchFamily="18" charset="0"/>
+                              </a:rPr>
+                            </m:ctrlPr>
+                          </m:sSubPr>
+                          <m:e>
+                            <m:r>
+                              <a:rPr lang="en-US" b="0" i="1" smtClean="0">
+                                <a:latin typeface="Cambria Math" panose="02040503050406030204" pitchFamily="18" charset="0"/>
+                              </a:rPr>
+                              <m:t>(</m:t>
+                            </m:r>
+                            <m:r>
+                              <a:rPr lang="en-US" b="0" i="1" smtClean="0">
+                                <a:latin typeface="Cambria Math" panose="02040503050406030204" pitchFamily="18" charset="0"/>
+                              </a:rPr>
+                              <m:t>𝑦</m:t>
+                            </m:r>
+                          </m:e>
+                          <m:sub>
+                            <m:r>
+                              <a:rPr lang="en-US" b="0" i="1" smtClean="0">
+                                <a:latin typeface="Cambria Math" panose="02040503050406030204" pitchFamily="18" charset="0"/>
+                              </a:rPr>
+                              <m:t>𝑖</m:t>
+                            </m:r>
+                          </m:sub>
+                        </m:sSub>
+                        <m:r>
+                          <a:rPr lang="en-US" b="0" i="1" smtClean="0">
+                            <a:latin typeface="Cambria Math" panose="02040503050406030204" pitchFamily="18" charset="0"/>
+                          </a:rPr>
+                          <m:t>)]</m:t>
+                        </m:r>
+                      </m:e>
+                    </m:nary>
+                    <m:r>
+                      <a:rPr lang="en-US" b="0" i="1" smtClean="0">
+                        <a:latin typeface="Cambria Math" panose="02040503050406030204" pitchFamily="18" charset="0"/>
+                      </a:rPr>
+                      <m:t>= </m:t>
+                    </m:r>
+                    <m:nary>
+                      <m:naryPr>
+                        <m:chr m:val="∑"/>
+                        <m:supHide m:val="on"/>
+                        <m:ctrlPr>
+                          <a:rPr lang="en-US" b="0" i="1" smtClean="0">
+                            <a:latin typeface="Cambria Math" panose="02040503050406030204" pitchFamily="18" charset="0"/>
+                          </a:rPr>
+                        </m:ctrlPr>
+                      </m:naryPr>
+                      <m:sub>
+                        <m:r>
+                          <m:rPr>
+                            <m:brk m:alnAt="7"/>
+                          </m:rPr>
+                          <a:rPr lang="en-US" b="0" i="1" smtClean="0">
+                            <a:latin typeface="Cambria Math" panose="02040503050406030204" pitchFamily="18" charset="0"/>
+                          </a:rPr>
+                          <m:t>𝑖</m:t>
+                        </m:r>
+                      </m:sub>
+                      <m:sup/>
+                      <m:e>
+                        <m:r>
+                          <a:rPr lang="en-US" b="0" i="1" smtClean="0">
+                            <a:latin typeface="Cambria Math" panose="02040503050406030204" pitchFamily="18" charset="0"/>
+                          </a:rPr>
+                          <m:t>𝐸</m:t>
+                        </m:r>
+                        <m:r>
+                          <a:rPr lang="en-US" b="0" i="1" smtClean="0">
+                            <a:latin typeface="Cambria Math" panose="02040503050406030204" pitchFamily="18" charset="0"/>
+                          </a:rPr>
+                          <m:t>[</m:t>
+                        </m:r>
+                        <m:r>
+                          <a:rPr lang="en-US" b="0" i="1" smtClean="0">
+                            <a:latin typeface="Cambria Math" panose="02040503050406030204" pitchFamily="18" charset="0"/>
+                          </a:rPr>
+                          <m:t>𝐺</m:t>
+                        </m:r>
+                        <m:r>
+                          <a:rPr lang="en-US" b="0" i="1" smtClean="0">
+                            <a:latin typeface="Cambria Math" panose="02040503050406030204" pitchFamily="18" charset="0"/>
+                          </a:rPr>
+                          <m:t>(</m:t>
+                        </m:r>
+                        <m:sSubSup>
+                          <m:sSubSupPr>
+                            <m:ctrlPr>
+                              <a:rPr lang="en-US" b="0" i="1" smtClean="0">
+                                <a:latin typeface="Cambria Math" panose="02040503050406030204" pitchFamily="18" charset="0"/>
+                              </a:rPr>
+                            </m:ctrlPr>
+                          </m:sSubSupPr>
+                          <m:e>
+                            <m:r>
+                              <a:rPr lang="en-US" b="1" i="1" smtClean="0">
+                                <a:latin typeface="Cambria Math" panose="02040503050406030204" pitchFamily="18" charset="0"/>
+                              </a:rPr>
+                              <m:t>𝒘</m:t>
+                            </m:r>
+                          </m:e>
+                          <m:sub>
+                            <m:r>
+                              <a:rPr lang="en-US" b="0" i="1" smtClean="0">
+                                <a:latin typeface="Cambria Math" panose="02040503050406030204" pitchFamily="18" charset="0"/>
+                              </a:rPr>
+                              <m:t>𝑖</m:t>
+                            </m:r>
+                          </m:sub>
+                          <m:sup>
+                            <m:r>
+                              <a:rPr lang="en-US" b="0" i="1" smtClean="0">
+                                <a:latin typeface="Cambria Math" panose="02040503050406030204" pitchFamily="18" charset="0"/>
+                              </a:rPr>
+                              <m:t>𝑇</m:t>
+                            </m:r>
+                          </m:sup>
+                        </m:sSubSup>
+                        <m:r>
+                          <a:rPr lang="en-US" b="1" i="1" smtClean="0">
+                            <a:latin typeface="Cambria Math" panose="02040503050406030204" pitchFamily="18" charset="0"/>
+                          </a:rPr>
+                          <m:t>𝒙</m:t>
+                        </m:r>
+                        <m:r>
+                          <a:rPr lang="en-US" b="0" i="1" smtClean="0">
+                            <a:latin typeface="Cambria Math" panose="02040503050406030204" pitchFamily="18" charset="0"/>
+                          </a:rPr>
+                          <m:t>)]</m:t>
+                        </m:r>
+                      </m:e>
+                    </m:nary>
+                  </m:oMath>
+                </a14:m>
+                <a:r>
+                  <a:rPr lang="en-US" dirty="0"/>
+                  <a:t> </a:t>
+                </a:r>
+                <a:br>
+                  <a:rPr lang="en-US" dirty="0"/>
+                </a:br>
+                <a:r>
+                  <a:rPr lang="en-US" dirty="0"/>
+                  <a:t>	 where </a:t>
+                </a:r>
+                <a14:m>
+                  <m:oMath xmlns:m="http://schemas.openxmlformats.org/officeDocument/2006/math">
+                    <m:sSub>
+                      <m:sSubPr>
+                        <m:ctrlPr>
+                          <a:rPr lang="en-US" i="1" smtClean="0">
+                            <a:latin typeface="Cambria Math" panose="02040503050406030204" pitchFamily="18" charset="0"/>
+                          </a:rPr>
+                        </m:ctrlPr>
+                      </m:sSubPr>
+                      <m:e>
+                        <m:r>
+                          <a:rPr lang="en-US" b="0" i="1" smtClean="0">
+                            <a:latin typeface="Cambria Math" panose="02040503050406030204" pitchFamily="18" charset="0"/>
+                          </a:rPr>
+                          <m:t>𝑦</m:t>
+                        </m:r>
+                      </m:e>
+                      <m:sub>
+                        <m:r>
+                          <a:rPr lang="en-US" b="0" i="1" smtClean="0">
+                            <a:latin typeface="Cambria Math" panose="02040503050406030204" pitchFamily="18" charset="0"/>
+                          </a:rPr>
+                          <m:t>𝑖</m:t>
+                        </m:r>
+                      </m:sub>
+                    </m:sSub>
+                    <m:r>
+                      <a:rPr lang="en-US" b="0" i="1" smtClean="0">
+                        <a:latin typeface="Cambria Math" panose="02040503050406030204" pitchFamily="18" charset="0"/>
+                      </a:rPr>
+                      <m:t>=</m:t>
+                    </m:r>
+                  </m:oMath>
+                </a14:m>
+                <a:r>
+                  <a:rPr lang="en-US" b="0" dirty="0"/>
+                  <a:t> </a:t>
+                </a:r>
+                <a14:m>
+                  <m:oMath xmlns:m="http://schemas.openxmlformats.org/officeDocument/2006/math">
+                    <m:sSubSup>
+                      <m:sSubSupPr>
+                        <m:ctrlPr>
+                          <a:rPr lang="en-US" b="0" i="1" smtClean="0">
+                            <a:latin typeface="Cambria Math" panose="02040503050406030204" pitchFamily="18" charset="0"/>
+                          </a:rPr>
+                        </m:ctrlPr>
+                      </m:sSubSupPr>
+                      <m:e>
+                        <m:r>
+                          <a:rPr lang="en-US" b="1" i="1" smtClean="0">
+                            <a:latin typeface="Cambria Math" panose="02040503050406030204" pitchFamily="18" charset="0"/>
+                          </a:rPr>
+                          <m:t>𝒘</m:t>
+                        </m:r>
+                      </m:e>
+                      <m:sub>
+                        <m:r>
+                          <a:rPr lang="en-US" b="0" i="1" smtClean="0">
+                            <a:latin typeface="Cambria Math" panose="02040503050406030204" pitchFamily="18" charset="0"/>
+                          </a:rPr>
+                          <m:t>𝑖</m:t>
+                        </m:r>
+                      </m:sub>
+                      <m:sup>
+                        <m:r>
+                          <a:rPr lang="en-US" b="0" i="1" smtClean="0">
+                            <a:latin typeface="Cambria Math" panose="02040503050406030204" pitchFamily="18" charset="0"/>
+                          </a:rPr>
+                          <m:t>𝑇</m:t>
+                        </m:r>
+                      </m:sup>
+                    </m:sSubSup>
+                    <m:r>
+                      <a:rPr lang="en-US" b="1" i="1" smtClean="0">
+                        <a:latin typeface="Cambria Math" panose="02040503050406030204" pitchFamily="18" charset="0"/>
+                      </a:rPr>
+                      <m:t>𝒙</m:t>
+                    </m:r>
+                  </m:oMath>
+                </a14:m>
+                <a:r>
+                  <a:rPr lang="en-US" dirty="0"/>
+                  <a:t> is a component of </a:t>
+                </a:r>
+                <a14:m>
+                  <m:oMath xmlns:m="http://schemas.openxmlformats.org/officeDocument/2006/math">
+                    <m:r>
+                      <a:rPr lang="en-US" b="1" i="1" smtClean="0">
+                        <a:latin typeface="Cambria Math" panose="02040503050406030204" pitchFamily="18" charset="0"/>
+                      </a:rPr>
+                      <m:t>𝒚</m:t>
+                    </m:r>
+                    <m:r>
+                      <a:rPr lang="en-US" b="0" i="1" smtClean="0">
+                        <a:latin typeface="Cambria Math" panose="02040503050406030204" pitchFamily="18" charset="0"/>
+                      </a:rPr>
+                      <m:t>=</m:t>
+                    </m:r>
+                    <m:r>
+                      <a:rPr lang="en-US" b="1" i="1" smtClean="0">
+                        <a:latin typeface="Cambria Math" panose="02040503050406030204" pitchFamily="18" charset="0"/>
+                      </a:rPr>
+                      <m:t>𝑾𝒙</m:t>
+                    </m:r>
+                  </m:oMath>
+                </a14:m>
+                <a:r>
+                  <a:rPr lang="en-US" b="1" dirty="0"/>
+                  <a:t> </a:t>
+                </a:r>
+                <a:br>
+                  <a:rPr lang="en-US" b="1" dirty="0"/>
+                </a:br>
+                <a:r>
+                  <a:rPr lang="en-US" b="1" dirty="0"/>
+                  <a:t>	</a:t>
+                </a:r>
+                <a:r>
+                  <a:rPr lang="en-US" dirty="0"/>
+                  <a:t>and </a:t>
+                </a:r>
+                <a14:m>
+                  <m:oMath xmlns:m="http://schemas.openxmlformats.org/officeDocument/2006/math">
+                    <m:sSubSup>
+                      <m:sSubSupPr>
+                        <m:ctrlPr>
+                          <a:rPr lang="en-US" b="0" i="1" smtClean="0">
+                            <a:latin typeface="Cambria Math" panose="02040503050406030204" pitchFamily="18" charset="0"/>
+                          </a:rPr>
+                        </m:ctrlPr>
+                      </m:sSubSupPr>
+                      <m:e>
+                        <m:r>
+                          <a:rPr lang="en-US" b="1" i="1" smtClean="0">
+                            <a:latin typeface="Cambria Math" panose="02040503050406030204" pitchFamily="18" charset="0"/>
+                          </a:rPr>
+                          <m:t>𝒘</m:t>
+                        </m:r>
+                      </m:e>
+                      <m:sub>
+                        <m:r>
+                          <a:rPr lang="en-US" b="0" i="1" smtClean="0">
+                            <a:latin typeface="Cambria Math" panose="02040503050406030204" pitchFamily="18" charset="0"/>
+                          </a:rPr>
+                          <m:t>𝑖</m:t>
+                        </m:r>
+                      </m:sub>
+                      <m:sup>
+                        <m:r>
+                          <a:rPr lang="en-US" b="0" i="1" smtClean="0">
+                            <a:latin typeface="Cambria Math" panose="02040503050406030204" pitchFamily="18" charset="0"/>
+                          </a:rPr>
+                          <m:t>𝑇</m:t>
+                        </m:r>
+                      </m:sup>
+                    </m:sSubSup>
+                  </m:oMath>
+                </a14:m>
+                <a:r>
+                  <a:rPr lang="en-US" b="1" dirty="0"/>
+                  <a:t> </a:t>
+                </a:r>
+                <a:r>
+                  <a:rPr lang="en-US" dirty="0"/>
+                  <a:t>is the </a:t>
+                </a:r>
+                <a:r>
+                  <a:rPr lang="en-US" dirty="0" err="1"/>
+                  <a:t>ith</a:t>
+                </a:r>
+                <a:r>
+                  <a:rPr lang="en-US" dirty="0"/>
+                  <a:t> row vector in matrix </a:t>
+                </a:r>
+                <a14:m>
+                  <m:oMath xmlns:m="http://schemas.openxmlformats.org/officeDocument/2006/math">
+                    <m:r>
+                      <a:rPr lang="en-US" b="1" i="1" smtClean="0">
+                        <a:latin typeface="Cambria Math" panose="02040503050406030204" pitchFamily="18" charset="0"/>
+                      </a:rPr>
+                      <m:t>𝑾</m:t>
+                    </m:r>
+                  </m:oMath>
+                </a14:m>
+                <a:endParaRPr lang="en-US" b="1" dirty="0"/>
+              </a:p>
+              <a:p>
+                <a:r>
+                  <a:rPr lang="en-US" dirty="0"/>
+                  <a:t>We set up the optimization problem for a particular component</a:t>
+                </a:r>
+                <a:r>
+                  <a:rPr lang="en-US" b="1" dirty="0"/>
+                  <a:t> </a:t>
+                </a:r>
+                <a14:m>
+                  <m:oMath xmlns:m="http://schemas.openxmlformats.org/officeDocument/2006/math">
+                    <m:r>
+                      <a:rPr lang="en-US" b="1" i="1" smtClean="0">
+                        <a:latin typeface="Cambria Math" panose="02040503050406030204" pitchFamily="18" charset="0"/>
+                      </a:rPr>
+                      <m:t>𝒘</m:t>
+                    </m:r>
+                  </m:oMath>
+                </a14:m>
+                <a:r>
+                  <a:rPr lang="en-US" dirty="0"/>
+                  <a:t>:</a:t>
+                </a:r>
+                <a:br>
+                  <a:rPr lang="en-US" dirty="0"/>
+                </a:br>
+                <a:r>
+                  <a:rPr lang="en-US" dirty="0"/>
+                  <a:t>	</a:t>
+                </a:r>
+                <a14:m>
+                  <m:oMath xmlns:m="http://schemas.openxmlformats.org/officeDocument/2006/math">
+                    <m:r>
+                      <a:rPr lang="en-US" b="0" i="1" smtClean="0">
+                        <a:latin typeface="Cambria Math" panose="02040503050406030204" pitchFamily="18" charset="0"/>
+                      </a:rPr>
+                      <m:t>𝑂</m:t>
+                    </m:r>
+                    <m:d>
+                      <m:dPr>
+                        <m:ctrlPr>
+                          <a:rPr lang="en-US" b="0" i="1" smtClean="0">
+                            <a:latin typeface="Cambria Math" panose="02040503050406030204" pitchFamily="18" charset="0"/>
+                          </a:rPr>
+                        </m:ctrlPr>
+                      </m:dPr>
+                      <m:e>
+                        <m:r>
+                          <a:rPr lang="en-US" b="1" i="1" smtClean="0">
+                            <a:latin typeface="Cambria Math" panose="02040503050406030204" pitchFamily="18" charset="0"/>
+                          </a:rPr>
+                          <m:t>𝒘</m:t>
+                        </m:r>
+                      </m:e>
+                    </m:d>
+                    <m:r>
+                      <a:rPr lang="en-US" b="0" i="1" smtClean="0">
+                        <a:latin typeface="Cambria Math" panose="02040503050406030204" pitchFamily="18" charset="0"/>
+                      </a:rPr>
+                      <m:t>=</m:t>
+                    </m:r>
+                    <m:r>
+                      <a:rPr lang="en-US" b="0" i="1" smtClean="0">
+                        <a:latin typeface="Cambria Math" panose="02040503050406030204" pitchFamily="18" charset="0"/>
+                      </a:rPr>
+                      <m:t>𝐸</m:t>
+                    </m:r>
+                    <m:d>
+                      <m:dPr>
+                        <m:begChr m:val="["/>
+                        <m:endChr m:val="]"/>
+                        <m:ctrlPr>
+                          <a:rPr lang="en-US" b="0" i="1" smtClean="0">
+                            <a:latin typeface="Cambria Math" panose="02040503050406030204" pitchFamily="18" charset="0"/>
+                          </a:rPr>
+                        </m:ctrlPr>
+                      </m:dPr>
+                      <m:e>
+                        <m:r>
+                          <a:rPr lang="en-US" b="0" i="1" smtClean="0">
+                            <a:latin typeface="Cambria Math" panose="02040503050406030204" pitchFamily="18" charset="0"/>
+                          </a:rPr>
+                          <m:t>𝐺</m:t>
+                        </m:r>
+                        <m:d>
+                          <m:dPr>
+                            <m:ctrlPr>
+                              <a:rPr lang="en-US" b="0" i="1" smtClean="0">
+                                <a:latin typeface="Cambria Math" panose="02040503050406030204" pitchFamily="18" charset="0"/>
+                              </a:rPr>
+                            </m:ctrlPr>
+                          </m:dPr>
+                          <m:e>
+                            <m:sSup>
+                              <m:sSupPr>
+                                <m:ctrlPr>
+                                  <a:rPr lang="en-US" b="0" i="1" smtClean="0">
+                                    <a:latin typeface="Cambria Math" panose="02040503050406030204" pitchFamily="18" charset="0"/>
+                                  </a:rPr>
+                                </m:ctrlPr>
+                              </m:sSupPr>
+                              <m:e>
+                                <m:r>
+                                  <a:rPr lang="en-US" b="1" i="1" smtClean="0">
+                                    <a:latin typeface="Cambria Math" panose="02040503050406030204" pitchFamily="18" charset="0"/>
+                                  </a:rPr>
+                                  <m:t>𝒘</m:t>
+                                </m:r>
+                              </m:e>
+                              <m:sup>
+                                <m:r>
+                                  <a:rPr lang="en-US" b="0" i="1" smtClean="0">
+                                    <a:latin typeface="Cambria Math" panose="02040503050406030204" pitchFamily="18" charset="0"/>
+                                  </a:rPr>
+                                  <m:t>𝑇</m:t>
+                                </m:r>
+                              </m:sup>
+                            </m:sSup>
+                            <m:r>
+                              <a:rPr lang="en-US" b="1" i="1" smtClean="0">
+                                <a:latin typeface="Cambria Math" panose="02040503050406030204" pitchFamily="18" charset="0"/>
+                              </a:rPr>
+                              <m:t>𝒙</m:t>
+                            </m:r>
+                          </m:e>
+                        </m:d>
+                      </m:e>
+                    </m:d>
+                    <m:r>
+                      <a:rPr lang="en-US" b="0" i="1" smtClean="0">
+                        <a:latin typeface="Cambria Math" panose="02040503050406030204" pitchFamily="18" charset="0"/>
+                      </a:rPr>
+                      <m:t>−</m:t>
+                    </m:r>
+                    <m:f>
+                      <m:fPr>
+                        <m:ctrlPr>
+                          <a:rPr lang="en-US" b="0" i="1" smtClean="0">
+                            <a:latin typeface="Cambria Math" panose="02040503050406030204" pitchFamily="18" charset="0"/>
+                          </a:rPr>
+                        </m:ctrlPr>
+                      </m:fPr>
+                      <m:num>
+                        <m:r>
+                          <a:rPr lang="en-US" b="0" i="1" smtClean="0">
+                            <a:latin typeface="Cambria Math" panose="02040503050406030204" pitchFamily="18" charset="0"/>
+                          </a:rPr>
+                          <m:t>𝛽</m:t>
+                        </m:r>
+                        <m:d>
+                          <m:dPr>
+                            <m:ctrlPr>
+                              <a:rPr lang="en-US" b="0" i="1" smtClean="0">
+                                <a:latin typeface="Cambria Math" panose="02040503050406030204" pitchFamily="18" charset="0"/>
+                              </a:rPr>
+                            </m:ctrlPr>
+                          </m:dPr>
+                          <m:e>
+                            <m:sSup>
+                              <m:sSupPr>
+                                <m:ctrlPr>
+                                  <a:rPr lang="en-US" b="0" i="1" smtClean="0">
+                                    <a:latin typeface="Cambria Math" panose="02040503050406030204" pitchFamily="18" charset="0"/>
+                                  </a:rPr>
+                                </m:ctrlPr>
+                              </m:sSupPr>
+                              <m:e>
+                                <m:r>
+                                  <a:rPr lang="en-US" b="1" i="1" smtClean="0">
+                                    <a:latin typeface="Cambria Math" panose="02040503050406030204" pitchFamily="18" charset="0"/>
+                                  </a:rPr>
+                                  <m:t>𝒘</m:t>
+                                </m:r>
+                              </m:e>
+                              <m:sup>
+                                <m:r>
+                                  <a:rPr lang="en-US" b="0" i="1" smtClean="0">
+                                    <a:latin typeface="Cambria Math" panose="02040503050406030204" pitchFamily="18" charset="0"/>
+                                  </a:rPr>
+                                  <m:t>𝑇</m:t>
+                                </m:r>
+                              </m:sup>
+                            </m:sSup>
+                            <m:r>
+                              <a:rPr lang="en-US" b="1" i="1" smtClean="0">
+                                <a:latin typeface="Cambria Math" panose="02040503050406030204" pitchFamily="18" charset="0"/>
+                              </a:rPr>
+                              <m:t>𝒘</m:t>
+                            </m:r>
+                            <m:r>
+                              <a:rPr lang="en-US" b="0" i="1" smtClean="0">
+                                <a:latin typeface="Cambria Math" panose="02040503050406030204" pitchFamily="18" charset="0"/>
+                              </a:rPr>
+                              <m:t>−1</m:t>
+                            </m:r>
+                          </m:e>
+                        </m:d>
+                      </m:num>
+                      <m:den>
+                        <m:r>
+                          <a:rPr lang="en-US" b="0" i="1" smtClean="0">
+                            <a:latin typeface="Cambria Math" panose="02040503050406030204" pitchFamily="18" charset="0"/>
+                          </a:rPr>
+                          <m:t>2</m:t>
+                        </m:r>
+                      </m:den>
+                    </m:f>
+                  </m:oMath>
+                </a14:m>
+                <a:r>
+                  <a:rPr lang="en-US" dirty="0"/>
+                  <a:t> </a:t>
+                </a:r>
+                <a:br>
+                  <a:rPr lang="en-US" dirty="0"/>
+                </a:br>
+                <a:r>
+                  <a:rPr lang="en-US" dirty="0"/>
+                  <a:t>	where </a:t>
+                </a:r>
+                <a14:m>
+                  <m:oMath xmlns:m="http://schemas.openxmlformats.org/officeDocument/2006/math">
+                    <m:f>
+                      <m:fPr>
+                        <m:ctrlPr>
+                          <a:rPr lang="en-US" b="0" i="1" smtClean="0">
+                            <a:latin typeface="Cambria Math" panose="02040503050406030204" pitchFamily="18" charset="0"/>
+                          </a:rPr>
+                        </m:ctrlPr>
+                      </m:fPr>
+                      <m:num>
+                        <m:r>
+                          <a:rPr lang="en-US" b="0" i="1" smtClean="0">
+                            <a:latin typeface="Cambria Math" panose="02040503050406030204" pitchFamily="18" charset="0"/>
+                          </a:rPr>
+                          <m:t>𝛽</m:t>
+                        </m:r>
+                        <m:d>
+                          <m:dPr>
+                            <m:ctrlPr>
+                              <a:rPr lang="en-US" b="0" i="1" smtClean="0">
+                                <a:latin typeface="Cambria Math" panose="02040503050406030204" pitchFamily="18" charset="0"/>
+                              </a:rPr>
+                            </m:ctrlPr>
+                          </m:dPr>
+                          <m:e>
+                            <m:sSup>
+                              <m:sSupPr>
+                                <m:ctrlPr>
+                                  <a:rPr lang="en-US" b="0" i="1" smtClean="0">
+                                    <a:latin typeface="Cambria Math" panose="02040503050406030204" pitchFamily="18" charset="0"/>
+                                  </a:rPr>
+                                </m:ctrlPr>
+                              </m:sSupPr>
+                              <m:e>
+                                <m:r>
+                                  <a:rPr lang="en-US" b="1" i="1" smtClean="0">
+                                    <a:latin typeface="Cambria Math" panose="02040503050406030204" pitchFamily="18" charset="0"/>
+                                  </a:rPr>
+                                  <m:t>𝒘</m:t>
+                                </m:r>
+                              </m:e>
+                              <m:sup>
+                                <m:r>
+                                  <a:rPr lang="en-US" b="0" i="1" smtClean="0">
+                                    <a:latin typeface="Cambria Math" panose="02040503050406030204" pitchFamily="18" charset="0"/>
+                                  </a:rPr>
+                                  <m:t>𝑇</m:t>
+                                </m:r>
+                              </m:sup>
+                            </m:sSup>
+                            <m:r>
+                              <a:rPr lang="en-US" b="1" i="1" smtClean="0">
+                                <a:latin typeface="Cambria Math" panose="02040503050406030204" pitchFamily="18" charset="0"/>
+                              </a:rPr>
+                              <m:t>𝒘</m:t>
+                            </m:r>
+                            <m:r>
+                              <a:rPr lang="en-US" b="0" i="1" smtClean="0">
+                                <a:latin typeface="Cambria Math" panose="02040503050406030204" pitchFamily="18" charset="0"/>
+                              </a:rPr>
+                              <m:t>−1</m:t>
+                            </m:r>
+                          </m:e>
+                        </m:d>
+                      </m:num>
+                      <m:den>
+                        <m:r>
+                          <a:rPr lang="en-US" b="0" i="1" smtClean="0">
+                            <a:latin typeface="Cambria Math" panose="02040503050406030204" pitchFamily="18" charset="0"/>
+                          </a:rPr>
+                          <m:t>2</m:t>
+                        </m:r>
+                      </m:den>
+                    </m:f>
+                  </m:oMath>
+                </a14:m>
+                <a:r>
+                  <a:rPr lang="en-US" dirty="0"/>
+                  <a:t>  represents the fact that rows and columns of matrix </a:t>
+                </a:r>
+                <a14:m>
+                  <m:oMath xmlns:m="http://schemas.openxmlformats.org/officeDocument/2006/math">
+                    <m:r>
+                      <a:rPr lang="en-US" b="1" i="1" smtClean="0">
+                        <a:latin typeface="Cambria Math" panose="02040503050406030204" pitchFamily="18" charset="0"/>
+                      </a:rPr>
+                      <m:t>𝑾</m:t>
+                    </m:r>
+                  </m:oMath>
+                </a14:m>
+                <a:r>
+                  <a:rPr lang="en-US" dirty="0"/>
+                  <a:t> are 	normalized, </a:t>
+                </a:r>
+                <a:r>
+                  <a:rPr lang="en-US" dirty="0" err="1"/>
+                  <a:t>ie</a:t>
+                </a:r>
+                <a:r>
+                  <a:rPr lang="en-US" dirty="0"/>
+                  <a:t>, </a:t>
+                </a:r>
+                <a14:m>
+                  <m:oMath xmlns:m="http://schemas.openxmlformats.org/officeDocument/2006/math">
+                    <m:sSup>
+                      <m:sSupPr>
+                        <m:ctrlPr>
+                          <a:rPr lang="en-US" b="0" i="1" smtClean="0">
+                            <a:latin typeface="Cambria Math" panose="02040503050406030204" pitchFamily="18" charset="0"/>
+                          </a:rPr>
+                        </m:ctrlPr>
+                      </m:sSupPr>
+                      <m:e>
+                        <m:r>
+                          <a:rPr lang="en-US" b="1" i="1" smtClean="0">
+                            <a:latin typeface="Cambria Math" panose="02040503050406030204" pitchFamily="18" charset="0"/>
+                          </a:rPr>
+                          <m:t>𝒘</m:t>
+                        </m:r>
+                      </m:e>
+                      <m:sup>
+                        <m:r>
+                          <a:rPr lang="en-US" b="0" i="1" smtClean="0">
+                            <a:latin typeface="Cambria Math" panose="02040503050406030204" pitchFamily="18" charset="0"/>
+                          </a:rPr>
+                          <m:t>𝑇</m:t>
+                        </m:r>
+                      </m:sup>
+                    </m:sSup>
+                    <m:r>
+                      <a:rPr lang="en-US" b="1" i="1" smtClean="0">
+                        <a:latin typeface="Cambria Math" panose="02040503050406030204" pitchFamily="18" charset="0"/>
+                      </a:rPr>
+                      <m:t>𝒘</m:t>
+                    </m:r>
+                    <m:r>
+                      <a:rPr lang="en-US" b="0" i="1" smtClean="0">
+                        <a:latin typeface="Cambria Math" panose="02040503050406030204" pitchFamily="18" charset="0"/>
+                      </a:rPr>
+                      <m:t>=1</m:t>
+                    </m:r>
+                  </m:oMath>
+                </a14:m>
+                <a:endParaRPr lang="en-US" dirty="0"/>
+              </a:p>
+              <a:p>
+                <a:r>
+                  <a:rPr lang="en-US" dirty="0"/>
+                  <a:t>Set the derivative of </a:t>
+                </a:r>
+                <a14:m>
+                  <m:oMath xmlns:m="http://schemas.openxmlformats.org/officeDocument/2006/math">
+                    <m:r>
+                      <a:rPr lang="en-US" b="0" i="1" smtClean="0">
+                        <a:latin typeface="Cambria Math" panose="02040503050406030204" pitchFamily="18" charset="0"/>
+                      </a:rPr>
+                      <m:t>𝑂</m:t>
+                    </m:r>
+                    <m:d>
+                      <m:dPr>
+                        <m:ctrlPr>
+                          <a:rPr lang="en-US" b="0" i="1" smtClean="0">
+                            <a:latin typeface="Cambria Math" panose="02040503050406030204" pitchFamily="18" charset="0"/>
+                          </a:rPr>
+                        </m:ctrlPr>
+                      </m:dPr>
+                      <m:e>
+                        <m:r>
+                          <a:rPr lang="en-US" b="1" i="1" smtClean="0">
+                            <a:latin typeface="Cambria Math" panose="02040503050406030204" pitchFamily="18" charset="0"/>
+                          </a:rPr>
+                          <m:t>𝒘</m:t>
+                        </m:r>
+                      </m:e>
+                    </m:d>
+                  </m:oMath>
+                </a14:m>
+                <a:r>
+                  <a:rPr lang="en-US" dirty="0"/>
+                  <a:t> to zero with respect to </a:t>
+                </a:r>
+                <a14:m>
+                  <m:oMath xmlns:m="http://schemas.openxmlformats.org/officeDocument/2006/math">
+                    <m:r>
+                      <a:rPr lang="en-US" b="1" i="1" smtClean="0">
+                        <a:latin typeface="Cambria Math" panose="02040503050406030204" pitchFamily="18" charset="0"/>
+                      </a:rPr>
+                      <m:t>𝒘</m:t>
+                    </m:r>
+                  </m:oMath>
+                </a14:m>
+                <a:r>
+                  <a:rPr lang="en-US" dirty="0"/>
+                  <a:t>:</a:t>
+                </a:r>
+                <a:br>
+                  <a:rPr lang="en-US" dirty="0"/>
+                </a:br>
+                <a:r>
+                  <a:rPr lang="en-US" dirty="0"/>
+                  <a:t>	</a:t>
+                </a:r>
+                <a14:m>
+                  <m:oMath xmlns:m="http://schemas.openxmlformats.org/officeDocument/2006/math">
+                    <m:r>
+                      <a:rPr lang="en-US" b="0" i="1" smtClean="0">
+                        <a:latin typeface="Cambria Math" panose="02040503050406030204" pitchFamily="18" charset="0"/>
+                      </a:rPr>
+                      <m:t>𝐹</m:t>
+                    </m:r>
+                    <m:d>
+                      <m:dPr>
+                        <m:ctrlPr>
+                          <a:rPr lang="en-US" b="0" i="1" smtClean="0">
+                            <a:latin typeface="Cambria Math" panose="02040503050406030204" pitchFamily="18" charset="0"/>
+                          </a:rPr>
+                        </m:ctrlPr>
+                      </m:dPr>
+                      <m:e>
+                        <m:r>
+                          <a:rPr lang="en-US" b="1" i="1" smtClean="0">
+                            <a:latin typeface="Cambria Math" panose="02040503050406030204" pitchFamily="18" charset="0"/>
+                          </a:rPr>
+                          <m:t>𝒘</m:t>
+                        </m:r>
+                      </m:e>
+                    </m:d>
+                    <m:r>
+                      <a:rPr lang="en-US" b="0" i="1" smtClean="0">
+                        <a:latin typeface="Cambria Math" panose="02040503050406030204" pitchFamily="18" charset="0"/>
+                      </a:rPr>
+                      <m:t>≜</m:t>
+                    </m:r>
+                    <m:f>
+                      <m:fPr>
+                        <m:ctrlPr>
+                          <a:rPr lang="en-US" b="0" i="1" smtClean="0">
+                            <a:latin typeface="Cambria Math" panose="02040503050406030204" pitchFamily="18" charset="0"/>
+                          </a:rPr>
+                        </m:ctrlPr>
+                      </m:fPr>
+                      <m:num>
+                        <m:r>
+                          <a:rPr lang="en-US" b="0" i="1" smtClean="0">
+                            <a:latin typeface="Cambria Math" panose="02040503050406030204" pitchFamily="18" charset="0"/>
+                            <a:ea typeface="Cambria Math" panose="02040503050406030204" pitchFamily="18" charset="0"/>
+                          </a:rPr>
+                          <m:t>𝜕</m:t>
+                        </m:r>
+                        <m:r>
+                          <a:rPr lang="en-US" b="0" i="1" smtClean="0">
+                            <a:latin typeface="Cambria Math" panose="02040503050406030204" pitchFamily="18" charset="0"/>
+                            <a:ea typeface="Cambria Math" panose="02040503050406030204" pitchFamily="18" charset="0"/>
+                          </a:rPr>
+                          <m:t>𝑂</m:t>
+                        </m:r>
+                        <m:d>
+                          <m:dPr>
+                            <m:ctrlPr>
+                              <a:rPr lang="en-US" b="1" i="1" smtClean="0">
+                                <a:latin typeface="Cambria Math" panose="02040503050406030204" pitchFamily="18" charset="0"/>
+                                <a:ea typeface="Cambria Math" panose="02040503050406030204" pitchFamily="18" charset="0"/>
+                              </a:rPr>
+                            </m:ctrlPr>
+                          </m:dPr>
+                          <m:e>
+                            <m:r>
+                              <a:rPr lang="en-US" b="1" i="1" smtClean="0">
+                                <a:latin typeface="Cambria Math" panose="02040503050406030204" pitchFamily="18" charset="0"/>
+                                <a:ea typeface="Cambria Math" panose="02040503050406030204" pitchFamily="18" charset="0"/>
+                              </a:rPr>
+                              <m:t>𝒘</m:t>
+                            </m:r>
+                          </m:e>
+                        </m:d>
+                      </m:num>
+                      <m:den>
+                        <m:r>
+                          <a:rPr lang="en-US" b="0" i="1" smtClean="0">
+                            <a:latin typeface="Cambria Math" panose="02040503050406030204" pitchFamily="18" charset="0"/>
+                            <a:ea typeface="Cambria Math" panose="02040503050406030204" pitchFamily="18" charset="0"/>
+                          </a:rPr>
+                          <m:t>𝜕</m:t>
+                        </m:r>
+                        <m:r>
+                          <a:rPr lang="en-US" b="1" i="1" smtClean="0">
+                            <a:latin typeface="Cambria Math" panose="02040503050406030204" pitchFamily="18" charset="0"/>
+                            <a:ea typeface="Cambria Math" panose="02040503050406030204" pitchFamily="18" charset="0"/>
+                          </a:rPr>
+                          <m:t>𝒘</m:t>
+                        </m:r>
+                      </m:den>
+                    </m:f>
+                    <m:r>
+                      <a:rPr lang="en-US" b="0" i="1" smtClean="0">
+                        <a:latin typeface="Cambria Math" panose="02040503050406030204" pitchFamily="18" charset="0"/>
+                      </a:rPr>
+                      <m:t>=</m:t>
+                    </m:r>
+                    <m:r>
+                      <a:rPr lang="en-US" b="0" i="1" smtClean="0">
+                        <a:latin typeface="Cambria Math" panose="02040503050406030204" pitchFamily="18" charset="0"/>
+                      </a:rPr>
+                      <m:t>𝐸</m:t>
+                    </m:r>
+                    <m:d>
+                      <m:dPr>
+                        <m:begChr m:val="["/>
+                        <m:endChr m:val="]"/>
+                        <m:ctrlPr>
+                          <a:rPr lang="en-US" b="0" i="1" smtClean="0">
+                            <a:latin typeface="Cambria Math" panose="02040503050406030204" pitchFamily="18" charset="0"/>
+                          </a:rPr>
+                        </m:ctrlPr>
+                      </m:dPr>
+                      <m:e>
+                        <m:r>
+                          <a:rPr lang="en-US" b="1" i="1" smtClean="0">
+                            <a:latin typeface="Cambria Math" panose="02040503050406030204" pitchFamily="18" charset="0"/>
+                          </a:rPr>
+                          <m:t>𝒙</m:t>
+                        </m:r>
+                        <m:r>
+                          <a:rPr lang="en-US" b="0" i="1" smtClean="0">
+                            <a:latin typeface="Cambria Math" panose="02040503050406030204" pitchFamily="18" charset="0"/>
+                          </a:rPr>
+                          <m:t>𝑔</m:t>
+                        </m:r>
+                        <m:d>
+                          <m:dPr>
+                            <m:ctrlPr>
+                              <a:rPr lang="en-US" b="0" i="1" smtClean="0">
+                                <a:latin typeface="Cambria Math" panose="02040503050406030204" pitchFamily="18" charset="0"/>
+                              </a:rPr>
+                            </m:ctrlPr>
+                          </m:dPr>
+                          <m:e>
+                            <m:sSup>
+                              <m:sSupPr>
+                                <m:ctrlPr>
+                                  <a:rPr lang="en-US" b="0" i="1" smtClean="0">
+                                    <a:latin typeface="Cambria Math" panose="02040503050406030204" pitchFamily="18" charset="0"/>
+                                  </a:rPr>
+                                </m:ctrlPr>
+                              </m:sSupPr>
+                              <m:e>
+                                <m:r>
+                                  <a:rPr lang="en-US" b="1" i="1" smtClean="0">
+                                    <a:latin typeface="Cambria Math" panose="02040503050406030204" pitchFamily="18" charset="0"/>
+                                  </a:rPr>
+                                  <m:t>𝒘</m:t>
+                                </m:r>
+                              </m:e>
+                              <m:sup>
+                                <m:r>
+                                  <a:rPr lang="en-US" b="0" i="1" smtClean="0">
+                                    <a:latin typeface="Cambria Math" panose="02040503050406030204" pitchFamily="18" charset="0"/>
+                                  </a:rPr>
+                                  <m:t>𝑇</m:t>
+                                </m:r>
+                              </m:sup>
+                            </m:sSup>
+                            <m:r>
+                              <a:rPr lang="en-US" b="1" i="1" smtClean="0">
+                                <a:latin typeface="Cambria Math" panose="02040503050406030204" pitchFamily="18" charset="0"/>
+                              </a:rPr>
+                              <m:t>𝒙</m:t>
+                            </m:r>
+                          </m:e>
+                        </m:d>
+                      </m:e>
+                    </m:d>
+                    <m:r>
+                      <a:rPr lang="en-US" b="0" i="1" smtClean="0">
+                        <a:latin typeface="Cambria Math" panose="02040503050406030204" pitchFamily="18" charset="0"/>
+                      </a:rPr>
+                      <m:t>−</m:t>
+                    </m:r>
+                    <m:r>
+                      <a:rPr lang="en-US" b="0" i="1" smtClean="0">
+                        <a:latin typeface="Cambria Math" panose="02040503050406030204" pitchFamily="18" charset="0"/>
+                      </a:rPr>
+                      <m:t>𝛽</m:t>
+                    </m:r>
+                    <m:r>
+                      <a:rPr lang="en-US" b="1" i="1" smtClean="0">
+                        <a:latin typeface="Cambria Math" panose="02040503050406030204" pitchFamily="18" charset="0"/>
+                      </a:rPr>
+                      <m:t>𝒘</m:t>
+                    </m:r>
+                    <m:r>
+                      <a:rPr lang="en-US" b="0" i="1" smtClean="0">
+                        <a:latin typeface="Cambria Math" panose="02040503050406030204" pitchFamily="18" charset="0"/>
+                      </a:rPr>
+                      <m:t>=0</m:t>
+                    </m:r>
+                  </m:oMath>
+                </a14:m>
+                <a:r>
+                  <a:rPr lang="en-US" dirty="0"/>
+                  <a:t>, </a:t>
+                </a:r>
+                <a:br>
+                  <a:rPr lang="en-US" dirty="0"/>
+                </a:br>
+                <a:r>
+                  <a:rPr lang="en-US" dirty="0"/>
+                  <a:t>	where </a:t>
+                </a:r>
+                <a14:m>
+                  <m:oMath xmlns:m="http://schemas.openxmlformats.org/officeDocument/2006/math">
+                    <m:r>
+                      <a:rPr lang="en-US" b="0" i="1" smtClean="0">
+                        <a:latin typeface="Cambria Math" panose="02040503050406030204" pitchFamily="18" charset="0"/>
+                      </a:rPr>
+                      <m:t>𝑔</m:t>
+                    </m:r>
+                    <m:d>
+                      <m:dPr>
+                        <m:ctrlPr>
+                          <a:rPr lang="en-US" b="0" i="1" smtClean="0">
+                            <a:latin typeface="Cambria Math" panose="02040503050406030204" pitchFamily="18" charset="0"/>
+                          </a:rPr>
+                        </m:ctrlPr>
+                      </m:dPr>
+                      <m:e>
+                        <m:r>
+                          <a:rPr lang="en-US" b="0" i="1" smtClean="0">
+                            <a:latin typeface="Cambria Math" panose="02040503050406030204" pitchFamily="18" charset="0"/>
+                          </a:rPr>
+                          <m:t>𝑧</m:t>
+                        </m:r>
+                      </m:e>
+                    </m:d>
+                    <m:r>
+                      <a:rPr lang="en-US" b="0" i="1" smtClean="0">
+                        <a:latin typeface="Cambria Math" panose="02040503050406030204" pitchFamily="18" charset="0"/>
+                      </a:rPr>
+                      <m:t>=</m:t>
+                    </m:r>
+                    <m:f>
+                      <m:fPr>
+                        <m:ctrlPr>
+                          <a:rPr lang="en-US" b="0" i="1" smtClean="0">
+                            <a:latin typeface="Cambria Math" panose="02040503050406030204" pitchFamily="18" charset="0"/>
+                          </a:rPr>
+                        </m:ctrlPr>
+                      </m:fPr>
+                      <m:num>
+                        <m:r>
+                          <a:rPr lang="en-US" b="0" i="1" smtClean="0">
+                            <a:latin typeface="Cambria Math" panose="02040503050406030204" pitchFamily="18" charset="0"/>
+                          </a:rPr>
+                          <m:t>𝑑𝐺</m:t>
+                        </m:r>
+                        <m:d>
+                          <m:dPr>
+                            <m:ctrlPr>
+                              <a:rPr lang="en-US" b="0" i="1" smtClean="0">
+                                <a:latin typeface="Cambria Math" panose="02040503050406030204" pitchFamily="18" charset="0"/>
+                              </a:rPr>
+                            </m:ctrlPr>
+                          </m:dPr>
+                          <m:e>
+                            <m:r>
+                              <a:rPr lang="en-US" b="0" i="1" smtClean="0">
+                                <a:latin typeface="Cambria Math" panose="02040503050406030204" pitchFamily="18" charset="0"/>
+                              </a:rPr>
+                              <m:t>𝑧</m:t>
+                            </m:r>
+                          </m:e>
+                        </m:d>
+                      </m:num>
+                      <m:den>
+                        <m:r>
+                          <a:rPr lang="en-US" b="0" i="1" smtClean="0">
+                            <a:latin typeface="Cambria Math" panose="02040503050406030204" pitchFamily="18" charset="0"/>
+                          </a:rPr>
+                          <m:t>𝑑𝑧</m:t>
+                        </m:r>
+                      </m:den>
+                    </m:f>
+                  </m:oMath>
+                </a14:m>
+                <a:r>
+                  <a:rPr lang="en-US" dirty="0"/>
+                  <a:t> is the derivative of </a:t>
+                </a:r>
+                <a14:m>
+                  <m:oMath xmlns:m="http://schemas.openxmlformats.org/officeDocument/2006/math">
+                    <m:r>
+                      <a:rPr lang="en-US" b="0" i="1" smtClean="0">
+                        <a:latin typeface="Cambria Math" panose="02040503050406030204" pitchFamily="18" charset="0"/>
+                      </a:rPr>
+                      <m:t>𝐺</m:t>
+                    </m:r>
+                    <m:d>
+                      <m:dPr>
+                        <m:ctrlPr>
+                          <a:rPr lang="en-US" b="0" i="1" smtClean="0">
+                            <a:latin typeface="Cambria Math" panose="02040503050406030204" pitchFamily="18" charset="0"/>
+                          </a:rPr>
+                        </m:ctrlPr>
+                      </m:dPr>
+                      <m:e>
+                        <m:r>
+                          <a:rPr lang="en-US" b="0" i="1" smtClean="0">
+                            <a:latin typeface="Cambria Math" panose="02040503050406030204" pitchFamily="18" charset="0"/>
+                          </a:rPr>
+                          <m:t>𝑧</m:t>
+                        </m:r>
+                      </m:e>
+                    </m:d>
+                  </m:oMath>
+                </a14:m>
+                <a:endParaRPr lang="en-US" dirty="0"/>
+              </a:p>
+              <a:p>
+                <a:r>
+                  <a:rPr lang="en-US" dirty="0"/>
+                  <a:t>This equation can be solved using the Newton-Raphson method:</a:t>
+                </a:r>
+              </a:p>
+            </p:txBody>
+          </p:sp>
+        </mc:Choice>
+        <mc:Fallback xmlns="">
+          <p:sp>
+            <p:nvSpPr>
+              <p:cNvPr id="3" name="Content Placeholder 2">
+                <a:extLst>
+                  <a:ext uri="{FF2B5EF4-FFF2-40B4-BE49-F238E27FC236}">
+                    <a16:creationId xmlns:a16="http://schemas.microsoft.com/office/drawing/2014/main" id="{CEC70E31-34AB-2F43-811E-0A215FEECB52}"/>
+                  </a:ext>
+                </a:extLst>
+              </p:cNvPr>
+              <p:cNvSpPr>
+                <a:spLocks noGrp="1" noRot="1" noChangeAspect="1" noMove="1" noResize="1" noEditPoints="1" noAdjustHandles="1" noChangeArrowheads="1" noChangeShapeType="1" noTextEdit="1"/>
+              </p:cNvSpPr>
+              <p:nvPr>
+                <p:ph idx="1"/>
+              </p:nvPr>
+            </p:nvSpPr>
+            <p:spPr>
+              <a:xfrm>
+                <a:off x="0" y="818708"/>
+                <a:ext cx="12192000" cy="6039292"/>
+              </a:xfrm>
+              <a:blipFill>
+                <a:blip r:embed="rId2"/>
+                <a:stretch>
+                  <a:fillRect l="-833" t="-11321" r="-312"/>
+                </a:stretch>
+              </a:blipFill>
+            </p:spPr>
+            <p:txBody>
+              <a:bodyPr/>
+              <a:lstStyle/>
+              <a:p>
+                <a:r>
+                  <a:rPr lang="en-US">
+                    <a:noFill/>
+                  </a:rPr>
+                  <a:t> </a:t>
+                </a:r>
+              </a:p>
+            </p:txBody>
+          </p:sp>
+        </mc:Fallback>
+      </mc:AlternateContent>
+    </p:spTree>
+    <p:extLst>
+      <p:ext uri="{BB962C8B-B14F-4D97-AF65-F5344CB8AC3E}">
+        <p14:creationId xmlns:p14="http://schemas.microsoft.com/office/powerpoint/2010/main" val="2366636254"/>
+      </p:ext>
+    </p:extLst>
+  </p:cSld>
+  <p:clrMapOvr>
+    <a:masterClrMapping/>
+  </p:clrMapOvr>
+  <p:timing>
+    <p:tnLst>
+      <p:par>
+        <p:cTn id="1" dur="indefinite" restart="never" nodeType="tmRoot"/>
+      </p:par>
+    </p:tnLst>
+  </p:timing>
+</p:sld>
+</file>
+
+<file path=ppt/slides/slide12.xml><?xml version="1.0" encoding="utf-8"?>
+<p:sld xmlns:a="http://schemas.openxmlformats.org/drawingml/2006/main" xmlns:r="http://schemas.openxmlformats.org/officeDocument/2006/relationships" xmlns:p="http://schemas.openxmlformats.org/presentationml/2006/main">
+  <p:cSld>
+    <p:spTree>
+      <p:nvGrpSpPr>
+        <p:cNvPr id="1" name=""/>
+        <p:cNvGrpSpPr/>
+        <p:nvPr/>
+      </p:nvGrpSpPr>
+      <p:grpSpPr>
+        <a:xfrm>
+          <a:off x="0" y="0"/>
+          <a:ext cx="0" cy="0"/>
+          <a:chOff x="0" y="0"/>
+          <a:chExt cx="0" cy="0"/>
+        </a:xfrm>
+      </p:grpSpPr>
+      <p:sp>
+        <p:nvSpPr>
+          <p:cNvPr id="2" name="Title 1">
+            <a:extLst>
+              <a:ext uri="{FF2B5EF4-FFF2-40B4-BE49-F238E27FC236}">
+                <a16:creationId xmlns:a16="http://schemas.microsoft.com/office/drawing/2014/main" id="{08832DF7-5CE2-D641-AB14-53D26CA1DCA9}"/>
+              </a:ext>
+            </a:extLst>
+          </p:cNvPr>
+          <p:cNvSpPr>
+            <a:spLocks noGrp="1"/>
+          </p:cNvSpPr>
+          <p:nvPr>
+            <p:ph type="title"/>
+          </p:nvPr>
+        </p:nvSpPr>
+        <p:spPr>
+          <a:xfrm>
+            <a:off x="0" y="0"/>
+            <a:ext cx="12192000" cy="651164"/>
+          </a:xfrm>
+        </p:spPr>
+        <p:txBody>
+          <a:bodyPr>
+            <a:normAutofit fontScale="90000"/>
+          </a:bodyPr>
+          <a:lstStyle/>
+          <a:p>
+            <a:r>
+              <a:rPr lang="en-US" dirty="0"/>
+              <a:t>Newton-Raphson method:</a:t>
+            </a:r>
+          </a:p>
+        </p:txBody>
+      </p:sp>
+      <mc:AlternateContent xmlns:mc="http://schemas.openxmlformats.org/markup-compatibility/2006">
+        <mc:Choice xmlns:a14="http://schemas.microsoft.com/office/drawing/2010/main" Requires="a14">
+          <p:sp>
+            <p:nvSpPr>
+              <p:cNvPr id="3" name="Content Placeholder 2">
+                <a:extLst>
+                  <a:ext uri="{FF2B5EF4-FFF2-40B4-BE49-F238E27FC236}">
+                    <a16:creationId xmlns:a16="http://schemas.microsoft.com/office/drawing/2014/main" id="{CEC70E31-34AB-2F43-811E-0A215FEECB52}"/>
+                  </a:ext>
+                </a:extLst>
+              </p:cNvPr>
+              <p:cNvSpPr>
+                <a:spLocks noGrp="1"/>
+              </p:cNvSpPr>
+              <p:nvPr>
+                <p:ph idx="1"/>
+              </p:nvPr>
+            </p:nvSpPr>
+            <p:spPr>
+              <a:xfrm>
+                <a:off x="0" y="1081039"/>
+                <a:ext cx="12192000" cy="5776961"/>
+              </a:xfrm>
+            </p:spPr>
+            <p:txBody>
+              <a:bodyPr>
+                <a:normAutofit lnSpcReduction="10000"/>
+              </a:bodyPr>
               <a:lstStyle/>
               <a:p>
                 <a14:m>
@@ -6572,7 +8007,7 @@
             </p:txBody>
           </p:sp>
         </mc:Choice>
-        <mc:Fallback xmlns="">
+        <mc:Fallback>
           <p:sp>
             <p:nvSpPr>
               <p:cNvPr id="3" name="Content Placeholder 2">
@@ -6591,13 +8026,13 @@
             </p:nvSpPr>
             <p:spPr>
               <a:xfrm>
-                <a:off x="0" y="818708"/>
-                <a:ext cx="12192000" cy="6039292"/>
+                <a:off x="0" y="1081039"/>
+                <a:ext cx="12192000" cy="5776961"/>
               </a:xfrm>
               <a:blipFill>
                 <a:blip r:embed="rId2"/>
                 <a:stretch>
-                  <a:fillRect l="-833" t="-1468"/>
+                  <a:fillRect l="-900" t="-2215"/>
                 </a:stretch>
               </a:blipFill>
             </p:spPr>
@@ -6606,7 +8041,294 @@
               <a:lstStyle/>
               <a:p>
                 <a:r>
-                  <a:rPr lang="en-US">
+                  <a:rPr lang="en-CA">
+                    <a:noFill/>
+                  </a:rPr>
+                  <a:t> </a:t>
+                </a:r>
+              </a:p>
+            </p:txBody>
+          </p:sp>
+        </mc:Fallback>
+      </mc:AlternateContent>
+      <mc:AlternateContent xmlns:mc="http://schemas.openxmlformats.org/markup-compatibility/2006">
+        <mc:Choice xmlns:a14="http://schemas.microsoft.com/office/drawing/2010/main" Requires="a14">
+          <p:sp>
+            <p:nvSpPr>
+              <p:cNvPr id="4" name="TextBox 3"/>
+              <p:cNvSpPr txBox="1"/>
+              <p:nvPr/>
+            </p:nvSpPr>
+            <p:spPr>
+              <a:xfrm>
+                <a:off x="-1" y="498379"/>
+                <a:ext cx="12053455" cy="582660"/>
+              </a:xfrm>
+              <a:prstGeom prst="rect">
+                <a:avLst/>
+              </a:prstGeom>
+              <a:noFill/>
+            </p:spPr>
+            <p:txBody>
+              <a:bodyPr wrap="square" rtlCol="0">
+                <a:spAutoFit/>
+              </a:bodyPr>
+              <a:lstStyle/>
+              <a:p>
+                <a:r>
+                  <a:rPr lang="en-CA" sz="2000" dirty="0" smtClean="0"/>
+                  <a:t>To solve an algebraic equation </a:t>
+                </a:r>
+                <a14:m>
+                  <m:oMath xmlns:m="http://schemas.openxmlformats.org/officeDocument/2006/math">
+                    <m:r>
+                      <a:rPr lang="en-CA" sz="2000" b="0" i="1" smtClean="0">
+                        <a:latin typeface="Cambria Math" panose="02040503050406030204" pitchFamily="18" charset="0"/>
+                      </a:rPr>
+                      <m:t>𝑓</m:t>
+                    </m:r>
+                    <m:d>
+                      <m:dPr>
+                        <m:ctrlPr>
+                          <a:rPr lang="en-CA" sz="2000" b="0" i="1" smtClean="0">
+                            <a:latin typeface="Cambria Math" panose="02040503050406030204" pitchFamily="18" charset="0"/>
+                          </a:rPr>
+                        </m:ctrlPr>
+                      </m:dPr>
+                      <m:e>
+                        <m:r>
+                          <a:rPr lang="en-CA" sz="2000" b="0" i="1" smtClean="0">
+                            <a:latin typeface="Cambria Math" panose="02040503050406030204" pitchFamily="18" charset="0"/>
+                          </a:rPr>
+                          <m:t>𝑥</m:t>
+                        </m:r>
+                      </m:e>
+                    </m:d>
+                    <m:r>
+                      <a:rPr lang="en-CA" sz="2000" b="0" i="1" smtClean="0">
+                        <a:latin typeface="Cambria Math" panose="02040503050406030204" pitchFamily="18" charset="0"/>
+                      </a:rPr>
+                      <m:t>=0</m:t>
+                    </m:r>
+                    <m:r>
+                      <a:rPr lang="en-CA" sz="2000" b="0" i="0" smtClean="0">
+                        <a:latin typeface="Cambria Math" panose="02040503050406030204" pitchFamily="18" charset="0"/>
+                      </a:rPr>
+                      <m:t>,</m:t>
+                    </m:r>
+                  </m:oMath>
+                </a14:m>
+                <a:r>
+                  <a:rPr lang="en-CA" sz="2000" dirty="0" smtClean="0"/>
+                  <a:t> select an initial random guess </a:t>
+                </a:r>
+                <a14:m>
+                  <m:oMath xmlns:m="http://schemas.openxmlformats.org/officeDocument/2006/math">
+                    <m:sSub>
+                      <m:sSubPr>
+                        <m:ctrlPr>
+                          <a:rPr lang="en-CA" sz="2000" i="1" smtClean="0">
+                            <a:latin typeface="Cambria Math" panose="02040503050406030204" pitchFamily="18" charset="0"/>
+                          </a:rPr>
+                        </m:ctrlPr>
+                      </m:sSubPr>
+                      <m:e>
+                        <m:r>
+                          <a:rPr lang="en-CA" sz="2000" b="0" i="1" smtClean="0">
+                            <a:latin typeface="Cambria Math" panose="02040503050406030204" pitchFamily="18" charset="0"/>
+                          </a:rPr>
+                          <m:t>𝑥</m:t>
+                        </m:r>
+                      </m:e>
+                      <m:sub>
+                        <m:r>
+                          <a:rPr lang="en-CA" sz="2000" b="0" i="1" smtClean="0">
+                            <a:latin typeface="Cambria Math" panose="02040503050406030204" pitchFamily="18" charset="0"/>
+                          </a:rPr>
+                          <m:t>0</m:t>
+                        </m:r>
+                      </m:sub>
+                    </m:sSub>
+                  </m:oMath>
+                </a14:m>
+                <a:r>
+                  <a:rPr lang="en-CA" sz="2000" dirty="0" smtClean="0"/>
+                  <a:t> and follow the iteration: </a:t>
+                </a:r>
+                <a14:m>
+                  <m:oMath xmlns:m="http://schemas.openxmlformats.org/officeDocument/2006/math">
+                    <m:r>
+                      <m:rPr>
+                        <m:sty m:val="p"/>
+                      </m:rPr>
+                      <a:rPr lang="en-CA" sz="2000" b="0" i="0" smtClean="0">
+                        <a:latin typeface="Cambria Math" panose="02040503050406030204" pitchFamily="18" charset="0"/>
+                      </a:rPr>
+                      <m:t>x</m:t>
+                    </m:r>
+                    <m:r>
+                      <a:rPr lang="en-CA" sz="2000" b="0" i="0" smtClean="0">
+                        <a:latin typeface="Cambria Math" panose="02040503050406030204" pitchFamily="18" charset="0"/>
+                      </a:rPr>
+                      <m:t> </m:t>
+                    </m:r>
+                    <m:groupChr>
+                      <m:groupChrPr>
+                        <m:chr m:val="⇐"/>
+                        <m:pos m:val="top"/>
+                        <m:ctrlPr>
+                          <a:rPr lang="en-CA" sz="2000" b="0" i="1" smtClean="0">
+                            <a:latin typeface="Cambria Math" panose="02040503050406030204" pitchFamily="18" charset="0"/>
+                          </a:rPr>
+                        </m:ctrlPr>
+                      </m:groupChrPr>
+                      <m:e>
+                        <m:r>
+                          <m:rPr>
+                            <m:brk m:alnAt="1"/>
+                          </m:rPr>
+                          <a:rPr lang="en-CA" sz="2000" b="0" i="1" smtClean="0">
+                            <a:latin typeface="Cambria Math" panose="02040503050406030204" pitchFamily="18" charset="0"/>
+                          </a:rPr>
+                          <m:t> </m:t>
+                        </m:r>
+                      </m:e>
+                    </m:groupChr>
+                    <m:r>
+                      <a:rPr lang="en-CA" sz="2000" b="0" i="1" smtClean="0">
+                        <a:latin typeface="Cambria Math" panose="02040503050406030204" pitchFamily="18" charset="0"/>
+                      </a:rPr>
+                      <m:t> </m:t>
+                    </m:r>
+                    <m:r>
+                      <a:rPr lang="en-CA" sz="2000" b="0" i="1" smtClean="0">
+                        <a:latin typeface="Cambria Math" panose="02040503050406030204" pitchFamily="18" charset="0"/>
+                      </a:rPr>
+                      <m:t>𝑥</m:t>
+                    </m:r>
+                    <m:r>
+                      <a:rPr lang="en-CA" sz="2000" b="0" i="1" smtClean="0">
+                        <a:latin typeface="Cambria Math" panose="02040503050406030204" pitchFamily="18" charset="0"/>
+                      </a:rPr>
+                      <m:t>−</m:t>
+                    </m:r>
+                    <m:f>
+                      <m:fPr>
+                        <m:ctrlPr>
+                          <a:rPr lang="en-CA" sz="2000" b="0" i="1" smtClean="0">
+                            <a:latin typeface="Cambria Math" panose="02040503050406030204" pitchFamily="18" charset="0"/>
+                          </a:rPr>
+                        </m:ctrlPr>
+                      </m:fPr>
+                      <m:num>
+                        <m:r>
+                          <a:rPr lang="en-CA" sz="2000" b="0" i="1" smtClean="0">
+                            <a:latin typeface="Cambria Math" panose="02040503050406030204" pitchFamily="18" charset="0"/>
+                          </a:rPr>
+                          <m:t>𝑓</m:t>
+                        </m:r>
+                        <m:r>
+                          <a:rPr lang="en-CA" sz="2000" b="0" i="1" smtClean="0">
+                            <a:latin typeface="Cambria Math" panose="02040503050406030204" pitchFamily="18" charset="0"/>
+                          </a:rPr>
+                          <m:t>(</m:t>
+                        </m:r>
+                        <m:r>
+                          <a:rPr lang="en-CA" sz="2000" b="0" i="1" smtClean="0">
+                            <a:latin typeface="Cambria Math" panose="02040503050406030204" pitchFamily="18" charset="0"/>
+                          </a:rPr>
+                          <m:t>𝑥</m:t>
+                        </m:r>
+                        <m:r>
+                          <a:rPr lang="en-CA" sz="2000" b="0" i="1" smtClean="0">
+                            <a:latin typeface="Cambria Math" panose="02040503050406030204" pitchFamily="18" charset="0"/>
+                          </a:rPr>
+                          <m:t>)</m:t>
+                        </m:r>
+                      </m:num>
+                      <m:den>
+                        <m:sSup>
+                          <m:sSupPr>
+                            <m:ctrlPr>
+                              <a:rPr lang="en-CA" sz="2000" b="0" i="1" smtClean="0">
+                                <a:latin typeface="Cambria Math" panose="02040503050406030204" pitchFamily="18" charset="0"/>
+                              </a:rPr>
+                            </m:ctrlPr>
+                          </m:sSupPr>
+                          <m:e>
+                            <m:r>
+                              <a:rPr lang="en-CA" sz="2000" b="0" i="1" smtClean="0">
+                                <a:latin typeface="Cambria Math" panose="02040503050406030204" pitchFamily="18" charset="0"/>
+                              </a:rPr>
+                              <m:t>𝑓</m:t>
+                            </m:r>
+                          </m:e>
+                          <m:sup>
+                            <m:r>
+                              <a:rPr lang="en-CA" sz="2000" b="0" i="1" smtClean="0">
+                                <a:latin typeface="Cambria Math" panose="02040503050406030204" pitchFamily="18" charset="0"/>
+                              </a:rPr>
+                              <m:t>′</m:t>
+                            </m:r>
+                          </m:sup>
+                        </m:sSup>
+                        <m:r>
+                          <a:rPr lang="en-CA" sz="2000" b="0" i="1" smtClean="0">
+                            <a:latin typeface="Cambria Math" panose="02040503050406030204" pitchFamily="18" charset="0"/>
+                          </a:rPr>
+                          <m:t>(</m:t>
+                        </m:r>
+                        <m:r>
+                          <a:rPr lang="en-CA" sz="2000" b="0" i="1" smtClean="0">
+                            <a:latin typeface="Cambria Math" panose="02040503050406030204" pitchFamily="18" charset="0"/>
+                          </a:rPr>
+                          <m:t>𝑥</m:t>
+                        </m:r>
+                        <m:r>
+                          <a:rPr lang="en-CA" sz="2000" b="0" i="1" smtClean="0">
+                            <a:latin typeface="Cambria Math" panose="02040503050406030204" pitchFamily="18" charset="0"/>
+                          </a:rPr>
+                          <m:t>)</m:t>
+                        </m:r>
+                      </m:den>
+                    </m:f>
+                  </m:oMath>
+                </a14:m>
+                <a:endParaRPr lang="en-CA" sz="2000" dirty="0"/>
+              </a:p>
+            </p:txBody>
+          </p:sp>
+        </mc:Choice>
+        <mc:Fallback>
+          <p:sp>
+            <p:nvSpPr>
+              <p:cNvPr id="4" name="TextBox 3"/>
+              <p:cNvSpPr txBox="1">
+                <a:spLocks noRot="1" noChangeAspect="1" noMove="1" noResize="1" noEditPoints="1" noAdjustHandles="1" noChangeArrowheads="1" noChangeShapeType="1" noTextEdit="1"/>
+              </p:cNvSpPr>
+              <p:nvPr/>
+            </p:nvSpPr>
+            <p:spPr>
+              <a:xfrm>
+                <a:off x="-1" y="498379"/>
+                <a:ext cx="12053455" cy="582660"/>
+              </a:xfrm>
+              <a:prstGeom prst="rect">
+                <a:avLst/>
+              </a:prstGeom>
+              <a:blipFill>
+                <a:blip r:embed="rId3"/>
+                <a:stretch>
+                  <a:fillRect l="-506" b="-1053"/>
+                </a:stretch>
+              </a:blipFill>
+            </p:spPr>
+            <p:txBody>
+              <a:bodyPr/>
+              <a:lstStyle/>
+              <a:p>
+                <a:r>
+                  <a:rPr lang="en-CA">
                     <a:noFill/>
                   </a:rPr>
                   <a:t> </a:t>
@@ -6620,116 +8342,6 @@
     <p:extLst>
       <p:ext uri="{BB962C8B-B14F-4D97-AF65-F5344CB8AC3E}">
         <p14:creationId xmlns:p14="http://schemas.microsoft.com/office/powerpoint/2010/main" val="2953286045"/>
-      </p:ext>
-    </p:extLst>
-  </p:cSld>
-  <p:clrMapOvr>
-    <a:masterClrMapping/>
-  </p:clrMapOvr>
-  <p:timing>
-    <p:tnLst>
-      <p:par>
-        <p:cTn id="1" dur="indefinite" restart="never" nodeType="tmRoot"/>
-      </p:par>
-    </p:tnLst>
-  </p:timing>
-</p:sld>
-</file>
-
-<file path=ppt/slides/slide12.xml><?xml version="1.0" encoding="utf-8"?>
-<p:sld xmlns:a="http://schemas.openxmlformats.org/drawingml/2006/main" xmlns:r="http://schemas.openxmlformats.org/officeDocument/2006/relationships" xmlns:p="http://schemas.openxmlformats.org/presentationml/2006/main">
-  <p:cSld>
-    <p:spTree>
-      <p:nvGrpSpPr>
-        <p:cNvPr id="1" name=""/>
-        <p:cNvGrpSpPr/>
-        <p:nvPr/>
-      </p:nvGrpSpPr>
-      <p:grpSpPr>
-        <a:xfrm>
-          <a:off x="0" y="0"/>
-          <a:ext cx="0" cy="0"/>
-          <a:chOff x="0" y="0"/>
-          <a:chExt cx="0" cy="0"/>
-        </a:xfrm>
-      </p:grpSpPr>
-      <p:sp>
-        <p:nvSpPr>
-          <p:cNvPr id="2" name="Title 1">
-            <a:extLst>
-              <a:ext uri="{FF2B5EF4-FFF2-40B4-BE49-F238E27FC236}">
-                <a16:creationId xmlns:a16="http://schemas.microsoft.com/office/drawing/2014/main" id="{0579A058-A9E0-5E48-BE3B-4DB34CEB9492}"/>
-              </a:ext>
-            </a:extLst>
-          </p:cNvPr>
-          <p:cNvSpPr>
-            <a:spLocks noGrp="1"/>
-          </p:cNvSpPr>
-          <p:nvPr>
-            <p:ph type="title"/>
-          </p:nvPr>
-        </p:nvSpPr>
-        <p:spPr/>
-        <p:txBody>
-          <a:bodyPr/>
-          <a:lstStyle/>
-          <a:p>
-            <a:r>
-              <a:rPr lang="en-US" dirty="0" err="1"/>
-              <a:t>fastICA</a:t>
-            </a:r>
-            <a:r>
-              <a:rPr lang="en-US" dirty="0"/>
-              <a:t> example</a:t>
-            </a:r>
-          </a:p>
-        </p:txBody>
-      </p:sp>
-      <p:pic>
-        <p:nvPicPr>
-          <p:cNvPr id="1028" name="Picture 4" descr="http://research.ics.aalto.fi/ica/icademo/demo1.jpg"/>
-          <p:cNvPicPr>
-            <a:picLocks noChangeAspect="1" noChangeArrowheads="1"/>
-          </p:cNvPicPr>
-          <p:nvPr/>
-        </p:nvPicPr>
-        <p:blipFill>
-          <a:blip r:embed="rId2">
-            <a:extLst>
-              <a:ext uri="{28A0092B-C50C-407E-A947-70E740481C1C}">
-                <a14:useLocalDpi xmlns:a14="http://schemas.microsoft.com/office/drawing/2010/main" val="0"/>
-              </a:ext>
-            </a:extLst>
-          </a:blip>
-          <a:srcRect/>
-          <a:stretch>
-            <a:fillRect/>
-          </a:stretch>
-        </p:blipFill>
-        <p:spPr bwMode="auto">
-          <a:xfrm>
-            <a:off x="-1" y="1690689"/>
-            <a:ext cx="10727075" cy="5167312"/>
-          </a:xfrm>
-          <a:prstGeom prst="rect">
-            <a:avLst/>
-          </a:prstGeom>
-          <a:noFill/>
-          <a:extLst>
-            <a:ext uri="{909E8E84-426E-40DD-AFC4-6F175D3DCCD1}">
-              <a14:hiddenFill xmlns:a14="http://schemas.microsoft.com/office/drawing/2010/main">
-                <a:solidFill>
-                  <a:srgbClr val="FFFFFF"/>
-                </a:solidFill>
-              </a14:hiddenFill>
-            </a:ext>
-          </a:extLst>
-        </p:spPr>
-      </p:pic>
-    </p:spTree>
-    <p:extLst>
-      <p:ext uri="{BB962C8B-B14F-4D97-AF65-F5344CB8AC3E}">
-        <p14:creationId xmlns:p14="http://schemas.microsoft.com/office/powerpoint/2010/main" val="2662250480"/>
       </p:ext>
     </p:extLst>
   </p:cSld>
@@ -6797,7 +8409,7 @@
       </p:sp>
       <p:pic>
         <p:nvPicPr>
-          <p:cNvPr id="5122" name="Picture 2" descr="http://research.ics.aalto.fi/ica/icademo/demo2.jpg"/>
+          <p:cNvPr id="1028" name="Picture 4" descr="http://research.ics.aalto.fi/ica/icademo/demo1.jpg"/>
           <p:cNvPicPr>
             <a:picLocks noChangeAspect="1" noChangeArrowheads="1"/>
           </p:cNvPicPr>
@@ -6836,10 +8448,42 @@
           </a:extLst>
         </p:spPr>
       </p:pic>
+      <p:sp>
+        <p:nvSpPr>
+          <p:cNvPr id="3" name="TextBox 2"/>
+          <p:cNvSpPr txBox="1"/>
+          <p:nvPr/>
+        </p:nvSpPr>
+        <p:spPr>
+          <a:xfrm>
+            <a:off x="8118765" y="0"/>
+            <a:ext cx="4073236" cy="369332"/>
+          </a:xfrm>
+          <a:prstGeom prst="rect">
+            <a:avLst/>
+          </a:prstGeom>
+          <a:noFill/>
+        </p:spPr>
+        <p:txBody>
+          <a:bodyPr wrap="square" rtlCol="0">
+            <a:spAutoFit/>
+          </a:bodyPr>
+          <a:lstStyle/>
+          <a:p>
+            <a:r>
+              <a:rPr lang="en-CA" dirty="0">
+                <a:hlinkClick r:id="rId3"/>
+              </a:rPr>
+              <a:t>http://research.ics.aalto.fi/ica/icademo/</a:t>
+            </a:r>
+            <a:endParaRPr lang="en-CA" dirty="0"/>
+          </a:p>
+        </p:txBody>
+      </p:sp>
     </p:spTree>
     <p:extLst>
       <p:ext uri="{BB962C8B-B14F-4D97-AF65-F5344CB8AC3E}">
-        <p14:creationId xmlns:p14="http://schemas.microsoft.com/office/powerpoint/2010/main" val="3757746368"/>
+        <p14:creationId xmlns:p14="http://schemas.microsoft.com/office/powerpoint/2010/main" val="2662250480"/>
       </p:ext>
     </p:extLst>
   </p:cSld>
@@ -6907,7 +8551,7 @@
       </p:sp>
       <p:pic>
         <p:nvPicPr>
-          <p:cNvPr id="4098" name="Picture 2" descr="http://research.ics.aalto.fi/ica/icademo/demo3.jpg"/>
+          <p:cNvPr id="5122" name="Picture 2" descr="http://research.ics.aalto.fi/ica/icademo/demo2.jpg"/>
           <p:cNvPicPr>
             <a:picLocks noChangeAspect="1" noChangeArrowheads="1"/>
           </p:cNvPicPr>
@@ -6946,10 +8590,42 @@
           </a:extLst>
         </p:spPr>
       </p:pic>
+      <p:sp>
+        <p:nvSpPr>
+          <p:cNvPr id="4" name="TextBox 3"/>
+          <p:cNvSpPr txBox="1"/>
+          <p:nvPr/>
+        </p:nvSpPr>
+        <p:spPr>
+          <a:xfrm>
+            <a:off x="8118765" y="0"/>
+            <a:ext cx="4073236" cy="369332"/>
+          </a:xfrm>
+          <a:prstGeom prst="rect">
+            <a:avLst/>
+          </a:prstGeom>
+          <a:noFill/>
+        </p:spPr>
+        <p:txBody>
+          <a:bodyPr wrap="square" rtlCol="0">
+            <a:spAutoFit/>
+          </a:bodyPr>
+          <a:lstStyle/>
+          <a:p>
+            <a:r>
+              <a:rPr lang="en-CA" dirty="0">
+                <a:hlinkClick r:id="rId3"/>
+              </a:rPr>
+              <a:t>http://research.ics.aalto.fi/ica/icademo/</a:t>
+            </a:r>
+            <a:endParaRPr lang="en-CA" dirty="0"/>
+          </a:p>
+        </p:txBody>
+      </p:sp>
     </p:spTree>
     <p:extLst>
       <p:ext uri="{BB962C8B-B14F-4D97-AF65-F5344CB8AC3E}">
-        <p14:creationId xmlns:p14="http://schemas.microsoft.com/office/powerpoint/2010/main" val="3565693571"/>
+        <p14:creationId xmlns:p14="http://schemas.microsoft.com/office/powerpoint/2010/main" val="3757746368"/>
       </p:ext>
     </p:extLst>
   </p:cSld>
@@ -7017,7 +8693,7 @@
       </p:sp>
       <p:pic>
         <p:nvPicPr>
-          <p:cNvPr id="3074" name="Picture 2" descr="http://research.ics.aalto.fi/ica/icademo/demo4.jpg"/>
+          <p:cNvPr id="4098" name="Picture 2" descr="http://research.ics.aalto.fi/ica/icademo/demo3.jpg"/>
           <p:cNvPicPr>
             <a:picLocks noChangeAspect="1" noChangeArrowheads="1"/>
           </p:cNvPicPr>
@@ -7056,10 +8732,42 @@
           </a:extLst>
         </p:spPr>
       </p:pic>
+      <p:sp>
+        <p:nvSpPr>
+          <p:cNvPr id="4" name="TextBox 3"/>
+          <p:cNvSpPr txBox="1"/>
+          <p:nvPr/>
+        </p:nvSpPr>
+        <p:spPr>
+          <a:xfrm>
+            <a:off x="8118765" y="0"/>
+            <a:ext cx="4073236" cy="369332"/>
+          </a:xfrm>
+          <a:prstGeom prst="rect">
+            <a:avLst/>
+          </a:prstGeom>
+          <a:noFill/>
+        </p:spPr>
+        <p:txBody>
+          <a:bodyPr wrap="square" rtlCol="0">
+            <a:spAutoFit/>
+          </a:bodyPr>
+          <a:lstStyle/>
+          <a:p>
+            <a:r>
+              <a:rPr lang="en-CA" dirty="0">
+                <a:hlinkClick r:id="rId3"/>
+              </a:rPr>
+              <a:t>http://research.ics.aalto.fi/ica/icademo/</a:t>
+            </a:r>
+            <a:endParaRPr lang="en-CA" dirty="0"/>
+          </a:p>
+        </p:txBody>
+      </p:sp>
     </p:spTree>
     <p:extLst>
       <p:ext uri="{BB962C8B-B14F-4D97-AF65-F5344CB8AC3E}">
-        <p14:creationId xmlns:p14="http://schemas.microsoft.com/office/powerpoint/2010/main" val="906134729"/>
+        <p14:creationId xmlns:p14="http://schemas.microsoft.com/office/powerpoint/2010/main" val="3565693571"/>
       </p:ext>
     </p:extLst>
   </p:cSld>
@@ -7127,7 +8835,7 @@
       </p:sp>
       <p:pic>
         <p:nvPicPr>
-          <p:cNvPr id="2052" name="Picture 4" descr="http://research.ics.aalto.fi/ica/icademo/demo5.jpg"/>
+          <p:cNvPr id="3074" name="Picture 2" descr="http://research.ics.aalto.fi/ica/icademo/demo4.jpg"/>
           <p:cNvPicPr>
             <a:picLocks noChangeAspect="1" noChangeArrowheads="1"/>
           </p:cNvPicPr>
@@ -7166,10 +8874,42 @@
           </a:extLst>
         </p:spPr>
       </p:pic>
+      <p:sp>
+        <p:nvSpPr>
+          <p:cNvPr id="4" name="TextBox 3"/>
+          <p:cNvSpPr txBox="1"/>
+          <p:nvPr/>
+        </p:nvSpPr>
+        <p:spPr>
+          <a:xfrm>
+            <a:off x="8118765" y="0"/>
+            <a:ext cx="4073236" cy="369332"/>
+          </a:xfrm>
+          <a:prstGeom prst="rect">
+            <a:avLst/>
+          </a:prstGeom>
+          <a:noFill/>
+        </p:spPr>
+        <p:txBody>
+          <a:bodyPr wrap="square" rtlCol="0">
+            <a:spAutoFit/>
+          </a:bodyPr>
+          <a:lstStyle/>
+          <a:p>
+            <a:r>
+              <a:rPr lang="en-CA" dirty="0">
+                <a:hlinkClick r:id="rId3"/>
+              </a:rPr>
+              <a:t>http://research.ics.aalto.fi/ica/icademo/</a:t>
+            </a:r>
+            <a:endParaRPr lang="en-CA" dirty="0"/>
+          </a:p>
+        </p:txBody>
+      </p:sp>
     </p:spTree>
     <p:extLst>
       <p:ext uri="{BB962C8B-B14F-4D97-AF65-F5344CB8AC3E}">
-        <p14:creationId xmlns:p14="http://schemas.microsoft.com/office/powerpoint/2010/main" val="4037121582"/>
+        <p14:creationId xmlns:p14="http://schemas.microsoft.com/office/powerpoint/2010/main" val="906134729"/>
       </p:ext>
     </p:extLst>
   </p:cSld>
@@ -7237,6 +8977,148 @@
       </p:sp>
       <p:pic>
         <p:nvPicPr>
+          <p:cNvPr id="2052" name="Picture 4" descr="http://research.ics.aalto.fi/ica/icademo/demo5.jpg"/>
+          <p:cNvPicPr>
+            <a:picLocks noChangeAspect="1" noChangeArrowheads="1"/>
+          </p:cNvPicPr>
+          <p:nvPr/>
+        </p:nvPicPr>
+        <p:blipFill>
+          <a:blip r:embed="rId2">
+            <a:extLst>
+              <a:ext uri="{28A0092B-C50C-407E-A947-70E740481C1C}">
+                <a14:useLocalDpi xmlns:a14="http://schemas.microsoft.com/office/drawing/2010/main" val="0"/>
+              </a:ext>
+            </a:extLst>
+          </a:blip>
+          <a:srcRect/>
+          <a:stretch>
+            <a:fillRect/>
+          </a:stretch>
+        </p:blipFill>
+        <p:spPr bwMode="auto">
+          <a:xfrm>
+            <a:off x="-1" y="1690689"/>
+            <a:ext cx="10727075" cy="5167312"/>
+          </a:xfrm>
+          <a:prstGeom prst="rect">
+            <a:avLst/>
+          </a:prstGeom>
+          <a:noFill/>
+          <a:extLst>
+            <a:ext uri="{909E8E84-426E-40DD-AFC4-6F175D3DCCD1}">
+              <a14:hiddenFill xmlns:a14="http://schemas.microsoft.com/office/drawing/2010/main">
+                <a:solidFill>
+                  <a:srgbClr val="FFFFFF"/>
+                </a:solidFill>
+              </a14:hiddenFill>
+            </a:ext>
+          </a:extLst>
+        </p:spPr>
+      </p:pic>
+      <p:sp>
+        <p:nvSpPr>
+          <p:cNvPr id="4" name="TextBox 3"/>
+          <p:cNvSpPr txBox="1"/>
+          <p:nvPr/>
+        </p:nvSpPr>
+        <p:spPr>
+          <a:xfrm>
+            <a:off x="8118765" y="0"/>
+            <a:ext cx="4073236" cy="369332"/>
+          </a:xfrm>
+          <a:prstGeom prst="rect">
+            <a:avLst/>
+          </a:prstGeom>
+          <a:noFill/>
+        </p:spPr>
+        <p:txBody>
+          <a:bodyPr wrap="square" rtlCol="0">
+            <a:spAutoFit/>
+          </a:bodyPr>
+          <a:lstStyle/>
+          <a:p>
+            <a:r>
+              <a:rPr lang="en-CA" dirty="0">
+                <a:hlinkClick r:id="rId3"/>
+              </a:rPr>
+              <a:t>http://research.ics.aalto.fi/ica/icademo/</a:t>
+            </a:r>
+            <a:endParaRPr lang="en-CA" dirty="0"/>
+          </a:p>
+        </p:txBody>
+      </p:sp>
+    </p:spTree>
+    <p:extLst>
+      <p:ext uri="{BB962C8B-B14F-4D97-AF65-F5344CB8AC3E}">
+        <p14:creationId xmlns:p14="http://schemas.microsoft.com/office/powerpoint/2010/main" val="4037121582"/>
+      </p:ext>
+    </p:extLst>
+  </p:cSld>
+  <p:clrMapOvr>
+    <a:masterClrMapping/>
+  </p:clrMapOvr>
+  <p:timing>
+    <p:tnLst>
+      <p:par>
+        <p:cTn id="1" dur="indefinite" restart="never" nodeType="tmRoot"/>
+      </p:par>
+    </p:tnLst>
+  </p:timing>
+</p:sld>
+</file>
+
+<file path=ppt/slides/slide18.xml><?xml version="1.0" encoding="utf-8"?>
+<p:sld xmlns:a="http://schemas.openxmlformats.org/drawingml/2006/main" xmlns:r="http://schemas.openxmlformats.org/officeDocument/2006/relationships" xmlns:p="http://schemas.openxmlformats.org/presentationml/2006/main">
+  <p:cSld>
+    <p:spTree>
+      <p:nvGrpSpPr>
+        <p:cNvPr id="1" name=""/>
+        <p:cNvGrpSpPr/>
+        <p:nvPr/>
+      </p:nvGrpSpPr>
+      <p:grpSpPr>
+        <a:xfrm>
+          <a:off x="0" y="0"/>
+          <a:ext cx="0" cy="0"/>
+          <a:chOff x="0" y="0"/>
+          <a:chExt cx="0" cy="0"/>
+        </a:xfrm>
+      </p:grpSpPr>
+      <p:sp>
+        <p:nvSpPr>
+          <p:cNvPr id="2" name="Title 1">
+            <a:extLst>
+              <a:ext uri="{FF2B5EF4-FFF2-40B4-BE49-F238E27FC236}">
+                <a16:creationId xmlns:a16="http://schemas.microsoft.com/office/drawing/2014/main" id="{0579A058-A9E0-5E48-BE3B-4DB34CEB9492}"/>
+              </a:ext>
+            </a:extLst>
+          </p:cNvPr>
+          <p:cNvSpPr>
+            <a:spLocks noGrp="1"/>
+          </p:cNvSpPr>
+          <p:nvPr>
+            <p:ph type="title"/>
+          </p:nvPr>
+        </p:nvSpPr>
+        <p:spPr/>
+        <p:txBody>
+          <a:bodyPr/>
+          <a:lstStyle/>
+          <a:p>
+            <a:r>
+              <a:rPr lang="en-US" dirty="0" err="1"/>
+              <a:t>fastICA</a:t>
+            </a:r>
+            <a:r>
+              <a:rPr lang="en-US" dirty="0"/>
+              <a:t> example</a:t>
+            </a:r>
+          </a:p>
+        </p:txBody>
+      </p:sp>
+      <p:pic>
+        <p:nvPicPr>
           <p:cNvPr id="6146" name="Picture 2" descr="http://research.ics.aalto.fi/ica/icademo/demo6.jpg"/>
           <p:cNvPicPr>
             <a:picLocks noChangeAspect="1" noChangeArrowheads="1"/>
@@ -7276,6 +9158,38 @@
           </a:extLst>
         </p:spPr>
       </p:pic>
+      <p:sp>
+        <p:nvSpPr>
+          <p:cNvPr id="4" name="TextBox 3"/>
+          <p:cNvSpPr txBox="1"/>
+          <p:nvPr/>
+        </p:nvSpPr>
+        <p:spPr>
+          <a:xfrm>
+            <a:off x="8118765" y="0"/>
+            <a:ext cx="4073236" cy="369332"/>
+          </a:xfrm>
+          <a:prstGeom prst="rect">
+            <a:avLst/>
+          </a:prstGeom>
+          <a:noFill/>
+        </p:spPr>
+        <p:txBody>
+          <a:bodyPr wrap="square" rtlCol="0">
+            <a:spAutoFit/>
+          </a:bodyPr>
+          <a:lstStyle/>
+          <a:p>
+            <a:r>
+              <a:rPr lang="en-CA" dirty="0">
+                <a:hlinkClick r:id="rId3"/>
+              </a:rPr>
+              <a:t>http://research.ics.aalto.fi/ica/icademo/</a:t>
+            </a:r>
+            <a:endParaRPr lang="en-CA" dirty="0"/>
+          </a:p>
+        </p:txBody>
+      </p:sp>
     </p:spTree>
     <p:extLst>
       <p:ext uri="{BB962C8B-B14F-4D97-AF65-F5344CB8AC3E}">
@@ -7296,7 +9210,7 @@
 </p:sld>
 </file>
 
-<file path=ppt/slides/slide18.xml><?xml version="1.0" encoding="utf-8"?>
+<file path=ppt/slides/slide19.xml><?xml version="1.0" encoding="utf-8"?>
 <p:sld xmlns:a="http://schemas.openxmlformats.org/drawingml/2006/main" xmlns:r="http://schemas.openxmlformats.org/officeDocument/2006/relationships" xmlns:p="http://schemas.openxmlformats.org/presentationml/2006/main">
   <p:cSld>
     <p:spTree>
@@ -7724,7 +9638,128 @@
 </p:sld>
 </file>
 
-<file path=ppt/slides/slide19.xml><?xml version="1.0" encoding="utf-8"?>
+<file path=ppt/slides/slide2.xml><?xml version="1.0" encoding="utf-8"?>
+<p:sld xmlns:a="http://schemas.openxmlformats.org/drawingml/2006/main" xmlns:r="http://schemas.openxmlformats.org/officeDocument/2006/relationships" xmlns:p="http://schemas.openxmlformats.org/presentationml/2006/main">
+  <p:cSld>
+    <p:spTree>
+      <p:nvGrpSpPr>
+        <p:cNvPr id="1" name=""/>
+        <p:cNvGrpSpPr/>
+        <p:nvPr/>
+      </p:nvGrpSpPr>
+      <p:grpSpPr>
+        <a:xfrm>
+          <a:off x="0" y="0"/>
+          <a:ext cx="0" cy="0"/>
+          <a:chOff x="0" y="0"/>
+          <a:chExt cx="0" cy="0"/>
+        </a:xfrm>
+      </p:grpSpPr>
+      <p:sp>
+        <p:nvSpPr>
+          <p:cNvPr id="2" name="Title 1">
+            <a:extLst>
+              <a:ext uri="{FF2B5EF4-FFF2-40B4-BE49-F238E27FC236}">
+                <a16:creationId xmlns:a16="http://schemas.microsoft.com/office/drawing/2014/main" id="{4CA2B436-676D-BC47-A605-CC529940B4DF}"/>
+              </a:ext>
+            </a:extLst>
+          </p:cNvPr>
+          <p:cNvSpPr>
+            <a:spLocks noGrp="1"/>
+          </p:cNvSpPr>
+          <p:nvPr>
+            <p:ph type="title"/>
+          </p:nvPr>
+        </p:nvSpPr>
+        <p:spPr/>
+        <p:txBody>
+          <a:bodyPr/>
+          <a:lstStyle/>
+          <a:p>
+            <a:r>
+              <a:rPr lang="en-US" dirty="0"/>
+              <a:t>Administrative slide</a:t>
+            </a:r>
+          </a:p>
+        </p:txBody>
+      </p:sp>
+      <p:sp>
+        <p:nvSpPr>
+          <p:cNvPr id="3" name="Content Placeholder 2">
+            <a:extLst>
+              <a:ext uri="{FF2B5EF4-FFF2-40B4-BE49-F238E27FC236}">
+                <a16:creationId xmlns:a16="http://schemas.microsoft.com/office/drawing/2014/main" id="{61FD0D58-4150-A74C-A537-CAE47C822027}"/>
+              </a:ext>
+            </a:extLst>
+          </p:cNvPr>
+          <p:cNvSpPr>
+            <a:spLocks noGrp="1"/>
+          </p:cNvSpPr>
+          <p:nvPr>
+            <p:ph idx="1"/>
+          </p:nvPr>
+        </p:nvSpPr>
+        <p:spPr>
+          <a:xfrm>
+            <a:off x="838199" y="1825625"/>
+            <a:ext cx="6661935" cy="4351338"/>
+          </a:xfrm>
+        </p:spPr>
+        <p:txBody>
+          <a:bodyPr/>
+          <a:lstStyle/>
+          <a:p>
+            <a:r>
+              <a:rPr lang="en-US" dirty="0"/>
+              <a:t>Midterm</a:t>
+            </a:r>
+          </a:p>
+          <a:p>
+            <a:r>
+              <a:rPr lang="en-US" dirty="0"/>
+              <a:t>Assignment 2</a:t>
+            </a:r>
+          </a:p>
+          <a:p>
+            <a:r>
+              <a:rPr lang="en-US" dirty="0"/>
+              <a:t>Assignment 3 + final project</a:t>
+            </a:r>
+          </a:p>
+          <a:p>
+            <a:r>
+              <a:rPr lang="en-US" dirty="0"/>
+              <a:t>Python </a:t>
+            </a:r>
+            <a:r>
+              <a:rPr lang="en-US" dirty="0" smtClean="0"/>
+              <a:t>demonstrations?</a:t>
+            </a:r>
+            <a:endParaRPr lang="en-US" dirty="0"/>
+          </a:p>
+        </p:txBody>
+      </p:sp>
+    </p:spTree>
+    <p:extLst>
+      <p:ext uri="{BB962C8B-B14F-4D97-AF65-F5344CB8AC3E}">
+        <p14:creationId xmlns:p14="http://schemas.microsoft.com/office/powerpoint/2010/main" val="2821845064"/>
+      </p:ext>
+    </p:extLst>
+  </p:cSld>
+  <p:clrMapOvr>
+    <a:masterClrMapping/>
+  </p:clrMapOvr>
+  <p:timing>
+    <p:tnLst>
+      <p:par>
+        <p:cTn id="1" dur="indefinite" restart="never" nodeType="tmRoot"/>
+      </p:par>
+    </p:tnLst>
+  </p:timing>
+</p:sld>
+</file>
+
+<file path=ppt/slides/slide20.xml><?xml version="1.0" encoding="utf-8"?>
 <p:sld xmlns:a="http://schemas.openxmlformats.org/drawingml/2006/main" xmlns:r="http://schemas.openxmlformats.org/officeDocument/2006/relationships" xmlns:p="http://schemas.openxmlformats.org/presentationml/2006/main">
   <p:cSld>
     <p:spTree>
@@ -7929,128 +9964,7 @@
 </p:sld>
 </file>
 
-<file path=ppt/slides/slide2.xml><?xml version="1.0" encoding="utf-8"?>
-<p:sld xmlns:a="http://schemas.openxmlformats.org/drawingml/2006/main" xmlns:r="http://schemas.openxmlformats.org/officeDocument/2006/relationships" xmlns:p="http://schemas.openxmlformats.org/presentationml/2006/main">
-  <p:cSld>
-    <p:spTree>
-      <p:nvGrpSpPr>
-        <p:cNvPr id="1" name=""/>
-        <p:cNvGrpSpPr/>
-        <p:nvPr/>
-      </p:nvGrpSpPr>
-      <p:grpSpPr>
-        <a:xfrm>
-          <a:off x="0" y="0"/>
-          <a:ext cx="0" cy="0"/>
-          <a:chOff x="0" y="0"/>
-          <a:chExt cx="0" cy="0"/>
-        </a:xfrm>
-      </p:grpSpPr>
-      <p:sp>
-        <p:nvSpPr>
-          <p:cNvPr id="2" name="Title 1">
-            <a:extLst>
-              <a:ext uri="{FF2B5EF4-FFF2-40B4-BE49-F238E27FC236}">
-                <a16:creationId xmlns:a16="http://schemas.microsoft.com/office/drawing/2014/main" id="{4CA2B436-676D-BC47-A605-CC529940B4DF}"/>
-              </a:ext>
-            </a:extLst>
-          </p:cNvPr>
-          <p:cNvSpPr>
-            <a:spLocks noGrp="1"/>
-          </p:cNvSpPr>
-          <p:nvPr>
-            <p:ph type="title"/>
-          </p:nvPr>
-        </p:nvSpPr>
-        <p:spPr/>
-        <p:txBody>
-          <a:bodyPr/>
-          <a:lstStyle/>
-          <a:p>
-            <a:r>
-              <a:rPr lang="en-US" dirty="0"/>
-              <a:t>Administrative slide</a:t>
-            </a:r>
-          </a:p>
-        </p:txBody>
-      </p:sp>
-      <p:sp>
-        <p:nvSpPr>
-          <p:cNvPr id="3" name="Content Placeholder 2">
-            <a:extLst>
-              <a:ext uri="{FF2B5EF4-FFF2-40B4-BE49-F238E27FC236}">
-                <a16:creationId xmlns:a16="http://schemas.microsoft.com/office/drawing/2014/main" id="{61FD0D58-4150-A74C-A537-CAE47C822027}"/>
-              </a:ext>
-            </a:extLst>
-          </p:cNvPr>
-          <p:cNvSpPr>
-            <a:spLocks noGrp="1"/>
-          </p:cNvSpPr>
-          <p:nvPr>
-            <p:ph idx="1"/>
-          </p:nvPr>
-        </p:nvSpPr>
-        <p:spPr>
-          <a:xfrm>
-            <a:off x="838199" y="1825625"/>
-            <a:ext cx="6661935" cy="4351338"/>
-          </a:xfrm>
-        </p:spPr>
-        <p:txBody>
-          <a:bodyPr/>
-          <a:lstStyle/>
-          <a:p>
-            <a:r>
-              <a:rPr lang="en-US" dirty="0"/>
-              <a:t>Midterm</a:t>
-            </a:r>
-          </a:p>
-          <a:p>
-            <a:r>
-              <a:rPr lang="en-US" dirty="0"/>
-              <a:t>Assignment 2</a:t>
-            </a:r>
-          </a:p>
-          <a:p>
-            <a:r>
-              <a:rPr lang="en-US" dirty="0"/>
-              <a:t>Assignment 3 + final project</a:t>
-            </a:r>
-          </a:p>
-          <a:p>
-            <a:r>
-              <a:rPr lang="en-US" dirty="0"/>
-              <a:t>Python </a:t>
-            </a:r>
-            <a:r>
-              <a:rPr lang="en-US" dirty="0" smtClean="0"/>
-              <a:t>demonstrations?</a:t>
-            </a:r>
-            <a:endParaRPr lang="en-US" dirty="0"/>
-          </a:p>
-        </p:txBody>
-      </p:sp>
-    </p:spTree>
-    <p:extLst>
-      <p:ext uri="{BB962C8B-B14F-4D97-AF65-F5344CB8AC3E}">
-        <p14:creationId xmlns:p14="http://schemas.microsoft.com/office/powerpoint/2010/main" val="2821845064"/>
-      </p:ext>
-    </p:extLst>
-  </p:cSld>
-  <p:clrMapOvr>
-    <a:masterClrMapping/>
-  </p:clrMapOvr>
-  <p:timing>
-    <p:tnLst>
-      <p:par>
-        <p:cTn id="1" dur="indefinite" restart="never" nodeType="tmRoot"/>
-      </p:par>
-    </p:tnLst>
-  </p:timing>
-</p:sld>
-</file>
-
-<file path=ppt/slides/slide20.xml><?xml version="1.0" encoding="utf-8"?>
+<file path=ppt/slides/slide21.xml><?xml version="1.0" encoding="utf-8"?>
 <p:sld xmlns:a="http://schemas.openxmlformats.org/drawingml/2006/main" xmlns:r="http://schemas.openxmlformats.org/officeDocument/2006/relationships" xmlns:p="http://schemas.openxmlformats.org/presentationml/2006/main">
   <p:cSld>
     <p:spTree>
@@ -8159,7 +10073,7 @@
 </p:sld>
 </file>
 
-<file path=ppt/slides/slide21.xml><?xml version="1.0" encoding="utf-8"?>
+<file path=ppt/slides/slide22.xml><?xml version="1.0" encoding="utf-8"?>
 <p:sld xmlns:a="http://schemas.openxmlformats.org/drawingml/2006/main" xmlns:r="http://schemas.openxmlformats.org/officeDocument/2006/relationships" xmlns:p="http://schemas.openxmlformats.org/presentationml/2006/main">
   <p:cSld>
     <p:spTree>
@@ -8316,7 +10230,7 @@
 </p:sld>
 </file>
 
-<file path=ppt/slides/slide22.xml><?xml version="1.0" encoding="utf-8"?>
+<file path=ppt/slides/slide23.xml><?xml version="1.0" encoding="utf-8"?>
 <p:sld xmlns:a="http://schemas.openxmlformats.org/drawingml/2006/main" xmlns:r="http://schemas.openxmlformats.org/officeDocument/2006/relationships" xmlns:p="http://schemas.openxmlformats.org/presentationml/2006/main">
   <p:cSld>
     <p:spTree>
@@ -8513,7 +10427,7 @@
 </p:sld>
 </file>
 
-<file path=ppt/slides/slide23.xml><?xml version="1.0" encoding="utf-8"?>
+<file path=ppt/slides/slide24.xml><?xml version="1.0" encoding="utf-8"?>
 <p:sld xmlns:a="http://schemas.openxmlformats.org/drawingml/2006/main" xmlns:r="http://schemas.openxmlformats.org/officeDocument/2006/relationships" xmlns:p="http://schemas.openxmlformats.org/presentationml/2006/main">
   <p:cSld>
     <p:spTree>
@@ -8622,7 +10536,7 @@
 </p:sld>
 </file>
 
-<file path=ppt/slides/slide24.xml><?xml version="1.0" encoding="utf-8"?>
+<file path=ppt/slides/slide25.xml><?xml version="1.0" encoding="utf-8"?>
 <p:sld xmlns:a="http://schemas.openxmlformats.org/drawingml/2006/main" xmlns:r="http://schemas.openxmlformats.org/officeDocument/2006/relationships" xmlns:p="http://schemas.openxmlformats.org/presentationml/2006/main">
   <p:cSld>
     <p:spTree>
@@ -8825,7 +10739,7 @@
 </p:sld>
 </file>
 
-<file path=ppt/slides/slide25.xml><?xml version="1.0" encoding="utf-8"?>
+<file path=ppt/slides/slide26.xml><?xml version="1.0" encoding="utf-8"?>
 <p:sld xmlns:a="http://schemas.openxmlformats.org/drawingml/2006/main" xmlns:r="http://schemas.openxmlformats.org/officeDocument/2006/relationships" xmlns:p="http://schemas.openxmlformats.org/presentationml/2006/main">
   <p:cSld>
     <p:spTree>
@@ -8864,7 +10778,15 @@
           <a:p>
             <a:r>
               <a:rPr lang="en-CA" dirty="0" smtClean="0"/>
-              <a:t>EEG measures summed neuronal activity controlled by independent modulators</a:t>
+              <a:t>EEG measures summed neuronal activity </a:t>
+            </a:r>
+            <a:r>
+              <a:rPr lang="en-CA" dirty="0" smtClean="0"/>
+              <a:t>influenced </a:t>
+            </a:r>
+            <a:r>
+              <a:rPr lang="en-CA" dirty="0" smtClean="0"/>
+              <a:t>by independent modulators</a:t>
             </a:r>
             <a:endParaRPr lang="en-CA" dirty="0"/>
           </a:p>
@@ -9004,7 +10926,7 @@
 </p:sld>
 </file>
 
-<file path=ppt/slides/slide26.xml><?xml version="1.0" encoding="utf-8"?>
+<file path=ppt/slides/slide27.xml><?xml version="1.0" encoding="utf-8"?>
 <p:sld xmlns:a="http://schemas.openxmlformats.org/drawingml/2006/main" xmlns:r="http://schemas.openxmlformats.org/officeDocument/2006/relationships" xmlns:p="http://schemas.openxmlformats.org/presentationml/2006/main">
   <p:cSld>
     <p:spTree>
@@ -9155,7 +11077,7 @@
 </p:sld>
 </file>
 
-<file path=ppt/slides/slide27.xml><?xml version="1.0" encoding="utf-8"?>
+<file path=ppt/slides/slide28.xml><?xml version="1.0" encoding="utf-8"?>
 <p:sld xmlns:a="http://schemas.openxmlformats.org/drawingml/2006/main" xmlns:r="http://schemas.openxmlformats.org/officeDocument/2006/relationships" xmlns:p="http://schemas.openxmlformats.org/presentationml/2006/main">
   <p:cSld>
     <p:spTree>
@@ -9331,7 +11253,7 @@
 </p:sld>
 </file>
 
-<file path=ppt/slides/slide28.xml><?xml version="1.0" encoding="utf-8"?>
+<file path=ppt/slides/slide29.xml><?xml version="1.0" encoding="utf-8"?>
 <p:sld xmlns:a="http://schemas.openxmlformats.org/drawingml/2006/main" xmlns:r="http://schemas.openxmlformats.org/officeDocument/2006/relationships" xmlns:p="http://schemas.openxmlformats.org/presentationml/2006/main">
   <p:cSld>
     <p:spTree>
@@ -9615,6 +11537,129 @@
       </p:grpSpPr>
       <p:sp>
         <p:nvSpPr>
+          <p:cNvPr id="2" name="Title 1"/>
+          <p:cNvSpPr>
+            <a:spLocks noGrp="1"/>
+          </p:cNvSpPr>
+          <p:nvPr>
+            <p:ph type="title"/>
+          </p:nvPr>
+        </p:nvSpPr>
+        <p:spPr>
+          <a:xfrm>
+            <a:off x="0" y="9382"/>
+            <a:ext cx="10515600" cy="618548"/>
+          </a:xfrm>
+        </p:spPr>
+        <p:txBody>
+          <a:bodyPr>
+            <a:normAutofit fontScale="90000"/>
+          </a:bodyPr>
+          <a:lstStyle/>
+          <a:p>
+            <a:r>
+              <a:rPr lang="en-CA" dirty="0" smtClean="0"/>
+              <a:t>The power of ICA</a:t>
+            </a:r>
+            <a:endParaRPr lang="en-CA" dirty="0"/>
+          </a:p>
+        </p:txBody>
+      </p:sp>
+      <p:pic>
+        <p:nvPicPr>
+          <p:cNvPr id="4" name="Picture 3"/>
+          <p:cNvPicPr>
+            <a:picLocks noChangeAspect="1"/>
+          </p:cNvPicPr>
+          <p:nvPr/>
+        </p:nvPicPr>
+        <p:blipFill>
+          <a:blip r:embed="rId2"/>
+          <a:stretch>
+            <a:fillRect/>
+          </a:stretch>
+        </p:blipFill>
+        <p:spPr>
+          <a:xfrm>
+            <a:off x="0" y="572510"/>
+            <a:ext cx="12105881" cy="6230070"/>
+          </a:xfrm>
+          <a:prstGeom prst="rect">
+            <a:avLst/>
+          </a:prstGeom>
+        </p:spPr>
+      </p:pic>
+      <p:sp>
+        <p:nvSpPr>
+          <p:cNvPr id="5" name="TextBox 4"/>
+          <p:cNvSpPr txBox="1"/>
+          <p:nvPr/>
+        </p:nvSpPr>
+        <p:spPr>
+          <a:xfrm>
+            <a:off x="4087091" y="9382"/>
+            <a:ext cx="8104909" cy="400110"/>
+          </a:xfrm>
+          <a:prstGeom prst="rect">
+            <a:avLst/>
+          </a:prstGeom>
+          <a:noFill/>
+        </p:spPr>
+        <p:txBody>
+          <a:bodyPr wrap="square" rtlCol="0">
+            <a:spAutoFit/>
+          </a:bodyPr>
+          <a:lstStyle/>
+          <a:p>
+            <a:r>
+              <a:rPr lang="en-CA" sz="1000" dirty="0">
+                <a:hlinkClick r:id="rId3"/>
+              </a:rPr>
+              <a:t>https://scikit-learn.org/stable/auto_examples/decomposition/plot_ica_blind_source_separation.html#sphx-glr-auto-examples-decomposition-plot-ica-blind-source-separation-py</a:t>
+            </a:r>
+            <a:endParaRPr lang="en-CA" sz="1000" dirty="0"/>
+          </a:p>
+        </p:txBody>
+      </p:sp>
+    </p:spTree>
+    <p:extLst>
+      <p:ext uri="{BB962C8B-B14F-4D97-AF65-F5344CB8AC3E}">
+        <p14:creationId xmlns:p14="http://schemas.microsoft.com/office/powerpoint/2010/main" val="2694979176"/>
+      </p:ext>
+    </p:extLst>
+  </p:cSld>
+  <p:clrMapOvr>
+    <a:masterClrMapping/>
+  </p:clrMapOvr>
+  <p:timing>
+    <p:tnLst>
+      <p:par>
+        <p:cTn id="1" dur="indefinite" restart="never" nodeType="tmRoot"/>
+      </p:par>
+    </p:tnLst>
+  </p:timing>
+</p:sld>
+</file>
+
+<file path=ppt/slides/slide5.xml><?xml version="1.0" encoding="utf-8"?>
+<p:sld xmlns:a="http://schemas.openxmlformats.org/drawingml/2006/main" xmlns:r="http://schemas.openxmlformats.org/officeDocument/2006/relationships" xmlns:p="http://schemas.openxmlformats.org/presentationml/2006/main">
+  <p:cSld>
+    <p:spTree>
+      <p:nvGrpSpPr>
+        <p:cNvPr id="1" name=""/>
+        <p:cNvGrpSpPr/>
+        <p:nvPr/>
+      </p:nvGrpSpPr>
+      <p:grpSpPr>
+        <a:xfrm>
+          <a:off x="0" y="0"/>
+          <a:ext cx="0" cy="0"/>
+          <a:chOff x="0" y="0"/>
+          <a:chExt cx="0" cy="0"/>
+        </a:xfrm>
+      </p:grpSpPr>
+      <p:sp>
+        <p:nvSpPr>
           <p:cNvPr id="2" name="Title 1">
             <a:extLst>
               <a:ext uri="{FF2B5EF4-FFF2-40B4-BE49-F238E27FC236}">
@@ -10383,7 +12428,7 @@
 </p:sld>
 </file>
 
-<file path=ppt/slides/slide5.xml><?xml version="1.0" encoding="utf-8"?>
+<file path=ppt/slides/slide6.xml><?xml version="1.0" encoding="utf-8"?>
 <p:sld xmlns:a="http://schemas.openxmlformats.org/drawingml/2006/main" xmlns:r="http://schemas.openxmlformats.org/officeDocument/2006/relationships" xmlns:p="http://schemas.openxmlformats.org/presentationml/2006/main">
   <p:cSld>
     <p:spTree>
@@ -10705,7 +12750,7 @@
 </p:sld>
 </file>
 
-<file path=ppt/slides/slide6.xml><?xml version="1.0" encoding="utf-8"?>
+<file path=ppt/slides/slide7.xml><?xml version="1.0" encoding="utf-8"?>
 <p:sld xmlns:a="http://schemas.openxmlformats.org/drawingml/2006/main" xmlns:r="http://schemas.openxmlformats.org/officeDocument/2006/relationships" xmlns:p="http://schemas.openxmlformats.org/presentationml/2006/main">
   <p:cSld>
     <p:spTree>
@@ -10767,8 +12812,8 @@
           </a:p>
         </p:txBody>
       </p:sp>
-      <mc:AlternateContent xmlns:mc="http://schemas.openxmlformats.org/markup-compatibility/2006">
-        <mc:Choice xmlns:a14="http://schemas.microsoft.com/office/drawing/2010/main" Requires="a14">
+      <mc:AlternateContent xmlns:mc="http://schemas.openxmlformats.org/markup-compatibility/2006" xmlns:a14="http://schemas.microsoft.com/office/drawing/2010/main">
+        <mc:Choice Requires="a14">
           <p:sp>
             <p:nvSpPr>
               <p:cNvPr id="3" name="Content Placeholder 2">
@@ -11128,7 +13173,7 @@
             </p:txBody>
           </p:sp>
         </mc:Choice>
-        <mc:Fallback>
+        <mc:Fallback xmlns="">
           <p:sp>
             <p:nvSpPr>
               <p:cNvPr id="3" name="Content Placeholder 2">
@@ -11192,7 +13237,7 @@
 </p:sld>
 </file>
 
-<file path=ppt/slides/slide7.xml><?xml version="1.0" encoding="utf-8"?>
+<file path=ppt/slides/slide8.xml><?xml version="1.0" encoding="utf-8"?>
 <p:sld xmlns:a="http://schemas.openxmlformats.org/drawingml/2006/main" xmlns:r="http://schemas.openxmlformats.org/officeDocument/2006/relationships" xmlns:p="http://schemas.openxmlformats.org/presentationml/2006/main">
   <p:cSld>
     <p:spTree>
@@ -11433,7 +13478,7 @@
 </p:sld>
 </file>
 
-<file path=ppt/slides/slide8.xml><?xml version="1.0" encoding="utf-8"?>
+<file path=ppt/slides/slide9.xml><?xml version="1.0" encoding="utf-8"?>
 <p:sld xmlns:a="http://schemas.openxmlformats.org/drawingml/2006/main" xmlns:r="http://schemas.openxmlformats.org/officeDocument/2006/relationships" xmlns:p="http://schemas.openxmlformats.org/presentationml/2006/main">
   <p:cSld>
     <p:spTree>
@@ -12161,1428 +14206,6 @@
     <p:extLst>
       <p:ext uri="{BB962C8B-B14F-4D97-AF65-F5344CB8AC3E}">
         <p14:creationId xmlns:p14="http://schemas.microsoft.com/office/powerpoint/2010/main" val="2785019784"/>
-      </p:ext>
-    </p:extLst>
-  </p:cSld>
-  <p:clrMapOvr>
-    <a:masterClrMapping/>
-  </p:clrMapOvr>
-  <p:timing>
-    <p:tnLst>
-      <p:par>
-        <p:cTn id="1" dur="indefinite" restart="never" nodeType="tmRoot"/>
-      </p:par>
-    </p:tnLst>
-  </p:timing>
-</p:sld>
-</file>
-
-<file path=ppt/slides/slide9.xml><?xml version="1.0" encoding="utf-8"?>
-<p:sld xmlns:a="http://schemas.openxmlformats.org/drawingml/2006/main" xmlns:r="http://schemas.openxmlformats.org/officeDocument/2006/relationships" xmlns:p="http://schemas.openxmlformats.org/presentationml/2006/main">
-  <p:cSld>
-    <p:spTree>
-      <p:nvGrpSpPr>
-        <p:cNvPr id="1" name=""/>
-        <p:cNvGrpSpPr/>
-        <p:nvPr/>
-      </p:nvGrpSpPr>
-      <p:grpSpPr>
-        <a:xfrm>
-          <a:off x="0" y="0"/>
-          <a:ext cx="0" cy="0"/>
-          <a:chOff x="0" y="0"/>
-          <a:chExt cx="0" cy="0"/>
-        </a:xfrm>
-      </p:grpSpPr>
-      <p:sp>
-        <p:nvSpPr>
-          <p:cNvPr id="2" name="Title 1">
-            <a:extLst>
-              <a:ext uri="{FF2B5EF4-FFF2-40B4-BE49-F238E27FC236}">
-                <a16:creationId xmlns:a16="http://schemas.microsoft.com/office/drawing/2014/main" id="{08832DF7-5CE2-D641-AB14-53D26CA1DCA9}"/>
-              </a:ext>
-            </a:extLst>
-          </p:cNvPr>
-          <p:cNvSpPr>
-            <a:spLocks noGrp="1"/>
-          </p:cNvSpPr>
-          <p:nvPr>
-            <p:ph type="title"/>
-          </p:nvPr>
-        </p:nvSpPr>
-        <p:spPr>
-          <a:xfrm>
-            <a:off x="0" y="0"/>
-            <a:ext cx="10515600" cy="995842"/>
-          </a:xfrm>
-        </p:spPr>
-        <p:txBody>
-          <a:bodyPr/>
-          <a:lstStyle/>
-          <a:p>
-            <a:r>
-              <a:rPr lang="en-US" dirty="0"/>
-              <a:t>Quantifying non-</a:t>
-            </a:r>
-            <a:r>
-              <a:rPr lang="en-US" dirty="0" err="1"/>
-              <a:t>Gaussianity</a:t>
-            </a:r>
-            <a:r>
-              <a:rPr lang="en-US" dirty="0"/>
-              <a:t>: Negentropy</a:t>
-            </a:r>
-          </a:p>
-        </p:txBody>
-      </p:sp>
-      <mc:AlternateContent xmlns:mc="http://schemas.openxmlformats.org/markup-compatibility/2006" xmlns:a14="http://schemas.microsoft.com/office/drawing/2010/main">
-        <mc:Choice Requires="a14">
-          <p:sp>
-            <p:nvSpPr>
-              <p:cNvPr id="3" name="Content Placeholder 2">
-                <a:extLst>
-                  <a:ext uri="{FF2B5EF4-FFF2-40B4-BE49-F238E27FC236}">
-                    <a16:creationId xmlns:a16="http://schemas.microsoft.com/office/drawing/2014/main" id="{CEC70E31-34AB-2F43-811E-0A215FEECB52}"/>
-                  </a:ext>
-                </a:extLst>
-              </p:cNvPr>
-              <p:cNvSpPr>
-                <a:spLocks noGrp="1"/>
-              </p:cNvSpPr>
-              <p:nvPr>
-                <p:ph idx="1"/>
-              </p:nvPr>
-            </p:nvSpPr>
-            <p:spPr>
-              <a:xfrm>
-                <a:off x="0" y="732721"/>
-                <a:ext cx="12192000" cy="6125279"/>
-              </a:xfrm>
-            </p:spPr>
-            <p:txBody>
-              <a:bodyPr/>
-              <a:lstStyle/>
-              <a:p>
-                <a:r>
-                  <a:rPr lang="en-US" dirty="0" smtClean="0"/>
-                  <a:t>The entropy of a continuous random variable </a:t>
-                </a:r>
-                <a14:m>
-                  <m:oMath xmlns:m="http://schemas.openxmlformats.org/officeDocument/2006/math">
-                    <m:r>
-                      <a:rPr lang="en-US" b="0" i="1" smtClean="0">
-                        <a:latin typeface="Cambria Math" panose="02040503050406030204" pitchFamily="18" charset="0"/>
-                      </a:rPr>
-                      <m:t>𝑦</m:t>
-                    </m:r>
-                  </m:oMath>
-                </a14:m>
-                <a:r>
-                  <a:rPr lang="en-US" dirty="0"/>
-                  <a:t> with density function </a:t>
-                </a:r>
-                <a14:m>
-                  <m:oMath xmlns:m="http://schemas.openxmlformats.org/officeDocument/2006/math">
-                    <m:r>
-                      <a:rPr lang="en-US" b="0" i="1" smtClean="0">
-                        <a:latin typeface="Cambria Math" panose="02040503050406030204" pitchFamily="18" charset="0"/>
-                      </a:rPr>
-                      <m:t>𝑝</m:t>
-                    </m:r>
-                    <m:d>
-                      <m:dPr>
-                        <m:ctrlPr>
-                          <a:rPr lang="en-US" b="0" i="1" smtClean="0">
-                            <a:latin typeface="Cambria Math" panose="02040503050406030204" pitchFamily="18" charset="0"/>
-                          </a:rPr>
-                        </m:ctrlPr>
-                      </m:dPr>
-                      <m:e>
-                        <m:r>
-                          <a:rPr lang="en-US" b="0" i="1" smtClean="0">
-                            <a:latin typeface="Cambria Math" panose="02040503050406030204" pitchFamily="18" charset="0"/>
-                          </a:rPr>
-                          <m:t>𝑦</m:t>
-                        </m:r>
-                      </m:e>
-                    </m:d>
-                  </m:oMath>
-                </a14:m>
-                <a:r>
-                  <a:rPr lang="en-US" dirty="0"/>
-                  <a:t>:</a:t>
-                </a:r>
-                <a:br>
-                  <a:rPr lang="en-US" dirty="0"/>
-                </a:br>
-                <a:r>
-                  <a:rPr lang="en-US" dirty="0"/>
-                  <a:t>	</a:t>
-                </a:r>
-                <a14:m>
-                  <m:oMath xmlns:m="http://schemas.openxmlformats.org/officeDocument/2006/math">
-                    <m:r>
-                      <a:rPr lang="en-US" b="0" i="1" smtClean="0">
-                        <a:latin typeface="Cambria Math" panose="02040503050406030204" pitchFamily="18" charset="0"/>
-                      </a:rPr>
-                      <m:t>𝐻</m:t>
-                    </m:r>
-                    <m:d>
-                      <m:dPr>
-                        <m:ctrlPr>
-                          <a:rPr lang="en-US" b="0" i="1" smtClean="0">
-                            <a:latin typeface="Cambria Math" panose="02040503050406030204" pitchFamily="18" charset="0"/>
-                          </a:rPr>
-                        </m:ctrlPr>
-                      </m:dPr>
-                      <m:e>
-                        <m:r>
-                          <a:rPr lang="en-US" b="0" i="1" smtClean="0">
-                            <a:latin typeface="Cambria Math" panose="02040503050406030204" pitchFamily="18" charset="0"/>
-                          </a:rPr>
-                          <m:t>𝑦</m:t>
-                        </m:r>
-                      </m:e>
-                    </m:d>
-                    <m:r>
-                      <a:rPr lang="en-US" b="0" i="1" smtClean="0">
-                        <a:latin typeface="Cambria Math" panose="02040503050406030204" pitchFamily="18" charset="0"/>
-                      </a:rPr>
-                      <m:t>=−</m:t>
-                    </m:r>
-                    <m:nary>
-                      <m:naryPr>
-                        <m:ctrlPr>
-                          <a:rPr lang="en-US" b="0" i="1" smtClean="0">
-                            <a:latin typeface="Cambria Math" panose="02040503050406030204" pitchFamily="18" charset="0"/>
-                          </a:rPr>
-                        </m:ctrlPr>
-                      </m:naryPr>
-                      <m:sub>
-                        <m:r>
-                          <m:rPr>
-                            <m:brk m:alnAt="23"/>
-                          </m:rPr>
-                          <a:rPr lang="en-US" b="0" i="1" smtClean="0">
-                            <a:latin typeface="Cambria Math" panose="02040503050406030204" pitchFamily="18" charset="0"/>
-                          </a:rPr>
-                          <m:t>−</m:t>
-                        </m:r>
-                        <m:r>
-                          <a:rPr lang="en-US" b="0" i="1" smtClean="0">
-                            <a:latin typeface="Cambria Math" panose="02040503050406030204" pitchFamily="18" charset="0"/>
-                            <a:ea typeface="Cambria Math" panose="02040503050406030204" pitchFamily="18" charset="0"/>
-                          </a:rPr>
-                          <m:t>∞</m:t>
-                        </m:r>
-                      </m:sub>
-                      <m:sup>
-                        <m:r>
-                          <a:rPr lang="en-US" b="0" i="1" smtClean="0">
-                            <a:latin typeface="Cambria Math" panose="02040503050406030204" pitchFamily="18" charset="0"/>
-                            <a:ea typeface="Cambria Math" panose="02040503050406030204" pitchFamily="18" charset="0"/>
-                          </a:rPr>
-                          <m:t>∞</m:t>
-                        </m:r>
-                      </m:sup>
-                      <m:e>
-                        <m:r>
-                          <a:rPr lang="en-US" b="0" i="1" smtClean="0">
-                            <a:latin typeface="Cambria Math" panose="02040503050406030204" pitchFamily="18" charset="0"/>
-                          </a:rPr>
-                          <m:t>𝑝</m:t>
-                        </m:r>
-                        <m:d>
-                          <m:dPr>
-                            <m:ctrlPr>
-                              <a:rPr lang="en-US" b="0" i="1" smtClean="0">
-                                <a:latin typeface="Cambria Math" panose="02040503050406030204" pitchFamily="18" charset="0"/>
-                              </a:rPr>
-                            </m:ctrlPr>
-                          </m:dPr>
-                          <m:e>
-                            <m:r>
-                              <a:rPr lang="en-US" b="0" i="1" smtClean="0">
-                                <a:latin typeface="Cambria Math" panose="02040503050406030204" pitchFamily="18" charset="0"/>
-                              </a:rPr>
-                              <m:t>𝑦</m:t>
-                            </m:r>
-                          </m:e>
-                        </m:d>
-                        <m:func>
-                          <m:funcPr>
-                            <m:ctrlPr>
-                              <a:rPr lang="en-US" b="0" i="1" smtClean="0">
-                                <a:latin typeface="Cambria Math" panose="02040503050406030204" pitchFamily="18" charset="0"/>
-                              </a:rPr>
-                            </m:ctrlPr>
-                          </m:funcPr>
-                          <m:fName>
-                            <m:r>
-                              <m:rPr>
-                                <m:sty m:val="p"/>
-                              </m:rPr>
-                              <a:rPr lang="en-US" b="0" i="0" smtClean="0">
-                                <a:latin typeface="Cambria Math" panose="02040503050406030204" pitchFamily="18" charset="0"/>
-                              </a:rPr>
-                              <m:t>log</m:t>
-                            </m:r>
-                          </m:fName>
-                          <m:e>
-                            <m:r>
-                              <a:rPr lang="en-US" b="0" i="1" smtClean="0">
-                                <a:latin typeface="Cambria Math" panose="02040503050406030204" pitchFamily="18" charset="0"/>
-                              </a:rPr>
-                              <m:t>𝑝</m:t>
-                            </m:r>
-                            <m:d>
-                              <m:dPr>
-                                <m:ctrlPr>
-                                  <a:rPr lang="en-US" b="0" i="1" smtClean="0">
-                                    <a:latin typeface="Cambria Math" panose="02040503050406030204" pitchFamily="18" charset="0"/>
-                                  </a:rPr>
-                                </m:ctrlPr>
-                              </m:dPr>
-                              <m:e>
-                                <m:r>
-                                  <a:rPr lang="en-US" b="0" i="1" smtClean="0">
-                                    <a:latin typeface="Cambria Math" panose="02040503050406030204" pitchFamily="18" charset="0"/>
-                                  </a:rPr>
-                                  <m:t>𝑦</m:t>
-                                </m:r>
-                              </m:e>
-                            </m:d>
-                          </m:e>
-                        </m:func>
-                        <m:r>
-                          <a:rPr lang="en-US" b="0" i="1" smtClean="0">
-                            <a:latin typeface="Cambria Math" panose="02040503050406030204" pitchFamily="18" charset="0"/>
-                          </a:rPr>
-                          <m:t>𝑑𝑦</m:t>
-                        </m:r>
-                        <m:r>
-                          <a:rPr lang="en-US" b="0" i="1" smtClean="0">
-                            <a:latin typeface="Cambria Math" panose="02040503050406030204" pitchFamily="18" charset="0"/>
-                          </a:rPr>
-                          <m:t>=−</m:t>
-                        </m:r>
-                        <m:r>
-                          <a:rPr lang="en-US" b="0" i="1" smtClean="0">
-                            <a:latin typeface="Cambria Math" panose="02040503050406030204" pitchFamily="18" charset="0"/>
-                          </a:rPr>
-                          <m:t>𝐸</m:t>
-                        </m:r>
-                        <m:r>
-                          <a:rPr lang="en-US" b="0" i="1" smtClean="0">
-                            <a:latin typeface="Cambria Math" panose="02040503050406030204" pitchFamily="18" charset="0"/>
-                          </a:rPr>
-                          <m:t>[</m:t>
-                        </m:r>
-                        <m:r>
-                          <a:rPr lang="en-US" b="0" i="1" smtClean="0">
-                            <a:latin typeface="Cambria Math" panose="02040503050406030204" pitchFamily="18" charset="0"/>
-                          </a:rPr>
-                          <m:t>𝑙𝑜𝑔</m:t>
-                        </m:r>
-                        <m:sSub>
-                          <m:sSubPr>
-                            <m:ctrlPr>
-                              <a:rPr lang="en-US" b="0" i="1" smtClean="0">
-                                <a:latin typeface="Cambria Math" panose="02040503050406030204" pitchFamily="18" charset="0"/>
-                              </a:rPr>
-                            </m:ctrlPr>
-                          </m:sSubPr>
-                          <m:e>
-                            <m:r>
-                              <a:rPr lang="en-US" b="0" i="1" smtClean="0">
-                                <a:latin typeface="Cambria Math" panose="02040503050406030204" pitchFamily="18" charset="0"/>
-                              </a:rPr>
-                              <m:t>𝑝</m:t>
-                            </m:r>
-                          </m:e>
-                          <m:sub>
-                            <m:r>
-                              <a:rPr lang="en-US" b="0" i="1" smtClean="0">
-                                <a:latin typeface="Cambria Math" panose="02040503050406030204" pitchFamily="18" charset="0"/>
-                              </a:rPr>
-                              <m:t>𝑖</m:t>
-                            </m:r>
-                          </m:sub>
-                        </m:sSub>
-                        <m:r>
-                          <a:rPr lang="en-US" b="0" i="1" smtClean="0">
-                            <a:latin typeface="Cambria Math" panose="02040503050406030204" pitchFamily="18" charset="0"/>
-                          </a:rPr>
-                          <m:t>(</m:t>
-                        </m:r>
-                        <m:r>
-                          <a:rPr lang="en-US" b="0" i="1" smtClean="0">
-                            <a:latin typeface="Cambria Math" panose="02040503050406030204" pitchFamily="18" charset="0"/>
-                          </a:rPr>
-                          <m:t>𝑦</m:t>
-                        </m:r>
-                        <m:r>
-                          <a:rPr lang="en-US" b="0" i="1" smtClean="0">
-                            <a:latin typeface="Cambria Math" panose="02040503050406030204" pitchFamily="18" charset="0"/>
-                          </a:rPr>
-                          <m:t>)]</m:t>
-                        </m:r>
-                      </m:e>
-                    </m:nary>
-                  </m:oMath>
-                </a14:m>
-                <a:endParaRPr lang="en-US" dirty="0"/>
-              </a:p>
-              <a:p>
-                <a:r>
-                  <a:rPr lang="en-US" dirty="0"/>
-                  <a:t>Gaussian distribution has maximum entropy among all distributions over the real axis </a:t>
-                </a:r>
-                <a14:m>
-                  <m:oMath xmlns:m="http://schemas.openxmlformats.org/officeDocument/2006/math">
-                    <m:d>
-                      <m:dPr>
-                        <m:ctrlPr>
-                          <a:rPr lang="en-US" b="0" i="1" smtClean="0">
-                            <a:latin typeface="Cambria Math" panose="02040503050406030204" pitchFamily="18" charset="0"/>
-                          </a:rPr>
-                        </m:ctrlPr>
-                      </m:dPr>
-                      <m:e>
-                        <m:r>
-                          <a:rPr lang="en-US" b="0" i="1" smtClean="0">
-                            <a:latin typeface="Cambria Math" panose="02040503050406030204" pitchFamily="18" charset="0"/>
-                          </a:rPr>
-                          <m:t>−</m:t>
-                        </m:r>
-                        <m:r>
-                          <a:rPr lang="en-US" b="0" i="1" smtClean="0">
-                            <a:latin typeface="Cambria Math" panose="02040503050406030204" pitchFamily="18" charset="0"/>
-                            <a:ea typeface="Cambria Math" panose="02040503050406030204" pitchFamily="18" charset="0"/>
-                          </a:rPr>
-                          <m:t>∞,∞</m:t>
-                        </m:r>
-                      </m:e>
-                    </m:d>
-                  </m:oMath>
-                </a14:m>
-                <a:r>
-                  <a:rPr lang="en-US" dirty="0"/>
-                  <a:t>, uniform distribution has maximum entropy among all distributions over a finite range</a:t>
-                </a:r>
-              </a:p>
-              <a:p>
-                <a:r>
-                  <a:rPr lang="en-US" dirty="0"/>
-                  <a:t>Based on this, the differential entropy or negentropy is defined:</a:t>
-                </a:r>
-                <a:br>
-                  <a:rPr lang="en-US" dirty="0"/>
-                </a:br>
-                <a:r>
-                  <a:rPr lang="en-US" dirty="0"/>
-                  <a:t>	</a:t>
-                </a:r>
-                <a14:m>
-                  <m:oMath xmlns:m="http://schemas.openxmlformats.org/officeDocument/2006/math">
-                    <m:r>
-                      <a:rPr lang="en-US" b="0" i="1" smtClean="0">
-                        <a:latin typeface="Cambria Math" panose="02040503050406030204" pitchFamily="18" charset="0"/>
-                      </a:rPr>
-                      <m:t>𝐽</m:t>
-                    </m:r>
-                    <m:d>
-                      <m:dPr>
-                        <m:ctrlPr>
-                          <a:rPr lang="en-US" b="0" i="1" smtClean="0">
-                            <a:latin typeface="Cambria Math" panose="02040503050406030204" pitchFamily="18" charset="0"/>
-                          </a:rPr>
-                        </m:ctrlPr>
-                      </m:dPr>
-                      <m:e>
-                        <m:r>
-                          <a:rPr lang="en-US" b="0" i="1" smtClean="0">
-                            <a:latin typeface="Cambria Math" panose="02040503050406030204" pitchFamily="18" charset="0"/>
-                          </a:rPr>
-                          <m:t>𝑦</m:t>
-                        </m:r>
-                      </m:e>
-                    </m:d>
-                    <m:r>
-                      <a:rPr lang="en-US" b="0" i="1" smtClean="0">
-                        <a:latin typeface="Cambria Math" panose="02040503050406030204" pitchFamily="18" charset="0"/>
-                      </a:rPr>
-                      <m:t>=</m:t>
-                    </m:r>
-                    <m:r>
-                      <a:rPr lang="en-US" b="0" i="1" smtClean="0">
-                        <a:latin typeface="Cambria Math" panose="02040503050406030204" pitchFamily="18" charset="0"/>
-                      </a:rPr>
-                      <m:t>𝐻</m:t>
-                    </m:r>
-                    <m:d>
-                      <m:dPr>
-                        <m:ctrlPr>
-                          <a:rPr lang="en-US" b="0" i="1" smtClean="0">
-                            <a:latin typeface="Cambria Math" panose="02040503050406030204" pitchFamily="18" charset="0"/>
-                          </a:rPr>
-                        </m:ctrlPr>
-                      </m:dPr>
-                      <m:e>
-                        <m:sSub>
-                          <m:sSubPr>
-                            <m:ctrlPr>
-                              <a:rPr lang="en-US" b="0" i="1" smtClean="0">
-                                <a:latin typeface="Cambria Math" panose="02040503050406030204" pitchFamily="18" charset="0"/>
-                              </a:rPr>
-                            </m:ctrlPr>
-                          </m:sSubPr>
-                          <m:e>
-                            <m:r>
-                              <a:rPr lang="en-US" b="0" i="1" smtClean="0">
-                                <a:latin typeface="Cambria Math" panose="02040503050406030204" pitchFamily="18" charset="0"/>
-                              </a:rPr>
-                              <m:t>𝑦</m:t>
-                            </m:r>
-                          </m:e>
-                          <m:sub>
-                            <m:r>
-                              <a:rPr lang="en-US" b="0" i="1" smtClean="0">
-                                <a:latin typeface="Cambria Math" panose="02040503050406030204" pitchFamily="18" charset="0"/>
-                              </a:rPr>
-                              <m:t>𝐺</m:t>
-                            </m:r>
-                          </m:sub>
-                        </m:sSub>
-                      </m:e>
-                    </m:d>
-                    <m:r>
-                      <a:rPr lang="en-US" b="0" i="1" smtClean="0">
-                        <a:latin typeface="Cambria Math" panose="02040503050406030204" pitchFamily="18" charset="0"/>
-                      </a:rPr>
-                      <m:t>−</m:t>
-                    </m:r>
-                    <m:r>
-                      <a:rPr lang="en-US" b="0" i="1" smtClean="0">
-                        <a:latin typeface="Cambria Math" panose="02040503050406030204" pitchFamily="18" charset="0"/>
-                      </a:rPr>
-                      <m:t>𝐻</m:t>
-                    </m:r>
-                    <m:d>
-                      <m:dPr>
-                        <m:ctrlPr>
-                          <a:rPr lang="en-US" b="0" i="1" smtClean="0">
-                            <a:latin typeface="Cambria Math" panose="02040503050406030204" pitchFamily="18" charset="0"/>
-                          </a:rPr>
-                        </m:ctrlPr>
-                      </m:dPr>
-                      <m:e>
-                        <m:r>
-                          <a:rPr lang="en-US" b="0" i="1" smtClean="0">
-                            <a:latin typeface="Cambria Math" panose="02040503050406030204" pitchFamily="18" charset="0"/>
-                          </a:rPr>
-                          <m:t>𝑦</m:t>
-                        </m:r>
-                      </m:e>
-                    </m:d>
-                    <m:r>
-                      <a:rPr lang="en-US" b="0" i="1" smtClean="0">
-                        <a:latin typeface="Cambria Math" panose="02040503050406030204" pitchFamily="18" charset="0"/>
-                      </a:rPr>
-                      <m:t>,  </m:t>
-                    </m:r>
-                    <m:r>
-                      <a:rPr lang="en-US" b="0" i="1" smtClean="0">
-                        <a:latin typeface="Cambria Math" panose="02040503050406030204" pitchFamily="18" charset="0"/>
-                      </a:rPr>
-                      <m:t>𝐽</m:t>
-                    </m:r>
-                    <m:d>
-                      <m:dPr>
-                        <m:ctrlPr>
-                          <a:rPr lang="en-US" b="0" i="1" smtClean="0">
-                            <a:latin typeface="Cambria Math" panose="02040503050406030204" pitchFamily="18" charset="0"/>
-                          </a:rPr>
-                        </m:ctrlPr>
-                      </m:dPr>
-                      <m:e>
-                        <m:r>
-                          <a:rPr lang="en-US" b="0" i="1" smtClean="0">
-                            <a:latin typeface="Cambria Math" panose="02040503050406030204" pitchFamily="18" charset="0"/>
-                          </a:rPr>
-                          <m:t>𝑦</m:t>
-                        </m:r>
-                      </m:e>
-                    </m:d>
-                    <m:r>
-                      <a:rPr lang="en-US" b="0" i="1" smtClean="0">
-                        <a:latin typeface="Cambria Math" panose="02040503050406030204" pitchFamily="18" charset="0"/>
-                        <a:ea typeface="Cambria Math" panose="02040503050406030204" pitchFamily="18" charset="0"/>
-                      </a:rPr>
-                      <m:t>≥0</m:t>
-                    </m:r>
-                  </m:oMath>
-                </a14:m>
-                <a:r>
-                  <a:rPr lang="en-US" dirty="0"/>
-                  <a:t> where </a:t>
-                </a:r>
-                <a14:m>
-                  <m:oMath xmlns:m="http://schemas.openxmlformats.org/officeDocument/2006/math">
-                    <m:sSub>
-                      <m:sSubPr>
-                        <m:ctrlPr>
-                          <a:rPr lang="en-US" i="1" smtClean="0">
-                            <a:latin typeface="Cambria Math" panose="02040503050406030204" pitchFamily="18" charset="0"/>
-                          </a:rPr>
-                        </m:ctrlPr>
-                      </m:sSubPr>
-                      <m:e>
-                        <m:r>
-                          <a:rPr lang="en-US" b="0" i="1" smtClean="0">
-                            <a:latin typeface="Cambria Math" panose="02040503050406030204" pitchFamily="18" charset="0"/>
-                          </a:rPr>
-                          <m:t>𝑦</m:t>
-                        </m:r>
-                      </m:e>
-                      <m:sub>
-                        <m:r>
-                          <a:rPr lang="en-US" b="0" i="1" smtClean="0">
-                            <a:latin typeface="Cambria Math" panose="02040503050406030204" pitchFamily="18" charset="0"/>
-                          </a:rPr>
-                          <m:t>𝐺</m:t>
-                        </m:r>
-                      </m:sub>
-                    </m:sSub>
-                  </m:oMath>
-                </a14:m>
-                <a:r>
-                  <a:rPr lang="en-US" dirty="0"/>
-                  <a:t>is a Gaussian variable with same 	variance as </a:t>
-                </a:r>
-                <a14:m>
-                  <m:oMath xmlns:m="http://schemas.openxmlformats.org/officeDocument/2006/math">
-                    <m:r>
-                      <a:rPr lang="en-US" b="0" i="1" smtClean="0">
-                        <a:latin typeface="Cambria Math" panose="02040503050406030204" pitchFamily="18" charset="0"/>
-                      </a:rPr>
-                      <m:t>𝑦</m:t>
-                    </m:r>
-                  </m:oMath>
-                </a14:m>
-                <a:endParaRPr lang="en-US" dirty="0"/>
-              </a:p>
-              <a:p>
-                <a:r>
-                  <a:rPr lang="en-US" dirty="0"/>
-                  <a:t>Negentropy can be approximated using:</a:t>
-                </a:r>
-                <a:br>
-                  <a:rPr lang="en-US" dirty="0"/>
-                </a:br>
-                <a:r>
-                  <a:rPr lang="en-US" dirty="0"/>
-                  <a:t>	</a:t>
-                </a:r>
-                <a14:m>
-                  <m:oMath xmlns:m="http://schemas.openxmlformats.org/officeDocument/2006/math">
-                    <m:r>
-                      <a:rPr lang="en-US" b="0" i="1" smtClean="0">
-                        <a:latin typeface="Cambria Math" panose="02040503050406030204" pitchFamily="18" charset="0"/>
-                      </a:rPr>
-                      <m:t>𝐽</m:t>
-                    </m:r>
-                    <m:d>
-                      <m:dPr>
-                        <m:ctrlPr>
-                          <a:rPr lang="en-US" b="0" i="1" smtClean="0">
-                            <a:latin typeface="Cambria Math" panose="02040503050406030204" pitchFamily="18" charset="0"/>
-                          </a:rPr>
-                        </m:ctrlPr>
-                      </m:dPr>
-                      <m:e>
-                        <m:r>
-                          <a:rPr lang="en-US" b="0" i="1" smtClean="0">
-                            <a:latin typeface="Cambria Math" panose="02040503050406030204" pitchFamily="18" charset="0"/>
-                          </a:rPr>
-                          <m:t>𝑦</m:t>
-                        </m:r>
-                      </m:e>
-                    </m:d>
-                    <m:r>
-                      <a:rPr lang="en-US" b="0" i="1" smtClean="0">
-                        <a:latin typeface="Cambria Math" panose="02040503050406030204" pitchFamily="18" charset="0"/>
-                        <a:ea typeface="Cambria Math" panose="02040503050406030204" pitchFamily="18" charset="0"/>
-                      </a:rPr>
-                      <m:t>≈</m:t>
-                    </m:r>
-                    <m:nary>
-                      <m:naryPr>
-                        <m:chr m:val="∑"/>
-                        <m:limLoc m:val="subSup"/>
-                        <m:ctrlPr>
-                          <a:rPr lang="en-US" b="0" i="1" smtClean="0">
-                            <a:latin typeface="Cambria Math" panose="02040503050406030204" pitchFamily="18" charset="0"/>
-                            <a:ea typeface="Cambria Math" panose="02040503050406030204" pitchFamily="18" charset="0"/>
-                          </a:rPr>
-                        </m:ctrlPr>
-                      </m:naryPr>
-                      <m:sub>
-                        <m:r>
-                          <m:rPr>
-                            <m:brk m:alnAt="25"/>
-                          </m:rPr>
-                          <a:rPr lang="en-US" b="0" i="1" smtClean="0">
-                            <a:latin typeface="Cambria Math" panose="02040503050406030204" pitchFamily="18" charset="0"/>
-                            <a:ea typeface="Cambria Math" panose="02040503050406030204" pitchFamily="18" charset="0"/>
-                          </a:rPr>
-                          <m:t>𝑖</m:t>
-                        </m:r>
-                        <m:r>
-                          <a:rPr lang="en-US" b="0" i="1" smtClean="0">
-                            <a:latin typeface="Cambria Math" panose="02040503050406030204" pitchFamily="18" charset="0"/>
-                            <a:ea typeface="Cambria Math" panose="02040503050406030204" pitchFamily="18" charset="0"/>
-                          </a:rPr>
-                          <m:t>=1</m:t>
-                        </m:r>
-                      </m:sub>
-                      <m:sup>
-                        <m:r>
-                          <a:rPr lang="en-US" b="0" i="1" smtClean="0">
-                            <a:latin typeface="Cambria Math" panose="02040503050406030204" pitchFamily="18" charset="0"/>
-                            <a:ea typeface="Cambria Math" panose="02040503050406030204" pitchFamily="18" charset="0"/>
-                          </a:rPr>
-                          <m:t>𝑝</m:t>
-                        </m:r>
-                      </m:sup>
-                      <m:e>
-                        <m:sSub>
-                          <m:sSubPr>
-                            <m:ctrlPr>
-                              <a:rPr lang="en-US" b="0" i="1" smtClean="0">
-                                <a:latin typeface="Cambria Math" panose="02040503050406030204" pitchFamily="18" charset="0"/>
-                                <a:ea typeface="Cambria Math" panose="02040503050406030204" pitchFamily="18" charset="0"/>
-                              </a:rPr>
-                            </m:ctrlPr>
-                          </m:sSubPr>
-                          <m:e>
-                            <m:r>
-                              <a:rPr lang="en-US" b="0" i="1" smtClean="0">
-                                <a:latin typeface="Cambria Math" panose="02040503050406030204" pitchFamily="18" charset="0"/>
-                                <a:ea typeface="Cambria Math" panose="02040503050406030204" pitchFamily="18" charset="0"/>
-                              </a:rPr>
-                              <m:t>𝑘</m:t>
-                            </m:r>
-                          </m:e>
-                          <m:sub>
-                            <m:r>
-                              <a:rPr lang="en-US" b="0" i="1" smtClean="0">
-                                <a:latin typeface="Cambria Math" panose="02040503050406030204" pitchFamily="18" charset="0"/>
-                                <a:ea typeface="Cambria Math" panose="02040503050406030204" pitchFamily="18" charset="0"/>
-                              </a:rPr>
-                              <m:t>𝑖</m:t>
-                            </m:r>
-                          </m:sub>
-                        </m:sSub>
-                        <m:sSup>
-                          <m:sSupPr>
-                            <m:ctrlPr>
-                              <a:rPr lang="en-US" b="0" i="1" smtClean="0">
-                                <a:latin typeface="Cambria Math" panose="02040503050406030204" pitchFamily="18" charset="0"/>
-                                <a:ea typeface="Cambria Math" panose="02040503050406030204" pitchFamily="18" charset="0"/>
-                              </a:rPr>
-                            </m:ctrlPr>
-                          </m:sSupPr>
-                          <m:e>
-                            <m:r>
-                              <a:rPr lang="en-US" b="0" i="1" smtClean="0">
-                                <a:latin typeface="Cambria Math" panose="02040503050406030204" pitchFamily="18" charset="0"/>
-                                <a:ea typeface="Cambria Math" panose="02040503050406030204" pitchFamily="18" charset="0"/>
-                              </a:rPr>
-                              <m:t>(</m:t>
-                            </m:r>
-                            <m:r>
-                              <a:rPr lang="en-US" b="0" i="1" smtClean="0">
-                                <a:latin typeface="Cambria Math" panose="02040503050406030204" pitchFamily="18" charset="0"/>
-                                <a:ea typeface="Cambria Math" panose="02040503050406030204" pitchFamily="18" charset="0"/>
-                              </a:rPr>
-                              <m:t>𝐸</m:t>
-                            </m:r>
-                            <m:d>
-                              <m:dPr>
-                                <m:begChr m:val="["/>
-                                <m:endChr m:val="]"/>
-                                <m:ctrlPr>
-                                  <a:rPr lang="en-US" b="0" i="1" smtClean="0">
-                                    <a:latin typeface="Cambria Math" panose="02040503050406030204" pitchFamily="18" charset="0"/>
-                                    <a:ea typeface="Cambria Math" panose="02040503050406030204" pitchFamily="18" charset="0"/>
-                                  </a:rPr>
-                                </m:ctrlPr>
-                              </m:dPr>
-                              <m:e>
-                                <m:sSub>
-                                  <m:sSubPr>
-                                    <m:ctrlPr>
-                                      <a:rPr lang="en-US" b="0" i="1" smtClean="0">
-                                        <a:latin typeface="Cambria Math" panose="02040503050406030204" pitchFamily="18" charset="0"/>
-                                        <a:ea typeface="Cambria Math" panose="02040503050406030204" pitchFamily="18" charset="0"/>
-                                      </a:rPr>
-                                    </m:ctrlPr>
-                                  </m:sSubPr>
-                                  <m:e>
-                                    <m:r>
-                                      <a:rPr lang="en-US" b="0" i="1" smtClean="0">
-                                        <a:latin typeface="Cambria Math" panose="02040503050406030204" pitchFamily="18" charset="0"/>
-                                        <a:ea typeface="Cambria Math" panose="02040503050406030204" pitchFamily="18" charset="0"/>
-                                      </a:rPr>
-                                      <m:t>𝐺</m:t>
-                                    </m:r>
-                                  </m:e>
-                                  <m:sub>
-                                    <m:r>
-                                      <a:rPr lang="en-US" b="0" i="1" smtClean="0">
-                                        <a:latin typeface="Cambria Math" panose="02040503050406030204" pitchFamily="18" charset="0"/>
-                                        <a:ea typeface="Cambria Math" panose="02040503050406030204" pitchFamily="18" charset="0"/>
-                                      </a:rPr>
-                                      <m:t>𝑖</m:t>
-                                    </m:r>
-                                  </m:sub>
-                                </m:sSub>
-                                <m:d>
-                                  <m:dPr>
-                                    <m:ctrlPr>
-                                      <a:rPr lang="en-US" b="0" i="1" smtClean="0">
-                                        <a:latin typeface="Cambria Math" panose="02040503050406030204" pitchFamily="18" charset="0"/>
-                                        <a:ea typeface="Cambria Math" panose="02040503050406030204" pitchFamily="18" charset="0"/>
-                                      </a:rPr>
-                                    </m:ctrlPr>
-                                  </m:dPr>
-                                  <m:e>
-                                    <m:r>
-                                      <a:rPr lang="en-US" b="0" i="1" smtClean="0">
-                                        <a:latin typeface="Cambria Math" panose="02040503050406030204" pitchFamily="18" charset="0"/>
-                                        <a:ea typeface="Cambria Math" panose="02040503050406030204" pitchFamily="18" charset="0"/>
-                                      </a:rPr>
-                                      <m:t>𝑦</m:t>
-                                    </m:r>
-                                  </m:e>
-                                </m:d>
-                              </m:e>
-                            </m:d>
-                            <m:r>
-                              <a:rPr lang="en-US" b="0" i="1" smtClean="0">
-                                <a:latin typeface="Cambria Math" panose="02040503050406030204" pitchFamily="18" charset="0"/>
-                                <a:ea typeface="Cambria Math" panose="02040503050406030204" pitchFamily="18" charset="0"/>
-                              </a:rPr>
-                              <m:t>−</m:t>
-                            </m:r>
-                            <m:r>
-                              <a:rPr lang="en-US" b="0" i="1" smtClean="0">
-                                <a:latin typeface="Cambria Math" panose="02040503050406030204" pitchFamily="18" charset="0"/>
-                                <a:ea typeface="Cambria Math" panose="02040503050406030204" pitchFamily="18" charset="0"/>
-                              </a:rPr>
-                              <m:t>𝐸</m:t>
-                            </m:r>
-                            <m:r>
-                              <a:rPr lang="en-US" b="0" i="1" smtClean="0">
-                                <a:latin typeface="Cambria Math" panose="02040503050406030204" pitchFamily="18" charset="0"/>
-                                <a:ea typeface="Cambria Math" panose="02040503050406030204" pitchFamily="18" charset="0"/>
-                              </a:rPr>
-                              <m:t>[</m:t>
-                            </m:r>
-                            <m:sSub>
-                              <m:sSubPr>
-                                <m:ctrlPr>
-                                  <a:rPr lang="en-US" b="0" i="1" smtClean="0">
-                                    <a:latin typeface="Cambria Math" panose="02040503050406030204" pitchFamily="18" charset="0"/>
-                                    <a:ea typeface="Cambria Math" panose="02040503050406030204" pitchFamily="18" charset="0"/>
-                                  </a:rPr>
-                                </m:ctrlPr>
-                              </m:sSubPr>
-                              <m:e>
-                                <m:r>
-                                  <a:rPr lang="en-US" b="0" i="1" smtClean="0">
-                                    <a:latin typeface="Cambria Math" panose="02040503050406030204" pitchFamily="18" charset="0"/>
-                                    <a:ea typeface="Cambria Math" panose="02040503050406030204" pitchFamily="18" charset="0"/>
-                                  </a:rPr>
-                                  <m:t>𝐺</m:t>
-                                </m:r>
-                              </m:e>
-                              <m:sub>
-                                <m:r>
-                                  <a:rPr lang="en-US" b="0" i="1" smtClean="0">
-                                    <a:latin typeface="Cambria Math" panose="02040503050406030204" pitchFamily="18" charset="0"/>
-                                    <a:ea typeface="Cambria Math" panose="02040503050406030204" pitchFamily="18" charset="0"/>
-                                  </a:rPr>
-                                  <m:t>𝑖</m:t>
-                                </m:r>
-                              </m:sub>
-                            </m:sSub>
-                            <m:r>
-                              <a:rPr lang="en-US" b="0" i="1" smtClean="0">
-                                <a:latin typeface="Cambria Math" panose="02040503050406030204" pitchFamily="18" charset="0"/>
-                                <a:ea typeface="Cambria Math" panose="02040503050406030204" pitchFamily="18" charset="0"/>
-                              </a:rPr>
-                              <m:t>(</m:t>
-                            </m:r>
-                            <m:r>
-                              <a:rPr lang="en-US" b="0" i="1" smtClean="0">
-                                <a:latin typeface="Cambria Math" panose="02040503050406030204" pitchFamily="18" charset="0"/>
-                                <a:ea typeface="Cambria Math" panose="02040503050406030204" pitchFamily="18" charset="0"/>
-                              </a:rPr>
-                              <m:t>𝑔</m:t>
-                            </m:r>
-                            <m:r>
-                              <a:rPr lang="en-US" b="0" i="1" smtClean="0">
-                                <a:latin typeface="Cambria Math" panose="02040503050406030204" pitchFamily="18" charset="0"/>
-                                <a:ea typeface="Cambria Math" panose="02040503050406030204" pitchFamily="18" charset="0"/>
-                              </a:rPr>
-                              <m:t>)])</m:t>
-                            </m:r>
-                          </m:e>
-                          <m:sup>
-                            <m:r>
-                              <a:rPr lang="en-US" b="0" i="1" smtClean="0">
-                                <a:latin typeface="Cambria Math" panose="02040503050406030204" pitchFamily="18" charset="0"/>
-                                <a:ea typeface="Cambria Math" panose="02040503050406030204" pitchFamily="18" charset="0"/>
-                              </a:rPr>
-                              <m:t>2</m:t>
-                            </m:r>
-                          </m:sup>
-                        </m:sSup>
-                      </m:e>
-                    </m:nary>
-                  </m:oMath>
-                </a14:m>
-                <a:r>
-                  <a:rPr lang="en-US" dirty="0"/>
-                  <a:t>, </a:t>
-                </a:r>
-                <a:r>
-                  <a:rPr lang="en-US" sz="2000" dirty="0"/>
-                  <a:t>where </a:t>
-                </a:r>
-                <a14:m>
-                  <m:oMath xmlns:m="http://schemas.openxmlformats.org/officeDocument/2006/math">
-                    <m:sSub>
-                      <m:sSubPr>
-                        <m:ctrlPr>
-                          <a:rPr lang="en-US" sz="2000" b="0" i="1" smtClean="0">
-                            <a:latin typeface="Cambria Math" panose="02040503050406030204" pitchFamily="18" charset="0"/>
-                            <a:ea typeface="Cambria Math" panose="02040503050406030204" pitchFamily="18" charset="0"/>
-                          </a:rPr>
-                        </m:ctrlPr>
-                      </m:sSubPr>
-                      <m:e>
-                        <m:r>
-                          <a:rPr lang="en-US" sz="2000" b="0" i="1" smtClean="0">
-                            <a:latin typeface="Cambria Math" panose="02040503050406030204" pitchFamily="18" charset="0"/>
-                            <a:ea typeface="Cambria Math" panose="02040503050406030204" pitchFamily="18" charset="0"/>
-                          </a:rPr>
-                          <m:t>𝑘</m:t>
-                        </m:r>
-                      </m:e>
-                      <m:sub>
-                        <m:r>
-                          <a:rPr lang="en-US" sz="2000" b="0" i="1" smtClean="0">
-                            <a:latin typeface="Cambria Math" panose="02040503050406030204" pitchFamily="18" charset="0"/>
-                            <a:ea typeface="Cambria Math" panose="02040503050406030204" pitchFamily="18" charset="0"/>
-                          </a:rPr>
-                          <m:t>𝑖</m:t>
-                        </m:r>
-                      </m:sub>
-                    </m:sSub>
-                  </m:oMath>
-                </a14:m>
-                <a:r>
-                  <a:rPr lang="en-US" sz="2000" dirty="0"/>
-                  <a:t> are some positive constants, </a:t>
-                </a:r>
-                <a14:m>
-                  <m:oMath xmlns:m="http://schemas.openxmlformats.org/officeDocument/2006/math">
-                    <m:r>
-                      <a:rPr lang="en-US" sz="2000" b="0" i="1" smtClean="0">
-                        <a:latin typeface="Cambria Math" panose="02040503050406030204" pitchFamily="18" charset="0"/>
-                      </a:rPr>
-                      <m:t>𝑦</m:t>
-                    </m:r>
-                  </m:oMath>
-                </a14:m>
-                <a:r>
-                  <a:rPr lang="en-US" sz="2000" dirty="0"/>
-                  <a:t> assumed 	to have zero mean, unit variance, </a:t>
-                </a:r>
-                <a14:m>
-                  <m:oMath xmlns:m="http://schemas.openxmlformats.org/officeDocument/2006/math">
-                    <m:r>
-                      <a:rPr lang="en-US" sz="2000" b="0" i="1" smtClean="0">
-                        <a:latin typeface="Cambria Math" panose="02040503050406030204" pitchFamily="18" charset="0"/>
-                        <a:ea typeface="Cambria Math" panose="02040503050406030204" pitchFamily="18" charset="0"/>
-                      </a:rPr>
-                      <m:t>𝑔</m:t>
-                    </m:r>
-                  </m:oMath>
-                </a14:m>
-                <a:r>
-                  <a:rPr lang="en-US" sz="2000" dirty="0"/>
-                  <a:t> is a Gaussian variable with zero mean, unit variance, and </a:t>
-                </a:r>
-                <a14:m>
-                  <m:oMath xmlns:m="http://schemas.openxmlformats.org/officeDocument/2006/math">
-                    <m:sSub>
-                      <m:sSubPr>
-                        <m:ctrlPr>
-                          <a:rPr lang="en-US" sz="2000" b="0" i="1" smtClean="0">
-                            <a:latin typeface="Cambria Math" panose="02040503050406030204" pitchFamily="18" charset="0"/>
-                            <a:ea typeface="Cambria Math" panose="02040503050406030204" pitchFamily="18" charset="0"/>
-                          </a:rPr>
-                        </m:ctrlPr>
-                      </m:sSubPr>
-                      <m:e>
-                        <m:r>
-                          <a:rPr lang="en-US" sz="2000" b="0" i="1" smtClean="0">
-                            <a:latin typeface="Cambria Math" panose="02040503050406030204" pitchFamily="18" charset="0"/>
-                            <a:ea typeface="Cambria Math" panose="02040503050406030204" pitchFamily="18" charset="0"/>
-                          </a:rPr>
-                          <m:t>𝐺</m:t>
-                        </m:r>
-                      </m:e>
-                      <m:sub>
-                        <m:r>
-                          <a:rPr lang="en-US" sz="2000" b="0" i="1" smtClean="0">
-                            <a:latin typeface="Cambria Math" panose="02040503050406030204" pitchFamily="18" charset="0"/>
-                            <a:ea typeface="Cambria Math" panose="02040503050406030204" pitchFamily="18" charset="0"/>
-                          </a:rPr>
-                          <m:t>𝑖</m:t>
-                        </m:r>
-                      </m:sub>
-                    </m:sSub>
-                  </m:oMath>
-                </a14:m>
-                <a:r>
-                  <a:rPr lang="en-US" sz="2000" dirty="0"/>
-                  <a:t> are some 	non-quadratic </a:t>
-                </a:r>
-                <a:r>
-                  <a:rPr lang="en-US" sz="2000" dirty="0" smtClean="0"/>
-                  <a:t>functions such as:</a:t>
-                </a:r>
-                <a:br>
-                  <a:rPr lang="en-US" sz="2000" dirty="0" smtClean="0"/>
-                </a:br>
-                <a:r>
-                  <a:rPr lang="en-US" sz="2000" dirty="0" smtClean="0"/>
-                  <a:t>			</a:t>
-                </a:r>
-                <a14:m>
-                  <m:oMath xmlns:m="http://schemas.openxmlformats.org/officeDocument/2006/math">
-                    <m:sSub>
-                      <m:sSubPr>
-                        <m:ctrlPr>
-                          <a:rPr lang="en-US" i="1" smtClean="0">
-                            <a:latin typeface="Cambria Math" panose="02040503050406030204" pitchFamily="18" charset="0"/>
-                          </a:rPr>
-                        </m:ctrlPr>
-                      </m:sSubPr>
-                      <m:e>
-                        <m:r>
-                          <a:rPr lang="en-CA" b="0" i="1" smtClean="0">
-                            <a:latin typeface="Cambria Math" panose="02040503050406030204" pitchFamily="18" charset="0"/>
-                          </a:rPr>
-                          <m:t>𝐺</m:t>
-                        </m:r>
-                      </m:e>
-                      <m:sub>
-                        <m:r>
-                          <a:rPr lang="en-CA" b="0" i="1" smtClean="0">
-                            <a:latin typeface="Cambria Math" panose="02040503050406030204" pitchFamily="18" charset="0"/>
-                          </a:rPr>
-                          <m:t>1</m:t>
-                        </m:r>
-                      </m:sub>
-                    </m:sSub>
-                    <m:d>
-                      <m:dPr>
-                        <m:ctrlPr>
-                          <a:rPr lang="en-CA" b="0" i="1" smtClean="0">
-                            <a:latin typeface="Cambria Math" panose="02040503050406030204" pitchFamily="18" charset="0"/>
-                          </a:rPr>
-                        </m:ctrlPr>
-                      </m:dPr>
-                      <m:e>
-                        <m:r>
-                          <a:rPr lang="en-CA" b="0" i="1" smtClean="0">
-                            <a:latin typeface="Cambria Math" panose="02040503050406030204" pitchFamily="18" charset="0"/>
-                          </a:rPr>
-                          <m:t>𝑦</m:t>
-                        </m:r>
-                      </m:e>
-                    </m:d>
-                    <m:r>
-                      <a:rPr lang="en-CA" b="0" i="1" smtClean="0">
-                        <a:latin typeface="Cambria Math" panose="02040503050406030204" pitchFamily="18" charset="0"/>
-                      </a:rPr>
-                      <m:t>=</m:t>
-                    </m:r>
-                    <m:f>
-                      <m:fPr>
-                        <m:ctrlPr>
-                          <a:rPr lang="en-CA" b="0" i="1" smtClean="0">
-                            <a:latin typeface="Cambria Math" panose="02040503050406030204" pitchFamily="18" charset="0"/>
-                          </a:rPr>
-                        </m:ctrlPr>
-                      </m:fPr>
-                      <m:num>
-                        <m:r>
-                          <a:rPr lang="en-CA" b="0" i="1" smtClean="0">
-                            <a:latin typeface="Cambria Math" panose="02040503050406030204" pitchFamily="18" charset="0"/>
-                          </a:rPr>
-                          <m:t>1</m:t>
-                        </m:r>
-                      </m:num>
-                      <m:den>
-                        <m:r>
-                          <a:rPr lang="en-CA" b="0" i="1" smtClean="0">
-                            <a:latin typeface="Cambria Math" panose="02040503050406030204" pitchFamily="18" charset="0"/>
-                          </a:rPr>
-                          <m:t>𝑎</m:t>
-                        </m:r>
-                      </m:den>
-                    </m:f>
-                    <m:func>
-                      <m:funcPr>
-                        <m:ctrlPr>
-                          <a:rPr lang="en-CA" b="0" i="1" smtClean="0">
-                            <a:latin typeface="Cambria Math" panose="02040503050406030204" pitchFamily="18" charset="0"/>
-                          </a:rPr>
-                        </m:ctrlPr>
-                      </m:funcPr>
-                      <m:fName>
-                        <m:r>
-                          <m:rPr>
-                            <m:sty m:val="p"/>
-                          </m:rPr>
-                          <a:rPr lang="en-CA" b="0" i="0" smtClean="0">
-                            <a:latin typeface="Cambria Math" panose="02040503050406030204" pitchFamily="18" charset="0"/>
-                          </a:rPr>
-                          <m:t>log</m:t>
-                        </m:r>
-                      </m:fName>
-                      <m:e>
-                        <m:r>
-                          <m:rPr>
-                            <m:sty m:val="p"/>
-                          </m:rPr>
-                          <a:rPr lang="en-CA" b="0" i="0" smtClean="0">
-                            <a:latin typeface="Cambria Math" panose="02040503050406030204" pitchFamily="18" charset="0"/>
-                          </a:rPr>
-                          <m:t>cosh</m:t>
-                        </m:r>
-                        <m:r>
-                          <a:rPr lang="en-CA" b="0" i="1" smtClean="0">
-                            <a:latin typeface="Cambria Math" panose="02040503050406030204" pitchFamily="18" charset="0"/>
-                          </a:rPr>
-                          <m:t>⁡(</m:t>
-                        </m:r>
-                        <m:r>
-                          <a:rPr lang="en-CA" b="0" i="1" smtClean="0">
-                            <a:latin typeface="Cambria Math" panose="02040503050406030204" pitchFamily="18" charset="0"/>
-                          </a:rPr>
-                          <m:t>𝑎</m:t>
-                        </m:r>
-                        <m:r>
-                          <a:rPr lang="en-CA" b="0" i="1" smtClean="0">
-                            <a:latin typeface="Cambria Math" panose="02040503050406030204" pitchFamily="18" charset="0"/>
-                          </a:rPr>
-                          <m:t>,</m:t>
-                        </m:r>
-                        <m:r>
-                          <a:rPr lang="en-CA" b="0" i="1" smtClean="0">
-                            <a:latin typeface="Cambria Math" panose="02040503050406030204" pitchFamily="18" charset="0"/>
-                          </a:rPr>
-                          <m:t>𝑦</m:t>
-                        </m:r>
-                        <m:r>
-                          <a:rPr lang="en-CA" b="0" i="1" smtClean="0">
-                            <a:latin typeface="Cambria Math" panose="02040503050406030204" pitchFamily="18" charset="0"/>
-                          </a:rPr>
-                          <m:t>)</m:t>
-                        </m:r>
-                      </m:e>
-                    </m:func>
-                  </m:oMath>
-                </a14:m>
-                <a:r>
-                  <a:rPr lang="en-US" dirty="0" smtClean="0"/>
-                  <a:t> , </a:t>
-                </a:r>
-                <a14:m>
-                  <m:oMath xmlns:m="http://schemas.openxmlformats.org/officeDocument/2006/math">
-                    <m:sSub>
-                      <m:sSubPr>
-                        <m:ctrlPr>
-                          <a:rPr lang="en-US" i="1" smtClean="0">
-                            <a:latin typeface="Cambria Math" panose="02040503050406030204" pitchFamily="18" charset="0"/>
-                          </a:rPr>
-                        </m:ctrlPr>
-                      </m:sSubPr>
-                      <m:e>
-                        <m:r>
-                          <a:rPr lang="en-CA" b="0" i="1" smtClean="0">
-                            <a:latin typeface="Cambria Math" panose="02040503050406030204" pitchFamily="18" charset="0"/>
-                          </a:rPr>
-                          <m:t>𝐺</m:t>
-                        </m:r>
-                      </m:e>
-                      <m:sub>
-                        <m:r>
-                          <a:rPr lang="en-CA" b="0" i="1" smtClean="0">
-                            <a:latin typeface="Cambria Math" panose="02040503050406030204" pitchFamily="18" charset="0"/>
-                          </a:rPr>
-                          <m:t>2</m:t>
-                        </m:r>
-                      </m:sub>
-                    </m:sSub>
-                    <m:d>
-                      <m:dPr>
-                        <m:ctrlPr>
-                          <a:rPr lang="en-CA" b="0" i="1" smtClean="0">
-                            <a:latin typeface="Cambria Math" panose="02040503050406030204" pitchFamily="18" charset="0"/>
-                          </a:rPr>
-                        </m:ctrlPr>
-                      </m:dPr>
-                      <m:e>
-                        <m:r>
-                          <a:rPr lang="en-CA" b="0" i="1" smtClean="0">
-                            <a:latin typeface="Cambria Math" panose="02040503050406030204" pitchFamily="18" charset="0"/>
-                          </a:rPr>
-                          <m:t>𝑦</m:t>
-                        </m:r>
-                      </m:e>
-                    </m:d>
-                    <m:r>
-                      <a:rPr lang="en-CA" b="0" i="1" smtClean="0">
-                        <a:latin typeface="Cambria Math" panose="02040503050406030204" pitchFamily="18" charset="0"/>
-                      </a:rPr>
-                      <m:t>=−</m:t>
-                    </m:r>
-                    <m:r>
-                      <m:rPr>
-                        <m:sty m:val="p"/>
-                      </m:rPr>
-                      <a:rPr lang="en-CA" b="0" i="0" smtClean="0">
-                        <a:latin typeface="Cambria Math" panose="02040503050406030204" pitchFamily="18" charset="0"/>
-                      </a:rPr>
-                      <m:t>exp</m:t>
-                    </m:r>
-                    <m:r>
-                      <a:rPr lang="en-CA" b="0" i="1" smtClean="0">
-                        <a:latin typeface="Cambria Math" panose="02040503050406030204" pitchFamily="18" charset="0"/>
-                      </a:rPr>
-                      <m:t>⁡(</m:t>
-                    </m:r>
-                    <m:f>
-                      <m:fPr>
-                        <m:ctrlPr>
-                          <a:rPr lang="en-CA" b="0" i="1" smtClean="0">
-                            <a:latin typeface="Cambria Math" panose="02040503050406030204" pitchFamily="18" charset="0"/>
-                          </a:rPr>
-                        </m:ctrlPr>
-                      </m:fPr>
-                      <m:num>
-                        <m:sSup>
-                          <m:sSupPr>
-                            <m:ctrlPr>
-                              <a:rPr lang="en-CA" b="0" i="1" smtClean="0">
-                                <a:latin typeface="Cambria Math" panose="02040503050406030204" pitchFamily="18" charset="0"/>
-                              </a:rPr>
-                            </m:ctrlPr>
-                          </m:sSupPr>
-                          <m:e>
-                            <m:r>
-                              <a:rPr lang="en-CA" b="0" i="1" smtClean="0">
-                                <a:latin typeface="Cambria Math" panose="02040503050406030204" pitchFamily="18" charset="0"/>
-                              </a:rPr>
-                              <m:t>−</m:t>
-                            </m:r>
-                            <m:r>
-                              <a:rPr lang="en-CA" b="0" i="1" smtClean="0">
-                                <a:latin typeface="Cambria Math" panose="02040503050406030204" pitchFamily="18" charset="0"/>
-                              </a:rPr>
-                              <m:t>𝑦</m:t>
-                            </m:r>
-                          </m:e>
-                          <m:sup>
-                            <m:r>
-                              <a:rPr lang="en-CA" b="0" i="1" smtClean="0">
-                                <a:latin typeface="Cambria Math" panose="02040503050406030204" pitchFamily="18" charset="0"/>
-                              </a:rPr>
-                              <m:t>2</m:t>
-                            </m:r>
-                          </m:sup>
-                        </m:sSup>
-                      </m:num>
-                      <m:den>
-                        <m:r>
-                          <a:rPr lang="en-CA" b="0" i="1" smtClean="0">
-                            <a:latin typeface="Cambria Math" panose="02040503050406030204" pitchFamily="18" charset="0"/>
-                          </a:rPr>
-                          <m:t>2</m:t>
-                        </m:r>
-                      </m:den>
-                    </m:f>
-                    <m:r>
-                      <a:rPr lang="en-CA" b="0" i="1" smtClean="0">
-                        <a:latin typeface="Cambria Math" panose="02040503050406030204" pitchFamily="18" charset="0"/>
-                      </a:rPr>
-                      <m:t>)</m:t>
-                    </m:r>
-                  </m:oMath>
-                </a14:m>
-                <a:endParaRPr lang="en-US" dirty="0" smtClean="0"/>
-              </a:p>
-              <a:p>
-                <a:r>
-                  <a:rPr lang="en-US" dirty="0" smtClean="0"/>
-                  <a:t>We want to maximize </a:t>
-                </a:r>
-                <a14:m>
-                  <m:oMath xmlns:m="http://schemas.openxmlformats.org/officeDocument/2006/math">
-                    <m:r>
-                      <a:rPr lang="en-CA" b="0" i="1" smtClean="0">
-                        <a:latin typeface="Cambria Math" panose="02040503050406030204" pitchFamily="18" charset="0"/>
-                      </a:rPr>
-                      <m:t>𝐸</m:t>
-                    </m:r>
-                    <m:d>
-                      <m:dPr>
-                        <m:begChr m:val="["/>
-                        <m:endChr m:val="]"/>
-                        <m:ctrlPr>
-                          <a:rPr lang="en-CA" b="0" i="1" smtClean="0">
-                            <a:latin typeface="Cambria Math" panose="02040503050406030204" pitchFamily="18" charset="0"/>
-                          </a:rPr>
-                        </m:ctrlPr>
-                      </m:dPr>
-                      <m:e>
-                        <m:r>
-                          <a:rPr lang="en-CA" b="0" i="1" smtClean="0">
-                            <a:latin typeface="Cambria Math" panose="02040503050406030204" pitchFamily="18" charset="0"/>
-                          </a:rPr>
-                          <m:t>𝐺</m:t>
-                        </m:r>
-                        <m:d>
-                          <m:dPr>
-                            <m:ctrlPr>
-                              <a:rPr lang="en-CA" b="0" i="1" smtClean="0">
-                                <a:latin typeface="Cambria Math" panose="02040503050406030204" pitchFamily="18" charset="0"/>
-                              </a:rPr>
-                            </m:ctrlPr>
-                          </m:dPr>
-                          <m:e>
-                            <m:r>
-                              <a:rPr lang="en-CA" b="0" i="1" smtClean="0">
-                                <a:latin typeface="Cambria Math" panose="02040503050406030204" pitchFamily="18" charset="0"/>
-                              </a:rPr>
-                              <m:t>𝑦</m:t>
-                            </m:r>
-                          </m:e>
-                        </m:d>
-                      </m:e>
-                    </m:d>
-                  </m:oMath>
-                </a14:m>
-                <a:r>
-                  <a:rPr lang="en-US" dirty="0" smtClean="0"/>
-                  <a:t> in order to maximize </a:t>
-                </a:r>
-                <a14:m>
-                  <m:oMath xmlns:m="http://schemas.openxmlformats.org/officeDocument/2006/math">
-                    <m:r>
-                      <a:rPr lang="en-CA" b="0" i="1" smtClean="0">
-                        <a:latin typeface="Cambria Math" panose="02040503050406030204" pitchFamily="18" charset="0"/>
-                      </a:rPr>
-                      <m:t>𝐽</m:t>
-                    </m:r>
-                    <m:r>
-                      <a:rPr lang="en-CA" b="0" i="1" smtClean="0">
-                        <a:latin typeface="Cambria Math" panose="02040503050406030204" pitchFamily="18" charset="0"/>
-                      </a:rPr>
-                      <m:t>(</m:t>
-                    </m:r>
-                    <m:r>
-                      <a:rPr lang="en-CA" b="0" i="1" smtClean="0">
-                        <a:latin typeface="Cambria Math" panose="02040503050406030204" pitchFamily="18" charset="0"/>
-                      </a:rPr>
-                      <m:t>𝑦</m:t>
-                    </m:r>
-                    <m:r>
-                      <a:rPr lang="en-CA" b="0" i="1" smtClean="0">
-                        <a:latin typeface="Cambria Math" panose="02040503050406030204" pitchFamily="18" charset="0"/>
-                      </a:rPr>
-                      <m:t>)</m:t>
-                    </m:r>
-                  </m:oMath>
-                </a14:m>
-                <a:endParaRPr lang="en-US" dirty="0"/>
-              </a:p>
-              <a:p>
-                <a:endParaRPr lang="en-US" dirty="0"/>
-              </a:p>
-              <a:p>
-                <a:endParaRPr lang="en-US" dirty="0"/>
-              </a:p>
-            </p:txBody>
-          </p:sp>
-        </mc:Choice>
-        <mc:Fallback xmlns="">
-          <p:sp>
-            <p:nvSpPr>
-              <p:cNvPr id="3" name="Content Placeholder 2">
-                <a:extLst>
-                  <a:ext uri="{FF2B5EF4-FFF2-40B4-BE49-F238E27FC236}">
-                    <a16:creationId xmlns:a16="http://schemas.microsoft.com/office/drawing/2014/main" id="{CEC70E31-34AB-2F43-811E-0A215FEECB52}"/>
-                  </a:ext>
-                </a:extLst>
-              </p:cNvPr>
-              <p:cNvSpPr>
-                <a:spLocks noGrp="1" noRot="1" noChangeAspect="1" noMove="1" noResize="1" noEditPoints="1" noAdjustHandles="1" noChangeArrowheads="1" noChangeShapeType="1" noTextEdit="1"/>
-              </p:cNvSpPr>
-              <p:nvPr>
-                <p:ph idx="1"/>
-              </p:nvPr>
-            </p:nvSpPr>
-            <p:spPr>
-              <a:xfrm>
-                <a:off x="0" y="732721"/>
-                <a:ext cx="12192000" cy="6125279"/>
-              </a:xfrm>
-              <a:blipFill>
-                <a:blip r:embed="rId2"/>
-                <a:stretch>
-                  <a:fillRect l="-900" t="-1592" r="-1000" b="-2687"/>
-                </a:stretch>
-              </a:blipFill>
-            </p:spPr>
-            <p:txBody>
-              <a:bodyPr/>
-              <a:lstStyle/>
-              <a:p>
-                <a:r>
-                  <a:rPr lang="en-CA">
-                    <a:noFill/>
-                  </a:rPr>
-                  <a:t> </a:t>
-                </a:r>
-              </a:p>
-            </p:txBody>
-          </p:sp>
-        </mc:Fallback>
-      </mc:AlternateContent>
-    </p:spTree>
-    <p:extLst>
-      <p:ext uri="{BB962C8B-B14F-4D97-AF65-F5344CB8AC3E}">
-        <p14:creationId xmlns:p14="http://schemas.microsoft.com/office/powerpoint/2010/main" val="238993692"/>
       </p:ext>
     </p:extLst>
   </p:cSld>

--- a/Lecture_16.pptx
+++ b/Lecture_16.pptx
@@ -287,7 +287,7 @@
           <a:p>
             <a:fld id="{033ECF18-D2DA-B349-9927-0DFAAF98C704}" type="datetimeFigureOut">
               <a:rPr lang="en-US" smtClean="0"/>
-              <a:t>10/10/2019</a:t>
+              <a:t>10/11/19</a:t>
             </a:fld>
             <a:endParaRPr lang="en-US"/>
           </a:p>
@@ -485,7 +485,7 @@
           <a:p>
             <a:fld id="{033ECF18-D2DA-B349-9927-0DFAAF98C704}" type="datetimeFigureOut">
               <a:rPr lang="en-US" smtClean="0"/>
-              <a:t>10/10/2019</a:t>
+              <a:t>10/11/19</a:t>
             </a:fld>
             <a:endParaRPr lang="en-US"/>
           </a:p>
@@ -693,7 +693,7 @@
           <a:p>
             <a:fld id="{033ECF18-D2DA-B349-9927-0DFAAF98C704}" type="datetimeFigureOut">
               <a:rPr lang="en-US" smtClean="0"/>
-              <a:t>10/10/2019</a:t>
+              <a:t>10/11/19</a:t>
             </a:fld>
             <a:endParaRPr lang="en-US"/>
           </a:p>
@@ -891,7 +891,7 @@
           <a:p>
             <a:fld id="{033ECF18-D2DA-B349-9927-0DFAAF98C704}" type="datetimeFigureOut">
               <a:rPr lang="en-US" smtClean="0"/>
-              <a:t>10/10/2019</a:t>
+              <a:t>10/11/19</a:t>
             </a:fld>
             <a:endParaRPr lang="en-US"/>
           </a:p>
@@ -1166,7 +1166,7 @@
           <a:p>
             <a:fld id="{033ECF18-D2DA-B349-9927-0DFAAF98C704}" type="datetimeFigureOut">
               <a:rPr lang="en-US" smtClean="0"/>
-              <a:t>10/10/2019</a:t>
+              <a:t>10/11/19</a:t>
             </a:fld>
             <a:endParaRPr lang="en-US"/>
           </a:p>
@@ -1431,7 +1431,7 @@
           <a:p>
             <a:fld id="{033ECF18-D2DA-B349-9927-0DFAAF98C704}" type="datetimeFigureOut">
               <a:rPr lang="en-US" smtClean="0"/>
-              <a:t>10/10/2019</a:t>
+              <a:t>10/11/19</a:t>
             </a:fld>
             <a:endParaRPr lang="en-US"/>
           </a:p>
@@ -1843,7 +1843,7 @@
           <a:p>
             <a:fld id="{033ECF18-D2DA-B349-9927-0DFAAF98C704}" type="datetimeFigureOut">
               <a:rPr lang="en-US" smtClean="0"/>
-              <a:t>10/10/2019</a:t>
+              <a:t>10/11/19</a:t>
             </a:fld>
             <a:endParaRPr lang="en-US"/>
           </a:p>
@@ -1984,7 +1984,7 @@
           <a:p>
             <a:fld id="{033ECF18-D2DA-B349-9927-0DFAAF98C704}" type="datetimeFigureOut">
               <a:rPr lang="en-US" smtClean="0"/>
-              <a:t>10/10/2019</a:t>
+              <a:t>10/11/19</a:t>
             </a:fld>
             <a:endParaRPr lang="en-US"/>
           </a:p>
@@ -2097,7 +2097,7 @@
           <a:p>
             <a:fld id="{033ECF18-D2DA-B349-9927-0DFAAF98C704}" type="datetimeFigureOut">
               <a:rPr lang="en-US" smtClean="0"/>
-              <a:t>10/10/2019</a:t>
+              <a:t>10/11/19</a:t>
             </a:fld>
             <a:endParaRPr lang="en-US"/>
           </a:p>
@@ -2408,7 +2408,7 @@
           <a:p>
             <a:fld id="{033ECF18-D2DA-B349-9927-0DFAAF98C704}" type="datetimeFigureOut">
               <a:rPr lang="en-US" smtClean="0"/>
-              <a:t>10/10/2019</a:t>
+              <a:t>10/11/19</a:t>
             </a:fld>
             <a:endParaRPr lang="en-US"/>
           </a:p>
@@ -2696,7 +2696,7 @@
           <a:p>
             <a:fld id="{033ECF18-D2DA-B349-9927-0DFAAF98C704}" type="datetimeFigureOut">
               <a:rPr lang="en-US" smtClean="0"/>
-              <a:t>10/10/2019</a:t>
+              <a:t>10/11/19</a:t>
             </a:fld>
             <a:endParaRPr lang="en-US"/>
           </a:p>
@@ -2937,7 +2937,7 @@
           <a:p>
             <a:fld id="{033ECF18-D2DA-B349-9927-0DFAAF98C704}" type="datetimeFigureOut">
               <a:rPr lang="en-US" smtClean="0"/>
-              <a:t>10/10/2019</a:t>
+              <a:t>10/11/19</a:t>
             </a:fld>
             <a:endParaRPr lang="en-US"/>
           </a:p>
@@ -3427,13 +3427,6 @@
   <p:clrMapOvr>
     <a:masterClrMapping/>
   </p:clrMapOvr>
-  <p:timing>
-    <p:tnLst>
-      <p:par>
-        <p:cTn id="1" dur="indefinite" restart="never" nodeType="tmRoot"/>
-      </p:par>
-    </p:tnLst>
-  </p:timing>
 </p:sld>
 </file>
 
@@ -3490,13 +3483,17 @@
             </a:r>
             <a:r>
               <a:rPr lang="en-US" dirty="0"/>
-              <a:t>: Negentropy</a:t>
+              <a:t>: </a:t>
+            </a:r>
+            <a:r>
+              <a:rPr lang="en-US" b="1" dirty="0"/>
+              <a:t>Negentropy</a:t>
             </a:r>
           </a:p>
         </p:txBody>
       </p:sp>
-      <mc:AlternateContent xmlns:mc="http://schemas.openxmlformats.org/markup-compatibility/2006">
-        <mc:Choice xmlns:a14="http://schemas.microsoft.com/office/drawing/2010/main" Requires="a14">
+      <mc:AlternateContent xmlns:mc="http://schemas.openxmlformats.org/markup-compatibility/2006" xmlns:a14="http://schemas.microsoft.com/office/drawing/2010/main">
+        <mc:Choice Requires="a14">
           <p:sp>
             <p:nvSpPr>
               <p:cNvPr id="3" name="Content Placeholder 2">
@@ -3526,7 +3523,7 @@
               <a:lstStyle/>
               <a:p>
                 <a:r>
-                  <a:rPr lang="en-US" dirty="0" smtClean="0"/>
+                  <a:rPr lang="en-US" dirty="0"/>
                   <a:t>The entropy of a continuous random variable </a:t>
                 </a:r>
                 <a14:m>
@@ -3828,21 +3825,13 @@
                     </m:d>
                   </m:oMath>
                 </a14:m>
-                <a:endParaRPr lang="en-US" dirty="0" smtClean="0"/>
+                <a:endParaRPr lang="en-US" dirty="0"/>
               </a:p>
               <a:p>
                 <a:pPr lvl="1"/>
                 <a:r>
                   <a:rPr lang="en-US" dirty="0"/>
-                  <a:t>U</a:t>
-                </a:r>
-                <a:r>
-                  <a:rPr lang="en-US" dirty="0" smtClean="0"/>
-                  <a:t>niform </a:t>
-                </a:r>
-                <a:r>
-                  <a:rPr lang="en-US" dirty="0"/>
-                  <a:t>distribution has maximum entropy among all distributions over a finite range</a:t>
+                  <a:t>Uniform distribution has maximum entropy among all distributions over a finite range</a:t>
                 </a:r>
               </a:p>
               <a:p>
@@ -4435,17 +4424,13 @@
                 </a14:m>
                 <a:r>
                   <a:rPr lang="en-US" sz="2000" dirty="0"/>
-                  <a:t> are some 	non-quadratic </a:t>
-                </a:r>
-                <a:r>
-                  <a:rPr lang="en-US" sz="2000" dirty="0" smtClean="0"/>
-                  <a:t>functions such as:</a:t>
+                  <a:t> are some 	non-quadratic functions such as:</a:t>
                 </a:r>
                 <a:br>
-                  <a:rPr lang="en-US" sz="2000" dirty="0" smtClean="0"/>
+                  <a:rPr lang="en-US" sz="2000" dirty="0"/>
                 </a:br>
                 <a:r>
-                  <a:rPr lang="en-US" sz="2000" dirty="0" smtClean="0"/>
+                  <a:rPr lang="en-US" sz="2000" dirty="0"/>
                   <a:t>			</a:t>
                 </a:r>
                 <a14:m>
@@ -4562,13 +4547,7 @@
                           <a:rPr lang="en-CA" b="0" i="1" smtClean="0">
                             <a:latin typeface="Cambria Math" panose="02040503050406030204" pitchFamily="18" charset="0"/>
                           </a:rPr>
-                          <m:t>𝑎</m:t>
-                        </m:r>
-                        <m:r>
-                          <a:rPr lang="en-CA" b="0" i="1" smtClean="0">
-                            <a:latin typeface="Cambria Math" panose="02040503050406030204" pitchFamily="18" charset="0"/>
-                          </a:rPr>
-                          <m:t>𝑦</m:t>
+                          <m:t>𝑎𝑦</m:t>
                         </m:r>
                         <m:r>
                           <a:rPr lang="en-CA" b="0" i="1" smtClean="0">
@@ -4581,7 +4560,7 @@
                   </m:oMath>
                 </a14:m>
                 <a:r>
-                  <a:rPr lang="en-US" dirty="0" smtClean="0"/>
+                  <a:rPr lang="en-US" dirty="0"/>
                   <a:t> , </a:t>
                 </a:r>
                 <a14:m>
@@ -4707,11 +4686,11 @@
                     </m:r>
                   </m:oMath>
                 </a14:m>
-                <a:endParaRPr lang="en-US" dirty="0" smtClean="0"/>
+                <a:endParaRPr lang="en-US" dirty="0"/>
               </a:p>
               <a:p>
                 <a:r>
-                  <a:rPr lang="en-US" dirty="0" smtClean="0"/>
+                  <a:rPr lang="en-US" dirty="0"/>
                   <a:t>We want to maximize </a:t>
                 </a:r>
                 <a14:m>
@@ -4761,7 +4740,7 @@
                   </m:oMath>
                 </a14:m>
                 <a:r>
-                  <a:rPr lang="en-US" dirty="0" smtClean="0"/>
+                  <a:rPr lang="en-US" dirty="0"/>
                   <a:t> in order to maximize </a:t>
                 </a:r>
                 <a14:m>
@@ -4803,7 +4782,7 @@
             </p:txBody>
           </p:sp>
         </mc:Choice>
-        <mc:Fallback>
+        <mc:Fallback xmlns="">
           <p:sp>
             <p:nvSpPr>
               <p:cNvPr id="3" name="Content Placeholder 2">
@@ -4847,6 +4826,57 @@
           </p:sp>
         </mc:Fallback>
       </mc:AlternateContent>
+      <p:sp>
+        <p:nvSpPr>
+          <p:cNvPr id="4" name="TextBox 3">
+            <a:extLst>
+              <a:ext uri="{FF2B5EF4-FFF2-40B4-BE49-F238E27FC236}">
+                <a16:creationId xmlns:a16="http://schemas.microsoft.com/office/drawing/2014/main" id="{CA65FF18-755F-B840-B467-BAF0CE563417}"/>
+              </a:ext>
+            </a:extLst>
+          </p:cNvPr>
+          <p:cNvSpPr txBox="1"/>
+          <p:nvPr/>
+        </p:nvSpPr>
+        <p:spPr>
+          <a:xfrm>
+            <a:off x="6443134" y="6488668"/>
+            <a:ext cx="5808133" cy="369332"/>
+          </a:xfrm>
+          <a:prstGeom prst="rect">
+            <a:avLst/>
+          </a:prstGeom>
+          <a:noFill/>
+        </p:spPr>
+        <p:txBody>
+          <a:bodyPr wrap="square" rtlCol="0">
+            <a:spAutoFit/>
+          </a:bodyPr>
+          <a:lstStyle/>
+          <a:p>
+            <a:r>
+              <a:rPr lang="en-US" dirty="0"/>
+              <a:t>http://</a:t>
+            </a:r>
+            <a:r>
+              <a:rPr lang="en-US" dirty="0" err="1"/>
+              <a:t>fourier.eng.hmc.edu</a:t>
+            </a:r>
+            <a:r>
+              <a:rPr lang="en-US" dirty="0"/>
+              <a:t>/e161/lectures/</a:t>
+            </a:r>
+            <a:r>
+              <a:rPr lang="en-US" dirty="0" err="1"/>
+              <a:t>ica</a:t>
+            </a:r>
+            <a:r>
+              <a:rPr lang="en-US" dirty="0"/>
+              <a:t>/node4.html</a:t>
+            </a:r>
+          </a:p>
+        </p:txBody>
+      </p:sp>
     </p:spTree>
     <p:extLst>
       <p:ext uri="{BB962C8B-B14F-4D97-AF65-F5344CB8AC3E}">
@@ -4860,9 +4890,311 @@
   <p:timing>
     <p:tnLst>
       <p:par>
-        <p:cTn id="1" dur="indefinite" restart="never" nodeType="tmRoot"/>
+        <p:cTn id="1" dur="indefinite" restart="never" nodeType="tmRoot">
+          <p:childTnLst>
+            <p:seq concurrent="1" nextAc="seek">
+              <p:cTn id="2" dur="indefinite" nodeType="mainSeq">
+                <p:childTnLst>
+                  <p:par>
+                    <p:cTn id="3" fill="hold">
+                      <p:stCondLst>
+                        <p:cond delay="indefinite"/>
+                      </p:stCondLst>
+                      <p:childTnLst>
+                        <p:par>
+                          <p:cTn id="4" fill="hold">
+                            <p:stCondLst>
+                              <p:cond delay="0"/>
+                            </p:stCondLst>
+                            <p:childTnLst>
+                              <p:par>
+                                <p:cTn id="5" presetID="1" presetClass="entr" presetSubtype="0" fill="hold" grpId="0" nodeType="clickEffect">
+                                  <p:stCondLst>
+                                    <p:cond delay="0"/>
+                                  </p:stCondLst>
+                                  <p:childTnLst>
+                                    <p:set>
+                                      <p:cBhvr>
+                                        <p:cTn id="6" dur="1" fill="hold">
+                                          <p:stCondLst>
+                                            <p:cond delay="0"/>
+                                          </p:stCondLst>
+                                        </p:cTn>
+                                        <p:tgtEl>
+                                          <p:spTgt spid="3">
+                                            <p:txEl>
+                                              <p:pRg st="0" end="0"/>
+                                            </p:txEl>
+                                          </p:spTgt>
+                                        </p:tgtEl>
+                                        <p:attrNameLst>
+                                          <p:attrName>style.visibility</p:attrName>
+                                        </p:attrNameLst>
+                                      </p:cBhvr>
+                                      <p:to>
+                                        <p:strVal val="visible"/>
+                                      </p:to>
+                                    </p:set>
+                                  </p:childTnLst>
+                                </p:cTn>
+                              </p:par>
+                            </p:childTnLst>
+                          </p:cTn>
+                        </p:par>
+                      </p:childTnLst>
+                    </p:cTn>
+                  </p:par>
+                  <p:par>
+                    <p:cTn id="7" fill="hold">
+                      <p:stCondLst>
+                        <p:cond delay="indefinite"/>
+                      </p:stCondLst>
+                      <p:childTnLst>
+                        <p:par>
+                          <p:cTn id="8" fill="hold">
+                            <p:stCondLst>
+                              <p:cond delay="0"/>
+                            </p:stCondLst>
+                            <p:childTnLst>
+                              <p:par>
+                                <p:cTn id="9" presetID="1" presetClass="entr" presetSubtype="0" fill="hold" grpId="0" nodeType="clickEffect">
+                                  <p:stCondLst>
+                                    <p:cond delay="0"/>
+                                  </p:stCondLst>
+                                  <p:childTnLst>
+                                    <p:set>
+                                      <p:cBhvr>
+                                        <p:cTn id="10" dur="1" fill="hold">
+                                          <p:stCondLst>
+                                            <p:cond delay="0"/>
+                                          </p:stCondLst>
+                                        </p:cTn>
+                                        <p:tgtEl>
+                                          <p:spTgt spid="3">
+                                            <p:txEl>
+                                              <p:pRg st="1" end="1"/>
+                                            </p:txEl>
+                                          </p:spTgt>
+                                        </p:tgtEl>
+                                        <p:attrNameLst>
+                                          <p:attrName>style.visibility</p:attrName>
+                                        </p:attrNameLst>
+                                      </p:cBhvr>
+                                      <p:to>
+                                        <p:strVal val="visible"/>
+                                      </p:to>
+                                    </p:set>
+                                  </p:childTnLst>
+                                </p:cTn>
+                              </p:par>
+                              <p:par>
+                                <p:cTn id="11" presetID="1" presetClass="entr" presetSubtype="0" fill="hold" grpId="0" nodeType="withEffect">
+                                  <p:stCondLst>
+                                    <p:cond delay="0"/>
+                                  </p:stCondLst>
+                                  <p:childTnLst>
+                                    <p:set>
+                                      <p:cBhvr>
+                                        <p:cTn id="12" dur="1" fill="hold">
+                                          <p:stCondLst>
+                                            <p:cond delay="0"/>
+                                          </p:stCondLst>
+                                        </p:cTn>
+                                        <p:tgtEl>
+                                          <p:spTgt spid="3">
+                                            <p:txEl>
+                                              <p:pRg st="2" end="2"/>
+                                            </p:txEl>
+                                          </p:spTgt>
+                                        </p:tgtEl>
+                                        <p:attrNameLst>
+                                          <p:attrName>style.visibility</p:attrName>
+                                        </p:attrNameLst>
+                                      </p:cBhvr>
+                                      <p:to>
+                                        <p:strVal val="visible"/>
+                                      </p:to>
+                                    </p:set>
+                                  </p:childTnLst>
+                                </p:cTn>
+                              </p:par>
+                            </p:childTnLst>
+                          </p:cTn>
+                        </p:par>
+                      </p:childTnLst>
+                    </p:cTn>
+                  </p:par>
+                  <p:par>
+                    <p:cTn id="13" fill="hold">
+                      <p:stCondLst>
+                        <p:cond delay="indefinite"/>
+                      </p:stCondLst>
+                      <p:childTnLst>
+                        <p:par>
+                          <p:cTn id="14" fill="hold">
+                            <p:stCondLst>
+                              <p:cond delay="0"/>
+                            </p:stCondLst>
+                            <p:childTnLst>
+                              <p:par>
+                                <p:cTn id="15" presetID="1" presetClass="entr" presetSubtype="0" fill="hold" grpId="0" nodeType="clickEffect">
+                                  <p:stCondLst>
+                                    <p:cond delay="0"/>
+                                  </p:stCondLst>
+                                  <p:childTnLst>
+                                    <p:set>
+                                      <p:cBhvr>
+                                        <p:cTn id="16" dur="1" fill="hold">
+                                          <p:stCondLst>
+                                            <p:cond delay="0"/>
+                                          </p:stCondLst>
+                                        </p:cTn>
+                                        <p:tgtEl>
+                                          <p:spTgt spid="3">
+                                            <p:txEl>
+                                              <p:pRg st="3" end="3"/>
+                                            </p:txEl>
+                                          </p:spTgt>
+                                        </p:tgtEl>
+                                        <p:attrNameLst>
+                                          <p:attrName>style.visibility</p:attrName>
+                                        </p:attrNameLst>
+                                      </p:cBhvr>
+                                      <p:to>
+                                        <p:strVal val="visible"/>
+                                      </p:to>
+                                    </p:set>
+                                  </p:childTnLst>
+                                </p:cTn>
+                              </p:par>
+                            </p:childTnLst>
+                          </p:cTn>
+                        </p:par>
+                      </p:childTnLst>
+                    </p:cTn>
+                  </p:par>
+                  <p:par>
+                    <p:cTn id="17" fill="hold">
+                      <p:stCondLst>
+                        <p:cond delay="indefinite"/>
+                      </p:stCondLst>
+                      <p:childTnLst>
+                        <p:par>
+                          <p:cTn id="18" fill="hold">
+                            <p:stCondLst>
+                              <p:cond delay="0"/>
+                            </p:stCondLst>
+                            <p:childTnLst>
+                              <p:par>
+                                <p:cTn id="19" presetID="1" presetClass="entr" presetSubtype="0" fill="hold" grpId="0" nodeType="clickEffect">
+                                  <p:stCondLst>
+                                    <p:cond delay="0"/>
+                                  </p:stCondLst>
+                                  <p:childTnLst>
+                                    <p:set>
+                                      <p:cBhvr>
+                                        <p:cTn id="20" dur="1" fill="hold">
+                                          <p:stCondLst>
+                                            <p:cond delay="0"/>
+                                          </p:stCondLst>
+                                        </p:cTn>
+                                        <p:tgtEl>
+                                          <p:spTgt spid="3">
+                                            <p:txEl>
+                                              <p:pRg st="4" end="4"/>
+                                            </p:txEl>
+                                          </p:spTgt>
+                                        </p:tgtEl>
+                                        <p:attrNameLst>
+                                          <p:attrName>style.visibility</p:attrName>
+                                        </p:attrNameLst>
+                                      </p:cBhvr>
+                                      <p:to>
+                                        <p:strVal val="visible"/>
+                                      </p:to>
+                                    </p:set>
+                                  </p:childTnLst>
+                                </p:cTn>
+                              </p:par>
+                            </p:childTnLst>
+                          </p:cTn>
+                        </p:par>
+                      </p:childTnLst>
+                    </p:cTn>
+                  </p:par>
+                  <p:par>
+                    <p:cTn id="21" fill="hold">
+                      <p:stCondLst>
+                        <p:cond delay="indefinite"/>
+                      </p:stCondLst>
+                      <p:childTnLst>
+                        <p:par>
+                          <p:cTn id="22" fill="hold">
+                            <p:stCondLst>
+                              <p:cond delay="0"/>
+                            </p:stCondLst>
+                            <p:childTnLst>
+                              <p:par>
+                                <p:cTn id="23" presetID="1" presetClass="entr" presetSubtype="0" fill="hold" grpId="0" nodeType="clickEffect">
+                                  <p:stCondLst>
+                                    <p:cond delay="0"/>
+                                  </p:stCondLst>
+                                  <p:childTnLst>
+                                    <p:set>
+                                      <p:cBhvr>
+                                        <p:cTn id="24" dur="1" fill="hold">
+                                          <p:stCondLst>
+                                            <p:cond delay="0"/>
+                                          </p:stCondLst>
+                                        </p:cTn>
+                                        <p:tgtEl>
+                                          <p:spTgt spid="3">
+                                            <p:txEl>
+                                              <p:pRg st="5" end="5"/>
+                                            </p:txEl>
+                                          </p:spTgt>
+                                        </p:tgtEl>
+                                        <p:attrNameLst>
+                                          <p:attrName>style.visibility</p:attrName>
+                                        </p:attrNameLst>
+                                      </p:cBhvr>
+                                      <p:to>
+                                        <p:strVal val="visible"/>
+                                      </p:to>
+                                    </p:set>
+                                  </p:childTnLst>
+                                </p:cTn>
+                              </p:par>
+                            </p:childTnLst>
+                          </p:cTn>
+                        </p:par>
+                      </p:childTnLst>
+                    </p:cTn>
+                  </p:par>
+                </p:childTnLst>
+              </p:cTn>
+              <p:prevCondLst>
+                <p:cond evt="onPrev" delay="0">
+                  <p:tgtEl>
+                    <p:sldTgt/>
+                  </p:tgtEl>
+                </p:cond>
+              </p:prevCondLst>
+              <p:nextCondLst>
+                <p:cond evt="onNext" delay="0">
+                  <p:tgtEl>
+                    <p:sldTgt/>
+                  </p:tgtEl>
+                </p:cond>
+              </p:nextCondLst>
+            </p:seq>
+          </p:childTnLst>
+        </p:cTn>
       </p:par>
     </p:tnLst>
+    <p:bldLst>
+      <p:bldP spid="3" grpId="0" build="p"/>
+    </p:bldLst>
   </p:timing>
 </p:sld>
 </file>
@@ -6131,6 +6463,57 @@
           </p:sp>
         </mc:Fallback>
       </mc:AlternateContent>
+      <p:sp>
+        <p:nvSpPr>
+          <p:cNvPr id="4" name="TextBox 3">
+            <a:extLst>
+              <a:ext uri="{FF2B5EF4-FFF2-40B4-BE49-F238E27FC236}">
+                <a16:creationId xmlns:a16="http://schemas.microsoft.com/office/drawing/2014/main" id="{8E3D8ED6-20CF-8848-AEF1-DCCCAFFD27DB}"/>
+              </a:ext>
+            </a:extLst>
+          </p:cNvPr>
+          <p:cNvSpPr txBox="1"/>
+          <p:nvPr/>
+        </p:nvSpPr>
+        <p:spPr>
+          <a:xfrm>
+            <a:off x="6553200" y="6488668"/>
+            <a:ext cx="5638800" cy="369332"/>
+          </a:xfrm>
+          <a:prstGeom prst="rect">
+            <a:avLst/>
+          </a:prstGeom>
+          <a:noFill/>
+        </p:spPr>
+        <p:txBody>
+          <a:bodyPr wrap="square" rtlCol="0">
+            <a:spAutoFit/>
+          </a:bodyPr>
+          <a:lstStyle/>
+          <a:p>
+            <a:r>
+              <a:rPr lang="en-US" dirty="0"/>
+              <a:t>http://</a:t>
+            </a:r>
+            <a:r>
+              <a:rPr lang="en-US" dirty="0" err="1"/>
+              <a:t>fourier.eng.hmc.edu</a:t>
+            </a:r>
+            <a:r>
+              <a:rPr lang="en-US" dirty="0"/>
+              <a:t>/e161/lectures/</a:t>
+            </a:r>
+            <a:r>
+              <a:rPr lang="en-US" dirty="0" err="1"/>
+              <a:t>ica</a:t>
+            </a:r>
+            <a:r>
+              <a:rPr lang="en-US" dirty="0"/>
+              <a:t>/node7.html</a:t>
+            </a:r>
+          </a:p>
+        </p:txBody>
+      </p:sp>
     </p:spTree>
     <p:extLst>
       <p:ext uri="{BB962C8B-B14F-4D97-AF65-F5344CB8AC3E}">
@@ -6144,9 +6527,231 @@
   <p:timing>
     <p:tnLst>
       <p:par>
-        <p:cTn id="1" dur="indefinite" restart="never" nodeType="tmRoot"/>
+        <p:cTn id="1" dur="indefinite" restart="never" nodeType="tmRoot">
+          <p:childTnLst>
+            <p:seq concurrent="1" nextAc="seek">
+              <p:cTn id="2" dur="indefinite" nodeType="mainSeq">
+                <p:childTnLst>
+                  <p:par>
+                    <p:cTn id="3" fill="hold">
+                      <p:stCondLst>
+                        <p:cond delay="indefinite"/>
+                      </p:stCondLst>
+                      <p:childTnLst>
+                        <p:par>
+                          <p:cTn id="4" fill="hold">
+                            <p:stCondLst>
+                              <p:cond delay="0"/>
+                            </p:stCondLst>
+                            <p:childTnLst>
+                              <p:par>
+                                <p:cTn id="5" presetID="1" presetClass="entr" presetSubtype="0" fill="hold" grpId="0" nodeType="clickEffect">
+                                  <p:stCondLst>
+                                    <p:cond delay="0"/>
+                                  </p:stCondLst>
+                                  <p:childTnLst>
+                                    <p:set>
+                                      <p:cBhvr>
+                                        <p:cTn id="6" dur="1" fill="hold">
+                                          <p:stCondLst>
+                                            <p:cond delay="0"/>
+                                          </p:stCondLst>
+                                        </p:cTn>
+                                        <p:tgtEl>
+                                          <p:spTgt spid="3">
+                                            <p:txEl>
+                                              <p:pRg st="0" end="0"/>
+                                            </p:txEl>
+                                          </p:spTgt>
+                                        </p:tgtEl>
+                                        <p:attrNameLst>
+                                          <p:attrName>style.visibility</p:attrName>
+                                        </p:attrNameLst>
+                                      </p:cBhvr>
+                                      <p:to>
+                                        <p:strVal val="visible"/>
+                                      </p:to>
+                                    </p:set>
+                                  </p:childTnLst>
+                                </p:cTn>
+                              </p:par>
+                            </p:childTnLst>
+                          </p:cTn>
+                        </p:par>
+                      </p:childTnLst>
+                    </p:cTn>
+                  </p:par>
+                  <p:par>
+                    <p:cTn id="7" fill="hold">
+                      <p:stCondLst>
+                        <p:cond delay="indefinite"/>
+                      </p:stCondLst>
+                      <p:childTnLst>
+                        <p:par>
+                          <p:cTn id="8" fill="hold">
+                            <p:stCondLst>
+                              <p:cond delay="0"/>
+                            </p:stCondLst>
+                            <p:childTnLst>
+                              <p:par>
+                                <p:cTn id="9" presetID="1" presetClass="entr" presetSubtype="0" fill="hold" grpId="0" nodeType="clickEffect">
+                                  <p:stCondLst>
+                                    <p:cond delay="0"/>
+                                  </p:stCondLst>
+                                  <p:childTnLst>
+                                    <p:set>
+                                      <p:cBhvr>
+                                        <p:cTn id="10" dur="1" fill="hold">
+                                          <p:stCondLst>
+                                            <p:cond delay="0"/>
+                                          </p:stCondLst>
+                                        </p:cTn>
+                                        <p:tgtEl>
+                                          <p:spTgt spid="3">
+                                            <p:txEl>
+                                              <p:pRg st="1" end="1"/>
+                                            </p:txEl>
+                                          </p:spTgt>
+                                        </p:tgtEl>
+                                        <p:attrNameLst>
+                                          <p:attrName>style.visibility</p:attrName>
+                                        </p:attrNameLst>
+                                      </p:cBhvr>
+                                      <p:to>
+                                        <p:strVal val="visible"/>
+                                      </p:to>
+                                    </p:set>
+                                  </p:childTnLst>
+                                </p:cTn>
+                              </p:par>
+                            </p:childTnLst>
+                          </p:cTn>
+                        </p:par>
+                      </p:childTnLst>
+                    </p:cTn>
+                  </p:par>
+                  <p:par>
+                    <p:cTn id="11" fill="hold">
+                      <p:stCondLst>
+                        <p:cond delay="indefinite"/>
+                      </p:stCondLst>
+                      <p:childTnLst>
+                        <p:par>
+                          <p:cTn id="12" fill="hold">
+                            <p:stCondLst>
+                              <p:cond delay="0"/>
+                            </p:stCondLst>
+                            <p:childTnLst>
+                              <p:par>
+                                <p:cTn id="13" presetID="1" presetClass="entr" presetSubtype="0" fill="hold" grpId="0" nodeType="clickEffect">
+                                  <p:stCondLst>
+                                    <p:cond delay="0"/>
+                                  </p:stCondLst>
+                                  <p:childTnLst>
+                                    <p:set>
+                                      <p:cBhvr>
+                                        <p:cTn id="14" dur="1" fill="hold">
+                                          <p:stCondLst>
+                                            <p:cond delay="0"/>
+                                          </p:stCondLst>
+                                        </p:cTn>
+                                        <p:tgtEl>
+                                          <p:spTgt spid="3">
+                                            <p:txEl>
+                                              <p:pRg st="2" end="2"/>
+                                            </p:txEl>
+                                          </p:spTgt>
+                                        </p:tgtEl>
+                                        <p:attrNameLst>
+                                          <p:attrName>style.visibility</p:attrName>
+                                        </p:attrNameLst>
+                                      </p:cBhvr>
+                                      <p:to>
+                                        <p:strVal val="visible"/>
+                                      </p:to>
+                                    </p:set>
+                                  </p:childTnLst>
+                                </p:cTn>
+                              </p:par>
+                            </p:childTnLst>
+                          </p:cTn>
+                        </p:par>
+                      </p:childTnLst>
+                    </p:cTn>
+                  </p:par>
+                  <p:par>
+                    <p:cTn id="15" fill="hold">
+                      <p:stCondLst>
+                        <p:cond delay="indefinite"/>
+                      </p:stCondLst>
+                      <p:childTnLst>
+                        <p:par>
+                          <p:cTn id="16" fill="hold">
+                            <p:stCondLst>
+                              <p:cond delay="0"/>
+                            </p:stCondLst>
+                            <p:childTnLst>
+                              <p:par>
+                                <p:cTn id="17" presetID="1" presetClass="entr" presetSubtype="0" fill="hold" grpId="0" nodeType="clickEffect">
+                                  <p:stCondLst>
+                                    <p:cond delay="0"/>
+                                  </p:stCondLst>
+                                  <p:childTnLst>
+                                    <p:set>
+                                      <p:cBhvr>
+                                        <p:cTn id="18" dur="1" fill="hold">
+                                          <p:stCondLst>
+                                            <p:cond delay="0"/>
+                                          </p:stCondLst>
+                                        </p:cTn>
+                                        <p:tgtEl>
+                                          <p:spTgt spid="3">
+                                            <p:txEl>
+                                              <p:pRg st="3" end="3"/>
+                                            </p:txEl>
+                                          </p:spTgt>
+                                        </p:tgtEl>
+                                        <p:attrNameLst>
+                                          <p:attrName>style.visibility</p:attrName>
+                                        </p:attrNameLst>
+                                      </p:cBhvr>
+                                      <p:to>
+                                        <p:strVal val="visible"/>
+                                      </p:to>
+                                    </p:set>
+                                  </p:childTnLst>
+                                </p:cTn>
+                              </p:par>
+                            </p:childTnLst>
+                          </p:cTn>
+                        </p:par>
+                      </p:childTnLst>
+                    </p:cTn>
+                  </p:par>
+                </p:childTnLst>
+              </p:cTn>
+              <p:prevCondLst>
+                <p:cond evt="onPrev" delay="0">
+                  <p:tgtEl>
+                    <p:sldTgt/>
+                  </p:tgtEl>
+                </p:cond>
+              </p:prevCondLst>
+              <p:nextCondLst>
+                <p:cond evt="onNext" delay="0">
+                  <p:tgtEl>
+                    <p:sldTgt/>
+                  </p:tgtEl>
+                </p:cond>
+              </p:nextCondLst>
+            </p:seq>
+          </p:childTnLst>
+        </p:cTn>
       </p:par>
     </p:tnLst>
+    <p:bldLst>
+      <p:bldP spid="3" grpId="0" build="p"/>
+    </p:bldLst>
   </p:timing>
 </p:sld>
 </file>
@@ -6439,12 +7044,6 @@
                     </m:r>
                   </m:oMath>
                 </a14:m>
-                <a:r>
-                  <a:rPr lang="en-US" b="0" dirty="0">
-                    <a:ea typeface="Cambria Math" panose="02040503050406030204" pitchFamily="18" charset="0"/>
-                  </a:rPr>
-                  <a:t/>
-                </a:r>
                 <a:br>
                   <a:rPr lang="en-US" b="0" dirty="0">
                     <a:ea typeface="Cambria Math" panose="02040503050406030204" pitchFamily="18" charset="0"/>
@@ -7490,21 +8089,6 @@
                       </m:den>
                     </m:f>
                     <m:r>
-                      <a:rPr lang="en-US" b="0" i="1" smtClean="0">
-                        <a:latin typeface="Cambria Math" panose="02040503050406030204" pitchFamily="18" charset="0"/>
-                        <a:ea typeface="Cambria Math" panose="02040503050406030204" pitchFamily="18" charset="0"/>
-                      </a:rPr>
-                      <m:t>−</m:t>
-                    </m:r>
-                  </m:oMath>
-                </a14:m>
-                <a:r>
-                  <a:rPr lang="en-US" b="0" dirty="0"/>
-                  <a:t> </a:t>
-                </a:r>
-                <a14:m>
-                  <m:oMath xmlns:m="http://schemas.openxmlformats.org/officeDocument/2006/math">
-                    <m:r>
                       <a:rPr lang="en-US" b="0" i="0" smtClean="0">
                         <a:latin typeface="Cambria Math" panose="02040503050406030204" pitchFamily="18" charset="0"/>
                       </a:rPr>
@@ -8001,7 +8585,15 @@
               <a:p>
                 <a:r>
                   <a:rPr lang="en-US" dirty="0"/>
-                  <a:t>If not converged, return to Newton-Raphson iteration</a:t>
+                  <a:t>If not converged, update </a:t>
+                </a:r>
+                <a:r>
+                  <a:rPr lang="en-US" b="1" dirty="0"/>
+                  <a:t>w</a:t>
+                </a:r>
+                <a:r>
+                  <a:rPr lang="en-US" dirty="0"/>
+                  <a:t> again</a:t>
                 </a:r>
               </a:p>
             </p:txBody>
@@ -8032,7 +8624,7 @@
               <a:blipFill>
                 <a:blip r:embed="rId2"/>
                 <a:stretch>
-                  <a:fillRect l="-900" t="-2215"/>
+                  <a:fillRect l="-833" t="-2412"/>
                 </a:stretch>
               </a:blipFill>
             </p:spPr>
@@ -8041,7 +8633,7 @@
               <a:lstStyle/>
               <a:p>
                 <a:r>
-                  <a:rPr lang="en-CA">
+                  <a:rPr lang="en-US">
                     <a:noFill/>
                   </a:rPr>
                   <a:t> </a:t>
@@ -8051,8 +8643,8 @@
           </p:sp>
         </mc:Fallback>
       </mc:AlternateContent>
-      <mc:AlternateContent xmlns:mc="http://schemas.openxmlformats.org/markup-compatibility/2006">
-        <mc:Choice xmlns:a14="http://schemas.microsoft.com/office/drawing/2010/main" Requires="a14">
+      <mc:AlternateContent xmlns:mc="http://schemas.openxmlformats.org/markup-compatibility/2006" xmlns:a14="http://schemas.microsoft.com/office/drawing/2010/main">
+        <mc:Choice Requires="a14">
           <p:sp>
             <p:nvSpPr>
               <p:cNvPr id="4" name="TextBox 3"/>
@@ -8076,7 +8668,7 @@
               <a:lstStyle/>
               <a:p>
                 <a:r>
-                  <a:rPr lang="en-CA" sz="2000" dirty="0" smtClean="0"/>
+                  <a:rPr lang="en-CA" sz="2000" dirty="0"/>
                   <a:t>To solve an algebraic equation </a:t>
                 </a:r>
                 <a14:m>
@@ -8119,7 +8711,7 @@
                   </m:oMath>
                 </a14:m>
                 <a:r>
-                  <a:rPr lang="en-CA" sz="2000" dirty="0" smtClean="0"/>
+                  <a:rPr lang="en-CA" sz="2000" dirty="0"/>
                   <a:t> select an initial random guess </a:t>
                 </a:r>
                 <a14:m>
@@ -8152,7 +8744,7 @@
                   </m:oMath>
                 </a14:m>
                 <a:r>
-                  <a:rPr lang="en-CA" sz="2000" dirty="0" smtClean="0"/>
+                  <a:rPr lang="en-CA" sz="2000" dirty="0"/>
                   <a:t> and follow the iteration: </a:t>
                 </a:r>
                 <a14:m>
@@ -8299,7 +8891,7 @@
             </p:txBody>
           </p:sp>
         </mc:Choice>
-        <mc:Fallback>
+        <mc:Fallback xmlns="">
           <p:sp>
             <p:nvSpPr>
               <p:cNvPr id="4" name="TextBox 3"/>
@@ -8338,6 +8930,92 @@
           </p:sp>
         </mc:Fallback>
       </mc:AlternateContent>
+      <p:sp>
+        <p:nvSpPr>
+          <p:cNvPr id="5" name="TextBox 4">
+            <a:extLst>
+              <a:ext uri="{FF2B5EF4-FFF2-40B4-BE49-F238E27FC236}">
+                <a16:creationId xmlns:a16="http://schemas.microsoft.com/office/drawing/2014/main" id="{A334F2A7-9542-8546-8428-8E44BE053664}"/>
+              </a:ext>
+            </a:extLst>
+          </p:cNvPr>
+          <p:cNvSpPr txBox="1"/>
+          <p:nvPr/>
+        </p:nvSpPr>
+        <p:spPr>
+          <a:xfrm>
+            <a:off x="6553200" y="6488668"/>
+            <a:ext cx="5638800" cy="369332"/>
+          </a:xfrm>
+          <a:prstGeom prst="rect">
+            <a:avLst/>
+          </a:prstGeom>
+          <a:noFill/>
+        </p:spPr>
+        <p:txBody>
+          <a:bodyPr wrap="square" rtlCol="0">
+            <a:spAutoFit/>
+          </a:bodyPr>
+          <a:lstStyle/>
+          <a:p>
+            <a:r>
+              <a:rPr lang="en-US" dirty="0"/>
+              <a:t>http://</a:t>
+            </a:r>
+            <a:r>
+              <a:rPr lang="en-US" dirty="0" err="1"/>
+              <a:t>fourier.eng.hmc.edu</a:t>
+            </a:r>
+            <a:r>
+              <a:rPr lang="en-US" dirty="0"/>
+              <a:t>/e161/lectures/</a:t>
+            </a:r>
+            <a:r>
+              <a:rPr lang="en-US" dirty="0" err="1"/>
+              <a:t>ica</a:t>
+            </a:r>
+            <a:r>
+              <a:rPr lang="en-US" dirty="0"/>
+              <a:t>/node7.html</a:t>
+            </a:r>
+          </a:p>
+        </p:txBody>
+      </p:sp>
+      <p:sp>
+        <p:nvSpPr>
+          <p:cNvPr id="6" name="TextBox 5">
+            <a:extLst>
+              <a:ext uri="{FF2B5EF4-FFF2-40B4-BE49-F238E27FC236}">
+                <a16:creationId xmlns:a16="http://schemas.microsoft.com/office/drawing/2014/main" id="{F18DF978-5AFC-0F4F-8DDC-07C12C06EB0E}"/>
+              </a:ext>
+            </a:extLst>
+          </p:cNvPr>
+          <p:cNvSpPr txBox="1"/>
+          <p:nvPr/>
+        </p:nvSpPr>
+        <p:spPr>
+          <a:xfrm>
+            <a:off x="6392333" y="1434714"/>
+            <a:ext cx="5339387" cy="830997"/>
+          </a:xfrm>
+          <a:prstGeom prst="rect">
+            <a:avLst/>
+          </a:prstGeom>
+          <a:noFill/>
+        </p:spPr>
+        <p:txBody>
+          <a:bodyPr wrap="square" rtlCol="0">
+            <a:spAutoFit/>
+          </a:bodyPr>
+          <a:lstStyle/>
+          <a:p>
+            <a:r>
+              <a:rPr lang="en-US" sz="1600" dirty="0"/>
+              <a:t>In vector calculus, the Jacobian matrix of a vector valued function in several variables is the matrix of all its first order partial derivatives</a:t>
+            </a:r>
+          </a:p>
+        </p:txBody>
+      </p:sp>
     </p:spTree>
     <p:extLst>
       <p:ext uri="{BB962C8B-B14F-4D97-AF65-F5344CB8AC3E}">
@@ -8351,9 +9029,424 @@
   <p:timing>
     <p:tnLst>
       <p:par>
-        <p:cTn id="1" dur="indefinite" restart="never" nodeType="tmRoot"/>
+        <p:cTn id="1" dur="indefinite" restart="never" nodeType="tmRoot">
+          <p:childTnLst>
+            <p:seq concurrent="1" nextAc="seek">
+              <p:cTn id="2" dur="indefinite" nodeType="mainSeq">
+                <p:childTnLst>
+                  <p:par>
+                    <p:cTn id="3" fill="hold">
+                      <p:stCondLst>
+                        <p:cond delay="indefinite"/>
+                      </p:stCondLst>
+                      <p:childTnLst>
+                        <p:par>
+                          <p:cTn id="4" fill="hold">
+                            <p:stCondLst>
+                              <p:cond delay="0"/>
+                            </p:stCondLst>
+                            <p:childTnLst>
+                              <p:par>
+                                <p:cTn id="5" presetID="1" presetClass="entr" presetSubtype="0" fill="hold" grpId="0" nodeType="clickEffect">
+                                  <p:stCondLst>
+                                    <p:cond delay="0"/>
+                                  </p:stCondLst>
+                                  <p:childTnLst>
+                                    <p:set>
+                                      <p:cBhvr>
+                                        <p:cTn id="6" dur="1" fill="hold">
+                                          <p:stCondLst>
+                                            <p:cond delay="0"/>
+                                          </p:stCondLst>
+                                        </p:cTn>
+                                        <p:tgtEl>
+                                          <p:spTgt spid="3">
+                                            <p:txEl>
+                                              <p:pRg st="0" end="0"/>
+                                            </p:txEl>
+                                          </p:spTgt>
+                                        </p:tgtEl>
+                                        <p:attrNameLst>
+                                          <p:attrName>style.visibility</p:attrName>
+                                        </p:attrNameLst>
+                                      </p:cBhvr>
+                                      <p:to>
+                                        <p:strVal val="visible"/>
+                                      </p:to>
+                                    </p:set>
+                                  </p:childTnLst>
+                                </p:cTn>
+                              </p:par>
+                            </p:childTnLst>
+                          </p:cTn>
+                        </p:par>
+                      </p:childTnLst>
+                    </p:cTn>
+                  </p:par>
+                  <p:par>
+                    <p:cTn id="7" fill="hold">
+                      <p:stCondLst>
+                        <p:cond delay="indefinite"/>
+                      </p:stCondLst>
+                      <p:childTnLst>
+                        <p:par>
+                          <p:cTn id="8" fill="hold">
+                            <p:stCondLst>
+                              <p:cond delay="0"/>
+                            </p:stCondLst>
+                            <p:childTnLst>
+                              <p:par>
+                                <p:cTn id="9" presetID="1" presetClass="entr" presetSubtype="0" fill="hold" grpId="0" nodeType="clickEffect">
+                                  <p:stCondLst>
+                                    <p:cond delay="0"/>
+                                  </p:stCondLst>
+                                  <p:childTnLst>
+                                    <p:set>
+                                      <p:cBhvr>
+                                        <p:cTn id="10" dur="1" fill="hold">
+                                          <p:stCondLst>
+                                            <p:cond delay="0"/>
+                                          </p:stCondLst>
+                                        </p:cTn>
+                                        <p:tgtEl>
+                                          <p:spTgt spid="6"/>
+                                        </p:tgtEl>
+                                        <p:attrNameLst>
+                                          <p:attrName>style.visibility</p:attrName>
+                                        </p:attrNameLst>
+                                      </p:cBhvr>
+                                      <p:to>
+                                        <p:strVal val="visible"/>
+                                      </p:to>
+                                    </p:set>
+                                  </p:childTnLst>
+                                </p:cTn>
+                              </p:par>
+                            </p:childTnLst>
+                          </p:cTn>
+                        </p:par>
+                      </p:childTnLst>
+                    </p:cTn>
+                  </p:par>
+                  <p:par>
+                    <p:cTn id="11" fill="hold">
+                      <p:stCondLst>
+                        <p:cond delay="indefinite"/>
+                      </p:stCondLst>
+                      <p:childTnLst>
+                        <p:par>
+                          <p:cTn id="12" fill="hold">
+                            <p:stCondLst>
+                              <p:cond delay="0"/>
+                            </p:stCondLst>
+                            <p:childTnLst>
+                              <p:par>
+                                <p:cTn id="13" presetID="1" presetClass="entr" presetSubtype="0" fill="hold" grpId="0" nodeType="clickEffect">
+                                  <p:stCondLst>
+                                    <p:cond delay="0"/>
+                                  </p:stCondLst>
+                                  <p:childTnLst>
+                                    <p:set>
+                                      <p:cBhvr>
+                                        <p:cTn id="14" dur="1" fill="hold">
+                                          <p:stCondLst>
+                                            <p:cond delay="0"/>
+                                          </p:stCondLst>
+                                        </p:cTn>
+                                        <p:tgtEl>
+                                          <p:spTgt spid="3">
+                                            <p:txEl>
+                                              <p:pRg st="1" end="1"/>
+                                            </p:txEl>
+                                          </p:spTgt>
+                                        </p:tgtEl>
+                                        <p:attrNameLst>
+                                          <p:attrName>style.visibility</p:attrName>
+                                        </p:attrNameLst>
+                                      </p:cBhvr>
+                                      <p:to>
+                                        <p:strVal val="visible"/>
+                                      </p:to>
+                                    </p:set>
+                                  </p:childTnLst>
+                                </p:cTn>
+                              </p:par>
+                            </p:childTnLst>
+                          </p:cTn>
+                        </p:par>
+                      </p:childTnLst>
+                    </p:cTn>
+                  </p:par>
+                  <p:par>
+                    <p:cTn id="15" fill="hold">
+                      <p:stCondLst>
+                        <p:cond delay="indefinite"/>
+                      </p:stCondLst>
+                      <p:childTnLst>
+                        <p:par>
+                          <p:cTn id="16" fill="hold">
+                            <p:stCondLst>
+                              <p:cond delay="0"/>
+                            </p:stCondLst>
+                            <p:childTnLst>
+                              <p:par>
+                                <p:cTn id="17" presetID="1" presetClass="entr" presetSubtype="0" fill="hold" grpId="0" nodeType="clickEffect">
+                                  <p:stCondLst>
+                                    <p:cond delay="0"/>
+                                  </p:stCondLst>
+                                  <p:childTnLst>
+                                    <p:set>
+                                      <p:cBhvr>
+                                        <p:cTn id="18" dur="1" fill="hold">
+                                          <p:stCondLst>
+                                            <p:cond delay="0"/>
+                                          </p:stCondLst>
+                                        </p:cTn>
+                                        <p:tgtEl>
+                                          <p:spTgt spid="3">
+                                            <p:txEl>
+                                              <p:pRg st="2" end="2"/>
+                                            </p:txEl>
+                                          </p:spTgt>
+                                        </p:tgtEl>
+                                        <p:attrNameLst>
+                                          <p:attrName>style.visibility</p:attrName>
+                                        </p:attrNameLst>
+                                      </p:cBhvr>
+                                      <p:to>
+                                        <p:strVal val="visible"/>
+                                      </p:to>
+                                    </p:set>
+                                  </p:childTnLst>
+                                </p:cTn>
+                              </p:par>
+                            </p:childTnLst>
+                          </p:cTn>
+                        </p:par>
+                      </p:childTnLst>
+                    </p:cTn>
+                  </p:par>
+                  <p:par>
+                    <p:cTn id="19" fill="hold">
+                      <p:stCondLst>
+                        <p:cond delay="indefinite"/>
+                      </p:stCondLst>
+                      <p:childTnLst>
+                        <p:par>
+                          <p:cTn id="20" fill="hold">
+                            <p:stCondLst>
+                              <p:cond delay="0"/>
+                            </p:stCondLst>
+                            <p:childTnLst>
+                              <p:par>
+                                <p:cTn id="21" presetID="1" presetClass="entr" presetSubtype="0" fill="hold" grpId="0" nodeType="clickEffect">
+                                  <p:stCondLst>
+                                    <p:cond delay="0"/>
+                                  </p:stCondLst>
+                                  <p:childTnLst>
+                                    <p:set>
+                                      <p:cBhvr>
+                                        <p:cTn id="22" dur="1" fill="hold">
+                                          <p:stCondLst>
+                                            <p:cond delay="0"/>
+                                          </p:stCondLst>
+                                        </p:cTn>
+                                        <p:tgtEl>
+                                          <p:spTgt spid="3">
+                                            <p:txEl>
+                                              <p:pRg st="3" end="3"/>
+                                            </p:txEl>
+                                          </p:spTgt>
+                                        </p:tgtEl>
+                                        <p:attrNameLst>
+                                          <p:attrName>style.visibility</p:attrName>
+                                        </p:attrNameLst>
+                                      </p:cBhvr>
+                                      <p:to>
+                                        <p:strVal val="visible"/>
+                                      </p:to>
+                                    </p:set>
+                                  </p:childTnLst>
+                                </p:cTn>
+                              </p:par>
+                            </p:childTnLst>
+                          </p:cTn>
+                        </p:par>
+                      </p:childTnLst>
+                    </p:cTn>
+                  </p:par>
+                  <p:par>
+                    <p:cTn id="23" fill="hold">
+                      <p:stCondLst>
+                        <p:cond delay="indefinite"/>
+                      </p:stCondLst>
+                      <p:childTnLst>
+                        <p:par>
+                          <p:cTn id="24" fill="hold">
+                            <p:stCondLst>
+                              <p:cond delay="0"/>
+                            </p:stCondLst>
+                            <p:childTnLst>
+                              <p:par>
+                                <p:cTn id="25" presetID="1" presetClass="entr" presetSubtype="0" fill="hold" grpId="0" nodeType="clickEffect">
+                                  <p:stCondLst>
+                                    <p:cond delay="0"/>
+                                  </p:stCondLst>
+                                  <p:childTnLst>
+                                    <p:set>
+                                      <p:cBhvr>
+                                        <p:cTn id="26" dur="1" fill="hold">
+                                          <p:stCondLst>
+                                            <p:cond delay="0"/>
+                                          </p:stCondLst>
+                                        </p:cTn>
+                                        <p:tgtEl>
+                                          <p:spTgt spid="3">
+                                            <p:txEl>
+                                              <p:pRg st="4" end="4"/>
+                                            </p:txEl>
+                                          </p:spTgt>
+                                        </p:tgtEl>
+                                        <p:attrNameLst>
+                                          <p:attrName>style.visibility</p:attrName>
+                                        </p:attrNameLst>
+                                      </p:cBhvr>
+                                      <p:to>
+                                        <p:strVal val="visible"/>
+                                      </p:to>
+                                    </p:set>
+                                  </p:childTnLst>
+                                </p:cTn>
+                              </p:par>
+                            </p:childTnLst>
+                          </p:cTn>
+                        </p:par>
+                      </p:childTnLst>
+                    </p:cTn>
+                  </p:par>
+                  <p:par>
+                    <p:cTn id="27" fill="hold">
+                      <p:stCondLst>
+                        <p:cond delay="indefinite"/>
+                      </p:stCondLst>
+                      <p:childTnLst>
+                        <p:par>
+                          <p:cTn id="28" fill="hold">
+                            <p:stCondLst>
+                              <p:cond delay="0"/>
+                            </p:stCondLst>
+                            <p:childTnLst>
+                              <p:par>
+                                <p:cTn id="29" presetID="1" presetClass="entr" presetSubtype="0" fill="hold" grpId="0" nodeType="clickEffect">
+                                  <p:stCondLst>
+                                    <p:cond delay="0"/>
+                                  </p:stCondLst>
+                                  <p:childTnLst>
+                                    <p:set>
+                                      <p:cBhvr>
+                                        <p:cTn id="30" dur="1" fill="hold">
+                                          <p:stCondLst>
+                                            <p:cond delay="0"/>
+                                          </p:stCondLst>
+                                        </p:cTn>
+                                        <p:tgtEl>
+                                          <p:spTgt spid="3">
+                                            <p:txEl>
+                                              <p:pRg st="5" end="5"/>
+                                            </p:txEl>
+                                          </p:spTgt>
+                                        </p:tgtEl>
+                                        <p:attrNameLst>
+                                          <p:attrName>style.visibility</p:attrName>
+                                        </p:attrNameLst>
+                                      </p:cBhvr>
+                                      <p:to>
+                                        <p:strVal val="visible"/>
+                                      </p:to>
+                                    </p:set>
+                                  </p:childTnLst>
+                                </p:cTn>
+                              </p:par>
+                            </p:childTnLst>
+                          </p:cTn>
+                        </p:par>
+                      </p:childTnLst>
+                    </p:cTn>
+                  </p:par>
+                  <p:par>
+                    <p:cTn id="31" fill="hold">
+                      <p:stCondLst>
+                        <p:cond delay="indefinite"/>
+                      </p:stCondLst>
+                      <p:childTnLst>
+                        <p:par>
+                          <p:cTn id="32" fill="hold">
+                            <p:stCondLst>
+                              <p:cond delay="0"/>
+                            </p:stCondLst>
+                            <p:childTnLst>
+                              <p:par>
+                                <p:cTn id="33" presetID="1" presetClass="entr" presetSubtype="0" fill="hold" grpId="0" nodeType="clickEffect">
+                                  <p:stCondLst>
+                                    <p:cond delay="0"/>
+                                  </p:stCondLst>
+                                  <p:childTnLst>
+                                    <p:set>
+                                      <p:cBhvr>
+                                        <p:cTn id="34" dur="1" fill="hold">
+                                          <p:stCondLst>
+                                            <p:cond delay="0"/>
+                                          </p:stCondLst>
+                                        </p:cTn>
+                                        <p:tgtEl>
+                                          <p:spTgt spid="3">
+                                            <p:txEl>
+                                              <p:pRg st="6" end="6"/>
+                                            </p:txEl>
+                                          </p:spTgt>
+                                        </p:tgtEl>
+                                        <p:attrNameLst>
+                                          <p:attrName>style.visibility</p:attrName>
+                                        </p:attrNameLst>
+                                      </p:cBhvr>
+                                      <p:to>
+                                        <p:strVal val="visible"/>
+                                      </p:to>
+                                    </p:set>
+                                  </p:childTnLst>
+                                </p:cTn>
+                              </p:par>
+                            </p:childTnLst>
+                          </p:cTn>
+                        </p:par>
+                      </p:childTnLst>
+                    </p:cTn>
+                  </p:par>
+                </p:childTnLst>
+              </p:cTn>
+              <p:prevCondLst>
+                <p:cond evt="onPrev" delay="0">
+                  <p:tgtEl>
+                    <p:sldTgt/>
+                  </p:tgtEl>
+                </p:cond>
+              </p:prevCondLst>
+              <p:nextCondLst>
+                <p:cond evt="onNext" delay="0">
+                  <p:tgtEl>
+                    <p:sldTgt/>
+                  </p:tgtEl>
+                </p:cond>
+              </p:nextCondLst>
+            </p:seq>
+          </p:childTnLst>
+        </p:cTn>
       </p:par>
     </p:tnLst>
+    <p:bldLst>
+      <p:bldP spid="3" grpId="0" uiExpand="1" build="p"/>
+      <p:bldP spid="6" grpId="0"/>
+    </p:bldLst>
   </p:timing>
 </p:sld>
 </file>
@@ -8490,13 +9583,6 @@
   <p:clrMapOvr>
     <a:masterClrMapping/>
   </p:clrMapOvr>
-  <p:timing>
-    <p:tnLst>
-      <p:par>
-        <p:cTn id="1" dur="indefinite" restart="never" nodeType="tmRoot"/>
-      </p:par>
-    </p:tnLst>
-  </p:timing>
 </p:sld>
 </file>
 
@@ -8632,13 +9718,6 @@
   <p:clrMapOvr>
     <a:masterClrMapping/>
   </p:clrMapOvr>
-  <p:timing>
-    <p:tnLst>
-      <p:par>
-        <p:cTn id="1" dur="indefinite" restart="never" nodeType="tmRoot"/>
-      </p:par>
-    </p:tnLst>
-  </p:timing>
 </p:sld>
 </file>
 
@@ -8774,13 +9853,6 @@
   <p:clrMapOvr>
     <a:masterClrMapping/>
   </p:clrMapOvr>
-  <p:timing>
-    <p:tnLst>
-      <p:par>
-        <p:cTn id="1" dur="indefinite" restart="never" nodeType="tmRoot"/>
-      </p:par>
-    </p:tnLst>
-  </p:timing>
 </p:sld>
 </file>
 
@@ -8916,13 +9988,6 @@
   <p:clrMapOvr>
     <a:masterClrMapping/>
   </p:clrMapOvr>
-  <p:timing>
-    <p:tnLst>
-      <p:par>
-        <p:cTn id="1" dur="indefinite" restart="never" nodeType="tmRoot"/>
-      </p:par>
-    </p:tnLst>
-  </p:timing>
 </p:sld>
 </file>
 
@@ -9058,13 +10123,6 @@
   <p:clrMapOvr>
     <a:masterClrMapping/>
   </p:clrMapOvr>
-  <p:timing>
-    <p:tnLst>
-      <p:par>
-        <p:cTn id="1" dur="indefinite" restart="never" nodeType="tmRoot"/>
-      </p:par>
-    </p:tnLst>
-  </p:timing>
 </p:sld>
 </file>
 
@@ -9200,13 +10258,6 @@
   <p:clrMapOvr>
     <a:masterClrMapping/>
   </p:clrMapOvr>
-  <p:timing>
-    <p:tnLst>
-      <p:par>
-        <p:cTn id="1" dur="indefinite" restart="never" nodeType="tmRoot"/>
-      </p:par>
-    </p:tnLst>
-  </p:timing>
 </p:sld>
 </file>
 
@@ -9356,20 +10407,15 @@
               <a:p>
                 <a:r>
                   <a:rPr lang="en-US" dirty="0"/>
-                  <a:t>PCA reminder:  </a:t>
-                </a:r>
-                <a:r>
-                  <a:rPr lang="en-US" dirty="0" smtClean="0"/>
-                  <a:t>reduces dimensionality of dataset and allows for an additional “whitening” step to equalize variance across all PCA dimensions </a:t>
+                  <a:t>PCA reminder:  reduces dimensionality of dataset and allows for an additional “whitening” step to equalize variance across all PCA dimensions </a:t>
                 </a:r>
               </a:p>
               <a:p>
                 <a:pPr lvl="1"/>
                 <a:r>
-                  <a:rPr lang="en-US" dirty="0" smtClean="0"/>
+                  <a:rPr lang="en-US" dirty="0"/>
                   <a:t>This is necessary for ICA to work properly</a:t>
                 </a:r>
-                <a:endParaRPr lang="en-US" dirty="0"/>
               </a:p>
             </p:txBody>
           </p:sp>
@@ -9465,10 +10511,9 @@
           <a:lstStyle/>
           <a:p>
             <a:r>
-              <a:rPr lang="en-CA" sz="1500" dirty="0" smtClean="0"/>
+              <a:rPr lang="en-CA" sz="1500" dirty="0"/>
               <a:t>Covariance matrix</a:t>
             </a:r>
-            <a:endParaRPr lang="en-CA" sz="1500" dirty="0"/>
           </a:p>
         </p:txBody>
       </p:sp>
@@ -9631,9 +10676,479 @@
   <p:timing>
     <p:tnLst>
       <p:par>
-        <p:cTn id="1" dur="indefinite" restart="never" nodeType="tmRoot"/>
+        <p:cTn id="1" dur="indefinite" restart="never" nodeType="tmRoot">
+          <p:childTnLst>
+            <p:seq concurrent="1" nextAc="seek">
+              <p:cTn id="2" dur="indefinite" nodeType="mainSeq">
+                <p:childTnLst>
+                  <p:par>
+                    <p:cTn id="3" fill="hold">
+                      <p:stCondLst>
+                        <p:cond delay="indefinite"/>
+                      </p:stCondLst>
+                      <p:childTnLst>
+                        <p:par>
+                          <p:cTn id="4" fill="hold">
+                            <p:stCondLst>
+                              <p:cond delay="0"/>
+                            </p:stCondLst>
+                            <p:childTnLst>
+                              <p:par>
+                                <p:cTn id="5" presetID="1" presetClass="entr" presetSubtype="0" fill="hold" grpId="0" nodeType="clickEffect">
+                                  <p:stCondLst>
+                                    <p:cond delay="0"/>
+                                  </p:stCondLst>
+                                  <p:childTnLst>
+                                    <p:set>
+                                      <p:cBhvr>
+                                        <p:cTn id="6" dur="1" fill="hold">
+                                          <p:stCondLst>
+                                            <p:cond delay="0"/>
+                                          </p:stCondLst>
+                                        </p:cTn>
+                                        <p:tgtEl>
+                                          <p:spTgt spid="3">
+                                            <p:txEl>
+                                              <p:pRg st="0" end="0"/>
+                                            </p:txEl>
+                                          </p:spTgt>
+                                        </p:tgtEl>
+                                        <p:attrNameLst>
+                                          <p:attrName>style.visibility</p:attrName>
+                                        </p:attrNameLst>
+                                      </p:cBhvr>
+                                      <p:to>
+                                        <p:strVal val="visible"/>
+                                      </p:to>
+                                    </p:set>
+                                  </p:childTnLst>
+                                </p:cTn>
+                              </p:par>
+                            </p:childTnLst>
+                          </p:cTn>
+                        </p:par>
+                      </p:childTnLst>
+                    </p:cTn>
+                  </p:par>
+                  <p:par>
+                    <p:cTn id="7" fill="hold">
+                      <p:stCondLst>
+                        <p:cond delay="indefinite"/>
+                      </p:stCondLst>
+                      <p:childTnLst>
+                        <p:par>
+                          <p:cTn id="8" fill="hold">
+                            <p:stCondLst>
+                              <p:cond delay="0"/>
+                            </p:stCondLst>
+                            <p:childTnLst>
+                              <p:par>
+                                <p:cTn id="9" presetID="1" presetClass="entr" presetSubtype="0" fill="hold" grpId="0" nodeType="clickEffect">
+                                  <p:stCondLst>
+                                    <p:cond delay="0"/>
+                                  </p:stCondLst>
+                                  <p:childTnLst>
+                                    <p:set>
+                                      <p:cBhvr>
+                                        <p:cTn id="10" dur="1" fill="hold">
+                                          <p:stCondLst>
+                                            <p:cond delay="0"/>
+                                          </p:stCondLst>
+                                        </p:cTn>
+                                        <p:tgtEl>
+                                          <p:spTgt spid="3">
+                                            <p:txEl>
+                                              <p:pRg st="1" end="1"/>
+                                            </p:txEl>
+                                          </p:spTgt>
+                                        </p:tgtEl>
+                                        <p:attrNameLst>
+                                          <p:attrName>style.visibility</p:attrName>
+                                        </p:attrNameLst>
+                                      </p:cBhvr>
+                                      <p:to>
+                                        <p:strVal val="visible"/>
+                                      </p:to>
+                                    </p:set>
+                                  </p:childTnLst>
+                                </p:cTn>
+                              </p:par>
+                            </p:childTnLst>
+                          </p:cTn>
+                        </p:par>
+                      </p:childTnLst>
+                    </p:cTn>
+                  </p:par>
+                  <p:par>
+                    <p:cTn id="11" fill="hold">
+                      <p:stCondLst>
+                        <p:cond delay="indefinite"/>
+                      </p:stCondLst>
+                      <p:childTnLst>
+                        <p:par>
+                          <p:cTn id="12" fill="hold">
+                            <p:stCondLst>
+                              <p:cond delay="0"/>
+                            </p:stCondLst>
+                            <p:childTnLst>
+                              <p:par>
+                                <p:cTn id="13" presetID="1" presetClass="entr" presetSubtype="0" fill="hold" grpId="0" nodeType="clickEffect">
+                                  <p:stCondLst>
+                                    <p:cond delay="0"/>
+                                  </p:stCondLst>
+                                  <p:childTnLst>
+                                    <p:set>
+                                      <p:cBhvr>
+                                        <p:cTn id="14" dur="1" fill="hold">
+                                          <p:stCondLst>
+                                            <p:cond delay="0"/>
+                                          </p:stCondLst>
+                                        </p:cTn>
+                                        <p:tgtEl>
+                                          <p:spTgt spid="3">
+                                            <p:txEl>
+                                              <p:pRg st="2" end="2"/>
+                                            </p:txEl>
+                                          </p:spTgt>
+                                        </p:tgtEl>
+                                        <p:attrNameLst>
+                                          <p:attrName>style.visibility</p:attrName>
+                                        </p:attrNameLst>
+                                      </p:cBhvr>
+                                      <p:to>
+                                        <p:strVal val="visible"/>
+                                      </p:to>
+                                    </p:set>
+                                  </p:childTnLst>
+                                </p:cTn>
+                              </p:par>
+                            </p:childTnLst>
+                          </p:cTn>
+                        </p:par>
+                      </p:childTnLst>
+                    </p:cTn>
+                  </p:par>
+                  <p:par>
+                    <p:cTn id="15" fill="hold">
+                      <p:stCondLst>
+                        <p:cond delay="indefinite"/>
+                      </p:stCondLst>
+                      <p:childTnLst>
+                        <p:par>
+                          <p:cTn id="16" fill="hold">
+                            <p:stCondLst>
+                              <p:cond delay="0"/>
+                            </p:stCondLst>
+                            <p:childTnLst>
+                              <p:par>
+                                <p:cTn id="17" presetID="1" presetClass="entr" presetSubtype="0" fill="hold" grpId="0" nodeType="clickEffect">
+                                  <p:stCondLst>
+                                    <p:cond delay="0"/>
+                                  </p:stCondLst>
+                                  <p:childTnLst>
+                                    <p:set>
+                                      <p:cBhvr>
+                                        <p:cTn id="18" dur="1" fill="hold">
+                                          <p:stCondLst>
+                                            <p:cond delay="0"/>
+                                          </p:stCondLst>
+                                        </p:cTn>
+                                        <p:tgtEl>
+                                          <p:spTgt spid="3">
+                                            <p:txEl>
+                                              <p:pRg st="3" end="3"/>
+                                            </p:txEl>
+                                          </p:spTgt>
+                                        </p:tgtEl>
+                                        <p:attrNameLst>
+                                          <p:attrName>style.visibility</p:attrName>
+                                        </p:attrNameLst>
+                                      </p:cBhvr>
+                                      <p:to>
+                                        <p:strVal val="visible"/>
+                                      </p:to>
+                                    </p:set>
+                                  </p:childTnLst>
+                                </p:cTn>
+                              </p:par>
+                              <p:par>
+                                <p:cTn id="19" presetID="1" presetClass="entr" presetSubtype="0" fill="hold" grpId="0" nodeType="withEffect">
+                                  <p:stCondLst>
+                                    <p:cond delay="0"/>
+                                  </p:stCondLst>
+                                  <p:childTnLst>
+                                    <p:set>
+                                      <p:cBhvr>
+                                        <p:cTn id="20" dur="1" fill="hold">
+                                          <p:stCondLst>
+                                            <p:cond delay="0"/>
+                                          </p:stCondLst>
+                                        </p:cTn>
+                                        <p:tgtEl>
+                                          <p:spTgt spid="3">
+                                            <p:txEl>
+                                              <p:pRg st="4" end="4"/>
+                                            </p:txEl>
+                                          </p:spTgt>
+                                        </p:tgtEl>
+                                        <p:attrNameLst>
+                                          <p:attrName>style.visibility</p:attrName>
+                                        </p:attrNameLst>
+                                      </p:cBhvr>
+                                      <p:to>
+                                        <p:strVal val="visible"/>
+                                      </p:to>
+                                    </p:set>
+                                  </p:childTnLst>
+                                </p:cTn>
+                              </p:par>
+                            </p:childTnLst>
+                          </p:cTn>
+                        </p:par>
+                      </p:childTnLst>
+                    </p:cTn>
+                  </p:par>
+                  <p:par>
+                    <p:cTn id="21" fill="hold">
+                      <p:stCondLst>
+                        <p:cond delay="indefinite"/>
+                      </p:stCondLst>
+                      <p:childTnLst>
+                        <p:par>
+                          <p:cTn id="22" fill="hold">
+                            <p:stCondLst>
+                              <p:cond delay="0"/>
+                            </p:stCondLst>
+                            <p:childTnLst>
+                              <p:par>
+                                <p:cTn id="23" presetID="1" presetClass="entr" presetSubtype="0" fill="hold" nodeType="clickEffect">
+                                  <p:stCondLst>
+                                    <p:cond delay="0"/>
+                                  </p:stCondLst>
+                                  <p:childTnLst>
+                                    <p:set>
+                                      <p:cBhvr>
+                                        <p:cTn id="24" dur="1" fill="hold">
+                                          <p:stCondLst>
+                                            <p:cond delay="0"/>
+                                          </p:stCondLst>
+                                        </p:cTn>
+                                        <p:tgtEl>
+                                          <p:spTgt spid="4"/>
+                                        </p:tgtEl>
+                                        <p:attrNameLst>
+                                          <p:attrName>style.visibility</p:attrName>
+                                        </p:attrNameLst>
+                                      </p:cBhvr>
+                                      <p:to>
+                                        <p:strVal val="visible"/>
+                                      </p:to>
+                                    </p:set>
+                                  </p:childTnLst>
+                                </p:cTn>
+                              </p:par>
+                              <p:par>
+                                <p:cTn id="25" presetID="1" presetClass="entr" presetSubtype="0" fill="hold" grpId="0" nodeType="withEffect">
+                                  <p:stCondLst>
+                                    <p:cond delay="0"/>
+                                  </p:stCondLst>
+                                  <p:childTnLst>
+                                    <p:set>
+                                      <p:cBhvr>
+                                        <p:cTn id="26" dur="1" fill="hold">
+                                          <p:stCondLst>
+                                            <p:cond delay="0"/>
+                                          </p:stCondLst>
+                                        </p:cTn>
+                                        <p:tgtEl>
+                                          <p:spTgt spid="5"/>
+                                        </p:tgtEl>
+                                        <p:attrNameLst>
+                                          <p:attrName>style.visibility</p:attrName>
+                                        </p:attrNameLst>
+                                      </p:cBhvr>
+                                      <p:to>
+                                        <p:strVal val="visible"/>
+                                      </p:to>
+                                    </p:set>
+                                  </p:childTnLst>
+                                </p:cTn>
+                              </p:par>
+                            </p:childTnLst>
+                          </p:cTn>
+                        </p:par>
+                      </p:childTnLst>
+                    </p:cTn>
+                  </p:par>
+                  <p:par>
+                    <p:cTn id="27" fill="hold">
+                      <p:stCondLst>
+                        <p:cond delay="indefinite"/>
+                      </p:stCondLst>
+                      <p:childTnLst>
+                        <p:par>
+                          <p:cTn id="28" fill="hold">
+                            <p:stCondLst>
+                              <p:cond delay="0"/>
+                            </p:stCondLst>
+                            <p:childTnLst>
+                              <p:par>
+                                <p:cTn id="29" presetID="1" presetClass="entr" presetSubtype="0" fill="hold" nodeType="clickEffect">
+                                  <p:stCondLst>
+                                    <p:cond delay="0"/>
+                                  </p:stCondLst>
+                                  <p:childTnLst>
+                                    <p:set>
+                                      <p:cBhvr>
+                                        <p:cTn id="30" dur="1" fill="hold">
+                                          <p:stCondLst>
+                                            <p:cond delay="0"/>
+                                          </p:stCondLst>
+                                        </p:cTn>
+                                        <p:tgtEl>
+                                          <p:spTgt spid="8"/>
+                                        </p:tgtEl>
+                                        <p:attrNameLst>
+                                          <p:attrName>style.visibility</p:attrName>
+                                        </p:attrNameLst>
+                                      </p:cBhvr>
+                                      <p:to>
+                                        <p:strVal val="visible"/>
+                                      </p:to>
+                                    </p:set>
+                                  </p:childTnLst>
+                                </p:cTn>
+                              </p:par>
+                              <p:par>
+                                <p:cTn id="31" presetID="1" presetClass="entr" presetSubtype="0" fill="hold" nodeType="withEffect">
+                                  <p:stCondLst>
+                                    <p:cond delay="0"/>
+                                  </p:stCondLst>
+                                  <p:childTnLst>
+                                    <p:set>
+                                      <p:cBhvr>
+                                        <p:cTn id="32" dur="1" fill="hold">
+                                          <p:stCondLst>
+                                            <p:cond delay="0"/>
+                                          </p:stCondLst>
+                                        </p:cTn>
+                                        <p:tgtEl>
+                                          <p:spTgt spid="6"/>
+                                        </p:tgtEl>
+                                        <p:attrNameLst>
+                                          <p:attrName>style.visibility</p:attrName>
+                                        </p:attrNameLst>
+                                      </p:cBhvr>
+                                      <p:to>
+                                        <p:strVal val="visible"/>
+                                      </p:to>
+                                    </p:set>
+                                  </p:childTnLst>
+                                </p:cTn>
+                              </p:par>
+                            </p:childTnLst>
+                          </p:cTn>
+                        </p:par>
+                      </p:childTnLst>
+                    </p:cTn>
+                  </p:par>
+                  <p:par>
+                    <p:cTn id="33" fill="hold">
+                      <p:stCondLst>
+                        <p:cond delay="indefinite"/>
+                      </p:stCondLst>
+                      <p:childTnLst>
+                        <p:par>
+                          <p:cTn id="34" fill="hold">
+                            <p:stCondLst>
+                              <p:cond delay="0"/>
+                            </p:stCondLst>
+                            <p:childTnLst>
+                              <p:par>
+                                <p:cTn id="35" presetID="1" presetClass="entr" presetSubtype="0" fill="hold" nodeType="clickEffect">
+                                  <p:stCondLst>
+                                    <p:cond delay="0"/>
+                                  </p:stCondLst>
+                                  <p:childTnLst>
+                                    <p:set>
+                                      <p:cBhvr>
+                                        <p:cTn id="36" dur="1" fill="hold">
+                                          <p:stCondLst>
+                                            <p:cond delay="0"/>
+                                          </p:stCondLst>
+                                        </p:cTn>
+                                        <p:tgtEl>
+                                          <p:spTgt spid="9"/>
+                                        </p:tgtEl>
+                                        <p:attrNameLst>
+                                          <p:attrName>style.visibility</p:attrName>
+                                        </p:attrNameLst>
+                                      </p:cBhvr>
+                                      <p:to>
+                                        <p:strVal val="visible"/>
+                                      </p:to>
+                                    </p:set>
+                                  </p:childTnLst>
+                                </p:cTn>
+                              </p:par>
+                              <p:par>
+                                <p:cTn id="37" presetID="1" presetClass="entr" presetSubtype="0" fill="hold" nodeType="withEffect">
+                                  <p:stCondLst>
+                                    <p:cond delay="0"/>
+                                  </p:stCondLst>
+                                  <p:childTnLst>
+                                    <p:set>
+                                      <p:cBhvr>
+                                        <p:cTn id="38" dur="1" fill="hold">
+                                          <p:stCondLst>
+                                            <p:cond delay="0"/>
+                                          </p:stCondLst>
+                                        </p:cTn>
+                                        <p:tgtEl>
+                                          <p:spTgt spid="7"/>
+                                        </p:tgtEl>
+                                        <p:attrNameLst>
+                                          <p:attrName>style.visibility</p:attrName>
+                                        </p:attrNameLst>
+                                      </p:cBhvr>
+                                      <p:to>
+                                        <p:strVal val="visible"/>
+                                      </p:to>
+                                    </p:set>
+                                  </p:childTnLst>
+                                </p:cTn>
+                              </p:par>
+                            </p:childTnLst>
+                          </p:cTn>
+                        </p:par>
+                      </p:childTnLst>
+                    </p:cTn>
+                  </p:par>
+                </p:childTnLst>
+              </p:cTn>
+              <p:prevCondLst>
+                <p:cond evt="onPrev" delay="0">
+                  <p:tgtEl>
+                    <p:sldTgt/>
+                  </p:tgtEl>
+                </p:cond>
+              </p:prevCondLst>
+              <p:nextCondLst>
+                <p:cond evt="onNext" delay="0">
+                  <p:tgtEl>
+                    <p:sldTgt/>
+                  </p:tgtEl>
+                </p:cond>
+              </p:nextCondLst>
+            </p:seq>
+          </p:childTnLst>
+        </p:cTn>
       </p:par>
     </p:tnLst>
+    <p:bldLst>
+      <p:bldP spid="3" grpId="0" build="p"/>
+      <p:bldP spid="5" grpId="0"/>
+    </p:bldLst>
   </p:timing>
 </p:sld>
 </file>
@@ -9729,13 +11244,8 @@
           <a:p>
             <a:r>
               <a:rPr lang="en-US" dirty="0"/>
-              <a:t>Python </a:t>
-            </a:r>
-            <a:r>
-              <a:rPr lang="en-US" dirty="0" smtClean="0"/>
-              <a:t>demonstrations?</a:t>
-            </a:r>
-            <a:endParaRPr lang="en-US" dirty="0"/>
+              <a:t>Python demonstrations?</a:t>
+            </a:r>
           </a:p>
         </p:txBody>
       </p:sp>
@@ -9749,13 +11259,6 @@
   <p:clrMapOvr>
     <a:masterClrMapping/>
   </p:clrMapOvr>
-  <p:timing>
-    <p:tnLst>
-      <p:par>
-        <p:cTn id="1" dur="indefinite" restart="never" nodeType="tmRoot"/>
-      </p:par>
-    </p:tnLst>
-  </p:timing>
 </p:sld>
 </file>
 
@@ -9810,17 +11313,20 @@
             </a:r>
             <a:r>
               <a:rPr lang="en-US" sz="4000" b="1" dirty="0"/>
-              <a:t> </a:t>
-            </a:r>
-            <a:r>
-              <a:rPr lang="en-US" sz="4000" b="1" dirty="0" smtClean="0"/>
-              <a:t>implementation: </a:t>
-            </a:r>
-            <a:r>
-              <a:rPr lang="en-US" sz="4000" i="1" dirty="0" smtClean="0"/>
-              <a:t>sklearn.decomposition.fastica_.py</a:t>
-            </a:r>
-            <a:endParaRPr lang="en-US" sz="4000" i="1" dirty="0"/>
+              <a:t> implementation: </a:t>
+            </a:r>
+            <a:r>
+              <a:rPr lang="en-US" sz="4000" i="1" dirty="0"/>
+              <a:t>sklearn.decomposition.</a:t>
+            </a:r>
+            <a:r>
+              <a:rPr lang="en-US" sz="4000" i="1" dirty="0" err="1"/>
+              <a:t>fastica</a:t>
+            </a:r>
+            <a:r>
+              <a:rPr lang="en-US" sz="4000" i="1" dirty="0"/>
+              <a:t>_.py</a:t>
+            </a:r>
           </a:p>
         </p:txBody>
       </p:sp>
@@ -9957,7 +11463,201 @@
   <p:timing>
     <p:tnLst>
       <p:par>
-        <p:cTn id="1" dur="indefinite" restart="never" nodeType="tmRoot"/>
+        <p:cTn id="1" dur="indefinite" restart="never" nodeType="tmRoot">
+          <p:childTnLst>
+            <p:seq concurrent="1" nextAc="seek">
+              <p:cTn id="2" dur="indefinite" nodeType="mainSeq">
+                <p:childTnLst>
+                  <p:par>
+                    <p:cTn id="3" fill="hold">
+                      <p:stCondLst>
+                        <p:cond delay="indefinite"/>
+                      </p:stCondLst>
+                      <p:childTnLst>
+                        <p:par>
+                          <p:cTn id="4" fill="hold">
+                            <p:stCondLst>
+                              <p:cond delay="0"/>
+                            </p:stCondLst>
+                            <p:childTnLst>
+                              <p:par>
+                                <p:cTn id="5" presetID="1" presetClass="entr" presetSubtype="0" fill="hold" nodeType="clickEffect">
+                                  <p:stCondLst>
+                                    <p:cond delay="0"/>
+                                  </p:stCondLst>
+                                  <p:childTnLst>
+                                    <p:set>
+                                      <p:cBhvr>
+                                        <p:cTn id="6" dur="1" fill="hold">
+                                          <p:stCondLst>
+                                            <p:cond delay="0"/>
+                                          </p:stCondLst>
+                                        </p:cTn>
+                                        <p:tgtEl>
+                                          <p:spTgt spid="6"/>
+                                        </p:tgtEl>
+                                        <p:attrNameLst>
+                                          <p:attrName>style.visibility</p:attrName>
+                                        </p:attrNameLst>
+                                      </p:cBhvr>
+                                      <p:to>
+                                        <p:strVal val="visible"/>
+                                      </p:to>
+                                    </p:set>
+                                  </p:childTnLst>
+                                </p:cTn>
+                              </p:par>
+                            </p:childTnLst>
+                          </p:cTn>
+                        </p:par>
+                      </p:childTnLst>
+                    </p:cTn>
+                  </p:par>
+                  <p:par>
+                    <p:cTn id="7" fill="hold">
+                      <p:stCondLst>
+                        <p:cond delay="indefinite"/>
+                      </p:stCondLst>
+                      <p:childTnLst>
+                        <p:par>
+                          <p:cTn id="8" fill="hold">
+                            <p:stCondLst>
+                              <p:cond delay="0"/>
+                            </p:stCondLst>
+                            <p:childTnLst>
+                              <p:par>
+                                <p:cTn id="9" presetID="1" presetClass="entr" presetSubtype="0" fill="hold" nodeType="clickEffect">
+                                  <p:stCondLst>
+                                    <p:cond delay="0"/>
+                                  </p:stCondLst>
+                                  <p:childTnLst>
+                                    <p:set>
+                                      <p:cBhvr>
+                                        <p:cTn id="10" dur="1" fill="hold">
+                                          <p:stCondLst>
+                                            <p:cond delay="0"/>
+                                          </p:stCondLst>
+                                        </p:cTn>
+                                        <p:tgtEl>
+                                          <p:spTgt spid="9"/>
+                                        </p:tgtEl>
+                                        <p:attrNameLst>
+                                          <p:attrName>style.visibility</p:attrName>
+                                        </p:attrNameLst>
+                                      </p:cBhvr>
+                                      <p:to>
+                                        <p:strVal val="visible"/>
+                                      </p:to>
+                                    </p:set>
+                                  </p:childTnLst>
+                                </p:cTn>
+                              </p:par>
+                              <p:par>
+                                <p:cTn id="11" presetID="1" presetClass="entr" presetSubtype="0" fill="hold" nodeType="withEffect">
+                                  <p:stCondLst>
+                                    <p:cond delay="0"/>
+                                  </p:stCondLst>
+                                  <p:childTnLst>
+                                    <p:set>
+                                      <p:cBhvr>
+                                        <p:cTn id="12" dur="1" fill="hold">
+                                          <p:stCondLst>
+                                            <p:cond delay="0"/>
+                                          </p:stCondLst>
+                                        </p:cTn>
+                                        <p:tgtEl>
+                                          <p:spTgt spid="10"/>
+                                        </p:tgtEl>
+                                        <p:attrNameLst>
+                                          <p:attrName>style.visibility</p:attrName>
+                                        </p:attrNameLst>
+                                      </p:cBhvr>
+                                      <p:to>
+                                        <p:strVal val="visible"/>
+                                      </p:to>
+                                    </p:set>
+                                  </p:childTnLst>
+                                </p:cTn>
+                              </p:par>
+                              <p:par>
+                                <p:cTn id="13" presetID="1" presetClass="entr" presetSubtype="0" fill="hold" nodeType="withEffect">
+                                  <p:stCondLst>
+                                    <p:cond delay="0"/>
+                                  </p:stCondLst>
+                                  <p:childTnLst>
+                                    <p:set>
+                                      <p:cBhvr>
+                                        <p:cTn id="14" dur="1" fill="hold">
+                                          <p:stCondLst>
+                                            <p:cond delay="0"/>
+                                          </p:stCondLst>
+                                        </p:cTn>
+                                        <p:tgtEl>
+                                          <p:spTgt spid="8"/>
+                                        </p:tgtEl>
+                                        <p:attrNameLst>
+                                          <p:attrName>style.visibility</p:attrName>
+                                        </p:attrNameLst>
+                                      </p:cBhvr>
+                                      <p:to>
+                                        <p:strVal val="visible"/>
+                                      </p:to>
+                                    </p:set>
+                                  </p:childTnLst>
+                                </p:cTn>
+                              </p:par>
+                              <p:par>
+                                <p:cTn id="15" presetID="1" presetClass="entr" presetSubtype="0" fill="hold" nodeType="withEffect">
+                                  <p:stCondLst>
+                                    <p:cond delay="0"/>
+                                  </p:stCondLst>
+                                  <p:childTnLst>
+                                    <p:set>
+                                      <p:cBhvr>
+                                        <p:cTn id="16" dur="1" fill="hold">
+                                          <p:stCondLst>
+                                            <p:cond delay="0"/>
+                                          </p:stCondLst>
+                                        </p:cTn>
+                                        <p:tgtEl>
+                                          <p:spTgt spid="11"/>
+                                        </p:tgtEl>
+                                        <p:attrNameLst>
+                                          <p:attrName>style.visibility</p:attrName>
+                                        </p:attrNameLst>
+                                      </p:cBhvr>
+                                      <p:to>
+                                        <p:strVal val="visible"/>
+                                      </p:to>
+                                    </p:set>
+                                  </p:childTnLst>
+                                </p:cTn>
+                              </p:par>
+                            </p:childTnLst>
+                          </p:cTn>
+                        </p:par>
+                      </p:childTnLst>
+                    </p:cTn>
+                  </p:par>
+                </p:childTnLst>
+              </p:cTn>
+              <p:prevCondLst>
+                <p:cond evt="onPrev" delay="0">
+                  <p:tgtEl>
+                    <p:sldTgt/>
+                  </p:tgtEl>
+                </p:cond>
+              </p:prevCondLst>
+              <p:nextCondLst>
+                <p:cond evt="onNext" delay="0">
+                  <p:tgtEl>
+                    <p:sldTgt/>
+                  </p:tgtEl>
+                </p:cond>
+              </p:nextCondLst>
+            </p:seq>
+          </p:childTnLst>
+        </p:cTn>
       </p:par>
     </p:tnLst>
   </p:timing>
@@ -10015,17 +11715,12 @@
             </a:r>
             <a:r>
               <a:rPr lang="en-US" sz="4000" b="1" dirty="0"/>
-              <a:t> </a:t>
-            </a:r>
-            <a:r>
-              <a:rPr lang="en-US" sz="4000" b="1" dirty="0" smtClean="0"/>
-              <a:t>implementation: </a:t>
-            </a:r>
-            <a:r>
-              <a:rPr lang="en-US" sz="4000" i="1" dirty="0" smtClean="0"/>
+              <a:t> implementation: </a:t>
+            </a:r>
+            <a:r>
+              <a:rPr lang="en-US" sz="4000" i="1" dirty="0"/>
               <a:t>sklearn.decomposition.fastica_.py</a:t>
             </a:r>
-            <a:endParaRPr lang="en-US" sz="4000" i="1" dirty="0"/>
           </a:p>
         </p:txBody>
       </p:sp>
@@ -10063,13 +11758,6 @@
   <p:clrMapOvr>
     <a:masterClrMapping/>
   </p:clrMapOvr>
-  <p:timing>
-    <p:tnLst>
-      <p:par>
-        <p:cTn id="1" dur="indefinite" restart="never" nodeType="tmRoot"/>
-      </p:par>
-    </p:tnLst>
-  </p:timing>
 </p:sld>
 </file>
 
@@ -10124,17 +11812,12 @@
             </a:r>
             <a:r>
               <a:rPr lang="en-US" sz="4000" b="1" dirty="0"/>
-              <a:t> </a:t>
-            </a:r>
-            <a:r>
-              <a:rPr lang="en-US" sz="4000" b="1" dirty="0" smtClean="0"/>
-              <a:t>implementation: </a:t>
-            </a:r>
-            <a:r>
-              <a:rPr lang="en-US" sz="4000" i="1" dirty="0" smtClean="0"/>
+              <a:t> implementation: </a:t>
+            </a:r>
+            <a:r>
+              <a:rPr lang="en-US" sz="4000" i="1" dirty="0"/>
               <a:t>sklearn.decomposition.fastica_.py</a:t>
             </a:r>
-            <a:endParaRPr lang="en-US" sz="4000" i="1" dirty="0"/>
           </a:p>
         </p:txBody>
       </p:sp>
@@ -10210,6 +11893,41 @@
           </a:prstGeom>
         </p:spPr>
       </p:pic>
+      <p:sp>
+        <p:nvSpPr>
+          <p:cNvPr id="3" name="TextBox 2">
+            <a:extLst>
+              <a:ext uri="{FF2B5EF4-FFF2-40B4-BE49-F238E27FC236}">
+                <a16:creationId xmlns:a16="http://schemas.microsoft.com/office/drawing/2014/main" id="{FBEAA958-6941-4F4A-B41A-472AA272E809}"/>
+              </a:ext>
+            </a:extLst>
+          </p:cNvPr>
+          <p:cNvSpPr txBox="1"/>
+          <p:nvPr/>
+        </p:nvSpPr>
+        <p:spPr>
+          <a:xfrm>
+            <a:off x="4817532" y="743588"/>
+            <a:ext cx="4241800" cy="369332"/>
+          </a:xfrm>
+          <a:prstGeom prst="rect">
+            <a:avLst/>
+          </a:prstGeom>
+          <a:noFill/>
+        </p:spPr>
+        <p:txBody>
+          <a:bodyPr wrap="square" rtlCol="0">
+            <a:spAutoFit/>
+          </a:bodyPr>
+          <a:lstStyle/>
+          <a:p>
+            <a:r>
+              <a:rPr lang="en-US" dirty="0"/>
+              <a:t>Pre-whitening step</a:t>
+            </a:r>
+          </a:p>
+        </p:txBody>
+      </p:sp>
     </p:spTree>
     <p:extLst>
       <p:ext uri="{BB962C8B-B14F-4D97-AF65-F5344CB8AC3E}">
@@ -10223,7 +11941,147 @@
   <p:timing>
     <p:tnLst>
       <p:par>
-        <p:cTn id="1" dur="indefinite" restart="never" nodeType="tmRoot"/>
+        <p:cTn id="1" dur="indefinite" restart="never" nodeType="tmRoot">
+          <p:childTnLst>
+            <p:seq concurrent="1" nextAc="seek">
+              <p:cTn id="2" dur="indefinite" nodeType="mainSeq">
+                <p:childTnLst>
+                  <p:par>
+                    <p:cTn id="3" fill="hold">
+                      <p:stCondLst>
+                        <p:cond delay="indefinite"/>
+                      </p:stCondLst>
+                      <p:childTnLst>
+                        <p:par>
+                          <p:cTn id="4" fill="hold">
+                            <p:stCondLst>
+                              <p:cond delay="0"/>
+                            </p:stCondLst>
+                            <p:childTnLst>
+                              <p:par>
+                                <p:cTn id="5" presetID="1" presetClass="entr" presetSubtype="0" fill="hold" nodeType="clickEffect">
+                                  <p:stCondLst>
+                                    <p:cond delay="0"/>
+                                  </p:stCondLst>
+                                  <p:childTnLst>
+                                    <p:set>
+                                      <p:cBhvr>
+                                        <p:cTn id="6" dur="1" fill="hold">
+                                          <p:stCondLst>
+                                            <p:cond delay="0"/>
+                                          </p:stCondLst>
+                                        </p:cTn>
+                                        <p:tgtEl>
+                                          <p:spTgt spid="5"/>
+                                        </p:tgtEl>
+                                        <p:attrNameLst>
+                                          <p:attrName>style.visibility</p:attrName>
+                                        </p:attrNameLst>
+                                      </p:cBhvr>
+                                      <p:to>
+                                        <p:strVal val="visible"/>
+                                      </p:to>
+                                    </p:set>
+                                  </p:childTnLst>
+                                </p:cTn>
+                              </p:par>
+                              <p:par>
+                                <p:cTn id="7" presetID="1" presetClass="entr" presetSubtype="0" fill="hold" nodeType="withEffect">
+                                  <p:stCondLst>
+                                    <p:cond delay="0"/>
+                                  </p:stCondLst>
+                                  <p:childTnLst>
+                                    <p:set>
+                                      <p:cBhvr>
+                                        <p:cTn id="8" dur="1" fill="hold">
+                                          <p:stCondLst>
+                                            <p:cond delay="0"/>
+                                          </p:stCondLst>
+                                        </p:cTn>
+                                        <p:tgtEl>
+                                          <p:spTgt spid="2"/>
+                                        </p:tgtEl>
+                                        <p:attrNameLst>
+                                          <p:attrName>style.visibility</p:attrName>
+                                        </p:attrNameLst>
+                                      </p:cBhvr>
+                                      <p:to>
+                                        <p:strVal val="visible"/>
+                                      </p:to>
+                                    </p:set>
+                                  </p:childTnLst>
+                                </p:cTn>
+                              </p:par>
+                            </p:childTnLst>
+                          </p:cTn>
+                        </p:par>
+                      </p:childTnLst>
+                    </p:cTn>
+                  </p:par>
+                  <p:par>
+                    <p:cTn id="9" fill="hold">
+                      <p:stCondLst>
+                        <p:cond delay="indefinite"/>
+                      </p:stCondLst>
+                      <p:childTnLst>
+                        <p:par>
+                          <p:cTn id="10" fill="hold">
+                            <p:stCondLst>
+                              <p:cond delay="0"/>
+                            </p:stCondLst>
+                            <p:childTnLst>
+                              <p:par>
+                                <p:cTn id="11" presetID="1" presetClass="entr" presetSubtype="0" fill="hold" nodeType="clickEffect">
+                                  <p:stCondLst>
+                                    <p:cond delay="0"/>
+                                  </p:stCondLst>
+                                  <p:childTnLst>
+                                    <p:set>
+                                      <p:cBhvr>
+                                        <p:cTn id="12" dur="1" fill="hold">
+                                          <p:stCondLst>
+                                            <p:cond delay="0"/>
+                                          </p:stCondLst>
+                                        </p:cTn>
+                                        <p:tgtEl>
+                                          <p:spTgt spid="6"/>
+                                        </p:tgtEl>
+                                        <p:attrNameLst>
+                                          <p:attrName>style.visibility</p:attrName>
+                                        </p:attrNameLst>
+                                      </p:cBhvr>
+                                      <p:to>
+                                        <p:strVal val="visible"/>
+                                      </p:to>
+                                    </p:set>
+                                  </p:childTnLst>
+                                </p:cTn>
+                              </p:par>
+                            </p:childTnLst>
+                          </p:cTn>
+                        </p:par>
+                      </p:childTnLst>
+                    </p:cTn>
+                  </p:par>
+                </p:childTnLst>
+              </p:cTn>
+              <p:prevCondLst>
+                <p:cond evt="onPrev" delay="0">
+                  <p:tgtEl>
+                    <p:sldTgt/>
+                  </p:tgtEl>
+                </p:cond>
+              </p:prevCondLst>
+              <p:nextCondLst>
+                <p:cond evt="onNext" delay="0">
+                  <p:tgtEl>
+                    <p:sldTgt/>
+                  </p:tgtEl>
+                </p:cond>
+              </p:nextCondLst>
+            </p:seq>
+          </p:childTnLst>
+        </p:cTn>
       </p:par>
     </p:tnLst>
   </p:timing>
@@ -10281,17 +12139,12 @@
             </a:r>
             <a:r>
               <a:rPr lang="en-US" sz="4000" b="1" dirty="0"/>
-              <a:t> </a:t>
-            </a:r>
-            <a:r>
-              <a:rPr lang="en-US" sz="4000" b="1" dirty="0" smtClean="0"/>
-              <a:t>implementation: </a:t>
-            </a:r>
-            <a:r>
-              <a:rPr lang="en-US" sz="4000" i="1" dirty="0" smtClean="0"/>
+              <a:t> implementation: </a:t>
+            </a:r>
+            <a:r>
+              <a:rPr lang="en-US" sz="4000" i="1" dirty="0"/>
               <a:t>sklearn.decomposition.fastica_.py</a:t>
             </a:r>
-            <a:endParaRPr lang="en-US" sz="4000" i="1" dirty="0"/>
           </a:p>
         </p:txBody>
       </p:sp>
@@ -10407,6 +12260,41 @@
           </a:effectLst>
         </p:spPr>
       </p:pic>
+      <p:sp>
+        <p:nvSpPr>
+          <p:cNvPr id="2" name="TextBox 1">
+            <a:extLst>
+              <a:ext uri="{FF2B5EF4-FFF2-40B4-BE49-F238E27FC236}">
+                <a16:creationId xmlns:a16="http://schemas.microsoft.com/office/drawing/2014/main" id="{B3B73AB4-E19C-DD46-84EA-0E1A1BC4F566}"/>
+              </a:ext>
+            </a:extLst>
+          </p:cNvPr>
+          <p:cNvSpPr txBox="1"/>
+          <p:nvPr/>
+        </p:nvSpPr>
+        <p:spPr>
+          <a:xfrm>
+            <a:off x="5051674" y="677333"/>
+            <a:ext cx="2861733" cy="381000"/>
+          </a:xfrm>
+          <a:prstGeom prst="rect">
+            <a:avLst/>
+          </a:prstGeom>
+          <a:noFill/>
+        </p:spPr>
+        <p:txBody>
+          <a:bodyPr wrap="square" rtlCol="0">
+            <a:spAutoFit/>
+          </a:bodyPr>
+          <a:lstStyle/>
+          <a:p>
+            <a:r>
+              <a:rPr lang="en-US" dirty="0"/>
+              <a:t>Iteratively finding weights</a:t>
+            </a:r>
+          </a:p>
+        </p:txBody>
+      </p:sp>
     </p:spTree>
     <p:extLst>
       <p:ext uri="{BB962C8B-B14F-4D97-AF65-F5344CB8AC3E}">
@@ -10420,7 +12308,192 @@
   <p:timing>
     <p:tnLst>
       <p:par>
-        <p:cTn id="1" dur="indefinite" restart="never" nodeType="tmRoot"/>
+        <p:cTn id="1" dur="indefinite" restart="never" nodeType="tmRoot">
+          <p:childTnLst>
+            <p:seq concurrent="1" nextAc="seek">
+              <p:cTn id="2" dur="indefinite" nodeType="mainSeq">
+                <p:childTnLst>
+                  <p:par>
+                    <p:cTn id="3" fill="hold">
+                      <p:stCondLst>
+                        <p:cond delay="indefinite"/>
+                      </p:stCondLst>
+                      <p:childTnLst>
+                        <p:par>
+                          <p:cTn id="4" fill="hold">
+                            <p:stCondLst>
+                              <p:cond delay="0"/>
+                            </p:stCondLst>
+                            <p:childTnLst>
+                              <p:par>
+                                <p:cTn id="5" presetID="1" presetClass="entr" presetSubtype="0" fill="hold" nodeType="clickEffect">
+                                  <p:stCondLst>
+                                    <p:cond delay="0"/>
+                                  </p:stCondLst>
+                                  <p:childTnLst>
+                                    <p:set>
+                                      <p:cBhvr>
+                                        <p:cTn id="6" dur="1" fill="hold">
+                                          <p:stCondLst>
+                                            <p:cond delay="0"/>
+                                          </p:stCondLst>
+                                        </p:cTn>
+                                        <p:tgtEl>
+                                          <p:spTgt spid="7"/>
+                                        </p:tgtEl>
+                                        <p:attrNameLst>
+                                          <p:attrName>style.visibility</p:attrName>
+                                        </p:attrNameLst>
+                                      </p:cBhvr>
+                                      <p:to>
+                                        <p:strVal val="visible"/>
+                                      </p:to>
+                                    </p:set>
+                                  </p:childTnLst>
+                                </p:cTn>
+                              </p:par>
+                            </p:childTnLst>
+                          </p:cTn>
+                        </p:par>
+                      </p:childTnLst>
+                    </p:cTn>
+                  </p:par>
+                  <p:par>
+                    <p:cTn id="7" fill="hold">
+                      <p:stCondLst>
+                        <p:cond delay="indefinite"/>
+                      </p:stCondLst>
+                      <p:childTnLst>
+                        <p:par>
+                          <p:cTn id="8" fill="hold">
+                            <p:stCondLst>
+                              <p:cond delay="0"/>
+                            </p:stCondLst>
+                            <p:childTnLst>
+                              <p:par>
+                                <p:cTn id="9" presetID="1" presetClass="entr" presetSubtype="0" fill="hold" nodeType="clickEffect">
+                                  <p:stCondLst>
+                                    <p:cond delay="0"/>
+                                  </p:stCondLst>
+                                  <p:childTnLst>
+                                    <p:set>
+                                      <p:cBhvr>
+                                        <p:cTn id="10" dur="1" fill="hold">
+                                          <p:stCondLst>
+                                            <p:cond delay="0"/>
+                                          </p:stCondLst>
+                                        </p:cTn>
+                                        <p:tgtEl>
+                                          <p:spTgt spid="10"/>
+                                        </p:tgtEl>
+                                        <p:attrNameLst>
+                                          <p:attrName>style.visibility</p:attrName>
+                                        </p:attrNameLst>
+                                      </p:cBhvr>
+                                      <p:to>
+                                        <p:strVal val="visible"/>
+                                      </p:to>
+                                    </p:set>
+                                  </p:childTnLst>
+                                </p:cTn>
+                              </p:par>
+                              <p:par>
+                                <p:cTn id="11" presetID="1" presetClass="entr" presetSubtype="0" fill="hold" nodeType="withEffect">
+                                  <p:stCondLst>
+                                    <p:cond delay="0"/>
+                                  </p:stCondLst>
+                                  <p:childTnLst>
+                                    <p:set>
+                                      <p:cBhvr>
+                                        <p:cTn id="12" dur="1" fill="hold">
+                                          <p:stCondLst>
+                                            <p:cond delay="0"/>
+                                          </p:stCondLst>
+                                        </p:cTn>
+                                        <p:tgtEl>
+                                          <p:spTgt spid="8"/>
+                                        </p:tgtEl>
+                                        <p:attrNameLst>
+                                          <p:attrName>style.visibility</p:attrName>
+                                        </p:attrNameLst>
+                                      </p:cBhvr>
+                                      <p:to>
+                                        <p:strVal val="visible"/>
+                                      </p:to>
+                                    </p:set>
+                                  </p:childTnLst>
+                                </p:cTn>
+                              </p:par>
+                            </p:childTnLst>
+                          </p:cTn>
+                        </p:par>
+                      </p:childTnLst>
+                    </p:cTn>
+                  </p:par>
+                  <p:par>
+                    <p:cTn id="13" fill="hold">
+                      <p:stCondLst>
+                        <p:cond delay="indefinite"/>
+                      </p:stCondLst>
+                      <p:childTnLst>
+                        <p:par>
+                          <p:cTn id="14" fill="hold">
+                            <p:stCondLst>
+                              <p:cond delay="0"/>
+                            </p:stCondLst>
+                            <p:childTnLst>
+                              <p:par>
+                                <p:cTn id="15" presetID="1" presetClass="entr" presetSubtype="0" fill="hold" nodeType="clickEffect">
+                                  <p:stCondLst>
+                                    <p:cond delay="0"/>
+                                  </p:stCondLst>
+                                  <p:childTnLst>
+                                    <p:set>
+                                      <p:cBhvr>
+                                        <p:cTn id="16" dur="1" fill="hold">
+                                          <p:stCondLst>
+                                            <p:cond delay="0"/>
+                                          </p:stCondLst>
+                                        </p:cTn>
+                                        <p:tgtEl>
+                                          <p:spTgt spid="12"/>
+                                        </p:tgtEl>
+                                        <p:attrNameLst>
+                                          <p:attrName>style.visibility</p:attrName>
+                                        </p:attrNameLst>
+                                      </p:cBhvr>
+                                      <p:to>
+                                        <p:strVal val="visible"/>
+                                      </p:to>
+                                    </p:set>
+                                  </p:childTnLst>
+                                </p:cTn>
+                              </p:par>
+                            </p:childTnLst>
+                          </p:cTn>
+                        </p:par>
+                      </p:childTnLst>
+                    </p:cTn>
+                  </p:par>
+                </p:childTnLst>
+              </p:cTn>
+              <p:prevCondLst>
+                <p:cond evt="onPrev" delay="0">
+                  <p:tgtEl>
+                    <p:sldTgt/>
+                  </p:tgtEl>
+                </p:cond>
+              </p:prevCondLst>
+              <p:nextCondLst>
+                <p:cond evt="onNext" delay="0">
+                  <p:tgtEl>
+                    <p:sldTgt/>
+                  </p:tgtEl>
+                </p:cond>
+              </p:nextCondLst>
+            </p:seq>
+          </p:childTnLst>
+        </p:cTn>
       </p:par>
     </p:tnLst>
   </p:timing>
@@ -10478,17 +12551,12 @@
             </a:r>
             <a:r>
               <a:rPr lang="en-US" sz="4000" b="1" dirty="0"/>
-              <a:t> </a:t>
-            </a:r>
-            <a:r>
-              <a:rPr lang="en-US" sz="4000" b="1" dirty="0" smtClean="0"/>
-              <a:t>implementation: </a:t>
-            </a:r>
-            <a:r>
-              <a:rPr lang="en-US" sz="4000" i="1" dirty="0" smtClean="0"/>
+              <a:t> implementation: </a:t>
+            </a:r>
+            <a:r>
+              <a:rPr lang="en-US" sz="4000" i="1" dirty="0"/>
               <a:t>sklearn.decomposition.fastica_.py</a:t>
             </a:r>
-            <a:endParaRPr lang="en-US" sz="4000" i="1" dirty="0"/>
           </a:p>
         </p:txBody>
       </p:sp>
@@ -10516,6 +12584,249 @@
           </a:prstGeom>
         </p:spPr>
       </p:pic>
+      <p:sp>
+        <p:nvSpPr>
+          <p:cNvPr id="3" name="TextBox 2">
+            <a:extLst>
+              <a:ext uri="{FF2B5EF4-FFF2-40B4-BE49-F238E27FC236}">
+                <a16:creationId xmlns:a16="http://schemas.microsoft.com/office/drawing/2014/main" id="{169B1312-ADE5-244C-B96C-03E60C976321}"/>
+              </a:ext>
+            </a:extLst>
+          </p:cNvPr>
+          <p:cNvSpPr txBox="1"/>
+          <p:nvPr/>
+        </p:nvSpPr>
+        <p:spPr>
+          <a:xfrm>
+            <a:off x="4267200" y="728133"/>
+            <a:ext cx="4318000" cy="369332"/>
+          </a:xfrm>
+          <a:prstGeom prst="rect">
+            <a:avLst/>
+          </a:prstGeom>
+          <a:noFill/>
+        </p:spPr>
+        <p:txBody>
+          <a:bodyPr wrap="square" rtlCol="0">
+            <a:spAutoFit/>
+          </a:bodyPr>
+          <a:lstStyle/>
+          <a:p>
+            <a:r>
+              <a:rPr lang="en-US" dirty="0"/>
+              <a:t>Negentropy approximation function</a:t>
+            </a:r>
+          </a:p>
+        </p:txBody>
+      </p:sp>
+      <mc:AlternateContent xmlns:mc="http://schemas.openxmlformats.org/markup-compatibility/2006">
+        <mc:Choice xmlns:a14="http://schemas.microsoft.com/office/drawing/2010/main" Requires="a14">
+          <p:sp>
+            <p:nvSpPr>
+              <p:cNvPr id="5" name="Rectangle 4">
+                <a:extLst>
+                  <a:ext uri="{FF2B5EF4-FFF2-40B4-BE49-F238E27FC236}">
+                    <a16:creationId xmlns:a16="http://schemas.microsoft.com/office/drawing/2014/main" id="{0B2790BC-369F-8447-8EBC-905CDA714832}"/>
+                  </a:ext>
+                </a:extLst>
+              </p:cNvPr>
+              <p:cNvSpPr/>
+              <p:nvPr/>
+            </p:nvSpPr>
+            <p:spPr>
+              <a:xfrm>
+                <a:off x="8015652" y="3079441"/>
+                <a:ext cx="3947747" cy="703013"/>
+              </a:xfrm>
+              <a:prstGeom prst="rect">
+                <a:avLst/>
+              </a:prstGeom>
+            </p:spPr>
+            <p:txBody>
+              <a:bodyPr wrap="square">
+                <a:spAutoFit/>
+              </a:bodyPr>
+              <a:lstStyle/>
+              <a:p>
+                <a14:m>
+                  <m:oMath xmlns:m="http://schemas.openxmlformats.org/officeDocument/2006/math">
+                    <m:sSub>
+                      <m:sSubPr>
+                        <m:ctrlPr>
+                          <a:rPr lang="en-US" sz="2800" i="1">
+                            <a:latin typeface="Cambria Math" panose="02040503050406030204" pitchFamily="18" charset="0"/>
+                          </a:rPr>
+                        </m:ctrlPr>
+                      </m:sSubPr>
+                      <m:e>
+                        <m:r>
+                          <a:rPr lang="en-CA" sz="2800" i="1">
+                            <a:latin typeface="Cambria Math" panose="02040503050406030204" pitchFamily="18" charset="0"/>
+                          </a:rPr>
+                          <m:t>𝐺</m:t>
+                        </m:r>
+                      </m:e>
+                      <m:sub>
+                        <m:r>
+                          <a:rPr lang="en-CA" sz="2800" i="1">
+                            <a:latin typeface="Cambria Math" panose="02040503050406030204" pitchFamily="18" charset="0"/>
+                          </a:rPr>
+                          <m:t>1</m:t>
+                        </m:r>
+                      </m:sub>
+                    </m:sSub>
+                    <m:d>
+                      <m:dPr>
+                        <m:ctrlPr>
+                          <a:rPr lang="en-CA" sz="2800" i="1">
+                            <a:latin typeface="Cambria Math" panose="02040503050406030204" pitchFamily="18" charset="0"/>
+                          </a:rPr>
+                        </m:ctrlPr>
+                      </m:dPr>
+                      <m:e>
+                        <m:r>
+                          <a:rPr lang="en-CA" sz="2800" i="1">
+                            <a:latin typeface="Cambria Math" panose="02040503050406030204" pitchFamily="18" charset="0"/>
+                          </a:rPr>
+                          <m:t>𝑦</m:t>
+                        </m:r>
+                      </m:e>
+                    </m:d>
+                    <m:r>
+                      <a:rPr lang="en-CA" sz="2800" i="1">
+                        <a:latin typeface="Cambria Math" panose="02040503050406030204" pitchFamily="18" charset="0"/>
+                      </a:rPr>
+                      <m:t>=</m:t>
+                    </m:r>
+                    <m:f>
+                      <m:fPr>
+                        <m:ctrlPr>
+                          <a:rPr lang="en-CA" sz="2800" i="1">
+                            <a:latin typeface="Cambria Math" panose="02040503050406030204" pitchFamily="18" charset="0"/>
+                          </a:rPr>
+                        </m:ctrlPr>
+                      </m:fPr>
+                      <m:num>
+                        <m:r>
+                          <a:rPr lang="en-CA" sz="2800" i="1">
+                            <a:latin typeface="Cambria Math" panose="02040503050406030204" pitchFamily="18" charset="0"/>
+                          </a:rPr>
+                          <m:t>1</m:t>
+                        </m:r>
+                      </m:num>
+                      <m:den>
+                        <m:r>
+                          <a:rPr lang="en-CA" sz="2800" i="1">
+                            <a:latin typeface="Cambria Math" panose="02040503050406030204" pitchFamily="18" charset="0"/>
+                          </a:rPr>
+                          <m:t>𝑎</m:t>
+                        </m:r>
+                      </m:den>
+                    </m:f>
+                    <m:func>
+                      <m:funcPr>
+                        <m:ctrlPr>
+                          <a:rPr lang="en-CA" sz="2800" i="1">
+                            <a:latin typeface="Cambria Math" panose="02040503050406030204" pitchFamily="18" charset="0"/>
+                          </a:rPr>
+                        </m:ctrlPr>
+                      </m:funcPr>
+                      <m:fName>
+                        <m:r>
+                          <m:rPr>
+                            <m:sty m:val="p"/>
+                          </m:rPr>
+                          <a:rPr lang="en-CA" sz="2800">
+                            <a:latin typeface="Cambria Math" panose="02040503050406030204" pitchFamily="18" charset="0"/>
+                          </a:rPr>
+                          <m:t>log</m:t>
+                        </m:r>
+                      </m:fName>
+                      <m:e>
+                        <m:r>
+                          <m:rPr>
+                            <m:sty m:val="p"/>
+                          </m:rPr>
+                          <a:rPr lang="en-CA" sz="2800">
+                            <a:latin typeface="Cambria Math" panose="02040503050406030204" pitchFamily="18" charset="0"/>
+                          </a:rPr>
+                          <m:t>cosh</m:t>
+                        </m:r>
+                        <m:r>
+                          <a:rPr lang="en-CA" sz="2800" i="1">
+                            <a:latin typeface="Cambria Math" panose="02040503050406030204" pitchFamily="18" charset="0"/>
+                          </a:rPr>
+                          <m:t>⁡(</m:t>
+                        </m:r>
+                        <m:r>
+                          <a:rPr lang="en-CA" sz="2800" i="1">
+                            <a:latin typeface="Cambria Math" panose="02040503050406030204" pitchFamily="18" charset="0"/>
+                          </a:rPr>
+                          <m:t>𝑎𝑦</m:t>
+                        </m:r>
+                        <m:r>
+                          <a:rPr lang="en-CA" sz="2800" i="1">
+                            <a:latin typeface="Cambria Math" panose="02040503050406030204" pitchFamily="18" charset="0"/>
+                          </a:rPr>
+                          <m:t>)</m:t>
+                        </m:r>
+                      </m:e>
+                    </m:func>
+                  </m:oMath>
+                </a14:m>
+                <a:r>
+                  <a:rPr lang="en-US" sz="2800" dirty="0"/>
+                  <a:t> </a:t>
+                </a:r>
+              </a:p>
+            </p:txBody>
+          </p:sp>
+        </mc:Choice>
+        <mc:Fallback>
+          <p:sp>
+            <p:nvSpPr>
+              <p:cNvPr id="5" name="Rectangle 4">
+                <a:extLst>
+                  <a:ext uri="{FF2B5EF4-FFF2-40B4-BE49-F238E27FC236}">
+                    <a16:creationId xmlns:a16="http://schemas.microsoft.com/office/drawing/2014/main" id="{0B2790BC-369F-8447-8EBC-905CDA714832}"/>
+                  </a:ext>
+                </a:extLst>
+              </p:cNvPr>
+              <p:cNvSpPr>
+                <a:spLocks noRot="1" noChangeAspect="1" noMove="1" noResize="1" noEditPoints="1" noAdjustHandles="1" noChangeArrowheads="1" noChangeShapeType="1" noTextEdit="1"/>
+              </p:cNvSpPr>
+              <p:nvPr/>
+            </p:nvSpPr>
+            <p:spPr>
+              <a:xfrm>
+                <a:off x="8015652" y="3079441"/>
+                <a:ext cx="3947747" cy="703013"/>
+              </a:xfrm>
+              <a:prstGeom prst="rect">
+                <a:avLst/>
+              </a:prstGeom>
+              <a:blipFill>
+                <a:blip r:embed="rId3"/>
+                <a:stretch>
+                  <a:fillRect l="-641" b="-1754"/>
+                </a:stretch>
+              </a:blipFill>
+            </p:spPr>
+            <p:txBody>
+              <a:bodyPr/>
+              <a:lstStyle/>
+              <a:p>
+                <a:r>
+                  <a:rPr lang="en-US">
+                    <a:noFill/>
+                  </a:rPr>
+                  <a:t> </a:t>
+                </a:r>
+              </a:p>
+            </p:txBody>
+          </p:sp>
+        </mc:Fallback>
+      </mc:AlternateContent>
     </p:spTree>
     <p:extLst>
       <p:ext uri="{BB962C8B-B14F-4D97-AF65-F5344CB8AC3E}">
@@ -10529,9 +12840,125 @@
   <p:timing>
     <p:tnLst>
       <p:par>
-        <p:cTn id="1" dur="indefinite" restart="never" nodeType="tmRoot"/>
+        <p:cTn id="1" dur="indefinite" restart="never" nodeType="tmRoot">
+          <p:childTnLst>
+            <p:seq concurrent="1" nextAc="seek">
+              <p:cTn id="2" dur="indefinite" nodeType="mainSeq">
+                <p:childTnLst>
+                  <p:par>
+                    <p:cTn id="3" fill="hold">
+                      <p:stCondLst>
+                        <p:cond delay="indefinite"/>
+                      </p:stCondLst>
+                      <p:childTnLst>
+                        <p:par>
+                          <p:cTn id="4" fill="hold">
+                            <p:stCondLst>
+                              <p:cond delay="0"/>
+                            </p:stCondLst>
+                            <p:childTnLst>
+                              <p:par>
+                                <p:cTn id="5" presetID="1" presetClass="entr" presetSubtype="0" fill="hold" nodeType="clickEffect">
+                                  <p:stCondLst>
+                                    <p:cond delay="0"/>
+                                  </p:stCondLst>
+                                  <p:childTnLst>
+                                    <p:set>
+                                      <p:cBhvr>
+                                        <p:cTn id="6" dur="1" fill="hold">
+                                          <p:stCondLst>
+                                            <p:cond delay="0"/>
+                                          </p:stCondLst>
+                                        </p:cTn>
+                                        <p:tgtEl>
+                                          <p:spTgt spid="2"/>
+                                        </p:tgtEl>
+                                        <p:attrNameLst>
+                                          <p:attrName>style.visibility</p:attrName>
+                                        </p:attrNameLst>
+                                      </p:cBhvr>
+                                      <p:to>
+                                        <p:strVal val="visible"/>
+                                      </p:to>
+                                    </p:set>
+                                  </p:childTnLst>
+                                </p:cTn>
+                              </p:par>
+                            </p:childTnLst>
+                          </p:cTn>
+                        </p:par>
+                      </p:childTnLst>
+                    </p:cTn>
+                  </p:par>
+                  <p:par>
+                    <p:cTn id="7" fill="hold">
+                      <p:stCondLst>
+                        <p:cond delay="indefinite"/>
+                      </p:stCondLst>
+                      <p:childTnLst>
+                        <p:par>
+                          <p:cTn id="8" fill="hold">
+                            <p:stCondLst>
+                              <p:cond delay="0"/>
+                            </p:stCondLst>
+                            <p:childTnLst>
+                              <p:par>
+                                <p:cTn id="9" presetID="1" presetClass="entr" presetSubtype="0" fill="hold" grpId="0" nodeType="clickEffect">
+                                  <p:stCondLst>
+                                    <p:cond delay="0"/>
+                                  </p:stCondLst>
+                                  <p:childTnLst>
+                                    <p:set>
+                                      <p:cBhvr>
+                                        <p:cTn id="10" dur="1" fill="hold">
+                                          <p:stCondLst>
+                                            <p:cond delay="0"/>
+                                          </p:stCondLst>
+                                        </p:cTn>
+                                        <p:tgtEl>
+                                          <p:spTgt spid="5"/>
+                                        </p:tgtEl>
+                                        <p:attrNameLst>
+                                          <p:attrName>style.visibility</p:attrName>
+                                        </p:attrNameLst>
+                                      </p:cBhvr>
+                                      <p:to>
+                                        <p:strVal val="visible"/>
+                                      </p:to>
+                                    </p:set>
+                                  </p:childTnLst>
+                                </p:cTn>
+                              </p:par>
+                            </p:childTnLst>
+                          </p:cTn>
+                        </p:par>
+                      </p:childTnLst>
+                    </p:cTn>
+                  </p:par>
+                </p:childTnLst>
+              </p:cTn>
+              <p:prevCondLst>
+                <p:cond evt="onPrev" delay="0">
+                  <p:tgtEl>
+                    <p:sldTgt/>
+                  </p:tgtEl>
+                </p:cond>
+              </p:prevCondLst>
+              <p:nextCondLst>
+                <p:cond evt="onNext" delay="0">
+                  <p:tgtEl>
+                    <p:sldTgt/>
+                  </p:tgtEl>
+                </p:cond>
+              </p:nextCondLst>
+            </p:seq>
+          </p:childTnLst>
+        </p:cTn>
       </p:par>
     </p:tnLst>
+    <p:bldLst>
+      <p:bldP spid="5" grpId="0"/>
+    </p:bldLst>
   </p:timing>
 </p:sld>
 </file>
@@ -10712,10 +13139,9 @@
           <a:lstStyle/>
           <a:p>
             <a:r>
-              <a:rPr lang="en-CA" dirty="0" smtClean="0"/>
+              <a:rPr lang="en-CA" dirty="0"/>
               <a:t>Each electrode has a time series (EEG cap is a grid of sensors)</a:t>
             </a:r>
-            <a:endParaRPr lang="en-CA" dirty="0"/>
           </a:p>
         </p:txBody>
       </p:sp>
@@ -10729,13 +13155,6 @@
   <p:clrMapOvr>
     <a:masterClrMapping/>
   </p:clrMapOvr>
-  <p:timing>
-    <p:tnLst>
-      <p:par>
-        <p:cTn id="1" dur="indefinite" restart="never" nodeType="tmRoot"/>
-      </p:par>
-    </p:tnLst>
-  </p:timing>
 </p:sld>
 </file>
 
@@ -10768,8 +13187,8 @@
         </p:nvSpPr>
         <p:spPr>
           <a:xfrm>
-            <a:off x="838200" y="198868"/>
-            <a:ext cx="10515600" cy="1325563"/>
+            <a:off x="347133" y="99514"/>
+            <a:ext cx="11523134" cy="1325563"/>
           </a:xfrm>
         </p:spPr>
         <p:txBody>
@@ -10777,18 +13196,9 @@
           <a:lstStyle/>
           <a:p>
             <a:r>
-              <a:rPr lang="en-CA" dirty="0" smtClean="0"/>
-              <a:t>EEG measures summed neuronal activity </a:t>
-            </a:r>
-            <a:r>
-              <a:rPr lang="en-CA" dirty="0" smtClean="0"/>
-              <a:t>influenced </a:t>
-            </a:r>
-            <a:r>
-              <a:rPr lang="en-CA" dirty="0" smtClean="0"/>
-              <a:t>by independent modulators</a:t>
-            </a:r>
-            <a:endParaRPr lang="en-CA" dirty="0"/>
+              <a:rPr lang="en-CA" dirty="0"/>
+              <a:t>EEG measures summed cortical activity, which is influenced by independent deep brain modulators</a:t>
+            </a:r>
           </a:p>
         </p:txBody>
       </p:sp>
@@ -10919,7 +13329,75 @@
   <p:timing>
     <p:tnLst>
       <p:par>
-        <p:cTn id="1" dur="indefinite" restart="never" nodeType="tmRoot"/>
+        <p:cTn id="1" dur="indefinite" restart="never" nodeType="tmRoot">
+          <p:childTnLst>
+            <p:seq concurrent="1" nextAc="seek">
+              <p:cTn id="2" dur="indefinite" nodeType="mainSeq">
+                <p:childTnLst>
+                  <p:par>
+                    <p:cTn id="3" fill="hold">
+                      <p:stCondLst>
+                        <p:cond delay="indefinite"/>
+                      </p:stCondLst>
+                      <p:childTnLst>
+                        <p:par>
+                          <p:cTn id="4" fill="hold">
+                            <p:stCondLst>
+                              <p:cond delay="0"/>
+                            </p:stCondLst>
+                            <p:childTnLst>
+                              <p:par>
+                                <p:cTn id="5" presetID="1" presetClass="entr" presetSubtype="0" fill="hold" nodeType="clickEffect">
+                                  <p:stCondLst>
+                                    <p:cond delay="0"/>
+                                  </p:stCondLst>
+                                  <p:childTnLst>
+                                    <p:set>
+                                      <p:cBhvr>
+                                        <p:cTn id="6" dur="1" fill="hold">
+                                          <p:stCondLst>
+                                            <p:cond delay="0"/>
+                                          </p:stCondLst>
+                                        </p:cTn>
+                                        <p:tgtEl>
+                                          <p:spTgt spid="2052"/>
+                                        </p:tgtEl>
+                                        <p:attrNameLst>
+                                          <p:attrName>style.visibility</p:attrName>
+                                        </p:attrNameLst>
+                                      </p:cBhvr>
+                                      <p:to>
+                                        <p:strVal val="visible"/>
+                                      </p:to>
+                                    </p:set>
+                                  </p:childTnLst>
+                                </p:cTn>
+                              </p:par>
+                            </p:childTnLst>
+                          </p:cTn>
+                        </p:par>
+                      </p:childTnLst>
+                    </p:cTn>
+                  </p:par>
+                </p:childTnLst>
+              </p:cTn>
+              <p:prevCondLst>
+                <p:cond evt="onPrev" delay="0">
+                  <p:tgtEl>
+                    <p:sldTgt/>
+                  </p:tgtEl>
+                </p:cond>
+              </p:prevCondLst>
+              <p:nextCondLst>
+                <p:cond evt="onNext" delay="0">
+                  <p:tgtEl>
+                    <p:sldTgt/>
+                  </p:tgtEl>
+                </p:cond>
+              </p:nextCondLst>
+            </p:seq>
+          </p:childTnLst>
+        </p:cTn>
       </p:par>
     </p:tnLst>
   </p:timing>
@@ -10964,18 +13442,17 @@
           <a:lstStyle/>
           <a:p>
             <a:r>
-              <a:rPr lang="en-CA" dirty="0" smtClean="0"/>
+              <a:rPr lang="en-CA" dirty="0"/>
               <a:t>Isolating noise (</a:t>
             </a:r>
             <a:r>
-              <a:rPr lang="en-CA" dirty="0" err="1" smtClean="0"/>
+              <a:rPr lang="en-CA" dirty="0" err="1"/>
               <a:t>eyeblinks</a:t>
             </a:r>
             <a:r>
-              <a:rPr lang="en-CA" dirty="0" smtClean="0"/>
+              <a:rPr lang="en-CA" dirty="0"/>
               <a:t>, muscular artifacts)</a:t>
             </a:r>
-            <a:endParaRPr lang="en-CA" dirty="0"/>
           </a:p>
         </p:txBody>
       </p:sp>
@@ -11050,10 +13527,9 @@
           <a:lstStyle/>
           <a:p>
             <a:r>
-              <a:rPr lang="en-CA" dirty="0" smtClean="0"/>
+              <a:rPr lang="en-CA" dirty="0"/>
               <a:t>Weight maps</a:t>
             </a:r>
-            <a:endParaRPr lang="en-CA" dirty="0"/>
           </a:p>
         </p:txBody>
       </p:sp>
@@ -11070,9 +13546,107 @@
   <p:timing>
     <p:tnLst>
       <p:par>
-        <p:cTn id="1" dur="indefinite" restart="never" nodeType="tmRoot"/>
+        <p:cTn id="1" dur="indefinite" restart="never" nodeType="tmRoot">
+          <p:childTnLst>
+            <p:seq concurrent="1" nextAc="seek">
+              <p:cTn id="2" dur="indefinite" nodeType="mainSeq">
+                <p:childTnLst>
+                  <p:par>
+                    <p:cTn id="3" fill="hold">
+                      <p:stCondLst>
+                        <p:cond delay="indefinite"/>
+                      </p:stCondLst>
+                      <p:childTnLst>
+                        <p:par>
+                          <p:cTn id="4" fill="hold">
+                            <p:stCondLst>
+                              <p:cond delay="0"/>
+                            </p:stCondLst>
+                            <p:childTnLst>
+                              <p:par>
+                                <p:cTn id="5" presetID="1" presetClass="entr" presetSubtype="0" fill="hold" nodeType="clickEffect">
+                                  <p:stCondLst>
+                                    <p:cond delay="0"/>
+                                  </p:stCondLst>
+                                  <p:childTnLst>
+                                    <p:set>
+                                      <p:cBhvr>
+                                        <p:cTn id="6" dur="1" fill="hold">
+                                          <p:stCondLst>
+                                            <p:cond delay="0"/>
+                                          </p:stCondLst>
+                                        </p:cTn>
+                                        <p:tgtEl>
+                                          <p:spTgt spid="6"/>
+                                        </p:tgtEl>
+                                        <p:attrNameLst>
+                                          <p:attrName>style.visibility</p:attrName>
+                                        </p:attrNameLst>
+                                      </p:cBhvr>
+                                      <p:to>
+                                        <p:strVal val="visible"/>
+                                      </p:to>
+                                    </p:set>
+                                  </p:childTnLst>
+                                </p:cTn>
+                              </p:par>
+                              <p:par>
+                                <p:cTn id="7" presetID="1" presetClass="entr" presetSubtype="0" fill="hold" grpId="0" nodeType="withEffect">
+                                  <p:stCondLst>
+                                    <p:cond delay="0"/>
+                                  </p:stCondLst>
+                                  <p:childTnLst>
+                                    <p:set>
+                                      <p:cBhvr>
+                                        <p:cTn id="8" dur="1" fill="hold">
+                                          <p:stCondLst>
+                                            <p:cond delay="0"/>
+                                          </p:stCondLst>
+                                        </p:cTn>
+                                        <p:tgtEl>
+                                          <p:spTgt spid="7"/>
+                                        </p:tgtEl>
+                                        <p:attrNameLst>
+                                          <p:attrName>style.visibility</p:attrName>
+                                        </p:attrNameLst>
+                                      </p:cBhvr>
+                                      <p:to>
+                                        <p:strVal val="visible"/>
+                                      </p:to>
+                                    </p:set>
+                                  </p:childTnLst>
+                                </p:cTn>
+                              </p:par>
+                            </p:childTnLst>
+                          </p:cTn>
+                        </p:par>
+                      </p:childTnLst>
+                    </p:cTn>
+                  </p:par>
+                </p:childTnLst>
+              </p:cTn>
+              <p:prevCondLst>
+                <p:cond evt="onPrev" delay="0">
+                  <p:tgtEl>
+                    <p:sldTgt/>
+                  </p:tgtEl>
+                </p:cond>
+              </p:prevCondLst>
+              <p:nextCondLst>
+                <p:cond evt="onNext" delay="0">
+                  <p:tgtEl>
+                    <p:sldTgt/>
+                  </p:tgtEl>
+                </p:cond>
+              </p:nextCondLst>
+            </p:seq>
+          </p:childTnLst>
+        </p:cTn>
       </p:par>
     </p:tnLst>
+    <p:bldLst>
+      <p:bldP spid="7" grpId="0"/>
+    </p:bldLst>
   </p:timing>
 </p:sld>
 </file>
@@ -11115,10 +13689,9 @@
           <a:lstStyle/>
           <a:p>
             <a:r>
-              <a:rPr lang="en-CA" dirty="0" smtClean="0"/>
+              <a:rPr lang="en-CA" dirty="0"/>
               <a:t>Raw vs ICA-denoised signal</a:t>
             </a:r>
-            <a:endParaRPr lang="en-CA" dirty="0"/>
           </a:p>
         </p:txBody>
       </p:sp>
@@ -11226,10 +13799,9 @@
           <a:lstStyle/>
           <a:p>
             <a:r>
-              <a:rPr lang="en-CA" dirty="0" smtClean="0"/>
+              <a:rPr lang="en-CA" dirty="0"/>
               <a:t>Component weight map</a:t>
             </a:r>
-            <a:endParaRPr lang="en-CA" dirty="0"/>
           </a:p>
         </p:txBody>
       </p:sp>
@@ -11243,13 +13815,6 @@
   <p:clrMapOvr>
     <a:masterClrMapping/>
   </p:clrMapOvr>
-  <p:timing>
-    <p:tnLst>
-      <p:par>
-        <p:cTn id="1" dur="indefinite" restart="never" nodeType="tmRoot"/>
-      </p:par>
-    </p:tnLst>
-  </p:timing>
 </p:sld>
 </file>
 
@@ -11286,10 +13851,9 @@
           <a:lstStyle/>
           <a:p>
             <a:r>
-              <a:rPr lang="en-CA" dirty="0" smtClean="0"/>
+              <a:rPr lang="en-CA" dirty="0"/>
               <a:t>Summary</a:t>
             </a:r>
-            <a:endParaRPr lang="en-CA" dirty="0"/>
           </a:p>
         </p:txBody>
       </p:sp>
@@ -11303,12 +13867,89 @@
             <p:ph idx="1"/>
           </p:nvPr>
         </p:nvSpPr>
-        <p:spPr/>
+        <p:spPr>
+          <a:xfrm>
+            <a:off x="0" y="1825625"/>
+            <a:ext cx="12192000" cy="4351338"/>
+          </a:xfrm>
+        </p:spPr>
         <p:txBody>
           <a:bodyPr/>
           <a:lstStyle/>
           <a:p>
-            <a:endParaRPr lang="en-CA"/>
+            <a:r>
+              <a:rPr lang="en-CA" dirty="0"/>
+              <a:t>ICA decomposes multivariate signal into independent non-gaussian signals</a:t>
+            </a:r>
+          </a:p>
+          <a:p>
+            <a:r>
+              <a:rPr lang="en-CA" dirty="0"/>
+              <a:t>Example: 64 channels, 100000 timepoints -&gt; 64 components, 100000 timepoints</a:t>
+            </a:r>
+          </a:p>
+          <a:p>
+            <a:r>
+              <a:rPr lang="en-CA" dirty="0"/>
+              <a:t>Quantifying independence: Mutual information, kurtosis, negentropy</a:t>
+            </a:r>
+          </a:p>
+          <a:p>
+            <a:r>
+              <a:rPr lang="en-CA" dirty="0"/>
+              <a:t>Non-</a:t>
+            </a:r>
+            <a:r>
+              <a:rPr lang="en-CA" dirty="0" err="1"/>
+              <a:t>gaussianity</a:t>
+            </a:r>
+            <a:r>
+              <a:rPr lang="en-CA" dirty="0"/>
+              <a:t> and the central limit theorem</a:t>
+            </a:r>
+          </a:p>
+          <a:p>
+            <a:r>
+              <a:rPr lang="en-CA" dirty="0"/>
+              <a:t>ICA requires a preprocessing step using PCA ‘whitening’ to work correctly</a:t>
+            </a:r>
+          </a:p>
+          <a:p>
+            <a:r>
+              <a:rPr lang="en-CA" dirty="0"/>
+              <a:t>ICA algorithm iteratively finds independent components using Newton-Raphson</a:t>
+            </a:r>
+          </a:p>
+          <a:p>
+            <a:r>
+              <a:rPr lang="en-CA" dirty="0"/>
+              <a:t>Widely applicable (multi-channel timeseries analysis, image processing, etc.)</a:t>
+            </a:r>
+          </a:p>
+          <a:p>
+            <a:r>
+              <a:rPr lang="en-CA" dirty="0"/>
+              <a:t>http://</a:t>
+            </a:r>
+            <a:r>
+              <a:rPr lang="en-CA" dirty="0" err="1"/>
+              <a:t>arnauddelorme.com</a:t>
+            </a:r>
+            <a:r>
+              <a:rPr lang="en-CA" dirty="0"/>
+              <a:t>/</a:t>
+            </a:r>
+            <a:r>
+              <a:rPr lang="en-CA" dirty="0" err="1"/>
+              <a:t>ica_for_dummies</a:t>
+            </a:r>
+            <a:r>
+              <a:rPr lang="en-CA" dirty="0"/>
+              <a:t>/</a:t>
+            </a:r>
+          </a:p>
+          <a:p>
+            <a:endParaRPr lang="en-CA" dirty="0"/>
           </a:p>
         </p:txBody>
       </p:sp>
@@ -11322,13 +13963,6 @@
   <p:clrMapOvr>
     <a:masterClrMapping/>
   </p:clrMapOvr>
-  <p:timing>
-    <p:tnLst>
-      <p:par>
-        <p:cTn id="1" dur="indefinite" restart="never" nodeType="tmRoot"/>
-      </p:par>
-    </p:tnLst>
-  </p:timing>
 </p:sld>
 </file>
 
@@ -11455,6 +14089,26 @@
               <a:t>technique</a:t>
             </a:r>
           </a:p>
+          <a:p>
+            <a:r>
+              <a:rPr lang="en-US" dirty="0"/>
+              <a:t>Two primary assumptions of ICA</a:t>
+            </a:r>
+          </a:p>
+          <a:p>
+            <a:pPr lvl="1"/>
+            <a:r>
+              <a:rPr lang="en-US" dirty="0"/>
+              <a:t>Source signals are independent</a:t>
+            </a:r>
+          </a:p>
+          <a:p>
+            <a:pPr lvl="1"/>
+            <a:r>
+              <a:rPr lang="en-US" dirty="0"/>
+              <a:t>Source signal distributions are non-gaussian</a:t>
+            </a:r>
+          </a:p>
         </p:txBody>
       </p:sp>
       <p:pic>
@@ -11480,7 +14134,7 @@
         </p:blipFill>
         <p:spPr bwMode="auto">
           <a:xfrm>
-            <a:off x="6449577" y="2307790"/>
+            <a:off x="6491912" y="2307790"/>
             <a:ext cx="5672102" cy="4467084"/>
           </a:xfrm>
           <a:prstGeom prst="rect">
@@ -11511,9 +14165,436 @@
   <p:timing>
     <p:tnLst>
       <p:par>
-        <p:cTn id="1" dur="indefinite" restart="never" nodeType="tmRoot"/>
+        <p:cTn id="1" dur="indefinite" restart="never" nodeType="tmRoot">
+          <p:childTnLst>
+            <p:seq concurrent="1" nextAc="seek">
+              <p:cTn id="2" dur="indefinite" nodeType="mainSeq">
+                <p:childTnLst>
+                  <p:par>
+                    <p:cTn id="3" fill="hold">
+                      <p:stCondLst>
+                        <p:cond delay="indefinite"/>
+                      </p:stCondLst>
+                      <p:childTnLst>
+                        <p:par>
+                          <p:cTn id="4" fill="hold">
+                            <p:stCondLst>
+                              <p:cond delay="0"/>
+                            </p:stCondLst>
+                            <p:childTnLst>
+                              <p:par>
+                                <p:cTn id="5" presetID="1" presetClass="entr" presetSubtype="0" fill="hold" grpId="0" nodeType="clickEffect">
+                                  <p:stCondLst>
+                                    <p:cond delay="0"/>
+                                  </p:stCondLst>
+                                  <p:childTnLst>
+                                    <p:set>
+                                      <p:cBhvr>
+                                        <p:cTn id="6" dur="1" fill="hold">
+                                          <p:stCondLst>
+                                            <p:cond delay="0"/>
+                                          </p:stCondLst>
+                                        </p:cTn>
+                                        <p:tgtEl>
+                                          <p:spTgt spid="3">
+                                            <p:txEl>
+                                              <p:pRg st="0" end="0"/>
+                                            </p:txEl>
+                                          </p:spTgt>
+                                        </p:tgtEl>
+                                        <p:attrNameLst>
+                                          <p:attrName>style.visibility</p:attrName>
+                                        </p:attrNameLst>
+                                      </p:cBhvr>
+                                      <p:to>
+                                        <p:strVal val="visible"/>
+                                      </p:to>
+                                    </p:set>
+                                  </p:childTnLst>
+                                </p:cTn>
+                              </p:par>
+                            </p:childTnLst>
+                          </p:cTn>
+                        </p:par>
+                      </p:childTnLst>
+                    </p:cTn>
+                  </p:par>
+                  <p:par>
+                    <p:cTn id="7" fill="hold">
+                      <p:stCondLst>
+                        <p:cond delay="indefinite"/>
+                      </p:stCondLst>
+                      <p:childTnLst>
+                        <p:par>
+                          <p:cTn id="8" fill="hold">
+                            <p:stCondLst>
+                              <p:cond delay="0"/>
+                            </p:stCondLst>
+                            <p:childTnLst>
+                              <p:par>
+                                <p:cTn id="9" presetID="1" presetClass="entr" presetSubtype="0" fill="hold" grpId="0" nodeType="clickEffect">
+                                  <p:stCondLst>
+                                    <p:cond delay="0"/>
+                                  </p:stCondLst>
+                                  <p:childTnLst>
+                                    <p:set>
+                                      <p:cBhvr>
+                                        <p:cTn id="10" dur="1" fill="hold">
+                                          <p:stCondLst>
+                                            <p:cond delay="0"/>
+                                          </p:stCondLst>
+                                        </p:cTn>
+                                        <p:tgtEl>
+                                          <p:spTgt spid="3">
+                                            <p:txEl>
+                                              <p:pRg st="1" end="1"/>
+                                            </p:txEl>
+                                          </p:spTgt>
+                                        </p:tgtEl>
+                                        <p:attrNameLst>
+                                          <p:attrName>style.visibility</p:attrName>
+                                        </p:attrNameLst>
+                                      </p:cBhvr>
+                                      <p:to>
+                                        <p:strVal val="visible"/>
+                                      </p:to>
+                                    </p:set>
+                                  </p:childTnLst>
+                                </p:cTn>
+                              </p:par>
+                            </p:childTnLst>
+                          </p:cTn>
+                        </p:par>
+                      </p:childTnLst>
+                    </p:cTn>
+                  </p:par>
+                  <p:par>
+                    <p:cTn id="11" fill="hold">
+                      <p:stCondLst>
+                        <p:cond delay="indefinite"/>
+                      </p:stCondLst>
+                      <p:childTnLst>
+                        <p:par>
+                          <p:cTn id="12" fill="hold">
+                            <p:stCondLst>
+                              <p:cond delay="0"/>
+                            </p:stCondLst>
+                            <p:childTnLst>
+                              <p:par>
+                                <p:cTn id="13" presetID="1" presetClass="entr" presetSubtype="0" fill="hold" nodeType="clickEffect">
+                                  <p:stCondLst>
+                                    <p:cond delay="0"/>
+                                  </p:stCondLst>
+                                  <p:childTnLst>
+                                    <p:set>
+                                      <p:cBhvr>
+                                        <p:cTn id="14" dur="1" fill="hold">
+                                          <p:stCondLst>
+                                            <p:cond delay="0"/>
+                                          </p:stCondLst>
+                                        </p:cTn>
+                                        <p:tgtEl>
+                                          <p:spTgt spid="2050"/>
+                                        </p:tgtEl>
+                                        <p:attrNameLst>
+                                          <p:attrName>style.visibility</p:attrName>
+                                        </p:attrNameLst>
+                                      </p:cBhvr>
+                                      <p:to>
+                                        <p:strVal val="visible"/>
+                                      </p:to>
+                                    </p:set>
+                                  </p:childTnLst>
+                                </p:cTn>
+                              </p:par>
+                            </p:childTnLst>
+                          </p:cTn>
+                        </p:par>
+                      </p:childTnLst>
+                    </p:cTn>
+                  </p:par>
+                  <p:par>
+                    <p:cTn id="15" fill="hold">
+                      <p:stCondLst>
+                        <p:cond delay="indefinite"/>
+                      </p:stCondLst>
+                      <p:childTnLst>
+                        <p:par>
+                          <p:cTn id="16" fill="hold">
+                            <p:stCondLst>
+                              <p:cond delay="0"/>
+                            </p:stCondLst>
+                            <p:childTnLst>
+                              <p:par>
+                                <p:cTn id="17" presetID="1" presetClass="entr" presetSubtype="0" fill="hold" grpId="0" nodeType="clickEffect">
+                                  <p:stCondLst>
+                                    <p:cond delay="0"/>
+                                  </p:stCondLst>
+                                  <p:childTnLst>
+                                    <p:set>
+                                      <p:cBhvr>
+                                        <p:cTn id="18" dur="1" fill="hold">
+                                          <p:stCondLst>
+                                            <p:cond delay="0"/>
+                                          </p:stCondLst>
+                                        </p:cTn>
+                                        <p:tgtEl>
+                                          <p:spTgt spid="3">
+                                            <p:txEl>
+                                              <p:pRg st="2" end="2"/>
+                                            </p:txEl>
+                                          </p:spTgt>
+                                        </p:tgtEl>
+                                        <p:attrNameLst>
+                                          <p:attrName>style.visibility</p:attrName>
+                                        </p:attrNameLst>
+                                      </p:cBhvr>
+                                      <p:to>
+                                        <p:strVal val="visible"/>
+                                      </p:to>
+                                    </p:set>
+                                  </p:childTnLst>
+                                </p:cTn>
+                              </p:par>
+                            </p:childTnLst>
+                          </p:cTn>
+                        </p:par>
+                      </p:childTnLst>
+                    </p:cTn>
+                  </p:par>
+                  <p:par>
+                    <p:cTn id="19" fill="hold">
+                      <p:stCondLst>
+                        <p:cond delay="indefinite"/>
+                      </p:stCondLst>
+                      <p:childTnLst>
+                        <p:par>
+                          <p:cTn id="20" fill="hold">
+                            <p:stCondLst>
+                              <p:cond delay="0"/>
+                            </p:stCondLst>
+                            <p:childTnLst>
+                              <p:par>
+                                <p:cTn id="21" presetID="1" presetClass="entr" presetSubtype="0" fill="hold" grpId="0" nodeType="clickEffect">
+                                  <p:stCondLst>
+                                    <p:cond delay="0"/>
+                                  </p:stCondLst>
+                                  <p:childTnLst>
+                                    <p:set>
+                                      <p:cBhvr>
+                                        <p:cTn id="22" dur="1" fill="hold">
+                                          <p:stCondLst>
+                                            <p:cond delay="0"/>
+                                          </p:stCondLst>
+                                        </p:cTn>
+                                        <p:tgtEl>
+                                          <p:spTgt spid="3">
+                                            <p:txEl>
+                                              <p:pRg st="3" end="3"/>
+                                            </p:txEl>
+                                          </p:spTgt>
+                                        </p:tgtEl>
+                                        <p:attrNameLst>
+                                          <p:attrName>style.visibility</p:attrName>
+                                        </p:attrNameLst>
+                                      </p:cBhvr>
+                                      <p:to>
+                                        <p:strVal val="visible"/>
+                                      </p:to>
+                                    </p:set>
+                                  </p:childTnLst>
+                                </p:cTn>
+                              </p:par>
+                            </p:childTnLst>
+                          </p:cTn>
+                        </p:par>
+                      </p:childTnLst>
+                    </p:cTn>
+                  </p:par>
+                  <p:par>
+                    <p:cTn id="23" fill="hold">
+                      <p:stCondLst>
+                        <p:cond delay="indefinite"/>
+                      </p:stCondLst>
+                      <p:childTnLst>
+                        <p:par>
+                          <p:cTn id="24" fill="hold">
+                            <p:stCondLst>
+                              <p:cond delay="0"/>
+                            </p:stCondLst>
+                            <p:childTnLst>
+                              <p:par>
+                                <p:cTn id="25" presetID="1" presetClass="entr" presetSubtype="0" fill="hold" grpId="0" nodeType="clickEffect">
+                                  <p:stCondLst>
+                                    <p:cond delay="0"/>
+                                  </p:stCondLst>
+                                  <p:childTnLst>
+                                    <p:set>
+                                      <p:cBhvr>
+                                        <p:cTn id="26" dur="1" fill="hold">
+                                          <p:stCondLst>
+                                            <p:cond delay="0"/>
+                                          </p:stCondLst>
+                                        </p:cTn>
+                                        <p:tgtEl>
+                                          <p:spTgt spid="3">
+                                            <p:txEl>
+                                              <p:pRg st="4" end="4"/>
+                                            </p:txEl>
+                                          </p:spTgt>
+                                        </p:tgtEl>
+                                        <p:attrNameLst>
+                                          <p:attrName>style.visibility</p:attrName>
+                                        </p:attrNameLst>
+                                      </p:cBhvr>
+                                      <p:to>
+                                        <p:strVal val="visible"/>
+                                      </p:to>
+                                    </p:set>
+                                  </p:childTnLst>
+                                </p:cTn>
+                              </p:par>
+                            </p:childTnLst>
+                          </p:cTn>
+                        </p:par>
+                      </p:childTnLst>
+                    </p:cTn>
+                  </p:par>
+                  <p:par>
+                    <p:cTn id="27" fill="hold">
+                      <p:stCondLst>
+                        <p:cond delay="indefinite"/>
+                      </p:stCondLst>
+                      <p:childTnLst>
+                        <p:par>
+                          <p:cTn id="28" fill="hold">
+                            <p:stCondLst>
+                              <p:cond delay="0"/>
+                            </p:stCondLst>
+                            <p:childTnLst>
+                              <p:par>
+                                <p:cTn id="29" presetID="1" presetClass="entr" presetSubtype="0" fill="hold" grpId="0" nodeType="clickEffect">
+                                  <p:stCondLst>
+                                    <p:cond delay="0"/>
+                                  </p:stCondLst>
+                                  <p:childTnLst>
+                                    <p:set>
+                                      <p:cBhvr>
+                                        <p:cTn id="30" dur="1" fill="hold">
+                                          <p:stCondLst>
+                                            <p:cond delay="0"/>
+                                          </p:stCondLst>
+                                        </p:cTn>
+                                        <p:tgtEl>
+                                          <p:spTgt spid="3">
+                                            <p:txEl>
+                                              <p:pRg st="5" end="5"/>
+                                            </p:txEl>
+                                          </p:spTgt>
+                                        </p:tgtEl>
+                                        <p:attrNameLst>
+                                          <p:attrName>style.visibility</p:attrName>
+                                        </p:attrNameLst>
+                                      </p:cBhvr>
+                                      <p:to>
+                                        <p:strVal val="visible"/>
+                                      </p:to>
+                                    </p:set>
+                                  </p:childTnLst>
+                                </p:cTn>
+                              </p:par>
+                              <p:par>
+                                <p:cTn id="31" presetID="1" presetClass="entr" presetSubtype="0" fill="hold" grpId="0" nodeType="withEffect">
+                                  <p:stCondLst>
+                                    <p:cond delay="0"/>
+                                  </p:stCondLst>
+                                  <p:childTnLst>
+                                    <p:set>
+                                      <p:cBhvr>
+                                        <p:cTn id="32" dur="1" fill="hold">
+                                          <p:stCondLst>
+                                            <p:cond delay="0"/>
+                                          </p:stCondLst>
+                                        </p:cTn>
+                                        <p:tgtEl>
+                                          <p:spTgt spid="3">
+                                            <p:txEl>
+                                              <p:pRg st="6" end="6"/>
+                                            </p:txEl>
+                                          </p:spTgt>
+                                        </p:tgtEl>
+                                        <p:attrNameLst>
+                                          <p:attrName>style.visibility</p:attrName>
+                                        </p:attrNameLst>
+                                      </p:cBhvr>
+                                      <p:to>
+                                        <p:strVal val="visible"/>
+                                      </p:to>
+                                    </p:set>
+                                  </p:childTnLst>
+                                </p:cTn>
+                              </p:par>
+                              <p:par>
+                                <p:cTn id="33" presetID="1" presetClass="entr" presetSubtype="0" fill="hold" grpId="0" nodeType="withEffect">
+                                  <p:stCondLst>
+                                    <p:cond delay="0"/>
+                                  </p:stCondLst>
+                                  <p:childTnLst>
+                                    <p:set>
+                                      <p:cBhvr>
+                                        <p:cTn id="34" dur="1" fill="hold">
+                                          <p:stCondLst>
+                                            <p:cond delay="0"/>
+                                          </p:stCondLst>
+                                        </p:cTn>
+                                        <p:tgtEl>
+                                          <p:spTgt spid="3">
+                                            <p:txEl>
+                                              <p:pRg st="7" end="7"/>
+                                            </p:txEl>
+                                          </p:spTgt>
+                                        </p:tgtEl>
+                                        <p:attrNameLst>
+                                          <p:attrName>style.visibility</p:attrName>
+                                        </p:attrNameLst>
+                                      </p:cBhvr>
+                                      <p:to>
+                                        <p:strVal val="visible"/>
+                                      </p:to>
+                                    </p:set>
+                                  </p:childTnLst>
+                                </p:cTn>
+                              </p:par>
+                            </p:childTnLst>
+                          </p:cTn>
+                        </p:par>
+                      </p:childTnLst>
+                    </p:cTn>
+                  </p:par>
+                </p:childTnLst>
+              </p:cTn>
+              <p:prevCondLst>
+                <p:cond evt="onPrev" delay="0">
+                  <p:tgtEl>
+                    <p:sldTgt/>
+                  </p:tgtEl>
+                </p:cond>
+              </p:prevCondLst>
+              <p:nextCondLst>
+                <p:cond evt="onNext" delay="0">
+                  <p:tgtEl>
+                    <p:sldTgt/>
+                  </p:tgtEl>
+                </p:cond>
+              </p:nextCondLst>
+            </p:seq>
+          </p:childTnLst>
+        </p:cTn>
       </p:par>
     </p:tnLst>
+    <p:bldLst>
+      <p:bldP spid="3" grpId="0" uiExpand="1" build="p"/>
+    </p:bldLst>
   </p:timing>
 </p:sld>
 </file>
@@ -11558,10 +14639,9 @@
           <a:lstStyle/>
           <a:p>
             <a:r>
-              <a:rPr lang="en-CA" dirty="0" smtClean="0"/>
+              <a:rPr lang="en-CA" dirty="0"/>
               <a:t>The power of ICA</a:t>
             </a:r>
-            <a:endParaRPr lang="en-CA" dirty="0"/>
           </a:p>
         </p:txBody>
       </p:sp>
@@ -11631,13 +14711,6 @@
   <p:clrMapOvr>
     <a:masterClrMapping/>
   </p:clrMapOvr>
-  <p:timing>
-    <p:tnLst>
-      <p:par>
-        <p:cTn id="1" dur="indefinite" restart="never" nodeType="tmRoot"/>
-      </p:par>
-    </p:tnLst>
-  </p:timing>
 </p:sld>
 </file>
 
@@ -11686,8 +14759,8 @@
           </a:p>
         </p:txBody>
       </p:sp>
-      <mc:AlternateContent xmlns:mc="http://schemas.openxmlformats.org/markup-compatibility/2006" xmlns:a14="http://schemas.microsoft.com/office/drawing/2010/main">
-        <mc:Choice Requires="a14">
+      <mc:AlternateContent xmlns:mc="http://schemas.openxmlformats.org/markup-compatibility/2006">
+        <mc:Choice xmlns:a14="http://schemas.microsoft.com/office/drawing/2010/main" Requires="a14">
           <p:sp>
             <p:nvSpPr>
               <p:cNvPr id="3" name="Content Placeholder 2">
@@ -11712,7 +14785,7 @@
             </p:spPr>
             <p:txBody>
               <a:bodyPr>
-                <a:normAutofit lnSpcReduction="10000"/>
+                <a:normAutofit/>
               </a:bodyPr>
               <a:lstStyle/>
               <a:p>
@@ -12300,7 +15373,7 @@
             </p:txBody>
           </p:sp>
         </mc:Choice>
-        <mc:Fallback xmlns="">
+        <mc:Fallback>
           <p:sp>
             <p:nvSpPr>
               <p:cNvPr id="3" name="Content Placeholder 2">
@@ -12325,7 +15398,7 @@
               <a:blipFill>
                 <a:blip r:embed="rId2"/>
                 <a:stretch>
-                  <a:fillRect l="-900" t="-2850"/>
+                  <a:fillRect l="-833" t="-2432" r="-1667" b="-270"/>
                 </a:stretch>
               </a:blipFill>
             </p:spPr>
@@ -12334,7 +15407,7 @@
               <a:lstStyle/>
               <a:p>
                 <a:r>
-                  <a:rPr lang="en-CA">
+                  <a:rPr lang="en-US">
                     <a:noFill/>
                   </a:rPr>
                   <a:t> </a:t>
@@ -12421,9 +15494,280 @@
   <p:timing>
     <p:tnLst>
       <p:par>
-        <p:cTn id="1" dur="indefinite" restart="never" nodeType="tmRoot"/>
+        <p:cTn id="1" dur="indefinite" restart="never" nodeType="tmRoot">
+          <p:childTnLst>
+            <p:seq concurrent="1" nextAc="seek">
+              <p:cTn id="2" dur="indefinite" nodeType="mainSeq">
+                <p:childTnLst>
+                  <p:par>
+                    <p:cTn id="3" fill="hold">
+                      <p:stCondLst>
+                        <p:cond delay="indefinite"/>
+                      </p:stCondLst>
+                      <p:childTnLst>
+                        <p:par>
+                          <p:cTn id="4" fill="hold">
+                            <p:stCondLst>
+                              <p:cond delay="0"/>
+                            </p:stCondLst>
+                            <p:childTnLst>
+                              <p:par>
+                                <p:cTn id="5" presetID="1" presetClass="entr" presetSubtype="0" fill="hold" grpId="0" nodeType="clickEffect">
+                                  <p:stCondLst>
+                                    <p:cond delay="0"/>
+                                  </p:stCondLst>
+                                  <p:childTnLst>
+                                    <p:set>
+                                      <p:cBhvr>
+                                        <p:cTn id="6" dur="1" fill="hold">
+                                          <p:stCondLst>
+                                            <p:cond delay="0"/>
+                                          </p:stCondLst>
+                                        </p:cTn>
+                                        <p:tgtEl>
+                                          <p:spTgt spid="3">
+                                            <p:txEl>
+                                              <p:pRg st="0" end="0"/>
+                                            </p:txEl>
+                                          </p:spTgt>
+                                        </p:tgtEl>
+                                        <p:attrNameLst>
+                                          <p:attrName>style.visibility</p:attrName>
+                                        </p:attrNameLst>
+                                      </p:cBhvr>
+                                      <p:to>
+                                        <p:strVal val="visible"/>
+                                      </p:to>
+                                    </p:set>
+                                  </p:childTnLst>
+                                </p:cTn>
+                              </p:par>
+                            </p:childTnLst>
+                          </p:cTn>
+                        </p:par>
+                      </p:childTnLst>
+                    </p:cTn>
+                  </p:par>
+                  <p:par>
+                    <p:cTn id="7" fill="hold">
+                      <p:stCondLst>
+                        <p:cond delay="indefinite"/>
+                      </p:stCondLst>
+                      <p:childTnLst>
+                        <p:par>
+                          <p:cTn id="8" fill="hold">
+                            <p:stCondLst>
+                              <p:cond delay="0"/>
+                            </p:stCondLst>
+                            <p:childTnLst>
+                              <p:par>
+                                <p:cTn id="9" presetID="1" presetClass="entr" presetSubtype="0" fill="hold" grpId="0" nodeType="clickEffect">
+                                  <p:stCondLst>
+                                    <p:cond delay="0"/>
+                                  </p:stCondLst>
+                                  <p:childTnLst>
+                                    <p:set>
+                                      <p:cBhvr>
+                                        <p:cTn id="10" dur="1" fill="hold">
+                                          <p:stCondLst>
+                                            <p:cond delay="0"/>
+                                          </p:stCondLst>
+                                        </p:cTn>
+                                        <p:tgtEl>
+                                          <p:spTgt spid="3">
+                                            <p:txEl>
+                                              <p:pRg st="1" end="1"/>
+                                            </p:txEl>
+                                          </p:spTgt>
+                                        </p:tgtEl>
+                                        <p:attrNameLst>
+                                          <p:attrName>style.visibility</p:attrName>
+                                        </p:attrNameLst>
+                                      </p:cBhvr>
+                                      <p:to>
+                                        <p:strVal val="visible"/>
+                                      </p:to>
+                                    </p:set>
+                                  </p:childTnLst>
+                                </p:cTn>
+                              </p:par>
+                            </p:childTnLst>
+                          </p:cTn>
+                        </p:par>
+                      </p:childTnLst>
+                    </p:cTn>
+                  </p:par>
+                  <p:par>
+                    <p:cTn id="11" fill="hold">
+                      <p:stCondLst>
+                        <p:cond delay="indefinite"/>
+                      </p:stCondLst>
+                      <p:childTnLst>
+                        <p:par>
+                          <p:cTn id="12" fill="hold">
+                            <p:stCondLst>
+                              <p:cond delay="0"/>
+                            </p:stCondLst>
+                            <p:childTnLst>
+                              <p:par>
+                                <p:cTn id="13" presetID="1" presetClass="entr" presetSubtype="0" fill="hold" grpId="0" nodeType="clickEffect">
+                                  <p:stCondLst>
+                                    <p:cond delay="0"/>
+                                  </p:stCondLst>
+                                  <p:childTnLst>
+                                    <p:set>
+                                      <p:cBhvr>
+                                        <p:cTn id="14" dur="1" fill="hold">
+                                          <p:stCondLst>
+                                            <p:cond delay="0"/>
+                                          </p:stCondLst>
+                                        </p:cTn>
+                                        <p:tgtEl>
+                                          <p:spTgt spid="3">
+                                            <p:txEl>
+                                              <p:pRg st="2" end="2"/>
+                                            </p:txEl>
+                                          </p:spTgt>
+                                        </p:tgtEl>
+                                        <p:attrNameLst>
+                                          <p:attrName>style.visibility</p:attrName>
+                                        </p:attrNameLst>
+                                      </p:cBhvr>
+                                      <p:to>
+                                        <p:strVal val="visible"/>
+                                      </p:to>
+                                    </p:set>
+                                  </p:childTnLst>
+                                </p:cTn>
+                              </p:par>
+                            </p:childTnLst>
+                          </p:cTn>
+                        </p:par>
+                      </p:childTnLst>
+                    </p:cTn>
+                  </p:par>
+                  <p:par>
+                    <p:cTn id="15" fill="hold">
+                      <p:stCondLst>
+                        <p:cond delay="indefinite"/>
+                      </p:stCondLst>
+                      <p:childTnLst>
+                        <p:par>
+                          <p:cTn id="16" fill="hold">
+                            <p:stCondLst>
+                              <p:cond delay="0"/>
+                            </p:stCondLst>
+                            <p:childTnLst>
+                              <p:par>
+                                <p:cTn id="17" presetID="1" presetClass="entr" presetSubtype="0" fill="hold" grpId="0" nodeType="clickEffect">
+                                  <p:stCondLst>
+                                    <p:cond delay="0"/>
+                                  </p:stCondLst>
+                                  <p:childTnLst>
+                                    <p:set>
+                                      <p:cBhvr>
+                                        <p:cTn id="18" dur="1" fill="hold">
+                                          <p:stCondLst>
+                                            <p:cond delay="0"/>
+                                          </p:stCondLst>
+                                        </p:cTn>
+                                        <p:tgtEl>
+                                          <p:spTgt spid="3">
+                                            <p:txEl>
+                                              <p:pRg st="3" end="3"/>
+                                            </p:txEl>
+                                          </p:spTgt>
+                                        </p:tgtEl>
+                                        <p:attrNameLst>
+                                          <p:attrName>style.visibility</p:attrName>
+                                        </p:attrNameLst>
+                                      </p:cBhvr>
+                                      <p:to>
+                                        <p:strVal val="visible"/>
+                                      </p:to>
+                                    </p:set>
+                                  </p:childTnLst>
+                                </p:cTn>
+                              </p:par>
+                            </p:childTnLst>
+                          </p:cTn>
+                        </p:par>
+                      </p:childTnLst>
+                    </p:cTn>
+                  </p:par>
+                  <p:par>
+                    <p:cTn id="19" fill="hold">
+                      <p:stCondLst>
+                        <p:cond delay="indefinite"/>
+                      </p:stCondLst>
+                      <p:childTnLst>
+                        <p:par>
+                          <p:cTn id="20" fill="hold">
+                            <p:stCondLst>
+                              <p:cond delay="0"/>
+                            </p:stCondLst>
+                            <p:childTnLst>
+                              <p:par>
+                                <p:cTn id="21" presetID="1" presetClass="entr" presetSubtype="0" fill="hold" grpId="0" nodeType="clickEffect">
+                                  <p:stCondLst>
+                                    <p:cond delay="0"/>
+                                  </p:stCondLst>
+                                  <p:childTnLst>
+                                    <p:set>
+                                      <p:cBhvr>
+                                        <p:cTn id="22" dur="1" fill="hold">
+                                          <p:stCondLst>
+                                            <p:cond delay="0"/>
+                                          </p:stCondLst>
+                                        </p:cTn>
+                                        <p:tgtEl>
+                                          <p:spTgt spid="3">
+                                            <p:txEl>
+                                              <p:pRg st="4" end="4"/>
+                                            </p:txEl>
+                                          </p:spTgt>
+                                        </p:tgtEl>
+                                        <p:attrNameLst>
+                                          <p:attrName>style.visibility</p:attrName>
+                                        </p:attrNameLst>
+                                      </p:cBhvr>
+                                      <p:to>
+                                        <p:strVal val="visible"/>
+                                      </p:to>
+                                    </p:set>
+                                  </p:childTnLst>
+                                </p:cTn>
+                              </p:par>
+                            </p:childTnLst>
+                          </p:cTn>
+                        </p:par>
+                      </p:childTnLst>
+                    </p:cTn>
+                  </p:par>
+                </p:childTnLst>
+              </p:cTn>
+              <p:prevCondLst>
+                <p:cond evt="onPrev" delay="0">
+                  <p:tgtEl>
+                    <p:sldTgt/>
+                  </p:tgtEl>
+                </p:cond>
+              </p:prevCondLst>
+              <p:nextCondLst>
+                <p:cond evt="onNext" delay="0">
+                  <p:tgtEl>
+                    <p:sldTgt/>
+                  </p:tgtEl>
+                </p:cond>
+              </p:nextCondLst>
+            </p:seq>
+          </p:childTnLst>
+        </p:cTn>
       </p:par>
     </p:tnLst>
+    <p:bldLst>
+      <p:bldP spid="3" grpId="0" build="p"/>
+    </p:bldLst>
   </p:timing>
 </p:sld>
 </file>
@@ -12743,9 +16087,276 @@
   <p:timing>
     <p:tnLst>
       <p:par>
-        <p:cTn id="1" dur="indefinite" restart="never" nodeType="tmRoot"/>
+        <p:cTn id="1" dur="indefinite" restart="never" nodeType="tmRoot">
+          <p:childTnLst>
+            <p:seq concurrent="1" nextAc="seek">
+              <p:cTn id="2" dur="indefinite" nodeType="mainSeq">
+                <p:childTnLst>
+                  <p:par>
+                    <p:cTn id="3" fill="hold">
+                      <p:stCondLst>
+                        <p:cond delay="indefinite"/>
+                      </p:stCondLst>
+                      <p:childTnLst>
+                        <p:par>
+                          <p:cTn id="4" fill="hold">
+                            <p:stCondLst>
+                              <p:cond delay="0"/>
+                            </p:stCondLst>
+                            <p:childTnLst>
+                              <p:par>
+                                <p:cTn id="5" presetID="1" presetClass="entr" presetSubtype="0" fill="hold" grpId="0" nodeType="clickEffect">
+                                  <p:stCondLst>
+                                    <p:cond delay="0"/>
+                                  </p:stCondLst>
+                                  <p:childTnLst>
+                                    <p:set>
+                                      <p:cBhvr>
+                                        <p:cTn id="6" dur="1" fill="hold">
+                                          <p:stCondLst>
+                                            <p:cond delay="0"/>
+                                          </p:stCondLst>
+                                        </p:cTn>
+                                        <p:tgtEl>
+                                          <p:spTgt spid="3">
+                                            <p:txEl>
+                                              <p:pRg st="0" end="0"/>
+                                            </p:txEl>
+                                          </p:spTgt>
+                                        </p:tgtEl>
+                                        <p:attrNameLst>
+                                          <p:attrName>style.visibility</p:attrName>
+                                        </p:attrNameLst>
+                                      </p:cBhvr>
+                                      <p:to>
+                                        <p:strVal val="visible"/>
+                                      </p:to>
+                                    </p:set>
+                                  </p:childTnLst>
+                                </p:cTn>
+                              </p:par>
+                            </p:childTnLst>
+                          </p:cTn>
+                        </p:par>
+                      </p:childTnLst>
+                    </p:cTn>
+                  </p:par>
+                  <p:par>
+                    <p:cTn id="7" fill="hold">
+                      <p:stCondLst>
+                        <p:cond delay="indefinite"/>
+                      </p:stCondLst>
+                      <p:childTnLst>
+                        <p:par>
+                          <p:cTn id="8" fill="hold">
+                            <p:stCondLst>
+                              <p:cond delay="0"/>
+                            </p:stCondLst>
+                            <p:childTnLst>
+                              <p:par>
+                                <p:cTn id="9" presetID="1" presetClass="entr" presetSubtype="0" fill="hold" grpId="0" nodeType="clickEffect">
+                                  <p:stCondLst>
+                                    <p:cond delay="0"/>
+                                  </p:stCondLst>
+                                  <p:childTnLst>
+                                    <p:set>
+                                      <p:cBhvr>
+                                        <p:cTn id="10" dur="1" fill="hold">
+                                          <p:stCondLst>
+                                            <p:cond delay="0"/>
+                                          </p:stCondLst>
+                                        </p:cTn>
+                                        <p:tgtEl>
+                                          <p:spTgt spid="3">
+                                            <p:txEl>
+                                              <p:pRg st="1" end="1"/>
+                                            </p:txEl>
+                                          </p:spTgt>
+                                        </p:tgtEl>
+                                        <p:attrNameLst>
+                                          <p:attrName>style.visibility</p:attrName>
+                                        </p:attrNameLst>
+                                      </p:cBhvr>
+                                      <p:to>
+                                        <p:strVal val="visible"/>
+                                      </p:to>
+                                    </p:set>
+                                  </p:childTnLst>
+                                </p:cTn>
+                              </p:par>
+                            </p:childTnLst>
+                          </p:cTn>
+                        </p:par>
+                      </p:childTnLst>
+                    </p:cTn>
+                  </p:par>
+                  <p:par>
+                    <p:cTn id="11" fill="hold">
+                      <p:stCondLst>
+                        <p:cond delay="indefinite"/>
+                      </p:stCondLst>
+                      <p:childTnLst>
+                        <p:par>
+                          <p:cTn id="12" fill="hold">
+                            <p:stCondLst>
+                              <p:cond delay="0"/>
+                            </p:stCondLst>
+                            <p:childTnLst>
+                              <p:par>
+                                <p:cTn id="13" presetID="1" presetClass="entr" presetSubtype="0" fill="hold" nodeType="clickEffect">
+                                  <p:stCondLst>
+                                    <p:cond delay="0"/>
+                                  </p:stCondLst>
+                                  <p:childTnLst>
+                                    <p:set>
+                                      <p:cBhvr>
+                                        <p:cTn id="14" dur="1" fill="hold">
+                                          <p:stCondLst>
+                                            <p:cond delay="0"/>
+                                          </p:stCondLst>
+                                        </p:cTn>
+                                        <p:tgtEl>
+                                          <p:spTgt spid="7170"/>
+                                        </p:tgtEl>
+                                        <p:attrNameLst>
+                                          <p:attrName>style.visibility</p:attrName>
+                                        </p:attrNameLst>
+                                      </p:cBhvr>
+                                      <p:to>
+                                        <p:strVal val="visible"/>
+                                      </p:to>
+                                    </p:set>
+                                  </p:childTnLst>
+                                </p:cTn>
+                              </p:par>
+                            </p:childTnLst>
+                          </p:cTn>
+                        </p:par>
+                      </p:childTnLst>
+                    </p:cTn>
+                  </p:par>
+                  <p:par>
+                    <p:cTn id="15" fill="hold">
+                      <p:stCondLst>
+                        <p:cond delay="indefinite"/>
+                      </p:stCondLst>
+                      <p:childTnLst>
+                        <p:par>
+                          <p:cTn id="16" fill="hold">
+                            <p:stCondLst>
+                              <p:cond delay="0"/>
+                            </p:stCondLst>
+                            <p:childTnLst>
+                              <p:par>
+                                <p:cTn id="17" presetID="1" presetClass="entr" presetSubtype="0" fill="hold" grpId="0" nodeType="clickEffect">
+                                  <p:stCondLst>
+                                    <p:cond delay="0"/>
+                                  </p:stCondLst>
+                                  <p:childTnLst>
+                                    <p:set>
+                                      <p:cBhvr>
+                                        <p:cTn id="18" dur="1" fill="hold">
+                                          <p:stCondLst>
+                                            <p:cond delay="0"/>
+                                          </p:stCondLst>
+                                        </p:cTn>
+                                        <p:tgtEl>
+                                          <p:spTgt spid="3">
+                                            <p:txEl>
+                                              <p:pRg st="2" end="2"/>
+                                            </p:txEl>
+                                          </p:spTgt>
+                                        </p:tgtEl>
+                                        <p:attrNameLst>
+                                          <p:attrName>style.visibility</p:attrName>
+                                        </p:attrNameLst>
+                                      </p:cBhvr>
+                                      <p:to>
+                                        <p:strVal val="visible"/>
+                                      </p:to>
+                                    </p:set>
+                                  </p:childTnLst>
+                                </p:cTn>
+                              </p:par>
+                            </p:childTnLst>
+                          </p:cTn>
+                        </p:par>
+                      </p:childTnLst>
+                    </p:cTn>
+                  </p:par>
+                  <p:par>
+                    <p:cTn id="19" fill="hold">
+                      <p:stCondLst>
+                        <p:cond delay="indefinite"/>
+                      </p:stCondLst>
+                      <p:childTnLst>
+                        <p:par>
+                          <p:cTn id="20" fill="hold">
+                            <p:stCondLst>
+                              <p:cond delay="0"/>
+                            </p:stCondLst>
+                            <p:childTnLst>
+                              <p:par>
+                                <p:cTn id="21" presetID="1" presetClass="entr" presetSubtype="0" fill="hold" grpId="0" nodeType="clickEffect">
+                                  <p:stCondLst>
+                                    <p:cond delay="0"/>
+                                  </p:stCondLst>
+                                  <p:childTnLst>
+                                    <p:set>
+                                      <p:cBhvr>
+                                        <p:cTn id="22" dur="1" fill="hold">
+                                          <p:stCondLst>
+                                            <p:cond delay="0"/>
+                                          </p:stCondLst>
+                                        </p:cTn>
+                                        <p:tgtEl>
+                                          <p:spTgt spid="3">
+                                            <p:txEl>
+                                              <p:pRg st="3" end="3"/>
+                                            </p:txEl>
+                                          </p:spTgt>
+                                        </p:tgtEl>
+                                        <p:attrNameLst>
+                                          <p:attrName>style.visibility</p:attrName>
+                                        </p:attrNameLst>
+                                      </p:cBhvr>
+                                      <p:to>
+                                        <p:strVal val="visible"/>
+                                      </p:to>
+                                    </p:set>
+                                  </p:childTnLst>
+                                </p:cTn>
+                              </p:par>
+                            </p:childTnLst>
+                          </p:cTn>
+                        </p:par>
+                      </p:childTnLst>
+                    </p:cTn>
+                  </p:par>
+                </p:childTnLst>
+              </p:cTn>
+              <p:prevCondLst>
+                <p:cond evt="onPrev" delay="0">
+                  <p:tgtEl>
+                    <p:sldTgt/>
+                  </p:tgtEl>
+                </p:cond>
+              </p:prevCondLst>
+              <p:nextCondLst>
+                <p:cond evt="onNext" delay="0">
+                  <p:tgtEl>
+                    <p:sldTgt/>
+                  </p:tgtEl>
+                </p:cond>
+              </p:nextCondLst>
+            </p:seq>
+          </p:childTnLst>
+        </p:cTn>
       </p:par>
     </p:tnLst>
+    <p:bldLst>
+      <p:bldP spid="3" grpId="0" uiExpand="1" build="p"/>
+    </p:bldLst>
   </p:timing>
 </p:sld>
 </file>
@@ -12812,8 +16423,8 @@
           </a:p>
         </p:txBody>
       </p:sp>
-      <mc:AlternateContent xmlns:mc="http://schemas.openxmlformats.org/markup-compatibility/2006" xmlns:a14="http://schemas.microsoft.com/office/drawing/2010/main">
-        <mc:Choice Requires="a14">
+      <mc:AlternateContent xmlns:mc="http://schemas.openxmlformats.org/markup-compatibility/2006">
+        <mc:Choice xmlns:a14="http://schemas.microsoft.com/office/drawing/2010/main" Requires="a14">
           <p:sp>
             <p:nvSpPr>
               <p:cNvPr id="3" name="Content Placeholder 2">
@@ -12855,8 +16466,12 @@
               </a:p>
               <a:p>
                 <a:r>
+                  <a:rPr lang="en-US" b="1" dirty="0"/>
+                  <a:t>Central limit theorem: </a:t>
+                </a:r>
+                <a:r>
                   <a:rPr lang="en-US" dirty="0"/>
-                  <a:t>Central limit theorem: the distribution of the sum of </a:t>
+                  <a:t>the distribution of the sum of </a:t>
                 </a:r>
                 <a14:m>
                   <m:oMath xmlns:m="http://schemas.openxmlformats.org/officeDocument/2006/math">
@@ -12893,12 +16508,8 @@
               </a:p>
               <a:p>
                 <a:r>
-                  <a:rPr lang="en-US" dirty="0" smtClean="0"/>
-                  <a:t>Therefore</a:t>
-                </a:r>
-                <a:r>
                   <a:rPr lang="en-US" dirty="0"/>
-                  <a:t>, given a mixture of independent random variables, we can recover the independent random variables by finding the matrix </a:t>
+                  <a:t>Therefore, given a mixture of independent random variables, we can recover the independent random variables by finding the matrix </a:t>
                 </a:r>
                 <a14:m>
                   <m:oMath xmlns:m="http://schemas.openxmlformats.org/officeDocument/2006/math">
@@ -12966,12 +16577,8 @@
                   </m:oMath>
                 </a14:m>
                 <a:r>
-                  <a:rPr lang="en-US" dirty="0" smtClean="0"/>
+                  <a:rPr lang="en-US" dirty="0"/>
                   <a:t>:</a:t>
-                </a:r>
-                <a:r>
-                  <a:rPr lang="en-US" dirty="0"/>
-                  <a:t/>
                 </a:r>
                 <a:br>
                   <a:rPr lang="en-US" dirty="0"/>
@@ -13137,10 +16744,9 @@
               </a:p>
               <a:p>
                 <a:r>
-                  <a:rPr lang="en-US" dirty="0" smtClean="0"/>
+                  <a:rPr lang="en-US" dirty="0"/>
                   <a:t>Example of central limit theorem:</a:t>
                 </a:r>
-                <a:endParaRPr lang="en-US" dirty="0"/>
               </a:p>
               <a:p>
                 <a:pPr lvl="1"/>
@@ -13173,7 +16779,7 @@
             </p:txBody>
           </p:sp>
         </mc:Choice>
-        <mc:Fallback xmlns="">
+        <mc:Fallback>
           <p:sp>
             <p:nvSpPr>
               <p:cNvPr id="3" name="Content Placeholder 2">
@@ -13198,7 +16804,7 @@
               <a:blipFill>
                 <a:blip r:embed="rId2"/>
                 <a:stretch>
-                  <a:fillRect l="-900" t="-1912" r="-200"/>
+                  <a:fillRect l="-833" t="-1985" r="-208"/>
                 </a:stretch>
               </a:blipFill>
             </p:spPr>
@@ -13207,7 +16813,7 @@
               <a:lstStyle/>
               <a:p>
                 <a:r>
-                  <a:rPr lang="en-CA">
+                  <a:rPr lang="en-US">
                     <a:noFill/>
                   </a:rPr>
                   <a:t> </a:t>
@@ -13230,9 +16836,293 @@
   <p:timing>
     <p:tnLst>
       <p:par>
-        <p:cTn id="1" dur="indefinite" restart="never" nodeType="tmRoot"/>
+        <p:cTn id="1" dur="indefinite" restart="never" nodeType="tmRoot">
+          <p:childTnLst>
+            <p:seq concurrent="1" nextAc="seek">
+              <p:cTn id="2" dur="indefinite" nodeType="mainSeq">
+                <p:childTnLst>
+                  <p:par>
+                    <p:cTn id="3" fill="hold">
+                      <p:stCondLst>
+                        <p:cond delay="indefinite"/>
+                      </p:stCondLst>
+                      <p:childTnLst>
+                        <p:par>
+                          <p:cTn id="4" fill="hold">
+                            <p:stCondLst>
+                              <p:cond delay="0"/>
+                            </p:stCondLst>
+                            <p:childTnLst>
+                              <p:par>
+                                <p:cTn id="5" presetID="1" presetClass="entr" presetSubtype="0" fill="hold" grpId="0" nodeType="clickEffect">
+                                  <p:stCondLst>
+                                    <p:cond delay="0"/>
+                                  </p:stCondLst>
+                                  <p:childTnLst>
+                                    <p:set>
+                                      <p:cBhvr>
+                                        <p:cTn id="6" dur="1" fill="hold">
+                                          <p:stCondLst>
+                                            <p:cond delay="0"/>
+                                          </p:stCondLst>
+                                        </p:cTn>
+                                        <p:tgtEl>
+                                          <p:spTgt spid="3">
+                                            <p:txEl>
+                                              <p:pRg st="0" end="0"/>
+                                            </p:txEl>
+                                          </p:spTgt>
+                                        </p:tgtEl>
+                                        <p:attrNameLst>
+                                          <p:attrName>style.visibility</p:attrName>
+                                        </p:attrNameLst>
+                                      </p:cBhvr>
+                                      <p:to>
+                                        <p:strVal val="visible"/>
+                                      </p:to>
+                                    </p:set>
+                                  </p:childTnLst>
+                                </p:cTn>
+                              </p:par>
+                            </p:childTnLst>
+                          </p:cTn>
+                        </p:par>
+                      </p:childTnLst>
+                    </p:cTn>
+                  </p:par>
+                  <p:par>
+                    <p:cTn id="7" fill="hold">
+                      <p:stCondLst>
+                        <p:cond delay="indefinite"/>
+                      </p:stCondLst>
+                      <p:childTnLst>
+                        <p:par>
+                          <p:cTn id="8" fill="hold">
+                            <p:stCondLst>
+                              <p:cond delay="0"/>
+                            </p:stCondLst>
+                            <p:childTnLst>
+                              <p:par>
+                                <p:cTn id="9" presetID="1" presetClass="entr" presetSubtype="0" fill="hold" grpId="0" nodeType="clickEffect">
+                                  <p:stCondLst>
+                                    <p:cond delay="0"/>
+                                  </p:stCondLst>
+                                  <p:childTnLst>
+                                    <p:set>
+                                      <p:cBhvr>
+                                        <p:cTn id="10" dur="1" fill="hold">
+                                          <p:stCondLst>
+                                            <p:cond delay="0"/>
+                                          </p:stCondLst>
+                                        </p:cTn>
+                                        <p:tgtEl>
+                                          <p:spTgt spid="3">
+                                            <p:txEl>
+                                              <p:pRg st="1" end="1"/>
+                                            </p:txEl>
+                                          </p:spTgt>
+                                        </p:tgtEl>
+                                        <p:attrNameLst>
+                                          <p:attrName>style.visibility</p:attrName>
+                                        </p:attrNameLst>
+                                      </p:cBhvr>
+                                      <p:to>
+                                        <p:strVal val="visible"/>
+                                      </p:to>
+                                    </p:set>
+                                  </p:childTnLst>
+                                </p:cTn>
+                              </p:par>
+                            </p:childTnLst>
+                          </p:cTn>
+                        </p:par>
+                      </p:childTnLst>
+                    </p:cTn>
+                  </p:par>
+                  <p:par>
+                    <p:cTn id="11" fill="hold">
+                      <p:stCondLst>
+                        <p:cond delay="indefinite"/>
+                      </p:stCondLst>
+                      <p:childTnLst>
+                        <p:par>
+                          <p:cTn id="12" fill="hold">
+                            <p:stCondLst>
+                              <p:cond delay="0"/>
+                            </p:stCondLst>
+                            <p:childTnLst>
+                              <p:par>
+                                <p:cTn id="13" presetID="1" presetClass="entr" presetSubtype="0" fill="hold" grpId="0" nodeType="clickEffect">
+                                  <p:stCondLst>
+                                    <p:cond delay="0"/>
+                                  </p:stCondLst>
+                                  <p:childTnLst>
+                                    <p:set>
+                                      <p:cBhvr>
+                                        <p:cTn id="14" dur="1" fill="hold">
+                                          <p:stCondLst>
+                                            <p:cond delay="0"/>
+                                          </p:stCondLst>
+                                        </p:cTn>
+                                        <p:tgtEl>
+                                          <p:spTgt spid="3">
+                                            <p:txEl>
+                                              <p:pRg st="2" end="2"/>
+                                            </p:txEl>
+                                          </p:spTgt>
+                                        </p:tgtEl>
+                                        <p:attrNameLst>
+                                          <p:attrName>style.visibility</p:attrName>
+                                        </p:attrNameLst>
+                                      </p:cBhvr>
+                                      <p:to>
+                                        <p:strVal val="visible"/>
+                                      </p:to>
+                                    </p:set>
+                                  </p:childTnLst>
+                                </p:cTn>
+                              </p:par>
+                            </p:childTnLst>
+                          </p:cTn>
+                        </p:par>
+                      </p:childTnLst>
+                    </p:cTn>
+                  </p:par>
+                  <p:par>
+                    <p:cTn id="15" fill="hold">
+                      <p:stCondLst>
+                        <p:cond delay="indefinite"/>
+                      </p:stCondLst>
+                      <p:childTnLst>
+                        <p:par>
+                          <p:cTn id="16" fill="hold">
+                            <p:stCondLst>
+                              <p:cond delay="0"/>
+                            </p:stCondLst>
+                            <p:childTnLst>
+                              <p:par>
+                                <p:cTn id="17" presetID="1" presetClass="entr" presetSubtype="0" fill="hold" grpId="0" nodeType="clickEffect">
+                                  <p:stCondLst>
+                                    <p:cond delay="0"/>
+                                  </p:stCondLst>
+                                  <p:childTnLst>
+                                    <p:set>
+                                      <p:cBhvr>
+                                        <p:cTn id="18" dur="1" fill="hold">
+                                          <p:stCondLst>
+                                            <p:cond delay="0"/>
+                                          </p:stCondLst>
+                                        </p:cTn>
+                                        <p:tgtEl>
+                                          <p:spTgt spid="3">
+                                            <p:txEl>
+                                              <p:pRg st="3" end="3"/>
+                                            </p:txEl>
+                                          </p:spTgt>
+                                        </p:tgtEl>
+                                        <p:attrNameLst>
+                                          <p:attrName>style.visibility</p:attrName>
+                                        </p:attrNameLst>
+                                      </p:cBhvr>
+                                      <p:to>
+                                        <p:strVal val="visible"/>
+                                      </p:to>
+                                    </p:set>
+                                  </p:childTnLst>
+                                </p:cTn>
+                              </p:par>
+                              <p:par>
+                                <p:cTn id="19" presetID="1" presetClass="entr" presetSubtype="0" fill="hold" grpId="0" nodeType="withEffect">
+                                  <p:stCondLst>
+                                    <p:cond delay="0"/>
+                                  </p:stCondLst>
+                                  <p:childTnLst>
+                                    <p:set>
+                                      <p:cBhvr>
+                                        <p:cTn id="20" dur="1" fill="hold">
+                                          <p:stCondLst>
+                                            <p:cond delay="0"/>
+                                          </p:stCondLst>
+                                        </p:cTn>
+                                        <p:tgtEl>
+                                          <p:spTgt spid="3">
+                                            <p:txEl>
+                                              <p:pRg st="4" end="4"/>
+                                            </p:txEl>
+                                          </p:spTgt>
+                                        </p:tgtEl>
+                                        <p:attrNameLst>
+                                          <p:attrName>style.visibility</p:attrName>
+                                        </p:attrNameLst>
+                                      </p:cBhvr>
+                                      <p:to>
+                                        <p:strVal val="visible"/>
+                                      </p:to>
+                                    </p:set>
+                                  </p:childTnLst>
+                                </p:cTn>
+                              </p:par>
+                              <p:par>
+                                <p:cTn id="21" presetID="1" presetClass="entr" presetSubtype="0" fill="hold" grpId="0" nodeType="withEffect">
+                                  <p:stCondLst>
+                                    <p:cond delay="0"/>
+                                  </p:stCondLst>
+                                  <p:childTnLst>
+                                    <p:set>
+                                      <p:cBhvr>
+                                        <p:cTn id="22" dur="1" fill="hold">
+                                          <p:stCondLst>
+                                            <p:cond delay="0"/>
+                                          </p:stCondLst>
+                                        </p:cTn>
+                                        <p:tgtEl>
+                                          <p:spTgt spid="3">
+                                            <p:txEl>
+                                              <p:pRg st="5" end="5"/>
+                                            </p:txEl>
+                                          </p:spTgt>
+                                        </p:tgtEl>
+                                        <p:attrNameLst>
+                                          <p:attrName>style.visibility</p:attrName>
+                                        </p:attrNameLst>
+                                      </p:cBhvr>
+                                      <p:to>
+                                        <p:strVal val="visible"/>
+                                      </p:to>
+                                    </p:set>
+                                  </p:childTnLst>
+                                </p:cTn>
+                              </p:par>
+                            </p:childTnLst>
+                          </p:cTn>
+                        </p:par>
+                      </p:childTnLst>
+                    </p:cTn>
+                  </p:par>
+                </p:childTnLst>
+              </p:cTn>
+              <p:prevCondLst>
+                <p:cond evt="onPrev" delay="0">
+                  <p:tgtEl>
+                    <p:sldTgt/>
+                  </p:tgtEl>
+                </p:cond>
+              </p:prevCondLst>
+              <p:nextCondLst>
+                <p:cond evt="onNext" delay="0">
+                  <p:tgtEl>
+                    <p:sldTgt/>
+                  </p:tgtEl>
+                </p:cond>
+              </p:nextCondLst>
+            </p:seq>
+          </p:childTnLst>
+        </p:cTn>
       </p:par>
     </p:tnLst>
+    <p:bldLst>
+      <p:bldP spid="3" grpId="0" build="p"/>
+    </p:bldLst>
   </p:timing>
 </p:sld>
 </file>
@@ -13275,10 +17165,9 @@
           <a:lstStyle/>
           <a:p>
             <a:r>
-              <a:rPr lang="en-CA" dirty="0" smtClean="0"/>
+              <a:rPr lang="en-CA" dirty="0"/>
               <a:t>Central limit theorem: dice example</a:t>
             </a:r>
-            <a:endParaRPr lang="en-CA" dirty="0"/>
           </a:p>
         </p:txBody>
       </p:sp>
@@ -13471,7 +17360,300 @@
   <p:timing>
     <p:tnLst>
       <p:par>
-        <p:cTn id="1" dur="indefinite" restart="never" nodeType="tmRoot"/>
+        <p:cTn id="1" dur="indefinite" restart="never" nodeType="tmRoot">
+          <p:childTnLst>
+            <p:seq concurrent="1" nextAc="seek">
+              <p:cTn id="2" dur="indefinite" nodeType="mainSeq">
+                <p:childTnLst>
+                  <p:par>
+                    <p:cTn id="3" fill="hold">
+                      <p:stCondLst>
+                        <p:cond delay="indefinite"/>
+                      </p:stCondLst>
+                      <p:childTnLst>
+                        <p:par>
+                          <p:cTn id="4" fill="hold">
+                            <p:stCondLst>
+                              <p:cond delay="0"/>
+                            </p:stCondLst>
+                            <p:childTnLst>
+                              <p:par>
+                                <p:cTn id="5" presetID="1" presetClass="entr" presetSubtype="0" fill="hold" nodeType="clickEffect">
+                                  <p:stCondLst>
+                                    <p:cond delay="0"/>
+                                  </p:stCondLst>
+                                  <p:childTnLst>
+                                    <p:set>
+                                      <p:cBhvr>
+                                        <p:cTn id="6" dur="1" fill="hold">
+                                          <p:stCondLst>
+                                            <p:cond delay="0"/>
+                                          </p:stCondLst>
+                                        </p:cTn>
+                                        <p:tgtEl>
+                                          <p:spTgt spid="3"/>
+                                        </p:tgtEl>
+                                        <p:attrNameLst>
+                                          <p:attrName>style.visibility</p:attrName>
+                                        </p:attrNameLst>
+                                      </p:cBhvr>
+                                      <p:to>
+                                        <p:strVal val="visible"/>
+                                      </p:to>
+                                    </p:set>
+                                  </p:childTnLst>
+                                </p:cTn>
+                              </p:par>
+                            </p:childTnLst>
+                          </p:cTn>
+                        </p:par>
+                      </p:childTnLst>
+                    </p:cTn>
+                  </p:par>
+                  <p:par>
+                    <p:cTn id="7" fill="hold">
+                      <p:stCondLst>
+                        <p:cond delay="indefinite"/>
+                      </p:stCondLst>
+                      <p:childTnLst>
+                        <p:par>
+                          <p:cTn id="8" fill="hold">
+                            <p:stCondLst>
+                              <p:cond delay="0"/>
+                            </p:stCondLst>
+                            <p:childTnLst>
+                              <p:par>
+                                <p:cTn id="9" presetID="1" presetClass="entr" presetSubtype="0" fill="hold" nodeType="clickEffect">
+                                  <p:stCondLst>
+                                    <p:cond delay="0"/>
+                                  </p:stCondLst>
+                                  <p:childTnLst>
+                                    <p:set>
+                                      <p:cBhvr>
+                                        <p:cTn id="10" dur="1" fill="hold">
+                                          <p:stCondLst>
+                                            <p:cond delay="0"/>
+                                          </p:stCondLst>
+                                        </p:cTn>
+                                        <p:tgtEl>
+                                          <p:spTgt spid="5"/>
+                                        </p:tgtEl>
+                                        <p:attrNameLst>
+                                          <p:attrName>style.visibility</p:attrName>
+                                        </p:attrNameLst>
+                                      </p:cBhvr>
+                                      <p:to>
+                                        <p:strVal val="visible"/>
+                                      </p:to>
+                                    </p:set>
+                                  </p:childTnLst>
+                                </p:cTn>
+                              </p:par>
+                            </p:childTnLst>
+                          </p:cTn>
+                        </p:par>
+                      </p:childTnLst>
+                    </p:cTn>
+                  </p:par>
+                  <p:par>
+                    <p:cTn id="11" fill="hold">
+                      <p:stCondLst>
+                        <p:cond delay="indefinite"/>
+                      </p:stCondLst>
+                      <p:childTnLst>
+                        <p:par>
+                          <p:cTn id="12" fill="hold">
+                            <p:stCondLst>
+                              <p:cond delay="0"/>
+                            </p:stCondLst>
+                            <p:childTnLst>
+                              <p:par>
+                                <p:cTn id="13" presetID="1" presetClass="entr" presetSubtype="0" fill="hold" nodeType="clickEffect">
+                                  <p:stCondLst>
+                                    <p:cond delay="0"/>
+                                  </p:stCondLst>
+                                  <p:childTnLst>
+                                    <p:set>
+                                      <p:cBhvr>
+                                        <p:cTn id="14" dur="1" fill="hold">
+                                          <p:stCondLst>
+                                            <p:cond delay="0"/>
+                                          </p:stCondLst>
+                                        </p:cTn>
+                                        <p:tgtEl>
+                                          <p:spTgt spid="6"/>
+                                        </p:tgtEl>
+                                        <p:attrNameLst>
+                                          <p:attrName>style.visibility</p:attrName>
+                                        </p:attrNameLst>
+                                      </p:cBhvr>
+                                      <p:to>
+                                        <p:strVal val="visible"/>
+                                      </p:to>
+                                    </p:set>
+                                  </p:childTnLst>
+                                </p:cTn>
+                              </p:par>
+                            </p:childTnLst>
+                          </p:cTn>
+                        </p:par>
+                      </p:childTnLst>
+                    </p:cTn>
+                  </p:par>
+                  <p:par>
+                    <p:cTn id="15" fill="hold">
+                      <p:stCondLst>
+                        <p:cond delay="indefinite"/>
+                      </p:stCondLst>
+                      <p:childTnLst>
+                        <p:par>
+                          <p:cTn id="16" fill="hold">
+                            <p:stCondLst>
+                              <p:cond delay="0"/>
+                            </p:stCondLst>
+                            <p:childTnLst>
+                              <p:par>
+                                <p:cTn id="17" presetID="1" presetClass="entr" presetSubtype="0" fill="hold" nodeType="clickEffect">
+                                  <p:stCondLst>
+                                    <p:cond delay="0"/>
+                                  </p:stCondLst>
+                                  <p:childTnLst>
+                                    <p:set>
+                                      <p:cBhvr>
+                                        <p:cTn id="18" dur="1" fill="hold">
+                                          <p:stCondLst>
+                                            <p:cond delay="0"/>
+                                          </p:stCondLst>
+                                        </p:cTn>
+                                        <p:tgtEl>
+                                          <p:spTgt spid="7"/>
+                                        </p:tgtEl>
+                                        <p:attrNameLst>
+                                          <p:attrName>style.visibility</p:attrName>
+                                        </p:attrNameLst>
+                                      </p:cBhvr>
+                                      <p:to>
+                                        <p:strVal val="visible"/>
+                                      </p:to>
+                                    </p:set>
+                                  </p:childTnLst>
+                                </p:cTn>
+                              </p:par>
+                            </p:childTnLst>
+                          </p:cTn>
+                        </p:par>
+                      </p:childTnLst>
+                    </p:cTn>
+                  </p:par>
+                  <p:par>
+                    <p:cTn id="19" fill="hold">
+                      <p:stCondLst>
+                        <p:cond delay="indefinite"/>
+                      </p:stCondLst>
+                      <p:childTnLst>
+                        <p:par>
+                          <p:cTn id="20" fill="hold">
+                            <p:stCondLst>
+                              <p:cond delay="0"/>
+                            </p:stCondLst>
+                            <p:childTnLst>
+                              <p:par>
+                                <p:cTn id="21" presetID="1" presetClass="entr" presetSubtype="0" fill="hold" nodeType="clickEffect">
+                                  <p:stCondLst>
+                                    <p:cond delay="0"/>
+                                  </p:stCondLst>
+                                  <p:childTnLst>
+                                    <p:set>
+                                      <p:cBhvr>
+                                        <p:cTn id="22" dur="1" fill="hold">
+                                          <p:stCondLst>
+                                            <p:cond delay="0"/>
+                                          </p:stCondLst>
+                                        </p:cTn>
+                                        <p:tgtEl>
+                                          <p:spTgt spid="8"/>
+                                        </p:tgtEl>
+                                        <p:attrNameLst>
+                                          <p:attrName>style.visibility</p:attrName>
+                                        </p:attrNameLst>
+                                      </p:cBhvr>
+                                      <p:to>
+                                        <p:strVal val="visible"/>
+                                      </p:to>
+                                    </p:set>
+                                  </p:childTnLst>
+                                </p:cTn>
+                              </p:par>
+                            </p:childTnLst>
+                          </p:cTn>
+                        </p:par>
+                      </p:childTnLst>
+                    </p:cTn>
+                  </p:par>
+                  <p:par>
+                    <p:cTn id="23" fill="hold">
+                      <p:stCondLst>
+                        <p:cond delay="indefinite"/>
+                      </p:stCondLst>
+                      <p:childTnLst>
+                        <p:par>
+                          <p:cTn id="24" fill="hold">
+                            <p:stCondLst>
+                              <p:cond delay="0"/>
+                            </p:stCondLst>
+                            <p:childTnLst>
+                              <p:par>
+                                <p:cTn id="25" presetID="1" presetClass="entr" presetSubtype="0" fill="hold" nodeType="clickEffect">
+                                  <p:stCondLst>
+                                    <p:cond delay="0"/>
+                                  </p:stCondLst>
+                                  <p:childTnLst>
+                                    <p:set>
+                                      <p:cBhvr>
+                                        <p:cTn id="26" dur="1" fill="hold">
+                                          <p:stCondLst>
+                                            <p:cond delay="0"/>
+                                          </p:stCondLst>
+                                        </p:cTn>
+                                        <p:tgtEl>
+                                          <p:spTgt spid="9"/>
+                                        </p:tgtEl>
+                                        <p:attrNameLst>
+                                          <p:attrName>style.visibility</p:attrName>
+                                        </p:attrNameLst>
+                                      </p:cBhvr>
+                                      <p:to>
+                                        <p:strVal val="visible"/>
+                                      </p:to>
+                                    </p:set>
+                                  </p:childTnLst>
+                                </p:cTn>
+                              </p:par>
+                            </p:childTnLst>
+                          </p:cTn>
+                        </p:par>
+                      </p:childTnLst>
+                    </p:cTn>
+                  </p:par>
+                </p:childTnLst>
+              </p:cTn>
+              <p:prevCondLst>
+                <p:cond evt="onPrev" delay="0">
+                  <p:tgtEl>
+                    <p:sldTgt/>
+                  </p:tgtEl>
+                </p:cond>
+              </p:prevCondLst>
+              <p:nextCondLst>
+                <p:cond evt="onNext" delay="0">
+                  <p:tgtEl>
+                    <p:sldTgt/>
+                  </p:tgtEl>
+                </p:cond>
+              </p:nextCondLst>
+            </p:seq>
+          </p:childTnLst>
+        </p:cTn>
       </p:par>
     </p:tnLst>
   </p:timing>
@@ -13526,7 +17708,11 @@
             </a:r>
             <a:r>
               <a:rPr lang="en-US" dirty="0"/>
-              <a:t>: Kurtosis</a:t>
+              <a:t>: </a:t>
+            </a:r>
+            <a:r>
+              <a:rPr lang="en-US" b="1" dirty="0"/>
+              <a:t>Kurtosis</a:t>
             </a:r>
           </a:p>
         </p:txBody>
@@ -14215,9 +18401,378 @@
   <p:timing>
     <p:tnLst>
       <p:par>
-        <p:cTn id="1" dur="indefinite" restart="never" nodeType="tmRoot"/>
+        <p:cTn id="1" dur="indefinite" restart="never" nodeType="tmRoot">
+          <p:childTnLst>
+            <p:seq concurrent="1" nextAc="seek">
+              <p:cTn id="2" dur="indefinite" nodeType="mainSeq">
+                <p:childTnLst>
+                  <p:par>
+                    <p:cTn id="3" fill="hold">
+                      <p:stCondLst>
+                        <p:cond delay="indefinite"/>
+                      </p:stCondLst>
+                      <p:childTnLst>
+                        <p:par>
+                          <p:cTn id="4" fill="hold">
+                            <p:stCondLst>
+                              <p:cond delay="0"/>
+                            </p:stCondLst>
+                            <p:childTnLst>
+                              <p:par>
+                                <p:cTn id="5" presetID="1" presetClass="entr" presetSubtype="0" fill="hold" grpId="0" nodeType="clickEffect">
+                                  <p:stCondLst>
+                                    <p:cond delay="0"/>
+                                  </p:stCondLst>
+                                  <p:childTnLst>
+                                    <p:set>
+                                      <p:cBhvr>
+                                        <p:cTn id="6" dur="1" fill="hold">
+                                          <p:stCondLst>
+                                            <p:cond delay="0"/>
+                                          </p:stCondLst>
+                                        </p:cTn>
+                                        <p:tgtEl>
+                                          <p:spTgt spid="3">
+                                            <p:txEl>
+                                              <p:pRg st="0" end="0"/>
+                                            </p:txEl>
+                                          </p:spTgt>
+                                        </p:tgtEl>
+                                        <p:attrNameLst>
+                                          <p:attrName>style.visibility</p:attrName>
+                                        </p:attrNameLst>
+                                      </p:cBhvr>
+                                      <p:to>
+                                        <p:strVal val="visible"/>
+                                      </p:to>
+                                    </p:set>
+                                  </p:childTnLst>
+                                </p:cTn>
+                              </p:par>
+                            </p:childTnLst>
+                          </p:cTn>
+                        </p:par>
+                      </p:childTnLst>
+                    </p:cTn>
+                  </p:par>
+                  <p:par>
+                    <p:cTn id="7" fill="hold">
+                      <p:stCondLst>
+                        <p:cond delay="indefinite"/>
+                      </p:stCondLst>
+                      <p:childTnLst>
+                        <p:par>
+                          <p:cTn id="8" fill="hold">
+                            <p:stCondLst>
+                              <p:cond delay="0"/>
+                            </p:stCondLst>
+                            <p:childTnLst>
+                              <p:par>
+                                <p:cTn id="9" presetID="1" presetClass="entr" presetSubtype="0" fill="hold" grpId="0" nodeType="clickEffect">
+                                  <p:stCondLst>
+                                    <p:cond delay="0"/>
+                                  </p:stCondLst>
+                                  <p:childTnLst>
+                                    <p:set>
+                                      <p:cBhvr>
+                                        <p:cTn id="10" dur="1" fill="hold">
+                                          <p:stCondLst>
+                                            <p:cond delay="0"/>
+                                          </p:stCondLst>
+                                        </p:cTn>
+                                        <p:tgtEl>
+                                          <p:spTgt spid="3">
+                                            <p:txEl>
+                                              <p:pRg st="1" end="1"/>
+                                            </p:txEl>
+                                          </p:spTgt>
+                                        </p:tgtEl>
+                                        <p:attrNameLst>
+                                          <p:attrName>style.visibility</p:attrName>
+                                        </p:attrNameLst>
+                                      </p:cBhvr>
+                                      <p:to>
+                                        <p:strVal val="visible"/>
+                                      </p:to>
+                                    </p:set>
+                                  </p:childTnLst>
+                                </p:cTn>
+                              </p:par>
+                            </p:childTnLst>
+                          </p:cTn>
+                        </p:par>
+                      </p:childTnLst>
+                    </p:cTn>
+                  </p:par>
+                  <p:par>
+                    <p:cTn id="11" fill="hold">
+                      <p:stCondLst>
+                        <p:cond delay="indefinite"/>
+                      </p:stCondLst>
+                      <p:childTnLst>
+                        <p:par>
+                          <p:cTn id="12" fill="hold">
+                            <p:stCondLst>
+                              <p:cond delay="0"/>
+                            </p:stCondLst>
+                            <p:childTnLst>
+                              <p:par>
+                                <p:cTn id="13" presetID="1" presetClass="entr" presetSubtype="0" fill="hold" grpId="0" nodeType="clickEffect">
+                                  <p:stCondLst>
+                                    <p:cond delay="0"/>
+                                  </p:stCondLst>
+                                  <p:childTnLst>
+                                    <p:set>
+                                      <p:cBhvr>
+                                        <p:cTn id="14" dur="1" fill="hold">
+                                          <p:stCondLst>
+                                            <p:cond delay="0"/>
+                                          </p:stCondLst>
+                                        </p:cTn>
+                                        <p:tgtEl>
+                                          <p:spTgt spid="3">
+                                            <p:txEl>
+                                              <p:pRg st="2" end="2"/>
+                                            </p:txEl>
+                                          </p:spTgt>
+                                        </p:tgtEl>
+                                        <p:attrNameLst>
+                                          <p:attrName>style.visibility</p:attrName>
+                                        </p:attrNameLst>
+                                      </p:cBhvr>
+                                      <p:to>
+                                        <p:strVal val="visible"/>
+                                      </p:to>
+                                    </p:set>
+                                  </p:childTnLst>
+                                </p:cTn>
+                              </p:par>
+                            </p:childTnLst>
+                          </p:cTn>
+                        </p:par>
+                      </p:childTnLst>
+                    </p:cTn>
+                  </p:par>
+                  <p:par>
+                    <p:cTn id="15" fill="hold">
+                      <p:stCondLst>
+                        <p:cond delay="indefinite"/>
+                      </p:stCondLst>
+                      <p:childTnLst>
+                        <p:par>
+                          <p:cTn id="16" fill="hold">
+                            <p:stCondLst>
+                              <p:cond delay="0"/>
+                            </p:stCondLst>
+                            <p:childTnLst>
+                              <p:par>
+                                <p:cTn id="17" presetID="1" presetClass="entr" presetSubtype="0" fill="hold" grpId="0" nodeType="clickEffect">
+                                  <p:stCondLst>
+                                    <p:cond delay="0"/>
+                                  </p:stCondLst>
+                                  <p:childTnLst>
+                                    <p:set>
+                                      <p:cBhvr>
+                                        <p:cTn id="18" dur="1" fill="hold">
+                                          <p:stCondLst>
+                                            <p:cond delay="0"/>
+                                          </p:stCondLst>
+                                        </p:cTn>
+                                        <p:tgtEl>
+                                          <p:spTgt spid="3">
+                                            <p:txEl>
+                                              <p:pRg st="3" end="3"/>
+                                            </p:txEl>
+                                          </p:spTgt>
+                                        </p:tgtEl>
+                                        <p:attrNameLst>
+                                          <p:attrName>style.visibility</p:attrName>
+                                        </p:attrNameLst>
+                                      </p:cBhvr>
+                                      <p:to>
+                                        <p:strVal val="visible"/>
+                                      </p:to>
+                                    </p:set>
+                                  </p:childTnLst>
+                                </p:cTn>
+                              </p:par>
+                            </p:childTnLst>
+                          </p:cTn>
+                        </p:par>
+                      </p:childTnLst>
+                    </p:cTn>
+                  </p:par>
+                  <p:par>
+                    <p:cTn id="19" fill="hold">
+                      <p:stCondLst>
+                        <p:cond delay="indefinite"/>
+                      </p:stCondLst>
+                      <p:childTnLst>
+                        <p:par>
+                          <p:cTn id="20" fill="hold">
+                            <p:stCondLst>
+                              <p:cond delay="0"/>
+                            </p:stCondLst>
+                            <p:childTnLst>
+                              <p:par>
+                                <p:cTn id="21" presetID="1" presetClass="entr" presetSubtype="0" fill="hold" grpId="0" nodeType="clickEffect">
+                                  <p:stCondLst>
+                                    <p:cond delay="0"/>
+                                  </p:stCondLst>
+                                  <p:childTnLst>
+                                    <p:set>
+                                      <p:cBhvr>
+                                        <p:cTn id="22" dur="1" fill="hold">
+                                          <p:stCondLst>
+                                            <p:cond delay="0"/>
+                                          </p:stCondLst>
+                                        </p:cTn>
+                                        <p:tgtEl>
+                                          <p:spTgt spid="3">
+                                            <p:txEl>
+                                              <p:pRg st="4" end="4"/>
+                                            </p:txEl>
+                                          </p:spTgt>
+                                        </p:tgtEl>
+                                        <p:attrNameLst>
+                                          <p:attrName>style.visibility</p:attrName>
+                                        </p:attrNameLst>
+                                      </p:cBhvr>
+                                      <p:to>
+                                        <p:strVal val="visible"/>
+                                      </p:to>
+                                    </p:set>
+                                  </p:childTnLst>
+                                </p:cTn>
+                              </p:par>
+                            </p:childTnLst>
+                          </p:cTn>
+                        </p:par>
+                      </p:childTnLst>
+                    </p:cTn>
+                  </p:par>
+                  <p:par>
+                    <p:cTn id="23" fill="hold">
+                      <p:stCondLst>
+                        <p:cond delay="indefinite"/>
+                      </p:stCondLst>
+                      <p:childTnLst>
+                        <p:par>
+                          <p:cTn id="24" fill="hold">
+                            <p:stCondLst>
+                              <p:cond delay="0"/>
+                            </p:stCondLst>
+                            <p:childTnLst>
+                              <p:par>
+                                <p:cTn id="25" presetID="1" presetClass="entr" presetSubtype="0" fill="hold" grpId="0" nodeType="clickEffect">
+                                  <p:stCondLst>
+                                    <p:cond delay="0"/>
+                                  </p:stCondLst>
+                                  <p:childTnLst>
+                                    <p:set>
+                                      <p:cBhvr>
+                                        <p:cTn id="26" dur="1" fill="hold">
+                                          <p:stCondLst>
+                                            <p:cond delay="0"/>
+                                          </p:stCondLst>
+                                        </p:cTn>
+                                        <p:tgtEl>
+                                          <p:spTgt spid="3">
+                                            <p:txEl>
+                                              <p:pRg st="5" end="5"/>
+                                            </p:txEl>
+                                          </p:spTgt>
+                                        </p:tgtEl>
+                                        <p:attrNameLst>
+                                          <p:attrName>style.visibility</p:attrName>
+                                        </p:attrNameLst>
+                                      </p:cBhvr>
+                                      <p:to>
+                                        <p:strVal val="visible"/>
+                                      </p:to>
+                                    </p:set>
+                                  </p:childTnLst>
+                                </p:cTn>
+                              </p:par>
+                            </p:childTnLst>
+                          </p:cTn>
+                        </p:par>
+                      </p:childTnLst>
+                    </p:cTn>
+                  </p:par>
+                  <p:par>
+                    <p:cTn id="27" fill="hold">
+                      <p:stCondLst>
+                        <p:cond delay="indefinite"/>
+                      </p:stCondLst>
+                      <p:childTnLst>
+                        <p:par>
+                          <p:cTn id="28" fill="hold">
+                            <p:stCondLst>
+                              <p:cond delay="0"/>
+                            </p:stCondLst>
+                            <p:childTnLst>
+                              <p:par>
+                                <p:cTn id="29" presetID="1" presetClass="entr" presetSubtype="0" fill="hold" grpId="0" nodeType="clickEffect">
+                                  <p:stCondLst>
+                                    <p:cond delay="0"/>
+                                  </p:stCondLst>
+                                  <p:childTnLst>
+                                    <p:set>
+                                      <p:cBhvr>
+                                        <p:cTn id="30" dur="1" fill="hold">
+                                          <p:stCondLst>
+                                            <p:cond delay="0"/>
+                                          </p:stCondLst>
+                                        </p:cTn>
+                                        <p:tgtEl>
+                                          <p:spTgt spid="3">
+                                            <p:txEl>
+                                              <p:pRg st="6" end="6"/>
+                                            </p:txEl>
+                                          </p:spTgt>
+                                        </p:tgtEl>
+                                        <p:attrNameLst>
+                                          <p:attrName>style.visibility</p:attrName>
+                                        </p:attrNameLst>
+                                      </p:cBhvr>
+                                      <p:to>
+                                        <p:strVal val="visible"/>
+                                      </p:to>
+                                    </p:set>
+                                  </p:childTnLst>
+                                </p:cTn>
+                              </p:par>
+                            </p:childTnLst>
+                          </p:cTn>
+                        </p:par>
+                      </p:childTnLst>
+                    </p:cTn>
+                  </p:par>
+                </p:childTnLst>
+              </p:cTn>
+              <p:prevCondLst>
+                <p:cond evt="onPrev" delay="0">
+                  <p:tgtEl>
+                    <p:sldTgt/>
+                  </p:tgtEl>
+                </p:cond>
+              </p:prevCondLst>
+              <p:nextCondLst>
+                <p:cond evt="onNext" delay="0">
+                  <p:tgtEl>
+                    <p:sldTgt/>
+                  </p:tgtEl>
+                </p:cond>
+              </p:nextCondLst>
+            </p:seq>
+          </p:childTnLst>
+        </p:cTn>
       </p:par>
     </p:tnLst>
+    <p:bldLst>
+      <p:bldP spid="3" grpId="0" build="p"/>
+    </p:bldLst>
   </p:timing>
 </p:sld>
 </file>
